--- a/pwp/Lezione_1.pptx
+++ b/pwp/Lezione_1.pptx
@@ -5,7 +5,7 @@
     <p:sldMasterId id="2147483648" r:id="rId1"/>
   </p:sldMasterIdLst>
   <p:notesMasterIdLst>
-    <p:notesMasterId r:id="rId32"/>
+    <p:notesMasterId r:id="rId33"/>
   </p:notesMasterIdLst>
   <p:sldIdLst>
     <p:sldId id="256" r:id="rId2"/>
@@ -13,31 +13,32 @@
     <p:sldId id="258" r:id="rId4"/>
     <p:sldId id="259" r:id="rId5"/>
     <p:sldId id="260" r:id="rId6"/>
-    <p:sldId id="261" r:id="rId7"/>
-    <p:sldId id="262" r:id="rId8"/>
-    <p:sldId id="263" r:id="rId9"/>
-    <p:sldId id="264" r:id="rId10"/>
-    <p:sldId id="265" r:id="rId11"/>
-    <p:sldId id="266" r:id="rId12"/>
-    <p:sldId id="267" r:id="rId13"/>
-    <p:sldId id="268" r:id="rId14"/>
-    <p:sldId id="269" r:id="rId15"/>
-    <p:sldId id="270" r:id="rId16"/>
-    <p:sldId id="271" r:id="rId17"/>
-    <p:sldId id="272" r:id="rId18"/>
-    <p:sldId id="273" r:id="rId19"/>
-    <p:sldId id="274" r:id="rId20"/>
-    <p:sldId id="275" r:id="rId21"/>
-    <p:sldId id="276" r:id="rId22"/>
-    <p:sldId id="277" r:id="rId23"/>
-    <p:sldId id="278" r:id="rId24"/>
-    <p:sldId id="279" r:id="rId25"/>
-    <p:sldId id="280" r:id="rId26"/>
-    <p:sldId id="281" r:id="rId27"/>
-    <p:sldId id="282" r:id="rId28"/>
-    <p:sldId id="283" r:id="rId29"/>
-    <p:sldId id="284" r:id="rId30"/>
-    <p:sldId id="285" r:id="rId31"/>
+    <p:sldId id="286" r:id="rId7"/>
+    <p:sldId id="261" r:id="rId8"/>
+    <p:sldId id="262" r:id="rId9"/>
+    <p:sldId id="263" r:id="rId10"/>
+    <p:sldId id="264" r:id="rId11"/>
+    <p:sldId id="265" r:id="rId12"/>
+    <p:sldId id="266" r:id="rId13"/>
+    <p:sldId id="267" r:id="rId14"/>
+    <p:sldId id="268" r:id="rId15"/>
+    <p:sldId id="269" r:id="rId16"/>
+    <p:sldId id="270" r:id="rId17"/>
+    <p:sldId id="271" r:id="rId18"/>
+    <p:sldId id="272" r:id="rId19"/>
+    <p:sldId id="273" r:id="rId20"/>
+    <p:sldId id="274" r:id="rId21"/>
+    <p:sldId id="275" r:id="rId22"/>
+    <p:sldId id="276" r:id="rId23"/>
+    <p:sldId id="277" r:id="rId24"/>
+    <p:sldId id="278" r:id="rId25"/>
+    <p:sldId id="279" r:id="rId26"/>
+    <p:sldId id="280" r:id="rId27"/>
+    <p:sldId id="281" r:id="rId28"/>
+    <p:sldId id="282" r:id="rId29"/>
+    <p:sldId id="283" r:id="rId30"/>
+    <p:sldId id="284" r:id="rId31"/>
+    <p:sldId id="285" r:id="rId32"/>
   </p:sldIdLst>
   <p:sldSz cx="24384000" cy="13716000"/>
   <p:notesSz cx="6858000" cy="9144000"/>
@@ -339,6 +340,11 @@
       </a:defRPr>
     </a:lvl9pPr>
   </p:defaultTextStyle>
+  <p:extLst>
+    <p:ext uri="{EFAFB233-063F-42B5-8137-9DF3F51BA10A}">
+      <p15:sldGuideLst xmlns:p15="http://schemas.microsoft.com/office/powerpoint/2012/main"/>
+    </p:ext>
+  </p:extLst>
 </p:presentation>
 </file>
 
@@ -544,7 +550,7 @@
       </p:grpSpPr>
       <p:sp>
         <p:nvSpPr>
-          <p:cNvPr id="225" name="Shape 225"/>
+          <p:cNvPr id="2" name="Segnaposto immagine diapositiva 1"/>
           <p:cNvSpPr>
             <a:spLocks noGrp="1" noRot="1" noChangeAspect="1"/>
           </p:cNvSpPr>
@@ -553,230 +559,1014 @@
           </p:nvPr>
         </p:nvSpPr>
         <p:spPr>
-          <a:prstGeom prst="rect">
-            <a:avLst/>
-          </a:prstGeom>
-        </p:spPr>
-        <p:txBody>
-          <a:bodyPr/>
-          <a:lstStyle/>
-          <a:p>
-            <a:endParaRPr/>
-          </a:p>
-        </p:txBody>
+          <a:xfrm>
+            <a:off x="381000" y="685800"/>
+            <a:ext cx="6096000" cy="3429000"/>
+          </a:xfrm>
+        </p:spPr>
       </p:sp>
       <p:sp>
         <p:nvSpPr>
-          <p:cNvPr id="226" name="Shape 226"/>
+          <p:cNvPr id="3" name="Segnaposto note 2"/>
           <p:cNvSpPr>
             <a:spLocks noGrp="1"/>
           </p:cNvSpPr>
           <p:nvPr>
-            <p:ph type="body" sz="quarter" idx="1"/>
+            <p:ph type="body" idx="1"/>
           </p:nvPr>
         </p:nvSpPr>
-        <p:spPr>
-          <a:prstGeom prst="rect">
-            <a:avLst/>
-          </a:prstGeom>
-        </p:spPr>
+        <p:spPr/>
         <p:txBody>
           <a:bodyPr/>
           <a:lstStyle/>
           <a:p>
             <a:r>
-              <a:t>Qualsiasi programma è costituito da un insieme di istruzioni, che si tratti di sommare due numeri o di inviare richieste di dati su internet. Compilatori e interpreti partono da un codice leggibile da una persona e lo convertono in una forma adatta ad essere letta da un computer.</a:t>
-            </a:r>
-          </a:p>
-          <a:p>
-            <a:endParaRPr/>
-          </a:p>
-          <a:p>
-            <a:r>
-              <a:t>Nel linguaggio compilato, la macchina svolge direttamente l'operazione di traduzione. Nel linguaggio interpretato, la fonte del codice non viene tradotta direttamente dalla macchina. In questo caso è un programma diverso, detto interprete, che legge ed esegue il codice.</a:t>
-            </a:r>
-          </a:p>
-          <a:p>
-            <a:endParaRPr/>
-          </a:p>
-          <a:p>
-            <a:r>
-              <a:t>Ok… ma cosa vuol dire realmente?</a:t>
-            </a:r>
-          </a:p>
-          <a:p>
-            <a:endParaRPr/>
-          </a:p>
-          <a:p>
-            <a:r>
-              <a:t>Immagina di voler preparare dell'hummus seguendo una ricetta scritta in greco antico. Ci sono due modi in cui puoi farlo, non conoscendo il greco antico.</a:t>
-            </a:r>
-          </a:p>
-          <a:p>
-            <a:endParaRPr/>
-          </a:p>
-          <a:p>
-            <a:r>
-              <a:t>Il primo è che qualcuno traduca la ricetta in italiano per te. Poi sarai in grado di leggere la ricetta in versione italiana (tu e chiunque altro conosca l'italiano) e preparare l'hummus. Pensa a questa ricetta tradotta come alla versione compilata.</a:t>
-            </a:r>
-          </a:p>
-          <a:p>
-            <a:endParaRPr/>
-          </a:p>
-          <a:p>
-            <a:r>
-              <a:t>Il secondo modo è che tu abbia un amico che conosce il greco antico. Quando sei pronto a preparare l'hummus, il tuo amico può sedersi accanto a te e tradurre la ricetta durante la preparazione del piatto. In questo caso, la versione della ricetta è interpretata e il tuo amico ne è l'interprete.  </a:t>
-            </a:r>
-          </a:p>
-          <a:p>
-            <a:endParaRPr/>
-          </a:p>
-          <a:p>
-            <a:r>
-              <a:t>Linguaggi compilati</a:t>
-            </a:r>
-          </a:p>
-          <a:p>
-            <a:r>
-              <a:t>I linguaggi compilati vengono convertiti direttamente nel codice macchina che viene eseguito dal processore. Di conseguenza, tendono ad essere più veloci ed efficienti da eseguire rispetto ai linguaggi interpretati. Inoltre, permettono allo sviluppatore di avere un maggior controllo sugli aspetti legati all'hardware, come la gestione della memoria e l'uso della CPU.</a:t>
-            </a:r>
-          </a:p>
-          <a:p>
-            <a:endParaRPr/>
-          </a:p>
-          <a:p>
-            <a:r>
-              <a:t>I linguaggi compilati necessitano di una fase di "costruzione"- all'inizio devono essere compilati manualmente. Occorre "ricostruire" il programma ogni volta che lo si vuole modificare. Nel nostro esempio dell'hummus, l'intera traduzione viene fatta prima che la ricetta arrivi a te. Se l'autore originale volesse usare un tipo diverso di olio di oliva, l'intera ricetta dovrebbe essere ritradotta interamente e mandata di nuovo a te.</a:t>
-            </a:r>
-          </a:p>
-          <a:p>
-            <a:endParaRPr/>
-          </a:p>
-          <a:p>
-            <a:r>
-              <a:t>Alcuni esempi di linguaggi compilati sono C, C++, Erlang, Haskell, Rust, and Go.</a:t>
-            </a:r>
-          </a:p>
-          <a:p>
-            <a:endParaRPr/>
-          </a:p>
-          <a:p>
-            <a:r>
-              <a:t>Linguaggi interpretati</a:t>
-            </a:r>
-          </a:p>
-          <a:p>
-            <a:r>
-              <a:t>Gli interpreti funzionano attraverso un programma che esegue ogni comando riga per riga. In questo caso, se l'autore decidesse di voler utilizzare un tipo diverso di olio di oliva, potrebbe cancellarlo e aggiungerne uno nuovo. Il tuo amico traduttore poi, ti riferirebbe del cambio avvenuto.</a:t>
-            </a:r>
-          </a:p>
-          <a:p>
-            <a:endParaRPr/>
-          </a:p>
-          <a:p>
-            <a:r>
-              <a:t>I linguaggi interpretati erano notevolmente più lenti dei linguaggi compilati. Adesso, con lo sviluppo della compilazione just-in-time, il divario sta diminuendo.</a:t>
-            </a:r>
-          </a:p>
-          <a:p>
-            <a:endParaRPr/>
-          </a:p>
-          <a:p>
-            <a:r>
-              <a:t>Esempi di linguaggi interpretati sono PHP, Ruby, Python, e JavaScript.</a:t>
-            </a:r>
-          </a:p>
-          <a:p>
-            <a:endParaRPr/>
-          </a:p>
-          <a:p>
-            <a:r>
-              <a:t>Un piccolo avvertimento</a:t>
-            </a:r>
-          </a:p>
-          <a:p>
-            <a:r>
-              <a:t>La maggior parte dei linguaggi può essere attuata sia in forma compilata che interpretata - il linguaggio in sé non deve essere necessariamente compilato o interpretato. In ogni caso, per semplicità, vengono generalmente identificati così.</a:t>
-            </a:r>
-          </a:p>
-          <a:p>
-            <a:endParaRPr/>
-          </a:p>
-          <a:p>
-            <a:r>
-              <a:t>Python, per esempio, può essere eseguito sia come linguaggio di programmazione compilato che  interpretato in modo interattivo. Al contrario invece, la maggioranza dei strumenti da riga di comando, CLI, e shell possono essere classificati teoricamente come linguaggi interpretati.</a:t>
-            </a:r>
-          </a:p>
-          <a:p>
-            <a:endParaRPr/>
-          </a:p>
-          <a:p>
-            <a:r>
-              <a:t>Vantaggi e svantaggi</a:t>
-            </a:r>
-          </a:p>
-          <a:p>
-            <a:r>
-              <a:t>Vantaggi dei linguaggi compilati</a:t>
-            </a:r>
-          </a:p>
-          <a:p>
-            <a:r>
-              <a:t>I programmi che vengono compilati nel codice macchina tendono a essere più veloci del quelli interpretati. Questo accade perché il processo di traduzione del codice durante l'esecuzione può sovraccaricare il sistema, rallentando il programma.</a:t>
-            </a:r>
-          </a:p>
-          <a:p>
-            <a:endParaRPr/>
-          </a:p>
-          <a:p>
-            <a:r>
-              <a:t>Svantaggi dei linguaggi compilati</a:t>
-            </a:r>
-          </a:p>
-          <a:p>
-            <a:r>
-              <a:t>Gli svantaggi più rilevanti sono:</a:t>
-            </a:r>
-          </a:p>
-          <a:p>
-            <a:endParaRPr/>
-          </a:p>
-          <a:p>
-            <a:r>
-              <a:t>Più tempo necessario per completare la fase di compilazione prima di poter fare test</a:t>
-            </a:r>
-          </a:p>
-          <a:p>
-            <a:r>
-              <a:t>Dipendenza dalla piattaforma del codice binario generato</a:t>
-            </a:r>
-          </a:p>
-          <a:p>
-            <a:r>
-              <a:t>Vantaggi dei linguaggi interpretati</a:t>
-            </a:r>
-          </a:p>
-          <a:p>
-            <a:r>
-              <a:t>I linguaggi interpretati tendono ad essere più flessibili, offrendo spesso caratteristiche come la tipizzazione dinamica e programmi con minori dimensioni. Inoltre, dato che sono gli interpreti ad eseguire il codice sorgente, il codice stesso risulta una piattaforma indipendente.</a:t>
-            </a:r>
-          </a:p>
-          <a:p>
-            <a:endParaRPr/>
-          </a:p>
-          <a:p>
-            <a:r>
-              <a:t>Svantaggi dei linguaggi interpretati</a:t>
-            </a:r>
-          </a:p>
-          <a:p>
-            <a:r>
-              <a:t>Lo svantaggio principale è la velocità di esecuzione tipicamente ridotta rispetto a quella dei linguaggio compilati.</a:t>
-            </a:r>
+              <a:rPr lang="it-IT" sz="2200" b="1" i="0" dirty="0">
+                <a:solidFill>
+                  <a:schemeClr val="tx1"/>
+                </a:solidFill>
+                <a:effectLst/>
+                <a:latin typeface="Helvetica Neue"/>
+                <a:ea typeface="Helvetica Neue"/>
+                <a:cs typeface="Helvetica Neue"/>
+                <a:sym typeface="Helvetica Neue"/>
+              </a:rPr>
+              <a:t>procedurale</a:t>
+            </a:r>
+            <a:r>
+              <a:rPr lang="it-IT" sz="2200" b="0" i="0" dirty="0">
+                <a:solidFill>
+                  <a:schemeClr val="tx1"/>
+                </a:solidFill>
+                <a:effectLst/>
+                <a:latin typeface="Helvetica Neue"/>
+                <a:ea typeface="Helvetica Neue"/>
+                <a:cs typeface="Helvetica Neue"/>
+                <a:sym typeface="Helvetica Neue"/>
+              </a:rPr>
+              <a:t>: il codice è suddiviso in </a:t>
+            </a:r>
+            <a:r>
+              <a:rPr lang="it-IT" sz="2200" b="0" i="1" dirty="0">
+                <a:solidFill>
+                  <a:schemeClr val="tx1"/>
+                </a:solidFill>
+                <a:effectLst/>
+                <a:latin typeface="Helvetica Neue"/>
+                <a:ea typeface="Helvetica Neue"/>
+                <a:cs typeface="Helvetica Neue"/>
+                <a:sym typeface="Helvetica Neue"/>
+              </a:rPr>
+              <a:t>subroutine</a:t>
+            </a:r>
+            <a:r>
+              <a:rPr lang="it-IT" sz="2200" b="0" i="0" dirty="0">
+                <a:solidFill>
+                  <a:schemeClr val="tx1"/>
+                </a:solidFill>
+                <a:effectLst/>
+                <a:latin typeface="Helvetica Neue"/>
+                <a:ea typeface="Helvetica Neue"/>
+                <a:cs typeface="Helvetica Neue"/>
+                <a:sym typeface="Helvetica Neue"/>
+              </a:rPr>
+              <a:t> (funzioni e/o procedure) che eseguono specifici compiti, consentendo, solitamente, di sfruttare i pericolosi salti condizionali (</a:t>
+            </a:r>
+            <a:r>
+              <a:rPr lang="it-IT" sz="2200" b="0" i="0" dirty="0" err="1">
+                <a:solidFill>
+                  <a:schemeClr val="tx1"/>
+                </a:solidFill>
+                <a:effectLst/>
+                <a:latin typeface="Helvetica Neue"/>
+                <a:ea typeface="Helvetica Neue"/>
+                <a:cs typeface="Helvetica Neue"/>
+                <a:sym typeface="Helvetica Neue"/>
+              </a:rPr>
+              <a:t>aka</a:t>
+            </a:r>
+            <a:r>
+              <a:rPr lang="it-IT" sz="2200" b="0" i="0" dirty="0">
+                <a:solidFill>
+                  <a:schemeClr val="tx1"/>
+                </a:solidFill>
+                <a:effectLst/>
+                <a:latin typeface="Helvetica Neue"/>
+                <a:ea typeface="Helvetica Neue"/>
+                <a:cs typeface="Helvetica Neue"/>
+                <a:sym typeface="Helvetica Neue"/>
+              </a:rPr>
+              <a:t> go-to). La suddivisione in funzioni (o procedure) è pensata per ridurre la complessità del programma nel suo complesso, adottato la strategia del divide-et-impera ed abbracciando un’astrazione di tipo </a:t>
+            </a:r>
+            <a:r>
+              <a:rPr lang="it-IT" sz="2200" b="0" i="1" dirty="0">
+                <a:solidFill>
+                  <a:schemeClr val="tx1"/>
+                </a:solidFill>
+                <a:effectLst/>
+                <a:latin typeface="Helvetica Neue"/>
+                <a:ea typeface="Helvetica Neue"/>
+                <a:cs typeface="Helvetica Neue"/>
+                <a:sym typeface="Helvetica Neue"/>
+              </a:rPr>
+              <a:t>funzionale </a:t>
+            </a:r>
+            <a:r>
+              <a:rPr lang="it-IT" sz="2200" b="0" i="0" dirty="0">
+                <a:solidFill>
+                  <a:schemeClr val="tx1"/>
+                </a:solidFill>
+                <a:effectLst/>
+                <a:latin typeface="Helvetica Neue"/>
+                <a:ea typeface="Helvetica Neue"/>
+                <a:cs typeface="Helvetica Neue"/>
+                <a:sym typeface="Helvetica Neue"/>
+              </a:rPr>
+              <a:t>in cui è sufficiente conoscere solo l’interfaccia della procedura tralasciandone i dettagli implementativi. La definizione “procedurale” deriva dal linguaggio </a:t>
+            </a:r>
+            <a:r>
+              <a:rPr lang="it-IT" sz="2200" b="0" i="0" u="none" strike="noStrike" dirty="0">
+                <a:solidFill>
+                  <a:schemeClr val="tx1"/>
+                </a:solidFill>
+                <a:effectLst/>
+                <a:latin typeface="Helvetica Neue"/>
+                <a:ea typeface="Helvetica Neue"/>
+                <a:cs typeface="Helvetica Neue"/>
+                <a:sym typeface="Helvetica Neue"/>
+                <a:hlinkClick r:id="rId3">
+                  <a:extLst>
+                    <a:ext uri="{A12FA001-AC4F-418D-AE19-62706E023703}">
+                      <ahyp:hlinkClr xmlns:ahyp="http://schemas.microsoft.com/office/drawing/2018/hyperlinkcolor" val="tx"/>
+                    </a:ext>
+                  </a:extLst>
+                </a:hlinkClick>
+              </a:rPr>
+              <a:t>COBOL</a:t>
+            </a:r>
+            <a:r>
+              <a:rPr lang="it-IT" sz="2200" b="0" i="0" dirty="0">
+                <a:solidFill>
+                  <a:schemeClr val="tx1"/>
+                </a:solidFill>
+                <a:effectLst/>
+                <a:latin typeface="Helvetica Neue"/>
+                <a:ea typeface="Helvetica Neue"/>
+                <a:cs typeface="Helvetica Neue"/>
+                <a:sym typeface="Helvetica Neue"/>
+              </a:rPr>
+              <a:t>, che è stato il primo ad utilizzare questo concetto;</a:t>
+            </a:r>
+          </a:p>
+          <a:p>
+            <a:r>
+              <a:rPr lang="it-IT" sz="2200" b="1" i="0" dirty="0">
+                <a:solidFill>
+                  <a:schemeClr val="tx1"/>
+                </a:solidFill>
+                <a:effectLst/>
+                <a:latin typeface="Helvetica Neue"/>
+                <a:ea typeface="Helvetica Neue"/>
+                <a:cs typeface="Helvetica Neue"/>
+                <a:sym typeface="Helvetica Neue"/>
+              </a:rPr>
+              <a:t>strutturata</a:t>
+            </a:r>
+            <a:r>
+              <a:rPr lang="it-IT" sz="2200" b="0" i="0" dirty="0">
+                <a:solidFill>
+                  <a:schemeClr val="tx1"/>
+                </a:solidFill>
+                <a:effectLst/>
+                <a:latin typeface="Helvetica Neue"/>
+                <a:ea typeface="Helvetica Neue"/>
+                <a:cs typeface="Helvetica Neue"/>
+                <a:sym typeface="Helvetica Neue"/>
+              </a:rPr>
+              <a:t>: in pratica una </a:t>
+            </a:r>
+            <a:r>
+              <a:rPr lang="it-IT" sz="2200" b="0" i="1" dirty="0">
+                <a:solidFill>
+                  <a:schemeClr val="tx1"/>
+                </a:solidFill>
+                <a:effectLst/>
+                <a:latin typeface="Helvetica Neue"/>
+                <a:ea typeface="Helvetica Neue"/>
+                <a:cs typeface="Helvetica Neue"/>
+                <a:sym typeface="Helvetica Neue"/>
+              </a:rPr>
+              <a:t>programmazione procedurale</a:t>
+            </a:r>
+            <a:r>
+              <a:rPr lang="it-IT" sz="2200" b="0" i="0" dirty="0">
+                <a:solidFill>
+                  <a:schemeClr val="tx1"/>
+                </a:solidFill>
+                <a:effectLst/>
+                <a:latin typeface="Helvetica Neue"/>
+                <a:ea typeface="Helvetica Neue"/>
+                <a:cs typeface="Helvetica Neue"/>
+                <a:sym typeface="Helvetica Neue"/>
+              </a:rPr>
+              <a:t> epurata dei salti condizionali. La possibilità di realizzare tutto quello che è possibile con i linguaggi procedurali senza l’uso dei pericolosi salti condizionali è dimostrato nel teorema dei due matematici italiani </a:t>
+            </a:r>
+            <a:r>
+              <a:rPr lang="it-IT" sz="2200" b="1" i="0" dirty="0">
+                <a:solidFill>
+                  <a:schemeClr val="tx1"/>
+                </a:solidFill>
+                <a:effectLst/>
+                <a:latin typeface="Helvetica Neue"/>
+                <a:ea typeface="Helvetica Neue"/>
+                <a:cs typeface="Helvetica Neue"/>
+                <a:sym typeface="Helvetica Neue"/>
+              </a:rPr>
+              <a:t>Böhm-</a:t>
+            </a:r>
+            <a:r>
+              <a:rPr lang="it-IT" sz="2200" b="1" i="0" dirty="0" err="1">
+                <a:solidFill>
+                  <a:schemeClr val="tx1"/>
+                </a:solidFill>
+                <a:effectLst/>
+                <a:latin typeface="Helvetica Neue"/>
+                <a:ea typeface="Helvetica Neue"/>
+                <a:cs typeface="Helvetica Neue"/>
+                <a:sym typeface="Helvetica Neue"/>
+              </a:rPr>
+              <a:t>Jacopini</a:t>
+            </a:r>
+            <a:r>
+              <a:rPr lang="it-IT" sz="2200" b="0" i="1" dirty="0">
+                <a:solidFill>
+                  <a:schemeClr val="tx1"/>
+                </a:solidFill>
+                <a:effectLst/>
+                <a:latin typeface="Helvetica Neue"/>
+                <a:ea typeface="Helvetica Neue"/>
+                <a:cs typeface="Helvetica Neue"/>
+                <a:sym typeface="Helvetica Neue"/>
+              </a:rPr>
+              <a:t>: qualsiasi algoritmo può essere trasformato in un algoritmo equivalente composto soltanto di combinazioni di sequenze, selezioni e iterazioni (eliminando, quindi, la necessità dei salti condizionati)</a:t>
+            </a:r>
+            <a:r>
+              <a:rPr lang="it-IT" sz="2200" b="0" i="0" dirty="0">
+                <a:solidFill>
+                  <a:schemeClr val="tx1"/>
+                </a:solidFill>
+                <a:effectLst/>
+                <a:latin typeface="Helvetica Neue"/>
+                <a:ea typeface="Helvetica Neue"/>
+                <a:cs typeface="Helvetica Neue"/>
+                <a:sym typeface="Helvetica Neue"/>
+              </a:rPr>
+              <a:t>. Rientrano in questa categoria alcuni dei più celebri linguaggi di programmazione: da </a:t>
+            </a:r>
+            <a:r>
+              <a:rPr lang="it-IT" sz="2200" b="0" i="0" u="none" strike="noStrike" dirty="0">
+                <a:solidFill>
+                  <a:schemeClr val="tx1"/>
+                </a:solidFill>
+                <a:effectLst/>
+                <a:latin typeface="Helvetica Neue"/>
+                <a:ea typeface="Helvetica Neue"/>
+                <a:cs typeface="Helvetica Neue"/>
+                <a:sym typeface="Helvetica Neue"/>
+                <a:hlinkClick r:id="rId4">
+                  <a:extLst>
+                    <a:ext uri="{A12FA001-AC4F-418D-AE19-62706E023703}">
+                      <ahyp:hlinkClr xmlns:ahyp="http://schemas.microsoft.com/office/drawing/2018/hyperlinkcolor" val="tx"/>
+                    </a:ext>
+                  </a:extLst>
+                </a:hlinkClick>
+              </a:rPr>
+              <a:t>Pascal</a:t>
+            </a:r>
+            <a:r>
+              <a:rPr lang="it-IT" sz="2200" b="0" i="0" dirty="0">
+                <a:solidFill>
+                  <a:schemeClr val="tx1"/>
+                </a:solidFill>
+                <a:effectLst/>
+                <a:latin typeface="Helvetica Neue"/>
+                <a:ea typeface="Helvetica Neue"/>
+                <a:cs typeface="Helvetica Neue"/>
+                <a:sym typeface="Helvetica Neue"/>
+              </a:rPr>
+              <a:t> ad </a:t>
+            </a:r>
+            <a:r>
+              <a:rPr lang="it-IT" sz="2200" b="0" i="0" u="none" strike="noStrike" dirty="0">
+                <a:solidFill>
+                  <a:schemeClr val="tx1"/>
+                </a:solidFill>
+                <a:effectLst/>
+                <a:latin typeface="Helvetica Neue"/>
+                <a:ea typeface="Helvetica Neue"/>
+                <a:cs typeface="Helvetica Neue"/>
+                <a:sym typeface="Helvetica Neue"/>
+                <a:hlinkClick r:id="rId5">
+                  <a:extLst>
+                    <a:ext uri="{A12FA001-AC4F-418D-AE19-62706E023703}">
+                      <ahyp:hlinkClr xmlns:ahyp="http://schemas.microsoft.com/office/drawing/2018/hyperlinkcolor" val="tx"/>
+                    </a:ext>
+                  </a:extLst>
+                </a:hlinkClick>
+              </a:rPr>
+              <a:t>ADA</a:t>
+            </a:r>
+            <a:r>
+              <a:rPr lang="it-IT" sz="2200" b="0" i="0" dirty="0">
+                <a:solidFill>
+                  <a:schemeClr val="tx1"/>
+                </a:solidFill>
+                <a:effectLst/>
+                <a:latin typeface="Helvetica Neue"/>
+                <a:ea typeface="Helvetica Neue"/>
+                <a:cs typeface="Helvetica Neue"/>
+                <a:sym typeface="Helvetica Neue"/>
+              </a:rPr>
+              <a:t> al </a:t>
+            </a:r>
+            <a:r>
+              <a:rPr lang="it-IT" sz="2200" b="0" i="0" u="none" strike="noStrike" dirty="0">
+                <a:solidFill>
+                  <a:schemeClr val="tx1"/>
+                </a:solidFill>
+                <a:effectLst/>
+                <a:latin typeface="Helvetica Neue"/>
+                <a:ea typeface="Helvetica Neue"/>
+                <a:cs typeface="Helvetica Neue"/>
+                <a:sym typeface="Helvetica Neue"/>
+                <a:hlinkClick r:id="rId6">
+                  <a:extLst>
+                    <a:ext uri="{A12FA001-AC4F-418D-AE19-62706E023703}">
+                      <ahyp:hlinkClr xmlns:ahyp="http://schemas.microsoft.com/office/drawing/2018/hyperlinkcolor" val="tx"/>
+                    </a:ext>
+                  </a:extLst>
+                </a:hlinkClick>
+              </a:rPr>
+              <a:t>C</a:t>
+            </a:r>
+            <a:r>
+              <a:rPr lang="it-IT" sz="2200" b="0" i="0" dirty="0">
+                <a:solidFill>
+                  <a:schemeClr val="tx1"/>
+                </a:solidFill>
+                <a:effectLst/>
+                <a:latin typeface="Helvetica Neue"/>
+                <a:ea typeface="Helvetica Neue"/>
+                <a:cs typeface="Helvetica Neue"/>
+                <a:sym typeface="Helvetica Neue"/>
+              </a:rPr>
+              <a:t>;</a:t>
+            </a:r>
+          </a:p>
+          <a:p>
+            <a:r>
+              <a:rPr lang="it-IT" sz="2200" b="1" i="0" dirty="0">
+                <a:solidFill>
+                  <a:schemeClr val="tx1"/>
+                </a:solidFill>
+                <a:effectLst/>
+                <a:latin typeface="Helvetica Neue"/>
+                <a:ea typeface="Helvetica Neue"/>
+                <a:cs typeface="Helvetica Neue"/>
+                <a:sym typeface="Helvetica Neue"/>
+              </a:rPr>
+              <a:t>orientata agli oggetti</a:t>
+            </a:r>
+            <a:r>
+              <a:rPr lang="it-IT" sz="2200" b="0" i="0" dirty="0">
+                <a:solidFill>
+                  <a:schemeClr val="tx1"/>
+                </a:solidFill>
+                <a:effectLst/>
+                <a:latin typeface="Helvetica Neue"/>
+                <a:ea typeface="Helvetica Neue"/>
+                <a:cs typeface="Helvetica Neue"/>
+                <a:sym typeface="Helvetica Neue"/>
+              </a:rPr>
+              <a:t> (OOP - Object </a:t>
+            </a:r>
+            <a:r>
+              <a:rPr lang="it-IT" sz="2200" b="0" i="0" dirty="0" err="1">
+                <a:solidFill>
+                  <a:schemeClr val="tx1"/>
+                </a:solidFill>
+                <a:effectLst/>
+                <a:latin typeface="Helvetica Neue"/>
+                <a:ea typeface="Helvetica Neue"/>
+                <a:cs typeface="Helvetica Neue"/>
+                <a:sym typeface="Helvetica Neue"/>
+              </a:rPr>
+              <a:t>Oriented</a:t>
+            </a:r>
+            <a:r>
+              <a:rPr lang="it-IT" sz="2200" b="0" i="0" dirty="0">
+                <a:solidFill>
+                  <a:schemeClr val="tx1"/>
+                </a:solidFill>
+                <a:effectLst/>
+                <a:latin typeface="Helvetica Neue"/>
+                <a:ea typeface="Helvetica Neue"/>
+                <a:cs typeface="Helvetica Neue"/>
+                <a:sym typeface="Helvetica Neue"/>
+              </a:rPr>
+              <a:t> Programming): in questo caso il fulcro dell’intero programma è la </a:t>
+            </a:r>
+            <a:r>
+              <a:rPr lang="it-IT" sz="2200" b="0" i="1" dirty="0">
+                <a:solidFill>
+                  <a:schemeClr val="tx1"/>
+                </a:solidFill>
+                <a:effectLst/>
+                <a:latin typeface="Helvetica Neue"/>
+                <a:ea typeface="Helvetica Neue"/>
+                <a:cs typeface="Helvetica Neue"/>
+                <a:sym typeface="Helvetica Neue"/>
+              </a:rPr>
+              <a:t>classe</a:t>
+            </a:r>
+            <a:r>
+              <a:rPr lang="it-IT" sz="2200" b="0" i="0" dirty="0">
+                <a:solidFill>
+                  <a:schemeClr val="tx1"/>
+                </a:solidFill>
+                <a:effectLst/>
+                <a:latin typeface="Helvetica Neue"/>
+                <a:ea typeface="Helvetica Neue"/>
+                <a:cs typeface="Helvetica Neue"/>
+                <a:sym typeface="Helvetica Neue"/>
+              </a:rPr>
+              <a:t> (e la relativa </a:t>
+            </a:r>
+            <a:r>
+              <a:rPr lang="it-IT" sz="2200" b="0" i="1" dirty="0">
+                <a:solidFill>
+                  <a:schemeClr val="tx1"/>
+                </a:solidFill>
+                <a:effectLst/>
+                <a:latin typeface="Helvetica Neue"/>
+                <a:ea typeface="Helvetica Neue"/>
+                <a:cs typeface="Helvetica Neue"/>
+                <a:sym typeface="Helvetica Neue"/>
+              </a:rPr>
+              <a:t>interfaccia</a:t>
+            </a:r>
+            <a:r>
+              <a:rPr lang="it-IT" sz="2200" b="0" i="0" dirty="0">
+                <a:solidFill>
+                  <a:schemeClr val="tx1"/>
+                </a:solidFill>
+                <a:effectLst/>
+                <a:latin typeface="Helvetica Neue"/>
+                <a:ea typeface="Helvetica Neue"/>
+                <a:cs typeface="Helvetica Neue"/>
+                <a:sym typeface="Helvetica Neue"/>
+              </a:rPr>
+              <a:t>) composta da attributi e metodi funzionali. L’istanza di una classe è definita </a:t>
+            </a:r>
+            <a:r>
+              <a:rPr lang="it-IT" sz="2200" b="1" i="0" dirty="0">
+                <a:solidFill>
+                  <a:schemeClr val="tx1"/>
+                </a:solidFill>
+                <a:effectLst/>
+                <a:latin typeface="Helvetica Neue"/>
+                <a:ea typeface="Helvetica Neue"/>
+                <a:cs typeface="Helvetica Neue"/>
+                <a:sym typeface="Helvetica Neue"/>
+              </a:rPr>
+              <a:t>oggetto</a:t>
+            </a:r>
+            <a:r>
+              <a:rPr lang="it-IT" sz="2200" b="0" i="0" dirty="0">
+                <a:solidFill>
+                  <a:schemeClr val="tx1"/>
+                </a:solidFill>
+                <a:effectLst/>
+                <a:latin typeface="Helvetica Neue"/>
+                <a:ea typeface="Helvetica Neue"/>
+                <a:cs typeface="Helvetica Neue"/>
+                <a:sym typeface="Helvetica Neue"/>
+              </a:rPr>
+              <a:t>, ovvero una entità con uno specifico stato. Un linguaggio per essere definito “orientato agli oggetti” deve contemplare tre proprietà fondamentali: </a:t>
+            </a:r>
+            <a:r>
+              <a:rPr lang="it-IT" sz="2200" b="0" i="1" dirty="0">
+                <a:solidFill>
+                  <a:schemeClr val="tx1"/>
+                </a:solidFill>
+                <a:effectLst/>
+                <a:latin typeface="Helvetica Neue"/>
+                <a:ea typeface="Helvetica Neue"/>
+                <a:cs typeface="Helvetica Neue"/>
+                <a:sym typeface="Helvetica Neue"/>
+              </a:rPr>
+              <a:t>incapsulamento</a:t>
+            </a:r>
+            <a:r>
+              <a:rPr lang="it-IT" sz="2200" b="0" i="0" dirty="0">
+                <a:solidFill>
+                  <a:schemeClr val="tx1"/>
+                </a:solidFill>
+                <a:effectLst/>
+                <a:latin typeface="Helvetica Neue"/>
+                <a:ea typeface="Helvetica Neue"/>
+                <a:cs typeface="Helvetica Neue"/>
+                <a:sym typeface="Helvetica Neue"/>
+              </a:rPr>
+              <a:t>, </a:t>
+            </a:r>
+            <a:r>
+              <a:rPr lang="it-IT" sz="2200" b="0" i="1" dirty="0">
+                <a:solidFill>
+                  <a:schemeClr val="tx1"/>
+                </a:solidFill>
+                <a:effectLst/>
+                <a:latin typeface="Helvetica Neue"/>
+                <a:ea typeface="Helvetica Neue"/>
+                <a:cs typeface="Helvetica Neue"/>
+                <a:sym typeface="Helvetica Neue"/>
+              </a:rPr>
+              <a:t>ereditarietà </a:t>
+            </a:r>
+            <a:r>
+              <a:rPr lang="it-IT" sz="2200" b="0" i="0" dirty="0">
+                <a:solidFill>
+                  <a:schemeClr val="tx1"/>
+                </a:solidFill>
+                <a:effectLst/>
+                <a:latin typeface="Helvetica Neue"/>
+                <a:ea typeface="Helvetica Neue"/>
+                <a:cs typeface="Helvetica Neue"/>
+                <a:sym typeface="Helvetica Neue"/>
+              </a:rPr>
+              <a:t>e</a:t>
+            </a:r>
+            <a:r>
+              <a:rPr lang="it-IT" sz="2200" b="0" i="1" dirty="0">
+                <a:solidFill>
+                  <a:schemeClr val="tx1"/>
+                </a:solidFill>
+                <a:effectLst/>
+                <a:latin typeface="Helvetica Neue"/>
+                <a:ea typeface="Helvetica Neue"/>
+                <a:cs typeface="Helvetica Neue"/>
+                <a:sym typeface="Helvetica Neue"/>
+              </a:rPr>
+              <a:t> polimorfismo</a:t>
+            </a:r>
+            <a:r>
+              <a:rPr lang="it-IT" sz="2200" b="0" i="0" dirty="0">
+                <a:solidFill>
+                  <a:schemeClr val="tx1"/>
+                </a:solidFill>
+                <a:effectLst/>
+                <a:latin typeface="Helvetica Neue"/>
+                <a:ea typeface="Helvetica Neue"/>
+                <a:cs typeface="Helvetica Neue"/>
+                <a:sym typeface="Helvetica Neue"/>
+              </a:rPr>
+              <a:t>. L’obiettivo è quello di realizzare la cosiddetta </a:t>
+            </a:r>
+            <a:r>
+              <a:rPr lang="it-IT" sz="2200" b="0" i="1" dirty="0">
+                <a:solidFill>
+                  <a:schemeClr val="tx1"/>
+                </a:solidFill>
+                <a:effectLst/>
+                <a:latin typeface="Helvetica Neue"/>
+                <a:ea typeface="Helvetica Neue"/>
+                <a:cs typeface="Helvetica Neue"/>
+                <a:sym typeface="Helvetica Neue"/>
+              </a:rPr>
+              <a:t>astrazione dei dati</a:t>
+            </a:r>
+            <a:r>
+              <a:rPr lang="it-IT" sz="2200" b="0" i="0" dirty="0">
+                <a:solidFill>
+                  <a:schemeClr val="tx1"/>
+                </a:solidFill>
+                <a:effectLst/>
+                <a:latin typeface="Helvetica Neue"/>
+                <a:ea typeface="Helvetica Neue"/>
+                <a:cs typeface="Helvetica Neue"/>
+                <a:sym typeface="Helvetica Neue"/>
+              </a:rPr>
+              <a:t>, soffermandosi sulle informazioni essenziali. Tra i linguaggi più celebri troviamo: </a:t>
+            </a:r>
+            <a:r>
+              <a:rPr lang="it-IT" sz="2200" b="0" i="0" u="none" strike="noStrike" dirty="0">
+                <a:solidFill>
+                  <a:schemeClr val="tx1"/>
+                </a:solidFill>
+                <a:effectLst/>
+                <a:latin typeface="Helvetica Neue"/>
+                <a:ea typeface="Helvetica Neue"/>
+                <a:cs typeface="Helvetica Neue"/>
+                <a:sym typeface="Helvetica Neue"/>
+                <a:hlinkClick r:id="rId7">
+                  <a:extLst>
+                    <a:ext uri="{A12FA001-AC4F-418D-AE19-62706E023703}">
+                      <ahyp:hlinkClr xmlns:ahyp="http://schemas.microsoft.com/office/drawing/2018/hyperlinkcolor" val="tx"/>
+                    </a:ext>
+                  </a:extLst>
+                </a:hlinkClick>
+              </a:rPr>
+              <a:t>C++</a:t>
+            </a:r>
+            <a:r>
+              <a:rPr lang="it-IT" sz="2200" b="0" i="0" dirty="0">
+                <a:solidFill>
+                  <a:schemeClr val="tx1"/>
+                </a:solidFill>
+                <a:effectLst/>
+                <a:latin typeface="Helvetica Neue"/>
+                <a:ea typeface="Helvetica Neue"/>
+                <a:cs typeface="Helvetica Neue"/>
+                <a:sym typeface="Helvetica Neue"/>
+              </a:rPr>
+              <a:t>, </a:t>
+            </a:r>
+            <a:r>
+              <a:rPr lang="it-IT" sz="2200" b="0" i="1" u="none" strike="noStrike" dirty="0">
+                <a:solidFill>
+                  <a:schemeClr val="tx1"/>
+                </a:solidFill>
+                <a:effectLst/>
+                <a:latin typeface="Helvetica Neue"/>
+                <a:ea typeface="Helvetica Neue"/>
+                <a:cs typeface="Helvetica Neue"/>
+                <a:sym typeface="Helvetica Neue"/>
+                <a:hlinkClick r:id="rId8">
+                  <a:extLst>
+                    <a:ext uri="{A12FA001-AC4F-418D-AE19-62706E023703}">
+                      <ahyp:hlinkClr xmlns:ahyp="http://schemas.microsoft.com/office/drawing/2018/hyperlinkcolor" val="tx"/>
+                    </a:ext>
+                  </a:extLst>
+                </a:hlinkClick>
+              </a:rPr>
+              <a:t>Java</a:t>
+            </a:r>
+            <a:r>
+              <a:rPr lang="it-IT" sz="2200" b="0" i="1" dirty="0">
+                <a:solidFill>
+                  <a:schemeClr val="tx1"/>
+                </a:solidFill>
+                <a:effectLst/>
+                <a:latin typeface="Helvetica Neue"/>
+                <a:ea typeface="Helvetica Neue"/>
+                <a:cs typeface="Helvetica Neue"/>
+                <a:sym typeface="Helvetica Neue"/>
+              </a:rPr>
+              <a:t>, </a:t>
+            </a:r>
+            <a:r>
+              <a:rPr lang="it-IT" sz="2200" b="0" i="1" u="none" strike="noStrike" dirty="0">
+                <a:solidFill>
+                  <a:schemeClr val="tx1"/>
+                </a:solidFill>
+                <a:effectLst/>
+                <a:latin typeface="Helvetica Neue"/>
+                <a:ea typeface="Helvetica Neue"/>
+                <a:cs typeface="Helvetica Neue"/>
+                <a:sym typeface="Helvetica Neue"/>
+                <a:hlinkClick r:id="rId9">
+                  <a:extLst>
+                    <a:ext uri="{A12FA001-AC4F-418D-AE19-62706E023703}">
+                      <ahyp:hlinkClr xmlns:ahyp="http://schemas.microsoft.com/office/drawing/2018/hyperlinkcolor" val="tx"/>
+                    </a:ext>
+                  </a:extLst>
+                </a:hlinkClick>
+              </a:rPr>
+              <a:t>C#</a:t>
+            </a:r>
+            <a:r>
+              <a:rPr lang="it-IT" sz="2200" b="0" i="1" dirty="0">
+                <a:solidFill>
+                  <a:schemeClr val="tx1"/>
+                </a:solidFill>
+                <a:effectLst/>
+                <a:latin typeface="Helvetica Neue"/>
+                <a:ea typeface="Helvetica Neue"/>
+                <a:cs typeface="Helvetica Neue"/>
+                <a:sym typeface="Helvetica Neue"/>
+              </a:rPr>
+              <a:t>,</a:t>
+            </a:r>
+            <a:r>
+              <a:rPr lang="it-IT" sz="2200" b="0" i="0" dirty="0">
+                <a:solidFill>
+                  <a:schemeClr val="tx1"/>
+                </a:solidFill>
+                <a:effectLst/>
+                <a:latin typeface="Helvetica Neue"/>
+                <a:ea typeface="Helvetica Neue"/>
+                <a:cs typeface="Helvetica Neue"/>
+                <a:sym typeface="Helvetica Neue"/>
+              </a:rPr>
+              <a:t> </a:t>
+            </a:r>
+            <a:r>
+              <a:rPr lang="it-IT" sz="2200" b="0" i="0" dirty="0" err="1">
+                <a:solidFill>
+                  <a:schemeClr val="tx1"/>
+                </a:solidFill>
+                <a:effectLst/>
+                <a:latin typeface="Helvetica Neue"/>
+                <a:ea typeface="Helvetica Neue"/>
+                <a:cs typeface="Helvetica Neue"/>
+                <a:sym typeface="Helvetica Neue"/>
+              </a:rPr>
+              <a:t>ecc</a:t>
+            </a:r>
+            <a:r>
+              <a:rPr lang="it-IT" sz="2200" b="0" i="0" dirty="0">
+                <a:solidFill>
+                  <a:schemeClr val="tx1"/>
+                </a:solidFill>
+                <a:effectLst/>
+                <a:latin typeface="Helvetica Neue"/>
+                <a:ea typeface="Helvetica Neue"/>
+                <a:cs typeface="Helvetica Neue"/>
+                <a:sym typeface="Helvetica Neue"/>
+              </a:rPr>
+              <a:t>…;</a:t>
+            </a:r>
+          </a:p>
+          <a:p>
+            <a:r>
+              <a:rPr lang="it-IT" sz="2200" b="1" i="0" dirty="0">
+                <a:solidFill>
+                  <a:schemeClr val="tx1"/>
+                </a:solidFill>
+                <a:effectLst/>
+                <a:latin typeface="Helvetica Neue"/>
+                <a:ea typeface="Helvetica Neue"/>
+                <a:cs typeface="Helvetica Neue"/>
+                <a:sym typeface="Helvetica Neue"/>
+              </a:rPr>
+              <a:t>dichiarativa</a:t>
+            </a:r>
+            <a:r>
+              <a:rPr lang="it-IT" sz="2200" b="0" i="0" dirty="0">
+                <a:solidFill>
+                  <a:schemeClr val="tx1"/>
+                </a:solidFill>
+                <a:effectLst/>
+                <a:latin typeface="Helvetica Neue"/>
+                <a:ea typeface="Helvetica Neue"/>
+                <a:cs typeface="Helvetica Neue"/>
+                <a:sym typeface="Helvetica Neue"/>
+              </a:rPr>
+              <a:t>: in questo paradigma la programmazione si sviluppa utilizzando elementi caratteristici della sfera matematica:</a:t>
+            </a:r>
+          </a:p>
+          <a:p>
+            <a:pPr lvl="1"/>
+            <a:r>
+              <a:rPr lang="it-IT" sz="2200" b="1" i="0" dirty="0">
+                <a:solidFill>
+                  <a:schemeClr val="tx1"/>
+                </a:solidFill>
+                <a:effectLst/>
+                <a:latin typeface="Helvetica Neue"/>
+                <a:ea typeface="Helvetica Neue"/>
+                <a:cs typeface="Helvetica Neue"/>
+                <a:sym typeface="Helvetica Neue"/>
+              </a:rPr>
+              <a:t>programmazione funzionale</a:t>
+            </a:r>
+            <a:r>
+              <a:rPr lang="it-IT" sz="2200" b="0" i="0" dirty="0">
+                <a:solidFill>
+                  <a:schemeClr val="tx1"/>
+                </a:solidFill>
+                <a:effectLst/>
+                <a:latin typeface="Helvetica Neue"/>
+                <a:ea typeface="Helvetica Neue"/>
+                <a:cs typeface="Helvetica Neue"/>
+                <a:sym typeface="Helvetica Neue"/>
+              </a:rPr>
+              <a:t>, si basa sull’utilizzo di </a:t>
+            </a:r>
+            <a:r>
+              <a:rPr lang="it-IT" sz="2200" b="0" i="1" dirty="0">
+                <a:solidFill>
+                  <a:schemeClr val="tx1"/>
+                </a:solidFill>
+                <a:effectLst/>
+                <a:latin typeface="Helvetica Neue"/>
+                <a:ea typeface="Helvetica Neue"/>
+                <a:cs typeface="Helvetica Neue"/>
+                <a:sym typeface="Helvetica Neue"/>
+              </a:rPr>
+              <a:t>funzioni</a:t>
+            </a:r>
+            <a:r>
+              <a:rPr lang="it-IT" sz="2200" b="0" i="0" dirty="0">
+                <a:solidFill>
+                  <a:schemeClr val="tx1"/>
+                </a:solidFill>
+                <a:effectLst/>
+                <a:latin typeface="Helvetica Neue"/>
+                <a:ea typeface="Helvetica Neue"/>
+                <a:cs typeface="Helvetica Neue"/>
+                <a:sym typeface="Helvetica Neue"/>
+              </a:rPr>
+              <a:t> </a:t>
+            </a:r>
+            <a:r>
+              <a:rPr lang="it-IT" sz="2200" b="0" i="1" dirty="0">
+                <a:solidFill>
+                  <a:schemeClr val="tx1"/>
+                </a:solidFill>
+                <a:effectLst/>
+                <a:latin typeface="Helvetica Neue"/>
+                <a:ea typeface="Helvetica Neue"/>
+                <a:cs typeface="Helvetica Neue"/>
+                <a:sym typeface="Helvetica Neue"/>
+              </a:rPr>
+              <a:t>matematiche</a:t>
+            </a:r>
+            <a:r>
+              <a:rPr lang="it-IT" sz="2200" b="0" i="0" dirty="0">
+                <a:solidFill>
+                  <a:schemeClr val="tx1"/>
+                </a:solidFill>
+                <a:effectLst/>
+                <a:latin typeface="Helvetica Neue"/>
+                <a:ea typeface="Helvetica Neue"/>
+                <a:cs typeface="Helvetica Neue"/>
+                <a:sym typeface="Helvetica Neue"/>
+              </a:rPr>
+              <a:t>. Il linguaggio più noto è il </a:t>
+            </a:r>
+            <a:r>
+              <a:rPr lang="it-IT" sz="2200" b="0" i="0" u="none" strike="noStrike" dirty="0">
+                <a:solidFill>
+                  <a:schemeClr val="tx1"/>
+                </a:solidFill>
+                <a:effectLst/>
+                <a:latin typeface="Helvetica Neue"/>
+                <a:ea typeface="Helvetica Neue"/>
+                <a:cs typeface="Helvetica Neue"/>
+                <a:sym typeface="Helvetica Neue"/>
+                <a:hlinkClick r:id="rId10">
+                  <a:extLst>
+                    <a:ext uri="{A12FA001-AC4F-418D-AE19-62706E023703}">
+                      <ahyp:hlinkClr xmlns:ahyp="http://schemas.microsoft.com/office/drawing/2018/hyperlinkcolor" val="tx"/>
+                    </a:ext>
+                  </a:extLst>
+                </a:hlinkClick>
+              </a:rPr>
+              <a:t>LISP</a:t>
+            </a:r>
+            <a:r>
+              <a:rPr lang="it-IT" sz="2200" b="0" i="0" dirty="0">
+                <a:solidFill>
+                  <a:schemeClr val="tx1"/>
+                </a:solidFill>
+                <a:effectLst/>
+                <a:latin typeface="Helvetica Neue"/>
+                <a:ea typeface="Helvetica Neue"/>
+                <a:cs typeface="Helvetica Neue"/>
+                <a:sym typeface="Helvetica Neue"/>
+              </a:rPr>
+              <a:t>, utilizzato fortemente nell’ambito dell’intelligenza artificiale;</a:t>
+            </a:r>
+          </a:p>
+          <a:p>
+            <a:pPr lvl="1"/>
+            <a:r>
+              <a:rPr lang="it-IT" sz="2200" b="1" i="0" dirty="0">
+                <a:solidFill>
+                  <a:schemeClr val="tx1"/>
+                </a:solidFill>
+                <a:effectLst/>
+                <a:latin typeface="Helvetica Neue"/>
+                <a:ea typeface="Helvetica Neue"/>
+                <a:cs typeface="Helvetica Neue"/>
+                <a:sym typeface="Helvetica Neue"/>
+              </a:rPr>
+              <a:t>programmazione logica</a:t>
+            </a:r>
+            <a:r>
+              <a:rPr lang="it-IT" sz="2200" b="0" i="0" dirty="0">
+                <a:solidFill>
+                  <a:schemeClr val="tx1"/>
+                </a:solidFill>
+                <a:effectLst/>
+                <a:latin typeface="Helvetica Neue"/>
+                <a:ea typeface="Helvetica Neue"/>
+                <a:cs typeface="Helvetica Neue"/>
+                <a:sym typeface="Helvetica Neue"/>
+              </a:rPr>
+              <a:t>, si basa sulla logica del primo ordine sia per rappresentare sia per elaborare l’informazione, e si scompone in </a:t>
+            </a:r>
+            <a:r>
+              <a:rPr lang="it-IT" sz="2200" b="0" i="1" dirty="0">
+                <a:solidFill>
+                  <a:schemeClr val="tx1"/>
+                </a:solidFill>
+                <a:effectLst/>
+                <a:latin typeface="Helvetica Neue"/>
+                <a:ea typeface="Helvetica Neue"/>
+                <a:cs typeface="Helvetica Neue"/>
+                <a:sym typeface="Helvetica Neue"/>
+              </a:rPr>
+              <a:t>Programmazione logica induttiva</a:t>
+            </a:r>
+            <a:r>
+              <a:rPr lang="it-IT" sz="2200" b="0" i="0" dirty="0">
+                <a:solidFill>
+                  <a:schemeClr val="tx1"/>
+                </a:solidFill>
+                <a:effectLst/>
+                <a:latin typeface="Helvetica Neue"/>
+                <a:ea typeface="Helvetica Neue"/>
+                <a:cs typeface="Helvetica Neue"/>
+                <a:sym typeface="Helvetica Neue"/>
+              </a:rPr>
+              <a:t> e </a:t>
+            </a:r>
+            <a:r>
+              <a:rPr lang="it-IT" sz="2200" b="0" i="1" dirty="0">
+                <a:solidFill>
+                  <a:schemeClr val="tx1"/>
+                </a:solidFill>
+                <a:effectLst/>
+                <a:latin typeface="Helvetica Neue"/>
+                <a:ea typeface="Helvetica Neue"/>
+                <a:cs typeface="Helvetica Neue"/>
+                <a:sym typeface="Helvetica Neue"/>
+              </a:rPr>
+              <a:t>Programmazione logica abduttiva</a:t>
+            </a:r>
+            <a:r>
+              <a:rPr lang="it-IT" sz="2200" b="0" i="0" dirty="0">
+                <a:solidFill>
+                  <a:schemeClr val="tx1"/>
+                </a:solidFill>
+                <a:effectLst/>
+                <a:latin typeface="Helvetica Neue"/>
+                <a:ea typeface="Helvetica Neue"/>
+                <a:cs typeface="Helvetica Neue"/>
+                <a:sym typeface="Helvetica Neue"/>
+              </a:rPr>
+              <a:t>. Il linguaggio più affermato in tale ambito è il </a:t>
+            </a:r>
+            <a:r>
+              <a:rPr lang="it-IT" sz="2200" b="0" i="0" u="sng" strike="noStrike" dirty="0">
+                <a:solidFill>
+                  <a:schemeClr val="tx1"/>
+                </a:solidFill>
+                <a:effectLst/>
+                <a:latin typeface="Helvetica Neue"/>
+                <a:ea typeface="Helvetica Neue"/>
+                <a:cs typeface="Helvetica Neue"/>
+                <a:sym typeface="Helvetica Neue"/>
+                <a:hlinkClick r:id="rId11">
+                  <a:extLst>
+                    <a:ext uri="{A12FA001-AC4F-418D-AE19-62706E023703}">
+                      <ahyp:hlinkClr xmlns:ahyp="http://schemas.microsoft.com/office/drawing/2018/hyperlinkcolor" val="tx"/>
+                    </a:ext>
+                  </a:extLst>
+                </a:hlinkClick>
+              </a:rPr>
+              <a:t>Prolog</a:t>
+            </a:r>
+            <a:r>
+              <a:rPr lang="it-IT" sz="2200" b="0" i="0" dirty="0">
+                <a:solidFill>
+                  <a:schemeClr val="tx1"/>
+                </a:solidFill>
+                <a:effectLst/>
+                <a:latin typeface="Helvetica Neue"/>
+                <a:ea typeface="Helvetica Neue"/>
+                <a:cs typeface="Helvetica Neue"/>
+                <a:sym typeface="Helvetica Neue"/>
+              </a:rPr>
+              <a:t>.</a:t>
+            </a:r>
+          </a:p>
+          <a:p>
+            <a:br>
+              <a:rPr lang="it-IT" dirty="0"/>
+            </a:br>
+            <a:endParaRPr lang="it-IT" dirty="0"/>
           </a:p>
         </p:txBody>
       </p:sp>
     </p:spTree>
+    <p:extLst>
+      <p:ext uri="{BB962C8B-B14F-4D97-AF65-F5344CB8AC3E}">
+        <p14:creationId xmlns:p14="http://schemas.microsoft.com/office/powerpoint/2010/main" val="4201738973"/>
+      </p:ext>
+    </p:extLst>
   </p:cSld>
   <p:clrMapOvr>
     <a:masterClrMapping/>
@@ -803,6 +1593,265 @@
       </p:grpSpPr>
       <p:sp>
         <p:nvSpPr>
+          <p:cNvPr id="225" name="Shape 225"/>
+          <p:cNvSpPr>
+            <a:spLocks noGrp="1" noRot="1" noChangeAspect="1"/>
+          </p:cNvSpPr>
+          <p:nvPr>
+            <p:ph type="sldImg"/>
+          </p:nvPr>
+        </p:nvSpPr>
+        <p:spPr>
+          <a:prstGeom prst="rect">
+            <a:avLst/>
+          </a:prstGeom>
+        </p:spPr>
+        <p:txBody>
+          <a:bodyPr/>
+          <a:lstStyle/>
+          <a:p>
+            <a:endParaRPr/>
+          </a:p>
+        </p:txBody>
+      </p:sp>
+      <p:sp>
+        <p:nvSpPr>
+          <p:cNvPr id="226" name="Shape 226"/>
+          <p:cNvSpPr>
+            <a:spLocks noGrp="1"/>
+          </p:cNvSpPr>
+          <p:nvPr>
+            <p:ph type="body" sz="quarter" idx="1"/>
+          </p:nvPr>
+        </p:nvSpPr>
+        <p:spPr>
+          <a:prstGeom prst="rect">
+            <a:avLst/>
+          </a:prstGeom>
+        </p:spPr>
+        <p:txBody>
+          <a:bodyPr/>
+          <a:lstStyle/>
+          <a:p>
+            <a:r>
+              <a:t>Qualsiasi programma è costituito da un insieme di istruzioni, che si tratti di sommare due numeri o di inviare richieste di dati su internet. Compilatori e interpreti partono da un codice leggibile da una persona e lo convertono in una forma adatta ad essere letta da un computer.</a:t>
+            </a:r>
+          </a:p>
+          <a:p>
+            <a:endParaRPr/>
+          </a:p>
+          <a:p>
+            <a:r>
+              <a:t>Nel linguaggio compilato, la macchina svolge direttamente l'operazione di traduzione. Nel linguaggio interpretato, la fonte del codice non viene tradotta direttamente dalla macchina. In questo caso è un programma diverso, detto interprete, che legge ed esegue il codice.</a:t>
+            </a:r>
+          </a:p>
+          <a:p>
+            <a:endParaRPr/>
+          </a:p>
+          <a:p>
+            <a:r>
+              <a:t>Ok… ma cosa vuol dire realmente?</a:t>
+            </a:r>
+          </a:p>
+          <a:p>
+            <a:endParaRPr/>
+          </a:p>
+          <a:p>
+            <a:r>
+              <a:t>Immagina di voler preparare dell'hummus seguendo una ricetta scritta in greco antico. Ci sono due modi in cui puoi farlo, non conoscendo il greco antico.</a:t>
+            </a:r>
+          </a:p>
+          <a:p>
+            <a:endParaRPr/>
+          </a:p>
+          <a:p>
+            <a:r>
+              <a:t>Il primo è che qualcuno traduca la ricetta in italiano per te. Poi sarai in grado di leggere la ricetta in versione italiana (tu e chiunque altro conosca l'italiano) e preparare l'hummus. Pensa a questa ricetta tradotta come alla versione compilata.</a:t>
+            </a:r>
+          </a:p>
+          <a:p>
+            <a:endParaRPr/>
+          </a:p>
+          <a:p>
+            <a:r>
+              <a:t>Il secondo modo è che tu abbia un amico che conosce il greco antico. Quando sei pronto a preparare l'hummus, il tuo amico può sedersi accanto a te e tradurre la ricetta durante la preparazione del piatto. In questo caso, la versione della ricetta è interpretata e il tuo amico ne è l'interprete.  </a:t>
+            </a:r>
+          </a:p>
+          <a:p>
+            <a:endParaRPr/>
+          </a:p>
+          <a:p>
+            <a:r>
+              <a:t>Linguaggi compilati</a:t>
+            </a:r>
+          </a:p>
+          <a:p>
+            <a:r>
+              <a:t>I linguaggi compilati vengono convertiti direttamente nel codice macchina che viene eseguito dal processore. Di conseguenza, tendono ad essere più veloci ed efficienti da eseguire rispetto ai linguaggi interpretati. Inoltre, permettono allo sviluppatore di avere un maggior controllo sugli aspetti legati all'hardware, come la gestione della memoria e l'uso della CPU.</a:t>
+            </a:r>
+          </a:p>
+          <a:p>
+            <a:endParaRPr/>
+          </a:p>
+          <a:p>
+            <a:r>
+              <a:t>I linguaggi compilati necessitano di una fase di "costruzione"- all'inizio devono essere compilati manualmente. Occorre "ricostruire" il programma ogni volta che lo si vuole modificare. Nel nostro esempio dell'hummus, l'intera traduzione viene fatta prima che la ricetta arrivi a te. Se l'autore originale volesse usare un tipo diverso di olio di oliva, l'intera ricetta dovrebbe essere ritradotta interamente e mandata di nuovo a te.</a:t>
+            </a:r>
+          </a:p>
+          <a:p>
+            <a:endParaRPr/>
+          </a:p>
+          <a:p>
+            <a:r>
+              <a:t>Alcuni esempi di linguaggi compilati sono C, C++, Erlang, Haskell, Rust, and Go.</a:t>
+            </a:r>
+          </a:p>
+          <a:p>
+            <a:endParaRPr/>
+          </a:p>
+          <a:p>
+            <a:r>
+              <a:t>Linguaggi interpretati</a:t>
+            </a:r>
+          </a:p>
+          <a:p>
+            <a:r>
+              <a:t>Gli interpreti funzionano attraverso un programma che esegue ogni comando riga per riga. In questo caso, se l'autore decidesse di voler utilizzare un tipo diverso di olio di oliva, potrebbe cancellarlo e aggiungerne uno nuovo. Il tuo amico traduttore poi, ti riferirebbe del cambio avvenuto.</a:t>
+            </a:r>
+          </a:p>
+          <a:p>
+            <a:endParaRPr/>
+          </a:p>
+          <a:p>
+            <a:r>
+              <a:t>I linguaggi interpretati erano notevolmente più lenti dei linguaggi compilati. Adesso, con lo sviluppo della compilazione just-in-time, il divario sta diminuendo.</a:t>
+            </a:r>
+          </a:p>
+          <a:p>
+            <a:endParaRPr/>
+          </a:p>
+          <a:p>
+            <a:r>
+              <a:t>Esempi di linguaggi interpretati sono PHP, Ruby, Python, e JavaScript.</a:t>
+            </a:r>
+          </a:p>
+          <a:p>
+            <a:endParaRPr/>
+          </a:p>
+          <a:p>
+            <a:r>
+              <a:t>Un piccolo avvertimento</a:t>
+            </a:r>
+          </a:p>
+          <a:p>
+            <a:r>
+              <a:t>La maggior parte dei linguaggi può essere attuata sia in forma compilata che interpretata - il linguaggio in sé non deve essere necessariamente compilato o interpretato. In ogni caso, per semplicità, vengono generalmente identificati così.</a:t>
+            </a:r>
+          </a:p>
+          <a:p>
+            <a:endParaRPr/>
+          </a:p>
+          <a:p>
+            <a:r>
+              <a:t>Python, per esempio, può essere eseguito sia come linguaggio di programmazione compilato che  interpretato in modo interattivo. Al contrario invece, la maggioranza dei strumenti da riga di comando, CLI, e shell possono essere classificati teoricamente come linguaggi interpretati.</a:t>
+            </a:r>
+          </a:p>
+          <a:p>
+            <a:endParaRPr/>
+          </a:p>
+          <a:p>
+            <a:r>
+              <a:t>Vantaggi e svantaggi</a:t>
+            </a:r>
+          </a:p>
+          <a:p>
+            <a:r>
+              <a:t>Vantaggi dei linguaggi compilati</a:t>
+            </a:r>
+          </a:p>
+          <a:p>
+            <a:r>
+              <a:t>I programmi che vengono compilati nel codice macchina tendono a essere più veloci del quelli interpretati. Questo accade perché il processo di traduzione del codice durante l'esecuzione può sovraccaricare il sistema, rallentando il programma.</a:t>
+            </a:r>
+          </a:p>
+          <a:p>
+            <a:endParaRPr/>
+          </a:p>
+          <a:p>
+            <a:r>
+              <a:t>Svantaggi dei linguaggi compilati</a:t>
+            </a:r>
+          </a:p>
+          <a:p>
+            <a:r>
+              <a:t>Gli svantaggi più rilevanti sono:</a:t>
+            </a:r>
+          </a:p>
+          <a:p>
+            <a:endParaRPr/>
+          </a:p>
+          <a:p>
+            <a:r>
+              <a:t>Più tempo necessario per completare la fase di compilazione prima di poter fare test</a:t>
+            </a:r>
+          </a:p>
+          <a:p>
+            <a:r>
+              <a:t>Dipendenza dalla piattaforma del codice binario generato</a:t>
+            </a:r>
+          </a:p>
+          <a:p>
+            <a:r>
+              <a:t>Vantaggi dei linguaggi interpretati</a:t>
+            </a:r>
+          </a:p>
+          <a:p>
+            <a:r>
+              <a:t>I linguaggi interpretati tendono ad essere più flessibili, offrendo spesso caratteristiche come la tipizzazione dinamica e programmi con minori dimensioni. Inoltre, dato che sono gli interpreti ad eseguire il codice sorgente, il codice stesso risulta una piattaforma indipendente.</a:t>
+            </a:r>
+          </a:p>
+          <a:p>
+            <a:endParaRPr/>
+          </a:p>
+          <a:p>
+            <a:r>
+              <a:t>Svantaggi dei linguaggi interpretati</a:t>
+            </a:r>
+          </a:p>
+          <a:p>
+            <a:r>
+              <a:t>Lo svantaggio principale è la velocità di esecuzione tipicamente ridotta rispetto a quella dei linguaggio compilati.</a:t>
+            </a:r>
+          </a:p>
+        </p:txBody>
+      </p:sp>
+    </p:spTree>
+  </p:cSld>
+  <p:clrMapOvr>
+    <a:masterClrMapping/>
+  </p:clrMapOvr>
+</p:notes>
+</file>
+
+<file path=ppt/notesSlides/notesSlide3.xml><?xml version="1.0" encoding="utf-8"?>
+<p:notes xmlns:a="http://schemas.openxmlformats.org/drawingml/2006/main" xmlns:r="http://schemas.openxmlformats.org/officeDocument/2006/relationships" xmlns:p="http://schemas.openxmlformats.org/presentationml/2006/main">
+  <p:cSld>
+    <p:spTree>
+      <p:nvGrpSpPr>
+        <p:cNvPr id="1" name=""/>
+        <p:cNvGrpSpPr/>
+        <p:nvPr/>
+      </p:nvGrpSpPr>
+      <p:grpSpPr>
+        <a:xfrm>
+          <a:off x="0" y="0"/>
+          <a:ext cx="0" cy="0"/>
+          <a:chOff x="0" y="0"/>
+          <a:chExt cx="0" cy="0"/>
+        </a:xfrm>
+      </p:grpSpPr>
+      <p:sp>
+        <p:nvSpPr>
           <p:cNvPr id="271" name="Shape 271"/>
           <p:cNvSpPr>
             <a:spLocks noGrp="1" noRot="1" noChangeAspect="1"/>
@@ -865,7 +1914,7 @@
 </p:notes>
 </file>
 
-<file path=ppt/notesSlides/notesSlide3.xml><?xml version="1.0" encoding="utf-8"?>
+<file path=ppt/notesSlides/notesSlide4.xml><?xml version="1.0" encoding="utf-8"?>
 <p:notes xmlns:a="http://schemas.openxmlformats.org/drawingml/2006/main" xmlns:r="http://schemas.openxmlformats.org/officeDocument/2006/relationships" xmlns:p="http://schemas.openxmlformats.org/presentationml/2006/main">
   <p:cSld>
     <p:spTree>
@@ -4129,7 +5178,7 @@
           </a:ln>
           <a:extLst>
             <a:ext uri="{C572A759-6A51-4108-AA02-DFA0A04FC94B}">
-              <ma14:wrappingTextBoxFlag xmlns:ma14="http://schemas.microsoft.com/office/mac/drawingml/2011/main" xmlns:a14="http://schemas.microsoft.com/office/drawing/2010/main" xmlns:m="http://schemas.openxmlformats.org/officeDocument/2006/math" xmlns="" val="1"/>
+              <ma14:wrappingTextBoxFlag xmlns="" xmlns:m="http://schemas.openxmlformats.org/officeDocument/2006/math" xmlns:a14="http://schemas.microsoft.com/office/drawing/2010/main" xmlns:ma14="http://schemas.microsoft.com/office/mac/drawingml/2011/main" val="1"/>
             </a:ext>
           </a:extLst>
         </p:spPr>
@@ -4168,7 +5217,7 @@
           </a:ln>
           <a:extLst>
             <a:ext uri="{C572A759-6A51-4108-AA02-DFA0A04FC94B}">
-              <ma14:wrappingTextBoxFlag xmlns:ma14="http://schemas.microsoft.com/office/mac/drawingml/2011/main" xmlns:a14="http://schemas.microsoft.com/office/drawing/2010/main" xmlns:m="http://schemas.openxmlformats.org/officeDocument/2006/math" xmlns="" val="1"/>
+              <ma14:wrappingTextBoxFlag xmlns="" xmlns:m="http://schemas.openxmlformats.org/officeDocument/2006/math" xmlns:a14="http://schemas.microsoft.com/office/drawing/2010/main" xmlns:ma14="http://schemas.microsoft.com/office/mac/drawingml/2011/main" val="1"/>
             </a:ext>
           </a:extLst>
         </p:spPr>
@@ -5054,7 +6103,7 @@
           </a:prstGeom>
           <a:extLst>
             <a:ext uri="{C572A759-6A51-4108-AA02-DFA0A04FC94B}">
-              <ma14:wrappingTextBoxFlag xmlns:ma14="http://schemas.microsoft.com/office/mac/drawingml/2011/main" xmlns:a14="http://schemas.microsoft.com/office/drawing/2010/main" xmlns:m="http://schemas.openxmlformats.org/officeDocument/2006/math" xmlns="" val="1"/>
+              <ma14:wrappingTextBoxFlag xmlns="" xmlns:m="http://schemas.openxmlformats.org/officeDocument/2006/math" xmlns:a14="http://schemas.microsoft.com/office/drawing/2010/main" xmlns:ma14="http://schemas.microsoft.com/office/mac/drawingml/2011/main" val="1"/>
             </a:ext>
           </a:extLst>
         </p:spPr>
@@ -5121,7 +6170,7 @@
       </p:grpSpPr>
       <p:sp>
         <p:nvSpPr>
-          <p:cNvPr id="221" name="Compilato vs Interpretato"/>
+          <p:cNvPr id="218" name="Linguaggio C"/>
           <p:cNvSpPr txBox="1">
             <a:spLocks noGrp="1"/>
           </p:cNvSpPr>
@@ -5130,10 +6179,6 @@
           </p:nvPr>
         </p:nvSpPr>
         <p:spPr>
-          <a:xfrm>
-            <a:off x="1270000" y="473705"/>
-            <a:ext cx="21844000" cy="1557437"/>
-          </a:xfrm>
           <a:prstGeom prst="rect">
             <a:avLst/>
           </a:prstGeom>
@@ -5143,101 +6188,136 @@
           <a:lstStyle/>
           <a:p>
             <a:r>
-              <a:t>Compilato vs Interpretato</a:t>
+              <a:t>Linguaggio C</a:t>
             </a:r>
           </a:p>
         </p:txBody>
       </p:sp>
-      <p:pic>
-        <p:nvPicPr>
-          <p:cNvPr id="222" name="filmato-incollato.png" descr="filmato-incollato.png"/>
-          <p:cNvPicPr>
-            <a:picLocks noChangeAspect="1"/>
-          </p:cNvPicPr>
-          <p:nvPr/>
-        </p:nvPicPr>
-        <p:blipFill>
-          <a:blip r:embed="rId3"/>
-          <a:srcRect/>
-          <a:stretch>
-            <a:fillRect/>
-          </a:stretch>
-        </p:blipFill>
-        <p:spPr>
-          <a:xfrm>
-            <a:off x="6962973" y="2899636"/>
-            <a:ext cx="10457882" cy="4276758"/>
-          </a:xfrm>
-          <a:prstGeom prst="rect">
-            <a:avLst/>
-          </a:prstGeom>
-          <a:ln w="12700">
-            <a:miter lim="400000"/>
-          </a:ln>
-        </p:spPr>
-      </p:pic>
-      <p:pic>
-        <p:nvPicPr>
-          <p:cNvPr id="223" name="filmato-incollato.png" descr="filmato-incollato.png"/>
-          <p:cNvPicPr>
-            <a:picLocks noChangeAspect="1"/>
-          </p:cNvPicPr>
-          <p:nvPr/>
-        </p:nvPicPr>
-        <p:blipFill>
-          <a:blip r:embed="rId4"/>
-          <a:stretch>
-            <a:fillRect/>
-          </a:stretch>
-        </p:blipFill>
-        <p:spPr>
-          <a:xfrm>
-            <a:off x="7096871" y="7197118"/>
-            <a:ext cx="10190258" cy="4992292"/>
-          </a:xfrm>
-          <a:prstGeom prst="rect">
-            <a:avLst/>
-          </a:prstGeom>
-          <a:ln w="12700">
-            <a:miter lim="400000"/>
-          </a:ln>
-        </p:spPr>
-      </p:pic>
       <p:sp>
         <p:nvSpPr>
-          <p:cNvPr id="224" name="Fonte: andreaminini.com"/>
-          <p:cNvSpPr txBox="1"/>
-          <p:nvPr/>
+          <p:cNvPr id="219" name="Cos’è?  Un linguaggio di programmazione compilato, general-purpose e tipizzato staticamente.…"/>
+          <p:cNvSpPr txBox="1">
+            <a:spLocks noGrp="1"/>
+          </p:cNvSpPr>
+          <p:nvPr>
+            <p:ph type="body" idx="1"/>
+          </p:nvPr>
         </p:nvSpPr>
         <p:spPr>
-          <a:xfrm>
-            <a:off x="522425" y="12703713"/>
-            <a:ext cx="5661788" cy="731775"/>
-          </a:xfrm>
           <a:prstGeom prst="rect">
             <a:avLst/>
           </a:prstGeom>
-          <a:ln w="12700">
-            <a:miter lim="400000"/>
-          </a:ln>
-          <a:extLst>
-            <a:ext uri="{C572A759-6A51-4108-AA02-DFA0A04FC94B}">
-              <ma14:wrappingTextBoxFlag xmlns:ma14="http://schemas.microsoft.com/office/mac/drawingml/2011/main" xmlns:a14="http://schemas.microsoft.com/office/drawing/2010/main" xmlns:m="http://schemas.openxmlformats.org/officeDocument/2006/math" xmlns="" val="1"/>
-            </a:ext>
-          </a:extLst>
         </p:spPr>
         <p:txBody>
-          <a:bodyPr wrap="none" lIns="50800" tIns="50800" rIns="50800" bIns="50800" anchor="ctr">
-            <a:spAutoFit/>
-          </a:bodyPr>
-          <a:lstStyle>
-            <a:lvl1pPr>
-              <a:defRPr sz="3800" i="1"/>
-            </a:lvl1pPr>
-          </a:lstStyle>
-          <a:p>
-            <a:r>
-              <a:t>Fonte: andreaminini.com</a:t>
+          <a:bodyPr/>
+          <a:lstStyle/>
+          <a:p>
+            <a:pPr marL="457200" indent="-317500" defTabSz="457200">
+              <a:spcBef>
+                <a:spcPts val="1200"/>
+              </a:spcBef>
+              <a:buFont typeface="Times Roman"/>
+              <a:defRPr sz="3600"/>
+            </a:pPr>
+            <a:r>
+              <a:t>Cos’è?</a:t>
+            </a:r>
+            <a:br/>
+            <a:r>
+              <a:t> Un linguaggio di programmazione </a:t>
+            </a:r>
+            <a:r>
+              <a:rPr b="1"/>
+              <a:t>compilato</a:t>
+            </a:r>
+            <a:r>
+              <a:t>, </a:t>
+            </a:r>
+            <a:r>
+              <a:rPr b="1"/>
+              <a:t>general-purpose</a:t>
+            </a:r>
+            <a:r>
+              <a:t> e </a:t>
+            </a:r>
+            <a:r>
+              <a:rPr b="1"/>
+              <a:t>tipizzato staticamente</a:t>
+            </a:r>
+            <a:r>
+              <a:t>.</a:t>
+            </a:r>
+          </a:p>
+          <a:p>
+            <a:pPr marL="457200" indent="-317500" defTabSz="457200">
+              <a:spcBef>
+                <a:spcPts val="1200"/>
+              </a:spcBef>
+              <a:buFont typeface="Times Roman"/>
+              <a:defRPr sz="3600"/>
+            </a:pPr>
+            <a:endParaRPr/>
+          </a:p>
+          <a:p>
+            <a:pPr marL="457200" indent="-317500" defTabSz="457200">
+              <a:spcBef>
+                <a:spcPts val="1200"/>
+              </a:spcBef>
+              <a:buFont typeface="Times Roman"/>
+              <a:defRPr sz="3600"/>
+            </a:pPr>
+            <a:endParaRPr/>
+          </a:p>
+          <a:p>
+            <a:pPr marL="457200" indent="-317500" defTabSz="457200">
+              <a:spcBef>
+                <a:spcPts val="1200"/>
+              </a:spcBef>
+              <a:buFont typeface="Times Roman"/>
+              <a:defRPr sz="3600"/>
+            </a:pPr>
+            <a:r>
+              <a:rPr b="1"/>
+              <a:t>Tipizzazione statica</a:t>
+            </a:r>
+            <a:r>
+              <a:t>: Il tipo delle variabili è noto a tempo di compilazione e non può cambiare.</a:t>
+            </a:r>
+          </a:p>
+          <a:p>
+            <a:pPr marL="457200" indent="-317500" defTabSz="457200">
+              <a:spcBef>
+                <a:spcPts val="1200"/>
+              </a:spcBef>
+              <a:buFont typeface="Times Roman"/>
+              <a:defRPr sz="3600"/>
+            </a:pPr>
+            <a:endParaRPr/>
+          </a:p>
+          <a:p>
+            <a:pPr marL="457200" indent="-317500" defTabSz="457200">
+              <a:spcBef>
+                <a:spcPts val="1200"/>
+              </a:spcBef>
+              <a:buFont typeface="Times Roman"/>
+              <a:defRPr sz="3600"/>
+            </a:pPr>
+            <a:endParaRPr/>
+          </a:p>
+          <a:p>
+            <a:pPr marL="457200" indent="-317500" defTabSz="457200">
+              <a:spcBef>
+                <a:spcPts val="1200"/>
+              </a:spcBef>
+              <a:buFont typeface="Times Roman"/>
+              <a:defRPr sz="3600"/>
+            </a:pPr>
+            <a:r>
+              <a:rPr b="1"/>
+              <a:t>Portabilità</a:t>
+            </a:r>
+            <a:r>
+              <a:t>: I programmi scritti in C possono essere compilati su diversi sistemi operativi con minime modifiche.</a:t>
             </a:r>
           </a:p>
         </p:txBody>
@@ -5270,7 +6350,7 @@
       </p:grpSpPr>
       <p:sp>
         <p:nvSpPr>
-          <p:cNvPr id="228" name="Ciao mondo!"/>
+          <p:cNvPr id="221" name="Compilato vs Interpretato"/>
           <p:cNvSpPr txBox="1">
             <a:spLocks noGrp="1"/>
           </p:cNvSpPr>
@@ -5280,8 +6360,8 @@
         </p:nvSpPr>
         <p:spPr>
           <a:xfrm>
-            <a:off x="1270000" y="-24582"/>
-            <a:ext cx="21844000" cy="2631388"/>
+            <a:off x="1270000" y="473705"/>
+            <a:ext cx="21844000" cy="1557437"/>
           </a:xfrm>
           <a:prstGeom prst="rect">
             <a:avLst/>
@@ -5292,21 +6372,76 @@
           <a:lstStyle/>
           <a:p>
             <a:r>
-              <a:t>Ciao mondo!</a:t>
+              <a:t>Compilato vs Interpretato</a:t>
             </a:r>
           </a:p>
         </p:txBody>
       </p:sp>
+      <p:pic>
+        <p:nvPicPr>
+          <p:cNvPr id="222" name="filmato-incollato.png" descr="filmato-incollato.png"/>
+          <p:cNvPicPr>
+            <a:picLocks noChangeAspect="1"/>
+          </p:cNvPicPr>
+          <p:nvPr/>
+        </p:nvPicPr>
+        <p:blipFill>
+          <a:blip r:embed="rId3"/>
+          <a:srcRect/>
+          <a:stretch>
+            <a:fillRect/>
+          </a:stretch>
+        </p:blipFill>
+        <p:spPr>
+          <a:xfrm>
+            <a:off x="6962973" y="2899636"/>
+            <a:ext cx="10457882" cy="4276758"/>
+          </a:xfrm>
+          <a:prstGeom prst="rect">
+            <a:avLst/>
+          </a:prstGeom>
+          <a:ln w="12700">
+            <a:miter lim="400000"/>
+          </a:ln>
+        </p:spPr>
+      </p:pic>
+      <p:pic>
+        <p:nvPicPr>
+          <p:cNvPr id="223" name="filmato-incollato.png" descr="filmato-incollato.png"/>
+          <p:cNvPicPr>
+            <a:picLocks noChangeAspect="1"/>
+          </p:cNvPicPr>
+          <p:nvPr/>
+        </p:nvPicPr>
+        <p:blipFill>
+          <a:blip r:embed="rId4"/>
+          <a:stretch>
+            <a:fillRect/>
+          </a:stretch>
+        </p:blipFill>
+        <p:spPr>
+          <a:xfrm>
+            <a:off x="7096871" y="7197118"/>
+            <a:ext cx="10190258" cy="4992292"/>
+          </a:xfrm>
+          <a:prstGeom prst="rect">
+            <a:avLst/>
+          </a:prstGeom>
+          <a:ln w="12700">
+            <a:miter lim="400000"/>
+          </a:ln>
+        </p:spPr>
+      </p:pic>
       <p:sp>
         <p:nvSpPr>
-          <p:cNvPr id="229" name="#include &lt;stdio.h&gt;…"/>
+          <p:cNvPr id="224" name="Fonte: andreaminini.com"/>
           <p:cNvSpPr txBox="1"/>
           <p:nvPr/>
         </p:nvSpPr>
         <p:spPr>
           <a:xfrm>
-            <a:off x="4970958" y="3378199"/>
-            <a:ext cx="15051784" cy="6959601"/>
+            <a:off x="522425" y="12703713"/>
+            <a:ext cx="5661788" cy="731775"/>
           </a:xfrm>
           <a:prstGeom prst="rect">
             <a:avLst/>
@@ -5316,7 +6451,7 @@
           </a:ln>
           <a:extLst>
             <a:ext uri="{C572A759-6A51-4108-AA02-DFA0A04FC94B}">
-              <ma14:wrappingTextBoxFlag xmlns:ma14="http://schemas.microsoft.com/office/mac/drawingml/2011/main" xmlns:a14="http://schemas.microsoft.com/office/drawing/2010/main" xmlns:m="http://schemas.openxmlformats.org/officeDocument/2006/math" xmlns="" val="1"/>
+              <ma14:wrappingTextBoxFlag xmlns="" xmlns:m="http://schemas.openxmlformats.org/officeDocument/2006/math" xmlns:a14="http://schemas.microsoft.com/office/drawing/2010/main" xmlns:ma14="http://schemas.microsoft.com/office/mac/drawingml/2011/main" val="1"/>
             </a:ext>
           </a:extLst>
         </p:spPr>
@@ -5324,173 +6459,14 @@
           <a:bodyPr wrap="none" lIns="50800" tIns="50800" rIns="50800" bIns="50800" anchor="ctr">
             <a:spAutoFit/>
           </a:bodyPr>
-          <a:lstStyle/>
-          <a:p>
-            <a:pPr defTabSz="457200">
-              <a:spcBef>
-                <a:spcPts val="0"/>
-              </a:spcBef>
-              <a:defRPr sz="8000">
-                <a:solidFill>
-                  <a:schemeClr val="accent3"/>
-                </a:solidFill>
-                <a:latin typeface="Andale Mono"/>
-                <a:ea typeface="Andale Mono"/>
-                <a:cs typeface="Andale Mono"/>
-                <a:sym typeface="Andale Mono"/>
-              </a:defRPr>
-            </a:pPr>
-            <a:r>
-              <a:t>#include &lt;stdio.h&gt;</a:t>
-            </a:r>
-          </a:p>
-          <a:p>
-            <a:pPr defTabSz="457200">
-              <a:spcBef>
-                <a:spcPts val="0"/>
-              </a:spcBef>
-              <a:defRPr sz="8000">
-                <a:latin typeface="Andale Mono"/>
-                <a:ea typeface="Andale Mono"/>
-                <a:cs typeface="Andale Mono"/>
-                <a:sym typeface="Andale Mono"/>
-              </a:defRPr>
-            </a:pPr>
-            <a:endParaRPr/>
-          </a:p>
-          <a:p>
-            <a:pPr defTabSz="457200">
-              <a:spcBef>
-                <a:spcPts val="0"/>
-              </a:spcBef>
-              <a:defRPr sz="8000">
-                <a:latin typeface="Andale Mono"/>
-                <a:ea typeface="Andale Mono"/>
-                <a:cs typeface="Andale Mono"/>
-                <a:sym typeface="Andale Mono"/>
-              </a:defRPr>
-            </a:pPr>
-            <a:r>
-              <a:rPr>
-                <a:solidFill>
-                  <a:schemeClr val="accent1">
-                    <a:lumOff val="13575"/>
-                  </a:schemeClr>
-                </a:solidFill>
-              </a:rPr>
-              <a:t>int</a:t>
-            </a:r>
-            <a:r>
-              <a:t> </a:t>
-            </a:r>
-            <a:r>
-              <a:rPr>
-                <a:solidFill>
-                  <a:schemeClr val="accent1">
-                    <a:hueOff val="117587"/>
-                    <a:lumOff val="-11400"/>
-                  </a:schemeClr>
-                </a:solidFill>
-              </a:rPr>
-              <a:t>main</a:t>
-            </a:r>
-            <a:r>
-              <a:t>() { </a:t>
-            </a:r>
-          </a:p>
-          <a:p>
-            <a:pPr lvl="2" defTabSz="457200">
-              <a:spcBef>
-                <a:spcPts val="0"/>
-              </a:spcBef>
-              <a:defRPr sz="8000">
-                <a:latin typeface="Andale Mono"/>
-                <a:ea typeface="Andale Mono"/>
-                <a:cs typeface="Andale Mono"/>
-                <a:sym typeface="Andale Mono"/>
-              </a:defRPr>
-            </a:pPr>
-            <a:r>
-              <a:rPr>
-                <a:solidFill>
-                  <a:schemeClr val="accent1">
-                    <a:lumOff val="13575"/>
-                  </a:schemeClr>
-                </a:solidFill>
-              </a:rPr>
-              <a:t>printf</a:t>
-            </a:r>
-            <a:r>
-              <a:t>(</a:t>
-            </a:r>
-            <a:r>
-              <a:rPr>
-                <a:solidFill>
-                  <a:schemeClr val="accent5">
-                    <a:hueOff val="128995"/>
-                    <a:satOff val="10158"/>
-                    <a:lumOff val="-13824"/>
-                  </a:schemeClr>
-                </a:solidFill>
-              </a:rPr>
-              <a:t>“Hello world!”</a:t>
-            </a:r>
-            <a:r>
-              <a:t>);</a:t>
-            </a:r>
-          </a:p>
-          <a:p>
-            <a:pPr lvl="2" defTabSz="457200">
-              <a:spcBef>
-                <a:spcPts val="0"/>
-              </a:spcBef>
-              <a:defRPr sz="8000">
-                <a:latin typeface="Andale Mono"/>
-                <a:ea typeface="Andale Mono"/>
-                <a:cs typeface="Andale Mono"/>
-                <a:sym typeface="Andale Mono"/>
-              </a:defRPr>
-            </a:pPr>
-            <a:r>
-              <a:rPr>
-                <a:solidFill>
-                  <a:schemeClr val="accent1">
-                    <a:hueOff val="117587"/>
-                    <a:lumOff val="-11400"/>
-                  </a:schemeClr>
-                </a:solidFill>
-              </a:rPr>
-              <a:t>return</a:t>
-            </a:r>
-            <a:r>
-              <a:t> </a:t>
-            </a:r>
-            <a:r>
-              <a:rPr>
-                <a:solidFill>
-                  <a:srgbClr val="929292"/>
-                </a:solidFill>
-              </a:rPr>
-              <a:t>0</a:t>
-            </a:r>
-            <a:r>
-              <a:t>;</a:t>
-            </a:r>
-          </a:p>
-          <a:p>
-            <a:pPr lvl="1" defTabSz="457200">
-              <a:spcBef>
-                <a:spcPts val="0"/>
-              </a:spcBef>
-              <a:defRPr sz="8000">
-                <a:latin typeface="Andale Mono"/>
-                <a:ea typeface="Andale Mono"/>
-                <a:cs typeface="Andale Mono"/>
-                <a:sym typeface="Andale Mono"/>
-              </a:defRPr>
-            </a:pPr>
-            <a:r>
-              <a:t>}</a:t>
+          <a:lstStyle>
+            <a:lvl1pPr>
+              <a:defRPr sz="3800" i="1"/>
+            </a:lvl1pPr>
+          </a:lstStyle>
+          <a:p>
+            <a:r>
+              <a:t>Fonte: andreaminini.com</a:t>
             </a:r>
           </a:p>
         </p:txBody>
@@ -5523,7 +6499,7 @@
       </p:grpSpPr>
       <p:sp>
         <p:nvSpPr>
-          <p:cNvPr id="231" name="Fasi di esecuzione di un programma"/>
+          <p:cNvPr id="228" name="Ciao mondo!"/>
           <p:cNvSpPr txBox="1">
             <a:spLocks noGrp="1"/>
           </p:cNvSpPr>
@@ -5532,6 +6508,10 @@
           </p:nvPr>
         </p:nvSpPr>
         <p:spPr>
+          <a:xfrm>
+            <a:off x="1270000" y="-24582"/>
+            <a:ext cx="21844000" cy="2631388"/>
+          </a:xfrm>
           <a:prstGeom prst="rect">
             <a:avLst/>
           </a:prstGeom>
@@ -5541,166 +6521,205 @@
           <a:lstStyle/>
           <a:p>
             <a:r>
-              <a:t>Fasi di esecuzione di un programma</a:t>
+              <a:t>Ciao mondo!</a:t>
             </a:r>
           </a:p>
         </p:txBody>
       </p:sp>
       <p:sp>
         <p:nvSpPr>
-          <p:cNvPr id="232" name="Dall’editing alla compilazione"/>
-          <p:cNvSpPr txBox="1">
-            <a:spLocks noGrp="1"/>
-          </p:cNvSpPr>
-          <p:nvPr>
-            <p:ph type="body" idx="21"/>
-          </p:nvPr>
+          <p:cNvPr id="229" name="#include &lt;stdio.h&gt;…"/>
+          <p:cNvSpPr txBox="1"/>
+          <p:nvPr/>
         </p:nvSpPr>
         <p:spPr>
+          <a:xfrm>
+            <a:off x="4970958" y="3378199"/>
+            <a:ext cx="15051784" cy="6959601"/>
+          </a:xfrm>
           <a:prstGeom prst="rect">
             <a:avLst/>
           </a:prstGeom>
+          <a:ln w="12700">
+            <a:miter lim="400000"/>
+          </a:ln>
           <a:extLst>
             <a:ext uri="{C572A759-6A51-4108-AA02-DFA0A04FC94B}">
-              <ma14:wrappingTextBoxFlag xmlns:ma14="http://schemas.microsoft.com/office/mac/drawingml/2011/main" xmlns:a14="http://schemas.microsoft.com/office/drawing/2010/main" xmlns:m="http://schemas.openxmlformats.org/officeDocument/2006/math" xmlns="" val="1"/>
+              <ma14:wrappingTextBoxFlag xmlns="" xmlns:m="http://schemas.openxmlformats.org/officeDocument/2006/math" xmlns:a14="http://schemas.microsoft.com/office/drawing/2010/main" xmlns:ma14="http://schemas.microsoft.com/office/mac/drawingml/2011/main" val="1"/>
             </a:ext>
           </a:extLst>
         </p:spPr>
         <p:txBody>
-          <a:bodyPr/>
+          <a:bodyPr wrap="none" lIns="50800" tIns="50800" rIns="50800" bIns="50800" anchor="ctr">
+            <a:spAutoFit/>
+          </a:bodyPr>
           <a:lstStyle/>
           <a:p>
-            <a:r>
-              <a:t>Dall’editing alla compilazione</a:t>
-            </a:r>
-          </a:p>
-        </p:txBody>
-      </p:sp>
-      <p:sp>
-        <p:nvSpPr>
-          <p:cNvPr id="233" name="1. Editing: il programmatore scrive il codice usando un editor (es. nano, o IDE come Visual Studio)…"/>
-          <p:cNvSpPr txBox="1">
-            <a:spLocks noGrp="1"/>
-          </p:cNvSpPr>
-          <p:nvPr>
-            <p:ph type="body" idx="1"/>
-          </p:nvPr>
-        </p:nvSpPr>
-        <p:spPr>
-          <a:prstGeom prst="rect">
-            <a:avLst/>
-          </a:prstGeom>
-        </p:spPr>
-        <p:txBody>
-          <a:bodyPr/>
-          <a:lstStyle/>
-          <a:p>
-            <a:pPr defTabSz="438911">
+            <a:pPr defTabSz="457200">
               <a:spcBef>
-                <a:spcPts val="1100"/>
+                <a:spcPts val="0"/>
               </a:spcBef>
-              <a:defRPr sz="5952" spc="0"/>
+              <a:defRPr sz="8000">
+                <a:solidFill>
+                  <a:schemeClr val="accent3"/>
+                </a:solidFill>
+                <a:latin typeface="Andale Mono"/>
+                <a:ea typeface="Andale Mono"/>
+                <a:cs typeface="Andale Mono"/>
+                <a:sym typeface="Andale Mono"/>
+              </a:defRPr>
             </a:pPr>
             <a:r>
-              <a:t>1. </a:t>
-            </a:r>
-            <a:r>
-              <a:rPr b="1"/>
-              <a:t>Editing:</a:t>
-            </a:r>
-            <a:r>
-              <a:t> il programmatore scrive il codice usando un editor (es. nano, o IDE come Visual Studio)</a:t>
-            </a:r>
-            <a:br/>
+              <a:t>#include &lt;stdio.h&gt;</a:t>
+            </a:r>
+          </a:p>
+          <a:p>
+            <a:pPr defTabSz="457200">
+              <a:spcBef>
+                <a:spcPts val="0"/>
+              </a:spcBef>
+              <a:defRPr sz="8000">
+                <a:latin typeface="Andale Mono"/>
+                <a:ea typeface="Andale Mono"/>
+                <a:cs typeface="Andale Mono"/>
+                <a:sym typeface="Andale Mono"/>
+              </a:defRPr>
+            </a:pPr>
             <a:endParaRPr/>
           </a:p>
           <a:p>
-            <a:pPr defTabSz="438911">
+            <a:pPr defTabSz="457200">
               <a:spcBef>
-                <a:spcPts val="1100"/>
+                <a:spcPts val="0"/>
               </a:spcBef>
-              <a:defRPr sz="5952" spc="0"/>
+              <a:defRPr sz="8000">
+                <a:latin typeface="Andale Mono"/>
+                <a:ea typeface="Andale Mono"/>
+                <a:cs typeface="Andale Mono"/>
+                <a:sym typeface="Andale Mono"/>
+              </a:defRPr>
             </a:pPr>
             <a:r>
-              <a:t>2. </a:t>
-            </a:r>
-            <a:r>
-              <a:rPr b="1"/>
-              <a:t>Preelaborazione:</a:t>
-            </a:r>
-            <a:r>
-              <a:t> il preprocessore gestisce direttive come </a:t>
-            </a:r>
-            <a:r>
               <a:rPr>
-                <a:latin typeface="FreeMono"/>
-                <a:ea typeface="FreeMono"/>
-                <a:cs typeface="FreeMono"/>
-                <a:sym typeface="FreeMono"/>
+                <a:solidFill>
+                  <a:schemeClr val="accent1">
+                    <a:lumOff val="13575"/>
+                  </a:schemeClr>
+                </a:solidFill>
               </a:rPr>
-              <a:t>#include e</a:t>
-            </a:r>
-            <a:r>
-              <a:rPr sz="1152">
-                <a:latin typeface="Times Roman"/>
-                <a:ea typeface="Times Roman"/>
-                <a:cs typeface="Times Roman"/>
-                <a:sym typeface="Times Roman"/>
+              <a:t>int</a:t>
+            </a:r>
+            <a:r>
+              <a:t> </a:t>
+            </a:r>
+            <a:r>
+              <a:rPr>
+                <a:solidFill>
+                  <a:schemeClr val="accent1">
+                    <a:hueOff val="117587"/>
+                    <a:lumOff val="-11400"/>
+                  </a:schemeClr>
+                </a:solidFill>
               </a:rPr>
-              <a:t>   </a:t>
-            </a:r>
+              <a:t>main</a:t>
+            </a:r>
+            <a:r>
+              <a:t>() { </a:t>
+            </a:r>
+          </a:p>
+          <a:p>
+            <a:pPr lvl="2" defTabSz="457200">
+              <a:spcBef>
+                <a:spcPts val="0"/>
+              </a:spcBef>
+              <a:defRPr sz="8000">
+                <a:latin typeface="Andale Mono"/>
+                <a:ea typeface="Andale Mono"/>
+                <a:cs typeface="Andale Mono"/>
+                <a:sym typeface="Andale Mono"/>
+              </a:defRPr>
+            </a:pPr>
             <a:r>
               <a:rPr>
-                <a:latin typeface="FreeMono"/>
-                <a:ea typeface="FreeMono"/>
-                <a:cs typeface="FreeMono"/>
-                <a:sym typeface="FreeMono"/>
+                <a:solidFill>
+                  <a:schemeClr val="accent1">
+                    <a:lumOff val="13575"/>
+                  </a:schemeClr>
+                </a:solidFill>
               </a:rPr>
-              <a:t>#define</a:t>
-            </a:r>
-            <a:br>
+              <a:t>printf</a:t>
+            </a:r>
+            <a:r>
+              <a:t>(</a:t>
+            </a:r>
+            <a:r>
               <a:rPr>
-                <a:latin typeface="FreeMono"/>
-                <a:ea typeface="FreeMono"/>
-                <a:cs typeface="FreeMono"/>
-                <a:sym typeface="FreeMono"/>
+                <a:solidFill>
+                  <a:schemeClr val="accent5">
+                    <a:hueOff val="128995"/>
+                    <a:satOff val="10158"/>
+                    <a:lumOff val="-13824"/>
+                  </a:schemeClr>
+                </a:solidFill>
               </a:rPr>
-            </a:br>
-            <a:endParaRPr>
-              <a:latin typeface="FreeMono"/>
-              <a:ea typeface="FreeMono"/>
-              <a:cs typeface="FreeMono"/>
-              <a:sym typeface="FreeMono"/>
-            </a:endParaRPr>
-          </a:p>
-          <a:p>
-            <a:pPr defTabSz="438911">
+              <a:t>“Hello world!”</a:t>
+            </a:r>
+            <a:r>
+              <a:t>);</a:t>
+            </a:r>
+          </a:p>
+          <a:p>
+            <a:pPr lvl="2" defTabSz="457200">
               <a:spcBef>
-                <a:spcPts val="1100"/>
+                <a:spcPts val="0"/>
               </a:spcBef>
-              <a:defRPr sz="5952" spc="0"/>
+              <a:defRPr sz="8000">
+                <a:latin typeface="Andale Mono"/>
+                <a:ea typeface="Andale Mono"/>
+                <a:cs typeface="Andale Mono"/>
+                <a:sym typeface="Andale Mono"/>
+              </a:defRPr>
             </a:pPr>
             <a:r>
-              <a:t>3. </a:t>
-            </a:r>
-            <a:r>
-              <a:rPr b="1"/>
-              <a:t>Compilazione:</a:t>
-            </a:r>
-            <a:r>
-              <a:t> il compilatore converte il codice in linguaggio macchina generando un file oggetto (</a:t>
-            </a:r>
-            <a:r>
               <a:rPr>
-                <a:latin typeface="FreeMono"/>
-                <a:ea typeface="FreeMono"/>
-                <a:cs typeface="FreeMono"/>
-                <a:sym typeface="FreeMono"/>
+                <a:solidFill>
+                  <a:schemeClr val="accent1">
+                    <a:hueOff val="117587"/>
+                    <a:lumOff val="-11400"/>
+                  </a:schemeClr>
+                </a:solidFill>
               </a:rPr>
-              <a:t>.o</a:t>
-            </a:r>
-            <a:r>
-              <a:t>)</a:t>
+              <a:t>return</a:t>
+            </a:r>
+            <a:r>
+              <a:t> </a:t>
+            </a:r>
+            <a:r>
+              <a:rPr>
+                <a:solidFill>
+                  <a:srgbClr val="929292"/>
+                </a:solidFill>
+              </a:rPr>
+              <a:t>0</a:t>
+            </a:r>
+            <a:r>
+              <a:t>;</a:t>
+            </a:r>
+          </a:p>
+          <a:p>
+            <a:pPr lvl="1" defTabSz="457200">
+              <a:spcBef>
+                <a:spcPts val="0"/>
+              </a:spcBef>
+              <a:defRPr sz="8000">
+                <a:latin typeface="Andale Mono"/>
+                <a:ea typeface="Andale Mono"/>
+                <a:cs typeface="Andale Mono"/>
+                <a:sym typeface="Andale Mono"/>
+              </a:defRPr>
+            </a:pPr>
+            <a:r>
+              <a:t>}</a:t>
             </a:r>
           </a:p>
         </p:txBody>
@@ -5733,7 +6752,7 @@
       </p:grpSpPr>
       <p:sp>
         <p:nvSpPr>
-          <p:cNvPr id="235" name="Fasi di esecuzione di un programma"/>
+          <p:cNvPr id="231" name="Fasi di esecuzione di un programma"/>
           <p:cNvSpPr txBox="1">
             <a:spLocks noGrp="1"/>
           </p:cNvSpPr>
@@ -5758,7 +6777,7 @@
       </p:sp>
       <p:sp>
         <p:nvSpPr>
-          <p:cNvPr id="236" name="Dal linking al loading"/>
+          <p:cNvPr id="232" name="Dall’editing alla compilazione"/>
           <p:cNvSpPr txBox="1">
             <a:spLocks noGrp="1"/>
           </p:cNvSpPr>
@@ -5772,7 +6791,7 @@
           </a:prstGeom>
           <a:extLst>
             <a:ext uri="{C572A759-6A51-4108-AA02-DFA0A04FC94B}">
-              <ma14:wrappingTextBoxFlag xmlns:ma14="http://schemas.microsoft.com/office/mac/drawingml/2011/main" xmlns:a14="http://schemas.microsoft.com/office/drawing/2010/main" xmlns:m="http://schemas.openxmlformats.org/officeDocument/2006/math" xmlns="" val="1"/>
+              <ma14:wrappingTextBoxFlag xmlns="" xmlns:m="http://schemas.openxmlformats.org/officeDocument/2006/math" xmlns:a14="http://schemas.microsoft.com/office/drawing/2010/main" xmlns:ma14="http://schemas.microsoft.com/office/mac/drawingml/2011/main" val="1"/>
             </a:ext>
           </a:extLst>
         </p:spPr>
@@ -5781,14 +6800,14 @@
           <a:lstStyle/>
           <a:p>
             <a:r>
-              <a:t>Dal linking al loading</a:t>
+              <a:t>Dall’editing alla compilazione</a:t>
             </a:r>
           </a:p>
         </p:txBody>
       </p:sp>
       <p:sp>
         <p:nvSpPr>
-          <p:cNvPr id="237" name="4. Linking: il linker collega il file oggetto con le librerie necessarie, producendo un eseguibile (di default a.out)…"/>
+          <p:cNvPr id="233" name="1. Editing: il programmatore scrive il codice usando un editor (es. nano, o IDE come Visual Studio)…"/>
           <p:cNvSpPr txBox="1">
             <a:spLocks noGrp="1"/>
           </p:cNvSpPr>
@@ -5805,21 +6824,41 @@
           <a:bodyPr/>
           <a:lstStyle/>
           <a:p>
-            <a:pPr defTabSz="457200">
+            <a:pPr defTabSz="438911">
               <a:spcBef>
-                <a:spcPts val="1200"/>
+                <a:spcPts val="1100"/>
               </a:spcBef>
-              <a:defRPr sz="6200" spc="0"/>
+              <a:defRPr sz="5952" spc="0"/>
             </a:pPr>
             <a:r>
-              <a:t>4. </a:t>
+              <a:t>1. </a:t>
             </a:r>
             <a:r>
               <a:rPr b="1"/>
-              <a:t>Linking:</a:t>
-            </a:r>
-            <a:r>
-              <a:t> il linker collega il file oggetto con le librerie necessarie, producendo un eseguibile (di default </a:t>
+              <a:t>Editing:</a:t>
+            </a:r>
+            <a:r>
+              <a:t> il programmatore scrive il codice usando un editor (es. nano, o IDE come Visual Studio)</a:t>
+            </a:r>
+            <a:br/>
+            <a:endParaRPr/>
+          </a:p>
+          <a:p>
+            <a:pPr defTabSz="438911">
+              <a:spcBef>
+                <a:spcPts val="1100"/>
+              </a:spcBef>
+              <a:defRPr sz="5952" spc="0"/>
+            </a:pPr>
+            <a:r>
+              <a:t>2. </a:t>
+            </a:r>
+            <a:r>
+              <a:rPr b="1"/>
+              <a:t>Preelaborazione:</a:t>
+            </a:r>
+            <a:r>
+              <a:t> il preprocessore gestisce direttive come </a:t>
             </a:r>
             <a:r>
               <a:rPr>
@@ -5828,31 +6867,69 @@
                 <a:cs typeface="FreeMono"/>
                 <a:sym typeface="FreeMono"/>
               </a:rPr>
-              <a:t>a.out</a:t>
+              <a:t>#include e</a:t>
+            </a:r>
+            <a:r>
+              <a:rPr sz="1152">
+                <a:latin typeface="Times Roman"/>
+                <a:ea typeface="Times Roman"/>
+                <a:cs typeface="Times Roman"/>
+                <a:sym typeface="Times Roman"/>
+              </a:rPr>
+              <a:t>   </a:t>
+            </a:r>
+            <a:r>
+              <a:rPr>
+                <a:latin typeface="FreeMono"/>
+                <a:ea typeface="FreeMono"/>
+                <a:cs typeface="FreeMono"/>
+                <a:sym typeface="FreeMono"/>
+              </a:rPr>
+              <a:t>#define</a:t>
+            </a:r>
+            <a:br>
+              <a:rPr>
+                <a:latin typeface="FreeMono"/>
+                <a:ea typeface="FreeMono"/>
+                <a:cs typeface="FreeMono"/>
+                <a:sym typeface="FreeMono"/>
+              </a:rPr>
+            </a:br>
+            <a:endParaRPr>
+              <a:latin typeface="FreeMono"/>
+              <a:ea typeface="FreeMono"/>
+              <a:cs typeface="FreeMono"/>
+              <a:sym typeface="FreeMono"/>
+            </a:endParaRPr>
+          </a:p>
+          <a:p>
+            <a:pPr defTabSz="438911">
+              <a:spcBef>
+                <a:spcPts val="1100"/>
+              </a:spcBef>
+              <a:defRPr sz="5952" spc="0"/>
+            </a:pPr>
+            <a:r>
+              <a:t>3. </a:t>
+            </a:r>
+            <a:r>
+              <a:rPr b="1"/>
+              <a:t>Compilazione:</a:t>
+            </a:r>
+            <a:r>
+              <a:t> il compilatore converte il codice in linguaggio macchina generando un file oggetto (</a:t>
+            </a:r>
+            <a:r>
+              <a:rPr>
+                <a:latin typeface="FreeMono"/>
+                <a:ea typeface="FreeMono"/>
+                <a:cs typeface="FreeMono"/>
+                <a:sym typeface="FreeMono"/>
+              </a:rPr>
+              <a:t>.o</a:t>
             </a:r>
             <a:r>
               <a:t>)</a:t>
-            </a:r>
-            <a:br/>
-            <a:br/>
-            <a:endParaRPr/>
-          </a:p>
-          <a:p>
-            <a:pPr defTabSz="457200">
-              <a:spcBef>
-                <a:spcPts val="1200"/>
-              </a:spcBef>
-              <a:defRPr sz="6200" spc="0"/>
-            </a:pPr>
-            <a:r>
-              <a:t>5. </a:t>
-            </a:r>
-            <a:r>
-              <a:rPr b="1"/>
-              <a:t>Loading:</a:t>
-            </a:r>
-            <a:r>
-              <a:t> il loader carica l’eseguibile in memoria RAM</a:t>
             </a:r>
           </a:p>
         </p:txBody>
@@ -5885,7 +6962,7 @@
       </p:grpSpPr>
       <p:sp>
         <p:nvSpPr>
-          <p:cNvPr id="239" name="Fasi di esecuzione di un programma"/>
+          <p:cNvPr id="235" name="Fasi di esecuzione di un programma"/>
           <p:cNvSpPr txBox="1">
             <a:spLocks noGrp="1"/>
           </p:cNvSpPr>
@@ -5910,7 +6987,7 @@
       </p:sp>
       <p:sp>
         <p:nvSpPr>
-          <p:cNvPr id="240" name="Esecuzione"/>
+          <p:cNvPr id="236" name="Dal linking al loading"/>
           <p:cNvSpPr txBox="1">
             <a:spLocks noGrp="1"/>
           </p:cNvSpPr>
@@ -5924,7 +7001,7 @@
           </a:prstGeom>
           <a:extLst>
             <a:ext uri="{C572A759-6A51-4108-AA02-DFA0A04FC94B}">
-              <ma14:wrappingTextBoxFlag xmlns:ma14="http://schemas.microsoft.com/office/mac/drawingml/2011/main" xmlns:a14="http://schemas.microsoft.com/office/drawing/2010/main" xmlns:m="http://schemas.openxmlformats.org/officeDocument/2006/math" xmlns="" val="1"/>
+              <ma14:wrappingTextBoxFlag xmlns="" xmlns:m="http://schemas.openxmlformats.org/officeDocument/2006/math" xmlns:a14="http://schemas.microsoft.com/office/drawing/2010/main" xmlns:ma14="http://schemas.microsoft.com/office/mac/drawingml/2011/main" val="1"/>
             </a:ext>
           </a:extLst>
         </p:spPr>
@@ -5933,26 +7010,22 @@
           <a:lstStyle/>
           <a:p>
             <a:r>
-              <a:t>Esecuzione</a:t>
+              <a:t>Dal linking al loading</a:t>
             </a:r>
           </a:p>
         </p:txBody>
       </p:sp>
       <p:sp>
         <p:nvSpPr>
-          <p:cNvPr id="241" name="6. Esecuzione: la CPU esegue il programma, istruzione per istruzione"/>
+          <p:cNvPr id="237" name="4. Linking: il linker collega il file oggetto con le librerie necessarie, producendo un eseguibile (di default a.out)…"/>
           <p:cNvSpPr txBox="1">
             <a:spLocks noGrp="1"/>
           </p:cNvSpPr>
           <p:nvPr>
-            <p:ph type="body" sz="quarter" idx="1"/>
+            <p:ph type="body" idx="1"/>
           </p:nvPr>
         </p:nvSpPr>
         <p:spPr>
-          <a:xfrm>
-            <a:off x="1270000" y="4267200"/>
-            <a:ext cx="21844000" cy="2460360"/>
-          </a:xfrm>
           <a:prstGeom prst="rect">
             <a:avLst/>
           </a:prstGeom>
@@ -5965,86 +7038,50 @@
               <a:spcBef>
                 <a:spcPts val="1200"/>
               </a:spcBef>
-              <a:defRPr sz="6700" spc="0"/>
+              <a:defRPr sz="6200" spc="0"/>
             </a:pPr>
             <a:r>
-              <a:t>6. </a:t>
+              <a:t>4. </a:t>
             </a:r>
             <a:r>
               <a:rPr b="1"/>
-              <a:t>Esecuzione</a:t>
-            </a:r>
-            <a:r>
-              <a:t>: la CPU esegue il programma, istruzione per istruzione</a:t>
-            </a:r>
-          </a:p>
-        </p:txBody>
-      </p:sp>
-      <p:pic>
-        <p:nvPicPr>
-          <p:cNvPr id="242" name="Screenshot 2025-05-29 alle 19.48.15.png" descr="Screenshot 2025-05-29 alle 19.48.15.png"/>
-          <p:cNvPicPr>
-            <a:picLocks noChangeAspect="1"/>
-          </p:cNvPicPr>
-          <p:nvPr/>
-        </p:nvPicPr>
-        <p:blipFill>
-          <a:blip r:embed="rId2"/>
-          <a:stretch>
-            <a:fillRect/>
-          </a:stretch>
-        </p:blipFill>
-        <p:spPr>
-          <a:xfrm>
-            <a:off x="7523006" y="6916408"/>
-            <a:ext cx="16082855" cy="6175817"/>
-          </a:xfrm>
-          <a:prstGeom prst="rect">
-            <a:avLst/>
-          </a:prstGeom>
-          <a:ln w="12700">
-            <a:miter lim="400000"/>
-          </a:ln>
-        </p:spPr>
-      </p:pic>
-      <p:sp>
-        <p:nvSpPr>
-          <p:cNvPr id="243" name="Esempio:"/>
-          <p:cNvSpPr txBox="1"/>
-          <p:nvPr/>
-        </p:nvSpPr>
-        <p:spPr>
-          <a:xfrm>
-            <a:off x="3404731" y="9430403"/>
-            <a:ext cx="3464688" cy="1147827"/>
-          </a:xfrm>
-          <a:prstGeom prst="rect">
-            <a:avLst/>
-          </a:prstGeom>
-          <a:ln w="12700">
-            <a:miter lim="400000"/>
-          </a:ln>
-          <a:extLst>
-            <a:ext uri="{C572A759-6A51-4108-AA02-DFA0A04FC94B}">
-              <ma14:wrappingTextBoxFlag xmlns:ma14="http://schemas.microsoft.com/office/mac/drawingml/2011/main" xmlns:a14="http://schemas.microsoft.com/office/drawing/2010/main" xmlns:m="http://schemas.openxmlformats.org/officeDocument/2006/math" xmlns="" val="1"/>
-            </a:ext>
-          </a:extLst>
-        </p:spPr>
-        <p:txBody>
-          <a:bodyPr wrap="none" lIns="50800" tIns="50800" rIns="50800" bIns="50800" anchor="ctr">
-            <a:spAutoFit/>
-          </a:bodyPr>
-          <a:lstStyle>
-            <a:lvl1pPr defTabSz="457200">
+              <a:t>Linking:</a:t>
+            </a:r>
+            <a:r>
+              <a:t> il linker collega il file oggetto con le librerie necessarie, producendo un eseguibile (di default </a:t>
+            </a:r>
+            <a:r>
+              <a:rPr>
+                <a:latin typeface="FreeMono"/>
+                <a:ea typeface="FreeMono"/>
+                <a:cs typeface="FreeMono"/>
+                <a:sym typeface="FreeMono"/>
+              </a:rPr>
+              <a:t>a.out</a:t>
+            </a:r>
+            <a:r>
+              <a:t>)</a:t>
+            </a:r>
+            <a:br/>
+            <a:br/>
+            <a:endParaRPr/>
+          </a:p>
+          <a:p>
+            <a:pPr defTabSz="457200">
               <a:spcBef>
                 <a:spcPts val="1200"/>
               </a:spcBef>
-              <a:defRPr sz="6200" i="1"/>
-            </a:lvl1pPr>
-          </a:lstStyle>
-          <a:p>
-            <a:r>
-              <a:t>Esempio:</a:t>
+              <a:defRPr sz="6200" spc="0"/>
+            </a:pPr>
+            <a:r>
+              <a:t>5. </a:t>
+            </a:r>
+            <a:r>
+              <a:rPr b="1"/>
+              <a:t>Loading:</a:t>
+            </a:r>
+            <a:r>
+              <a:t> il loader carica l’eseguibile in memoria RAM</a:t>
             </a:r>
           </a:p>
         </p:txBody>
@@ -6077,7 +7114,7 @@
       </p:grpSpPr>
       <p:sp>
         <p:nvSpPr>
-          <p:cNvPr id="245" name="Lessico del C"/>
+          <p:cNvPr id="239" name="Fasi di esecuzione di un programma"/>
           <p:cNvSpPr txBox="1">
             <a:spLocks noGrp="1"/>
           </p:cNvSpPr>
@@ -6095,14 +7132,14 @@
           <a:lstStyle/>
           <a:p>
             <a:r>
-              <a:t>Lessico del C</a:t>
+              <a:t>Fasi di esecuzione di un programma</a:t>
             </a:r>
           </a:p>
         </p:txBody>
       </p:sp>
       <p:sp>
         <p:nvSpPr>
-          <p:cNvPr id="246" name="Variabili"/>
+          <p:cNvPr id="240" name="Esecuzione"/>
           <p:cNvSpPr txBox="1">
             <a:spLocks noGrp="1"/>
           </p:cNvSpPr>
@@ -6116,7 +7153,7 @@
           </a:prstGeom>
           <a:extLst>
             <a:ext uri="{C572A759-6A51-4108-AA02-DFA0A04FC94B}">
-              <ma14:wrappingTextBoxFlag xmlns:ma14="http://schemas.microsoft.com/office/mac/drawingml/2011/main" xmlns:a14="http://schemas.microsoft.com/office/drawing/2010/main" xmlns:m="http://schemas.openxmlformats.org/officeDocument/2006/math" xmlns="" val="1"/>
+              <ma14:wrappingTextBoxFlag xmlns="" xmlns:m="http://schemas.openxmlformats.org/officeDocument/2006/math" xmlns:a14="http://schemas.microsoft.com/office/drawing/2010/main" xmlns:ma14="http://schemas.microsoft.com/office/mac/drawingml/2011/main" val="1"/>
             </a:ext>
           </a:extLst>
         </p:spPr>
@@ -6125,22 +7162,26 @@
           <a:lstStyle/>
           <a:p>
             <a:r>
-              <a:t>Variabili</a:t>
+              <a:t>Esecuzione</a:t>
             </a:r>
           </a:p>
         </p:txBody>
       </p:sp>
       <p:sp>
         <p:nvSpPr>
-          <p:cNvPr id="247" name="Variabili: locazione di memoria a cui viene associato un nome e che contiene un valore.…"/>
+          <p:cNvPr id="241" name="6. Esecuzione: la CPU esegue il programma, istruzione per istruzione"/>
           <p:cNvSpPr txBox="1">
             <a:spLocks noGrp="1"/>
           </p:cNvSpPr>
           <p:nvPr>
-            <p:ph type="body" idx="1"/>
+            <p:ph type="body" sz="quarter" idx="1"/>
           </p:nvPr>
         </p:nvSpPr>
         <p:spPr>
+          <a:xfrm>
+            <a:off x="1270000" y="4267200"/>
+            <a:ext cx="21844000" cy="2460360"/>
+          </a:xfrm>
           <a:prstGeom prst="rect">
             <a:avLst/>
           </a:prstGeom>
@@ -6149,172 +7190,90 @@
           <a:bodyPr/>
           <a:lstStyle/>
           <a:p>
-            <a:pPr marL="547624" indent="-547624" defTabSz="2389632">
+            <a:pPr defTabSz="457200">
               <a:spcBef>
-                <a:spcPts val="2300"/>
+                <a:spcPts val="1200"/>
               </a:spcBef>
-              <a:defRPr sz="5390" b="1"/>
+              <a:defRPr sz="6700" spc="0"/>
             </a:pPr>
             <a:r>
-              <a:t>Variabili: </a:t>
-            </a:r>
-            <a:r>
-              <a:rPr b="0"/>
-              <a:t>locazione di memoria a cui viene associato un nome e che contiene un valore.</a:t>
-            </a:r>
-            <a:br>
-              <a:rPr b="0"/>
-            </a:br>
-            <a:endParaRPr b="0"/>
-          </a:p>
-          <a:p>
-            <a:pPr marL="547624" indent="-547624" defTabSz="2389632">
+              <a:t>6. </a:t>
+            </a:r>
+            <a:r>
+              <a:rPr b="1"/>
+              <a:t>Esecuzione</a:t>
+            </a:r>
+            <a:r>
+              <a:t>: la CPU esegue il programma, istruzione per istruzione</a:t>
+            </a:r>
+          </a:p>
+        </p:txBody>
+      </p:sp>
+      <p:pic>
+        <p:nvPicPr>
+          <p:cNvPr id="242" name="Screenshot 2025-05-29 alle 19.48.15.png" descr="Screenshot 2025-05-29 alle 19.48.15.png"/>
+          <p:cNvPicPr>
+            <a:picLocks noChangeAspect="1"/>
+          </p:cNvPicPr>
+          <p:nvPr/>
+        </p:nvPicPr>
+        <p:blipFill>
+          <a:blip r:embed="rId2"/>
+          <a:stretch>
+            <a:fillRect/>
+          </a:stretch>
+        </p:blipFill>
+        <p:spPr>
+          <a:xfrm>
+            <a:off x="7523006" y="6916408"/>
+            <a:ext cx="16082855" cy="6175817"/>
+          </a:xfrm>
+          <a:prstGeom prst="rect">
+            <a:avLst/>
+          </a:prstGeom>
+          <a:ln w="12700">
+            <a:miter lim="400000"/>
+          </a:ln>
+        </p:spPr>
+      </p:pic>
+      <p:sp>
+        <p:nvSpPr>
+          <p:cNvPr id="243" name="Esempio:"/>
+          <p:cNvSpPr txBox="1"/>
+          <p:nvPr/>
+        </p:nvSpPr>
+        <p:spPr>
+          <a:xfrm>
+            <a:off x="3404731" y="9430403"/>
+            <a:ext cx="3464688" cy="1147827"/>
+          </a:xfrm>
+          <a:prstGeom prst="rect">
+            <a:avLst/>
+          </a:prstGeom>
+          <a:ln w="12700">
+            <a:miter lim="400000"/>
+          </a:ln>
+          <a:extLst>
+            <a:ext uri="{C572A759-6A51-4108-AA02-DFA0A04FC94B}">
+              <ma14:wrappingTextBoxFlag xmlns="" xmlns:m="http://schemas.openxmlformats.org/officeDocument/2006/math" xmlns:a14="http://schemas.microsoft.com/office/drawing/2010/main" xmlns:ma14="http://schemas.microsoft.com/office/mac/drawingml/2011/main" val="1"/>
+            </a:ext>
+          </a:extLst>
+        </p:spPr>
+        <p:txBody>
+          <a:bodyPr wrap="none" lIns="50800" tIns="50800" rIns="50800" bIns="50800" anchor="ctr">
+            <a:spAutoFit/>
+          </a:bodyPr>
+          <a:lstStyle>
+            <a:lvl1pPr defTabSz="457200">
               <a:spcBef>
-                <a:spcPts val="2300"/>
+                <a:spcPts val="1200"/>
               </a:spcBef>
-              <a:defRPr sz="5390" b="1"/>
-            </a:pPr>
-            <a:r>
-              <a:rPr b="0"/>
-              <a:t>Sintassi:</a:t>
-            </a:r>
-            <a:r>
-              <a:t> </a:t>
-            </a:r>
-            <a:r>
-              <a:rPr>
-                <a:solidFill>
-                  <a:schemeClr val="accent1"/>
-                </a:solidFill>
-              </a:rPr>
-              <a:t>tipo</a:t>
-            </a:r>
-            <a:r>
-              <a:t> </a:t>
-            </a:r>
-            <a:r>
-              <a:rPr>
-                <a:solidFill>
-                  <a:schemeClr val="accent5"/>
-                </a:solidFill>
-              </a:rPr>
-              <a:t>nome_variabile</a:t>
-            </a:r>
-            <a:r>
-              <a:t>;</a:t>
-            </a:r>
-            <a:br/>
-            <a:endParaRPr/>
-          </a:p>
-          <a:p>
-            <a:pPr marL="547624" indent="-547624" defTabSz="2389632">
-              <a:spcBef>
-                <a:spcPts val="2300"/>
-              </a:spcBef>
-              <a:defRPr sz="5390" b="1"/>
-            </a:pPr>
-            <a:r>
-              <a:rPr b="0"/>
+              <a:defRPr sz="6200" i="1"/>
+            </a:lvl1pPr>
+          </a:lstStyle>
+          <a:p>
+            <a:r>
               <a:t>Esempio:</a:t>
-            </a:r>
-            <a:r>
-              <a:t> </a:t>
-            </a:r>
-            <a:r>
-              <a:rPr>
-                <a:solidFill>
-                  <a:schemeClr val="accent1"/>
-                </a:solidFill>
-              </a:rPr>
-              <a:t>int</a:t>
-            </a:r>
-            <a:r>
-              <a:t> </a:t>
-            </a:r>
-            <a:r>
-              <a:rPr>
-                <a:solidFill>
-                  <a:schemeClr val="accent5"/>
-                </a:solidFill>
-              </a:rPr>
-              <a:t>età</a:t>
-            </a:r>
-            <a:r>
-              <a:t>;</a:t>
-            </a:r>
-            <a:br/>
-            <a:endParaRPr/>
-          </a:p>
-          <a:p>
-            <a:pPr marL="547624" indent="-547624" defTabSz="2389632">
-              <a:spcBef>
-                <a:spcPts val="2300"/>
-              </a:spcBef>
-              <a:defRPr sz="5390" b="1"/>
-            </a:pPr>
-            <a:r>
-              <a:rPr b="0"/>
-              <a:t>Tipi comuni:</a:t>
-            </a:r>
-            <a:r>
-              <a:t> </a:t>
-            </a:r>
-            <a:r>
-              <a:rPr>
-                <a:solidFill>
-                  <a:schemeClr val="accent1"/>
-                </a:solidFill>
-                <a:latin typeface="Courier"/>
-                <a:ea typeface="Courier"/>
-                <a:cs typeface="Courier"/>
-                <a:sym typeface="Courier"/>
-              </a:rPr>
-              <a:t>int</a:t>
-            </a:r>
-            <a:r>
-              <a:t>, </a:t>
-            </a:r>
-            <a:r>
-              <a:rPr>
-                <a:solidFill>
-                  <a:schemeClr val="accent1"/>
-                </a:solidFill>
-                <a:latin typeface="Courier"/>
-                <a:ea typeface="Courier"/>
-                <a:cs typeface="Courier"/>
-                <a:sym typeface="Courier"/>
-              </a:rPr>
-              <a:t>float</a:t>
-            </a:r>
-            <a:r>
-              <a:t>, </a:t>
-            </a:r>
-            <a:r>
-              <a:rPr>
-                <a:solidFill>
-                  <a:schemeClr val="accent1"/>
-                </a:solidFill>
-                <a:latin typeface="Courier"/>
-                <a:ea typeface="Courier"/>
-                <a:cs typeface="Courier"/>
-                <a:sym typeface="Courier"/>
-              </a:rPr>
-              <a:t>char</a:t>
-            </a:r>
-            <a:r>
-              <a:t>, </a:t>
-            </a:r>
-            <a:r>
-              <a:rPr>
-                <a:solidFill>
-                  <a:schemeClr val="accent1"/>
-                </a:solidFill>
-                <a:latin typeface="Courier"/>
-                <a:ea typeface="Courier"/>
-                <a:cs typeface="Courier"/>
-                <a:sym typeface="Courier"/>
-              </a:rPr>
-              <a:t>double</a:t>
             </a:r>
           </a:p>
         </p:txBody>
@@ -6347,7 +7306,7 @@
       </p:grpSpPr>
       <p:sp>
         <p:nvSpPr>
-          <p:cNvPr id="249" name="Lessico del C"/>
+          <p:cNvPr id="245" name="Lessico del C"/>
           <p:cNvSpPr txBox="1">
             <a:spLocks noGrp="1"/>
           </p:cNvSpPr>
@@ -6372,7 +7331,7 @@
       </p:sp>
       <p:sp>
         <p:nvSpPr>
-          <p:cNvPr id="250" name="Commenti"/>
+          <p:cNvPr id="246" name="Variabili"/>
           <p:cNvSpPr txBox="1">
             <a:spLocks noGrp="1"/>
           </p:cNvSpPr>
@@ -6386,7 +7345,7 @@
           </a:prstGeom>
           <a:extLst>
             <a:ext uri="{C572A759-6A51-4108-AA02-DFA0A04FC94B}">
-              <ma14:wrappingTextBoxFlag xmlns:ma14="http://schemas.microsoft.com/office/mac/drawingml/2011/main" xmlns:a14="http://schemas.microsoft.com/office/drawing/2010/main" xmlns:m="http://schemas.openxmlformats.org/officeDocument/2006/math" xmlns="" val="1"/>
+              <ma14:wrappingTextBoxFlag xmlns="" xmlns:m="http://schemas.openxmlformats.org/officeDocument/2006/math" xmlns:a14="http://schemas.microsoft.com/office/drawing/2010/main" xmlns:ma14="http://schemas.microsoft.com/office/mac/drawingml/2011/main" val="1"/>
             </a:ext>
           </a:extLst>
         </p:spPr>
@@ -6395,14 +7354,14 @@
           <a:lstStyle/>
           <a:p>
             <a:r>
-              <a:t>Commenti</a:t>
+              <a:t>Variabili</a:t>
             </a:r>
           </a:p>
         </p:txBody>
       </p:sp>
       <p:sp>
         <p:nvSpPr>
-          <p:cNvPr id="251" name="I commenti servono a documentare il codice e non vengono eseguiti."/>
+          <p:cNvPr id="247" name="Variabili: locazione di memoria a cui viene associato un nome e che contiene un valore.…"/>
           <p:cNvSpPr txBox="1">
             <a:spLocks noGrp="1"/>
           </p:cNvSpPr>
@@ -6411,10 +7370,6 @@
           </p:nvPr>
         </p:nvSpPr>
         <p:spPr>
-          <a:xfrm>
-            <a:off x="1270000" y="3696904"/>
-            <a:ext cx="21844000" cy="8432801"/>
-          </a:xfrm>
           <a:prstGeom prst="rect">
             <a:avLst/>
           </a:prstGeom>
@@ -6423,106 +7378,172 @@
           <a:bodyPr/>
           <a:lstStyle/>
           <a:p>
-            <a:pPr marL="457200" indent="-317500" defTabSz="457200">
+            <a:pPr marL="547624" indent="-547624" defTabSz="2389632">
               <a:spcBef>
-                <a:spcPts val="1200"/>
+                <a:spcPts val="2300"/>
               </a:spcBef>
-              <a:buFont typeface="Times Roman"/>
-              <a:defRPr sz="6000"/>
+              <a:defRPr sz="5390" b="1"/>
             </a:pPr>
             <a:r>
-              <a:t> I </a:t>
-            </a:r>
-            <a:r>
-              <a:rPr b="1"/>
-              <a:t>commenti</a:t>
-            </a:r>
-            <a:r>
-              <a:t> servono a documentare il codice e non vengono eseguiti.</a:t>
+              <a:t>Variabili: </a:t>
+            </a:r>
+            <a:r>
+              <a:rPr b="0"/>
+              <a:t>locazione di memoria a cui viene associato un nome e che contiene un valore.</a:t>
+            </a:r>
+            <a:br>
+              <a:rPr b="0"/>
+            </a:br>
+            <a:endParaRPr b="0"/>
+          </a:p>
+          <a:p>
+            <a:pPr marL="547624" indent="-547624" defTabSz="2389632">
+              <a:spcBef>
+                <a:spcPts val="2300"/>
+              </a:spcBef>
+              <a:defRPr sz="5390" b="1"/>
+            </a:pPr>
+            <a:r>
+              <a:rPr b="0"/>
+              <a:t>Sintassi:</a:t>
+            </a:r>
+            <a:r>
+              <a:t> </a:t>
+            </a:r>
+            <a:r>
+              <a:rPr>
+                <a:solidFill>
+                  <a:schemeClr val="accent1"/>
+                </a:solidFill>
+              </a:rPr>
+              <a:t>tipo</a:t>
+            </a:r>
+            <a:r>
+              <a:t> </a:t>
+            </a:r>
+            <a:r>
+              <a:rPr>
+                <a:solidFill>
+                  <a:schemeClr val="accent5"/>
+                </a:solidFill>
+              </a:rPr>
+              <a:t>nome_variabile</a:t>
+            </a:r>
+            <a:r>
+              <a:t>;</a:t>
             </a:r>
             <a:br/>
             <a:endParaRPr/>
           </a:p>
-        </p:txBody>
-      </p:sp>
-      <p:pic>
-        <p:nvPicPr>
-          <p:cNvPr id="252" name="Screenshot 2025-05-29 alle 19.57.27.png" descr="Screenshot 2025-05-29 alle 19.57.27.png"/>
-          <p:cNvPicPr>
-            <a:picLocks noChangeAspect="1"/>
-          </p:cNvPicPr>
-          <p:nvPr/>
-        </p:nvPicPr>
-        <p:blipFill>
-          <a:blip r:embed="rId2"/>
-          <a:stretch>
-            <a:fillRect/>
-          </a:stretch>
-        </p:blipFill>
-        <p:spPr>
-          <a:xfrm>
-            <a:off x="1377266" y="6210604"/>
-            <a:ext cx="13265198" cy="6776545"/>
-          </a:xfrm>
-          <a:prstGeom prst="rect">
-            <a:avLst/>
-          </a:prstGeom>
-          <a:ln w="12700">
-            <a:miter lim="400000"/>
-          </a:ln>
-        </p:spPr>
-      </p:pic>
-      <p:sp>
-        <p:nvSpPr>
-          <p:cNvPr id="253" name="⚠️ È buona prassi commentare  il codice in maniera da  renderlo più leggibile"/>
-          <p:cNvSpPr txBox="1"/>
-          <p:nvPr/>
-        </p:nvSpPr>
-        <p:spPr>
-          <a:xfrm>
-            <a:off x="15550491" y="7993999"/>
-            <a:ext cx="8151877" cy="3708401"/>
-          </a:xfrm>
-          <a:prstGeom prst="rect">
-            <a:avLst/>
-          </a:prstGeom>
-          <a:ln w="12700">
-            <a:miter lim="400000"/>
-          </a:ln>
-          <a:extLst>
-            <a:ext uri="{C572A759-6A51-4108-AA02-DFA0A04FC94B}">
-              <ma14:wrappingTextBoxFlag xmlns:ma14="http://schemas.microsoft.com/office/mac/drawingml/2011/main" xmlns:a14="http://schemas.microsoft.com/office/drawing/2010/main" xmlns:m="http://schemas.openxmlformats.org/officeDocument/2006/math" xmlns="" val="1"/>
-            </a:ext>
-          </a:extLst>
-        </p:spPr>
-        <p:txBody>
-          <a:bodyPr wrap="none" lIns="50800" tIns="50800" rIns="50800" bIns="50800" anchor="ctr">
-            <a:spAutoFit/>
-          </a:bodyPr>
-          <a:lstStyle/>
-          <a:p>
-            <a:r>
-              <a:rPr sz="7000"/>
-              <a:t>⚠️</a:t>
+          <a:p>
+            <a:pPr marL="547624" indent="-547624" defTabSz="2389632">
+              <a:spcBef>
+                <a:spcPts val="2300"/>
+              </a:spcBef>
+              <a:defRPr sz="5390" b="1"/>
+            </a:pPr>
+            <a:r>
+              <a:rPr b="0"/>
+              <a:t>Esempio:</a:t>
+            </a:r>
+            <a:r>
+              <a:t> </a:t>
+            </a:r>
+            <a:r>
+              <a:rPr>
+                <a:solidFill>
+                  <a:schemeClr val="accent1"/>
+                </a:solidFill>
+              </a:rPr>
+              <a:t>int</a:t>
+            </a:r>
+            <a:r>
+              <a:t> </a:t>
+            </a:r>
+            <a:r>
+              <a:rPr>
+                <a:solidFill>
+                  <a:schemeClr val="accent5"/>
+                </a:solidFill>
+              </a:rPr>
+              <a:t>età</a:t>
+            </a:r>
+            <a:r>
+              <a:t>;</a:t>
             </a:r>
             <a:br/>
-            <a:r>
-              <a:rPr i="1"/>
-              <a:t>È buona prassi commentare </a:t>
-            </a:r>
-            <a:br>
-              <a:rPr i="1"/>
-            </a:br>
-            <a:r>
-              <a:rPr i="1"/>
-              <a:t>il codice in maniera da </a:t>
-            </a:r>
-            <a:br>
-              <a:rPr i="1"/>
-            </a:br>
-            <a:r>
-              <a:rPr i="1"/>
-              <a:t>renderlo più leggibile</a:t>
+            <a:endParaRPr/>
+          </a:p>
+          <a:p>
+            <a:pPr marL="547624" indent="-547624" defTabSz="2389632">
+              <a:spcBef>
+                <a:spcPts val="2300"/>
+              </a:spcBef>
+              <a:defRPr sz="5390" b="1"/>
+            </a:pPr>
+            <a:r>
+              <a:rPr b="0"/>
+              <a:t>Tipi comuni:</a:t>
+            </a:r>
+            <a:r>
+              <a:t> </a:t>
+            </a:r>
+            <a:r>
+              <a:rPr>
+                <a:solidFill>
+                  <a:schemeClr val="accent1"/>
+                </a:solidFill>
+                <a:latin typeface="Courier"/>
+                <a:ea typeface="Courier"/>
+                <a:cs typeface="Courier"/>
+                <a:sym typeface="Courier"/>
+              </a:rPr>
+              <a:t>int</a:t>
+            </a:r>
+            <a:r>
+              <a:t>, </a:t>
+            </a:r>
+            <a:r>
+              <a:rPr>
+                <a:solidFill>
+                  <a:schemeClr val="accent1"/>
+                </a:solidFill>
+                <a:latin typeface="Courier"/>
+                <a:ea typeface="Courier"/>
+                <a:cs typeface="Courier"/>
+                <a:sym typeface="Courier"/>
+              </a:rPr>
+              <a:t>float</a:t>
+            </a:r>
+            <a:r>
+              <a:t>, </a:t>
+            </a:r>
+            <a:r>
+              <a:rPr>
+                <a:solidFill>
+                  <a:schemeClr val="accent1"/>
+                </a:solidFill>
+                <a:latin typeface="Courier"/>
+                <a:ea typeface="Courier"/>
+                <a:cs typeface="Courier"/>
+                <a:sym typeface="Courier"/>
+              </a:rPr>
+              <a:t>char</a:t>
+            </a:r>
+            <a:r>
+              <a:t>, </a:t>
+            </a:r>
+            <a:r>
+              <a:rPr>
+                <a:solidFill>
+                  <a:schemeClr val="accent1"/>
+                </a:solidFill>
+                <a:latin typeface="Courier"/>
+                <a:ea typeface="Courier"/>
+                <a:cs typeface="Courier"/>
+                <a:sym typeface="Courier"/>
+              </a:rPr>
+              <a:t>double</a:t>
             </a:r>
           </a:p>
         </p:txBody>
@@ -6555,7 +7576,7 @@
       </p:grpSpPr>
       <p:sp>
         <p:nvSpPr>
-          <p:cNvPr id="255" name="Lessico del C"/>
+          <p:cNvPr id="249" name="Lessico del C"/>
           <p:cNvSpPr txBox="1">
             <a:spLocks noGrp="1"/>
           </p:cNvSpPr>
@@ -6580,7 +7601,7 @@
       </p:sp>
       <p:sp>
         <p:nvSpPr>
-          <p:cNvPr id="256" name="Categorie"/>
+          <p:cNvPr id="250" name="Commenti"/>
           <p:cNvSpPr txBox="1">
             <a:spLocks noGrp="1"/>
           </p:cNvSpPr>
@@ -6594,7 +7615,7 @@
           </a:prstGeom>
           <a:extLst>
             <a:ext uri="{C572A759-6A51-4108-AA02-DFA0A04FC94B}">
-              <ma14:wrappingTextBoxFlag xmlns:ma14="http://schemas.microsoft.com/office/mac/drawingml/2011/main" xmlns:a14="http://schemas.microsoft.com/office/drawing/2010/main" xmlns:m="http://schemas.openxmlformats.org/officeDocument/2006/math" xmlns="" val="1"/>
+              <ma14:wrappingTextBoxFlag xmlns="" xmlns:m="http://schemas.openxmlformats.org/officeDocument/2006/math" xmlns:a14="http://schemas.microsoft.com/office/drawing/2010/main" xmlns:ma14="http://schemas.microsoft.com/office/mac/drawingml/2011/main" val="1"/>
             </a:ext>
           </a:extLst>
         </p:spPr>
@@ -6603,14 +7624,14 @@
           <a:lstStyle/>
           <a:p>
             <a:r>
-              <a:t>Categorie</a:t>
+              <a:t>Commenti</a:t>
             </a:r>
           </a:p>
         </p:txBody>
       </p:sp>
       <p:sp>
         <p:nvSpPr>
-          <p:cNvPr id="257" name="Parole chiavi: termini riservati del linguaggio che non possono essere utilizzati come nomi di variabili; usate per definire il comportamento di un programma"/>
+          <p:cNvPr id="251" name="I commenti servono a documentare il codice e non vengono eseguiti."/>
           <p:cNvSpPr txBox="1">
             <a:spLocks noGrp="1"/>
           </p:cNvSpPr>
@@ -6619,6 +7640,10 @@
           </p:nvPr>
         </p:nvSpPr>
         <p:spPr>
+          <a:xfrm>
+            <a:off x="1270000" y="3696904"/>
+            <a:ext cx="21844000" cy="8432801"/>
+          </a:xfrm>
           <a:prstGeom prst="rect">
             <a:avLst/>
           </a:prstGeom>
@@ -6627,22 +7652,31 @@
           <a:bodyPr/>
           <a:lstStyle/>
           <a:p>
-            <a:pPr>
-              <a:defRPr b="1"/>
+            <a:pPr marL="457200" indent="-317500" defTabSz="457200">
+              <a:spcBef>
+                <a:spcPts val="1200"/>
+              </a:spcBef>
+              <a:buFont typeface="Times Roman"/>
+              <a:defRPr sz="6000"/>
             </a:pPr>
             <a:r>
-              <a:t>Parole chiavi: </a:t>
-            </a:r>
-            <a:r>
-              <a:rPr b="0"/>
-              <a:t>termini riservati del linguaggio che non possono essere utilizzati come nomi di variabili; usate per definire il comportamento di un programma</a:t>
-            </a:r>
+              <a:t> I </a:t>
+            </a:r>
+            <a:r>
+              <a:rPr b="1"/>
+              <a:t>commenti</a:t>
+            </a:r>
+            <a:r>
+              <a:t> servono a documentare il codice e non vengono eseguiti.</a:t>
+            </a:r>
+            <a:br/>
+            <a:endParaRPr/>
           </a:p>
         </p:txBody>
       </p:sp>
       <p:pic>
         <p:nvPicPr>
-          <p:cNvPr id="258" name="Screenshot 2025-05-29 alle 19.22.31.png" descr="Screenshot 2025-05-29 alle 19.22.31.png"/>
+          <p:cNvPr id="252" name="Screenshot 2025-05-29 alle 19.57.27.png" descr="Screenshot 2025-05-29 alle 19.57.27.png"/>
           <p:cNvPicPr>
             <a:picLocks noChangeAspect="1"/>
           </p:cNvPicPr>
@@ -6656,8 +7690,8 @@
         </p:blipFill>
         <p:spPr>
           <a:xfrm>
-            <a:off x="5037680" y="6921673"/>
-            <a:ext cx="14308640" cy="5901009"/>
+            <a:off x="1377266" y="6210604"/>
+            <a:ext cx="13265198" cy="6776545"/>
           </a:xfrm>
           <a:prstGeom prst="rect">
             <a:avLst/>
@@ -6667,6 +7701,61 @@
           </a:ln>
         </p:spPr>
       </p:pic>
+      <p:sp>
+        <p:nvSpPr>
+          <p:cNvPr id="253" name="⚠️ È buona prassi commentare  il codice in maniera da  renderlo più leggibile"/>
+          <p:cNvSpPr txBox="1"/>
+          <p:nvPr/>
+        </p:nvSpPr>
+        <p:spPr>
+          <a:xfrm>
+            <a:off x="15550491" y="7993999"/>
+            <a:ext cx="8151877" cy="3708401"/>
+          </a:xfrm>
+          <a:prstGeom prst="rect">
+            <a:avLst/>
+          </a:prstGeom>
+          <a:ln w="12700">
+            <a:miter lim="400000"/>
+          </a:ln>
+          <a:extLst>
+            <a:ext uri="{C572A759-6A51-4108-AA02-DFA0A04FC94B}">
+              <ma14:wrappingTextBoxFlag xmlns="" xmlns:m="http://schemas.openxmlformats.org/officeDocument/2006/math" xmlns:a14="http://schemas.microsoft.com/office/drawing/2010/main" xmlns:ma14="http://schemas.microsoft.com/office/mac/drawingml/2011/main" val="1"/>
+            </a:ext>
+          </a:extLst>
+        </p:spPr>
+        <p:txBody>
+          <a:bodyPr wrap="none" lIns="50800" tIns="50800" rIns="50800" bIns="50800" anchor="ctr">
+            <a:spAutoFit/>
+          </a:bodyPr>
+          <a:lstStyle/>
+          <a:p>
+            <a:r>
+              <a:rPr sz="7000"/>
+              <a:t>⚠️</a:t>
+            </a:r>
+            <a:br/>
+            <a:r>
+              <a:rPr i="1"/>
+              <a:t>È buona prassi commentare </a:t>
+            </a:r>
+            <a:br>
+              <a:rPr i="1"/>
+            </a:br>
+            <a:r>
+              <a:rPr i="1"/>
+              <a:t>il codice in maniera da </a:t>
+            </a:r>
+            <a:br>
+              <a:rPr i="1"/>
+            </a:br>
+            <a:r>
+              <a:rPr i="1"/>
+              <a:t>renderlo più leggibile</a:t>
+            </a:r>
+          </a:p>
+        </p:txBody>
+      </p:sp>
     </p:spTree>
   </p:cSld>
   <p:clrMapOvr>
@@ -6695,7 +7784,7 @@
       </p:grpSpPr>
       <p:sp>
         <p:nvSpPr>
-          <p:cNvPr id="260" name="Lessico del C"/>
+          <p:cNvPr id="255" name="Lessico del C"/>
           <p:cNvSpPr txBox="1">
             <a:spLocks noGrp="1"/>
           </p:cNvSpPr>
@@ -6720,7 +7809,7 @@
       </p:sp>
       <p:sp>
         <p:nvSpPr>
-          <p:cNvPr id="261" name="Costanti"/>
+          <p:cNvPr id="256" name="Categorie"/>
           <p:cNvSpPr txBox="1">
             <a:spLocks noGrp="1"/>
           </p:cNvSpPr>
@@ -6734,7 +7823,7 @@
           </a:prstGeom>
           <a:extLst>
             <a:ext uri="{C572A759-6A51-4108-AA02-DFA0A04FC94B}">
-              <ma14:wrappingTextBoxFlag xmlns:ma14="http://schemas.microsoft.com/office/mac/drawingml/2011/main" xmlns:a14="http://schemas.microsoft.com/office/drawing/2010/main" xmlns:m="http://schemas.openxmlformats.org/officeDocument/2006/math" xmlns="" val="1"/>
+              <ma14:wrappingTextBoxFlag xmlns="" xmlns:m="http://schemas.openxmlformats.org/officeDocument/2006/math" xmlns:a14="http://schemas.microsoft.com/office/drawing/2010/main" xmlns:ma14="http://schemas.microsoft.com/office/mac/drawingml/2011/main" val="1"/>
             </a:ext>
           </a:extLst>
         </p:spPr>
@@ -6743,14 +7832,14 @@
           <a:lstStyle/>
           <a:p>
             <a:r>
-              <a:t>Costanti</a:t>
+              <a:t>Categorie</a:t>
             </a:r>
           </a:p>
         </p:txBody>
       </p:sp>
       <p:sp>
         <p:nvSpPr>
-          <p:cNvPr id="262" name="Una costante è un valore che non cambia durante l'esecuzione del programma."/>
+          <p:cNvPr id="257" name="Parole chiavi: termini riservati del linguaggio che non possono essere utilizzati come nomi di variabili; usate per definire il comportamento di un programma"/>
           <p:cNvSpPr txBox="1">
             <a:spLocks noGrp="1"/>
           </p:cNvSpPr>
@@ -6767,29 +7856,22 @@
           <a:bodyPr/>
           <a:lstStyle/>
           <a:p>
-            <a:pPr marL="457200" indent="-317500" defTabSz="457200">
-              <a:spcBef>
-                <a:spcPts val="1200"/>
-              </a:spcBef>
-              <a:buFont typeface="Times Roman"/>
-              <a:defRPr sz="5000"/>
+            <a:pPr>
+              <a:defRPr b="1"/>
             </a:pPr>
             <a:r>
-              <a:t>Una </a:t>
-            </a:r>
-            <a:r>
-              <a:rPr b="1"/>
-              <a:t>costante</a:t>
-            </a:r>
-            <a:r>
-              <a:t> è un valore che non cambia durante l'esecuzione del programma.</a:t>
+              <a:t>Parole chiavi: </a:t>
+            </a:r>
+            <a:r>
+              <a:rPr b="0"/>
+              <a:t>termini riservati del linguaggio che non possono essere utilizzati come nomi di variabili; usate per definire il comportamento di un programma</a:t>
             </a:r>
           </a:p>
         </p:txBody>
       </p:sp>
       <p:pic>
         <p:nvPicPr>
-          <p:cNvPr id="263" name="Screenshot 2025-05-29 alle 20.08.30.png" descr="Screenshot 2025-05-29 alle 20.08.30.png"/>
+          <p:cNvPr id="258" name="Screenshot 2025-05-29 alle 19.22.31.png" descr="Screenshot 2025-05-29 alle 19.22.31.png"/>
           <p:cNvPicPr>
             <a:picLocks noChangeAspect="1"/>
           </p:cNvPicPr>
@@ -6803,8 +7885,8 @@
         </p:blipFill>
         <p:spPr>
           <a:xfrm>
-            <a:off x="3858142" y="7796743"/>
-            <a:ext cx="16667716" cy="1373714"/>
+            <a:off x="5037680" y="6921673"/>
+            <a:ext cx="14308640" cy="5901009"/>
           </a:xfrm>
           <a:prstGeom prst="rect">
             <a:avLst/>
@@ -6842,7 +7924,7 @@
       </p:grpSpPr>
       <p:sp>
         <p:nvSpPr>
-          <p:cNvPr id="265" name="Installiamo l’editor"/>
+          <p:cNvPr id="260" name="Lessico del C"/>
           <p:cNvSpPr txBox="1">
             <a:spLocks noGrp="1"/>
           </p:cNvSpPr>
@@ -6860,11 +7942,107 @@
           <a:lstStyle/>
           <a:p>
             <a:r>
-              <a:t>Installiamo l’editor</a:t>
+              <a:t>Lessico del C</a:t>
             </a:r>
           </a:p>
         </p:txBody>
       </p:sp>
+      <p:sp>
+        <p:nvSpPr>
+          <p:cNvPr id="261" name="Costanti"/>
+          <p:cNvSpPr txBox="1">
+            <a:spLocks noGrp="1"/>
+          </p:cNvSpPr>
+          <p:nvPr>
+            <p:ph type="body" idx="21"/>
+          </p:nvPr>
+        </p:nvSpPr>
+        <p:spPr>
+          <a:prstGeom prst="rect">
+            <a:avLst/>
+          </a:prstGeom>
+          <a:extLst>
+            <a:ext uri="{C572A759-6A51-4108-AA02-DFA0A04FC94B}">
+              <ma14:wrappingTextBoxFlag xmlns="" xmlns:m="http://schemas.openxmlformats.org/officeDocument/2006/math" xmlns:a14="http://schemas.microsoft.com/office/drawing/2010/main" xmlns:ma14="http://schemas.microsoft.com/office/mac/drawingml/2011/main" val="1"/>
+            </a:ext>
+          </a:extLst>
+        </p:spPr>
+        <p:txBody>
+          <a:bodyPr/>
+          <a:lstStyle/>
+          <a:p>
+            <a:r>
+              <a:t>Costanti</a:t>
+            </a:r>
+          </a:p>
+        </p:txBody>
+      </p:sp>
+      <p:sp>
+        <p:nvSpPr>
+          <p:cNvPr id="262" name="Una costante è un valore che non cambia durante l'esecuzione del programma."/>
+          <p:cNvSpPr txBox="1">
+            <a:spLocks noGrp="1"/>
+          </p:cNvSpPr>
+          <p:nvPr>
+            <p:ph type="body" idx="1"/>
+          </p:nvPr>
+        </p:nvSpPr>
+        <p:spPr>
+          <a:prstGeom prst="rect">
+            <a:avLst/>
+          </a:prstGeom>
+        </p:spPr>
+        <p:txBody>
+          <a:bodyPr/>
+          <a:lstStyle/>
+          <a:p>
+            <a:pPr marL="457200" indent="-317500" defTabSz="457200">
+              <a:spcBef>
+                <a:spcPts val="1200"/>
+              </a:spcBef>
+              <a:buFont typeface="Times Roman"/>
+              <a:defRPr sz="5000"/>
+            </a:pPr>
+            <a:r>
+              <a:t>Una </a:t>
+            </a:r>
+            <a:r>
+              <a:rPr b="1"/>
+              <a:t>costante</a:t>
+            </a:r>
+            <a:r>
+              <a:t> è un valore che non cambia durante l'esecuzione del programma.</a:t>
+            </a:r>
+          </a:p>
+        </p:txBody>
+      </p:sp>
+      <p:pic>
+        <p:nvPicPr>
+          <p:cNvPr id="263" name="Screenshot 2025-05-29 alle 20.08.30.png" descr="Screenshot 2025-05-29 alle 20.08.30.png"/>
+          <p:cNvPicPr>
+            <a:picLocks noChangeAspect="1"/>
+          </p:cNvPicPr>
+          <p:nvPr/>
+        </p:nvPicPr>
+        <p:blipFill>
+          <a:blip r:embed="rId2"/>
+          <a:stretch>
+            <a:fillRect/>
+          </a:stretch>
+        </p:blipFill>
+        <p:spPr>
+          <a:xfrm>
+            <a:off x="3858142" y="7796743"/>
+            <a:ext cx="16667716" cy="1373714"/>
+          </a:xfrm>
+          <a:prstGeom prst="rect">
+            <a:avLst/>
+          </a:prstGeom>
+          <a:ln w="12700">
+            <a:miter lim="400000"/>
+          </a:ln>
+        </p:spPr>
+      </p:pic>
     </p:spTree>
   </p:cSld>
   <p:clrMapOvr>
@@ -7004,7 +8182,7 @@
       </p:grpSpPr>
       <p:sp>
         <p:nvSpPr>
-          <p:cNvPr id="267" name="Utenti Windows"/>
+          <p:cNvPr id="265" name="Installiamo l’editor"/>
           <p:cNvSpPr txBox="1">
             <a:spLocks noGrp="1"/>
           </p:cNvSpPr>
@@ -7022,99 +8200,11 @@
           <a:lstStyle/>
           <a:p>
             <a:r>
-              <a:t>Utenti Windows</a:t>
+              <a:t>Installiamo l’editor</a:t>
             </a:r>
           </a:p>
         </p:txBody>
       </p:sp>
-      <p:sp>
-        <p:nvSpPr>
-          <p:cNvPr id="268" name="Visual Studio (più pesante, ma tutto incluso)…"/>
-          <p:cNvSpPr txBox="1">
-            <a:spLocks noGrp="1"/>
-          </p:cNvSpPr>
-          <p:nvPr>
-            <p:ph type="body" idx="1"/>
-          </p:nvPr>
-        </p:nvSpPr>
-        <p:spPr>
-          <a:prstGeom prst="rect">
-            <a:avLst/>
-          </a:prstGeom>
-        </p:spPr>
-        <p:txBody>
-          <a:bodyPr/>
-          <a:lstStyle/>
-          <a:p>
-            <a:r>
-              <a:t>Visual Studio (più pesante, ma tutto incluso)</a:t>
-            </a:r>
-            <a:br/>
-            <a:br/>
-            <a:br/>
-            <a:endParaRPr/>
-          </a:p>
-          <a:p>
-            <a:r>
-              <a:t>Visual Studio Code (più leggero, ma con aggiunta del compilatore)</a:t>
-            </a:r>
-          </a:p>
-        </p:txBody>
-      </p:sp>
-      <p:pic>
-        <p:nvPicPr>
-          <p:cNvPr id="269" name="filmato-incollato.png" descr="filmato-incollato.png"/>
-          <p:cNvPicPr>
-            <a:picLocks noChangeAspect="1"/>
-          </p:cNvPicPr>
-          <p:nvPr/>
-        </p:nvPicPr>
-        <p:blipFill>
-          <a:blip r:embed="rId3"/>
-          <a:stretch>
-            <a:fillRect/>
-          </a:stretch>
-        </p:blipFill>
-        <p:spPr>
-          <a:xfrm>
-            <a:off x="15206887" y="3197132"/>
-            <a:ext cx="3294033" cy="3294033"/>
-          </a:xfrm>
-          <a:prstGeom prst="rect">
-            <a:avLst/>
-          </a:prstGeom>
-          <a:ln w="12700">
-            <a:miter lim="400000"/>
-          </a:ln>
-        </p:spPr>
-      </p:pic>
-      <p:pic>
-        <p:nvPicPr>
-          <p:cNvPr id="270" name="filmato-incollato.png" descr="filmato-incollato.png"/>
-          <p:cNvPicPr>
-            <a:picLocks noChangeAspect="1"/>
-          </p:cNvPicPr>
-          <p:nvPr/>
-        </p:nvPicPr>
-        <p:blipFill>
-          <a:blip r:embed="rId4"/>
-          <a:stretch>
-            <a:fillRect/>
-          </a:stretch>
-        </p:blipFill>
-        <p:spPr>
-          <a:xfrm>
-            <a:off x="15266403" y="9509185"/>
-            <a:ext cx="3175001" cy="3175001"/>
-          </a:xfrm>
-          <a:prstGeom prst="rect">
-            <a:avLst/>
-          </a:prstGeom>
-          <a:ln w="12700">
-            <a:miter lim="400000"/>
-          </a:ln>
-        </p:spPr>
-      </p:pic>
     </p:spTree>
   </p:cSld>
   <p:clrMapOvr>
@@ -7143,7 +8233,7 @@
       </p:grpSpPr>
       <p:sp>
         <p:nvSpPr>
-          <p:cNvPr id="274" name="Utenti Mac"/>
+          <p:cNvPr id="267" name="Utenti Windows"/>
           <p:cNvSpPr txBox="1">
             <a:spLocks noGrp="1"/>
           </p:cNvSpPr>
@@ -7161,14 +8251,14 @@
           <a:lstStyle/>
           <a:p>
             <a:r>
-              <a:t>Utenti Mac</a:t>
+              <a:t>Utenti Windows</a:t>
             </a:r>
           </a:p>
         </p:txBody>
       </p:sp>
       <p:sp>
         <p:nvSpPr>
-          <p:cNvPr id="275" name="Xcode (più pesante, ma tutto incluso)…"/>
+          <p:cNvPr id="268" name="Visual Studio (più pesante, ma tutto incluso)…"/>
           <p:cNvSpPr txBox="1">
             <a:spLocks noGrp="1"/>
           </p:cNvSpPr>
@@ -7186,7 +8276,7 @@
           <a:lstStyle/>
           <a:p>
             <a:r>
-              <a:t>Xcode (più pesante, ma tutto incluso)</a:t>
+              <a:t>Visual Studio (più pesante, ma tutto incluso)</a:t>
             </a:r>
             <a:br/>
             <a:br/>
@@ -7202,34 +8292,7 @@
       </p:sp>
       <p:pic>
         <p:nvPicPr>
-          <p:cNvPr id="276" name="filmato-incollato.png" descr="filmato-incollato.png"/>
-          <p:cNvPicPr>
-            <a:picLocks noChangeAspect="1"/>
-          </p:cNvPicPr>
-          <p:nvPr/>
-        </p:nvPicPr>
-        <p:blipFill>
-          <a:blip r:embed="rId2"/>
-          <a:stretch>
-            <a:fillRect/>
-          </a:stretch>
-        </p:blipFill>
-        <p:spPr>
-          <a:xfrm>
-            <a:off x="15203035" y="3379643"/>
-            <a:ext cx="2916892" cy="2916892"/>
-          </a:xfrm>
-          <a:prstGeom prst="rect">
-            <a:avLst/>
-          </a:prstGeom>
-          <a:ln w="12700">
-            <a:miter lim="400000"/>
-          </a:ln>
-        </p:spPr>
-      </p:pic>
-      <p:pic>
-        <p:nvPicPr>
-          <p:cNvPr id="277" name="filmato-incollato.png" descr="filmato-incollato.png"/>
+          <p:cNvPr id="269" name="filmato-incollato.png" descr="filmato-incollato.png"/>
           <p:cNvPicPr>
             <a:picLocks noChangeAspect="1"/>
           </p:cNvPicPr>
@@ -7243,7 +8306,34 @@
         </p:blipFill>
         <p:spPr>
           <a:xfrm>
-            <a:off x="15073981" y="8892649"/>
+            <a:off x="15206887" y="3197132"/>
+            <a:ext cx="3294033" cy="3294033"/>
+          </a:xfrm>
+          <a:prstGeom prst="rect">
+            <a:avLst/>
+          </a:prstGeom>
+          <a:ln w="12700">
+            <a:miter lim="400000"/>
+          </a:ln>
+        </p:spPr>
+      </p:pic>
+      <p:pic>
+        <p:nvPicPr>
+          <p:cNvPr id="270" name="filmato-incollato.png" descr="filmato-incollato.png"/>
+          <p:cNvPicPr>
+            <a:picLocks noChangeAspect="1"/>
+          </p:cNvPicPr>
+          <p:nvPr/>
+        </p:nvPicPr>
+        <p:blipFill>
+          <a:blip r:embed="rId4"/>
+          <a:stretch>
+            <a:fillRect/>
+          </a:stretch>
+        </p:blipFill>
+        <p:spPr>
+          <a:xfrm>
+            <a:off x="15266403" y="9509185"/>
             <a:ext cx="3175001" cy="3175001"/>
           </a:xfrm>
           <a:prstGeom prst="rect">
@@ -7282,7 +8372,7 @@
       </p:grpSpPr>
       <p:sp>
         <p:nvSpPr>
-          <p:cNvPr id="279" name="Utenti Mac"/>
+          <p:cNvPr id="274" name="Utenti Mac"/>
           <p:cNvSpPr txBox="1">
             <a:spLocks noGrp="1"/>
           </p:cNvSpPr>
@@ -7307,7 +8397,7 @@
       </p:sp>
       <p:sp>
         <p:nvSpPr>
-          <p:cNvPr id="280" name="Visual Studio Code (più leggero, ma con aggiunta del compilatore)…"/>
+          <p:cNvPr id="275" name="Xcode (più pesante, ma tutto incluso)…"/>
           <p:cNvSpPr txBox="1">
             <a:spLocks noGrp="1"/>
           </p:cNvSpPr>
@@ -7316,10 +8406,6 @@
           </p:nvPr>
         </p:nvSpPr>
         <p:spPr>
-          <a:xfrm>
-            <a:off x="1270000" y="4254500"/>
-            <a:ext cx="21844000" cy="8432800"/>
-          </a:xfrm>
           <a:prstGeom prst="rect">
             <a:avLst/>
           </a:prstGeom>
@@ -7329,53 +8415,50 @@
           <a:lstStyle/>
           <a:p>
             <a:r>
-              <a:t>Visual Studio Code (più leggero, ma con aggiunta del compilatore)</a:t>
-            </a:r>
+              <a:t>Xcode (più pesante, ma tutto incluso)</a:t>
+            </a:r>
+            <a:br/>
             <a:br/>
             <a:br/>
             <a:endParaRPr/>
           </a:p>
           <a:p>
-            <a:pPr marL="889000" indent="-889000">
-              <a:buClrTx/>
-              <a:buAutoNum type="arabicPeriod"/>
-            </a:pPr>
-            <a:r>
-              <a:t>Installare HomeBrew da Terminale</a:t>
-            </a:r>
-          </a:p>
-          <a:p>
-            <a:pPr marL="889000" indent="-889000">
-              <a:buClrTx/>
-              <a:buAutoNum type="arabicPeriod"/>
-            </a:pPr>
-            <a:r>
-              <a:t>Successivamente digitare  </a:t>
-            </a:r>
-            <a:r>
-              <a:rPr b="1">
-                <a:latin typeface="FreeMono"/>
-                <a:ea typeface="FreeMono"/>
-                <a:cs typeface="FreeMono"/>
-                <a:sym typeface="FreeMono"/>
-              </a:rPr>
-              <a:t>brew install gcc</a:t>
-            </a:r>
-          </a:p>
-          <a:p>
-            <a:pPr marL="889000" indent="-889000">
-              <a:buClrTx/>
-              <a:buAutoNum type="arabicPeriod"/>
-            </a:pPr>
-            <a:r>
-              <a:t>Testare il compilatore</a:t>
+            <a:r>
+              <a:t>Visual Studio Code (più leggero, ma con aggiunta del compilatore)</a:t>
             </a:r>
           </a:p>
         </p:txBody>
       </p:sp>
       <p:pic>
         <p:nvPicPr>
-          <p:cNvPr id="281" name="filmato-incollato.png" descr="filmato-incollato.png"/>
+          <p:cNvPr id="276" name="filmato-incollato.png" descr="filmato-incollato.png"/>
+          <p:cNvPicPr>
+            <a:picLocks noChangeAspect="1"/>
+          </p:cNvPicPr>
+          <p:nvPr/>
+        </p:nvPicPr>
+        <p:blipFill>
+          <a:blip r:embed="rId2"/>
+          <a:stretch>
+            <a:fillRect/>
+          </a:stretch>
+        </p:blipFill>
+        <p:spPr>
+          <a:xfrm>
+            <a:off x="15203035" y="3379643"/>
+            <a:ext cx="2916892" cy="2916892"/>
+          </a:xfrm>
+          <a:prstGeom prst="rect">
+            <a:avLst/>
+          </a:prstGeom>
+          <a:ln w="12700">
+            <a:miter lim="400000"/>
+          </a:ln>
+        </p:spPr>
+      </p:pic>
+      <p:pic>
+        <p:nvPicPr>
+          <p:cNvPr id="277" name="filmato-incollato.png" descr="filmato-incollato.png"/>
           <p:cNvPicPr>
             <a:picLocks noChangeAspect="1"/>
           </p:cNvPicPr>
@@ -7389,7 +8472,7 @@
         </p:blipFill>
         <p:spPr>
           <a:xfrm>
-            <a:off x="19466799" y="5270500"/>
+            <a:off x="15073981" y="8892649"/>
             <a:ext cx="3175001" cy="3175001"/>
           </a:xfrm>
           <a:prstGeom prst="rect">
@@ -7428,7 +8511,7 @@
       </p:grpSpPr>
       <p:sp>
         <p:nvSpPr>
-          <p:cNvPr id="285" name="Come testiamo il compilatore?"/>
+          <p:cNvPr id="279" name="Utenti Mac"/>
           <p:cNvSpPr txBox="1">
             <a:spLocks noGrp="1"/>
           </p:cNvSpPr>
@@ -7446,135 +8529,106 @@
           <a:lstStyle/>
           <a:p>
             <a:r>
-              <a:t>Come testiamo il compilatore?</a:t>
+              <a:t>Utenti Mac</a:t>
             </a:r>
           </a:p>
         </p:txBody>
       </p:sp>
       <p:sp>
         <p:nvSpPr>
-          <p:cNvPr id="286" name="Aprire Terminale/Prompt dei comandi…"/>
-          <p:cNvSpPr txBox="1"/>
-          <p:nvPr/>
+          <p:cNvPr id="280" name="Visual Studio Code (più leggero, ma con aggiunta del compilatore)…"/>
+          <p:cNvSpPr txBox="1">
+            <a:spLocks noGrp="1"/>
+          </p:cNvSpPr>
+          <p:nvPr>
+            <p:ph type="body" idx="1"/>
+          </p:nvPr>
         </p:nvSpPr>
         <p:spPr>
           <a:xfrm>
-            <a:off x="1924860" y="2830671"/>
-            <a:ext cx="20534279" cy="10058401"/>
+            <a:off x="1270000" y="4254500"/>
+            <a:ext cx="21844000" cy="8432800"/>
           </a:xfrm>
           <a:prstGeom prst="rect">
             <a:avLst/>
           </a:prstGeom>
-          <a:ln w="12700">
-            <a:miter lim="400000"/>
-          </a:ln>
-          <a:extLst>
-            <a:ext uri="{C572A759-6A51-4108-AA02-DFA0A04FC94B}">
-              <ma14:wrappingTextBoxFlag xmlns:ma14="http://schemas.microsoft.com/office/mac/drawingml/2011/main" xmlns:a14="http://schemas.microsoft.com/office/drawing/2010/main" xmlns:m="http://schemas.openxmlformats.org/officeDocument/2006/math" xmlns="" val="1"/>
-            </a:ext>
-          </a:extLst>
         </p:spPr>
         <p:txBody>
-          <a:bodyPr lIns="50800" tIns="50800" rIns="50800" bIns="50800" anchor="ctr">
-            <a:spAutoFit/>
-          </a:bodyPr>
+          <a:bodyPr/>
           <a:lstStyle/>
           <a:p>
+            <a:r>
+              <a:t>Visual Studio Code (più leggero, ma con aggiunta del compilatore)</a:t>
+            </a:r>
+            <a:br/>
+            <a:br/>
+            <a:endParaRPr/>
+          </a:p>
+          <a:p>
             <a:pPr marL="889000" indent="-889000">
-              <a:buSzPct val="100000"/>
+              <a:buClrTx/>
               <a:buAutoNum type="arabicPeriod"/>
             </a:pPr>
             <a:r>
-              <a:t>Aprire Terminale/Prompt dei comandi</a:t>
-            </a:r>
-            <a:br/>
-            <a:endParaRPr/>
+              <a:t>Installare HomeBrew da Terminale</a:t>
+            </a:r>
           </a:p>
           <a:p>
             <a:pPr marL="889000" indent="-889000">
-              <a:buSzPct val="100000"/>
+              <a:buClrTx/>
               <a:buAutoNum type="arabicPeriod"/>
             </a:pPr>
             <a:r>
-              <a:t>Digitare </a:t>
-            </a:r>
-            <a:r>
-              <a:rPr>
+              <a:t>Successivamente digitare  </a:t>
+            </a:r>
+            <a:r>
+              <a:rPr b="1">
                 <a:latin typeface="FreeMono"/>
                 <a:ea typeface="FreeMono"/>
                 <a:cs typeface="FreeMono"/>
                 <a:sym typeface="FreeMono"/>
               </a:rPr>
-              <a:t>gcc --version </a:t>
-            </a:r>
-            <a:br>
-              <a:rPr>
-                <a:latin typeface="FreeMono"/>
-                <a:ea typeface="FreeMono"/>
-                <a:cs typeface="FreeMono"/>
-                <a:sym typeface="FreeMono"/>
-              </a:rPr>
-            </a:br>
-            <a:endParaRPr>
-              <a:latin typeface="FreeMono"/>
-              <a:ea typeface="FreeMono"/>
-              <a:cs typeface="FreeMono"/>
-              <a:sym typeface="FreeMono"/>
-            </a:endParaRPr>
+              <a:t>brew install gcc</a:t>
+            </a:r>
           </a:p>
           <a:p>
             <a:pPr marL="889000" indent="-889000">
-              <a:buSzPct val="100000"/>
+              <a:buClrTx/>
               <a:buAutoNum type="arabicPeriod"/>
             </a:pPr>
             <a:r>
-              <a:t>Creare un file con estensione .c</a:t>
-            </a:r>
-            <a:br/>
-            <a:endParaRPr/>
-          </a:p>
-          <a:p>
-            <a:pPr marL="889000" indent="-889000">
-              <a:buSzPct val="100000"/>
-              <a:buAutoNum type="arabicPeriod"/>
-            </a:pPr>
-            <a:r>
-              <a:t>Compilare con il comando: </a:t>
-            </a:r>
-            <a:br/>
-            <a:r>
-              <a:rPr>
-                <a:latin typeface="FreeMono"/>
-                <a:ea typeface="FreeMono"/>
-                <a:cs typeface="FreeMono"/>
-                <a:sym typeface="FreeMono"/>
-              </a:rPr>
-              <a:t>gcc nome_del_file.c -o Nome_eseguibile</a:t>
-            </a:r>
-            <a:br/>
-            <a:endParaRPr/>
-          </a:p>
-          <a:p>
-            <a:pPr marL="889000" indent="-889000">
-              <a:buSzPct val="100000"/>
-              <a:buAutoNum type="arabicPeriod"/>
-            </a:pPr>
-            <a:r>
-              <a:t>Lanciare da terminale il comando:</a:t>
-            </a:r>
-            <a:br/>
-            <a:r>
-              <a:rPr>
-                <a:latin typeface="FreeMono"/>
-                <a:ea typeface="FreeMono"/>
-                <a:cs typeface="FreeMono"/>
-                <a:sym typeface="FreeMono"/>
-              </a:rPr>
-              <a:t>./Nome_eseguibile</a:t>
+              <a:t>Testare il compilatore</a:t>
             </a:r>
           </a:p>
         </p:txBody>
       </p:sp>
+      <p:pic>
+        <p:nvPicPr>
+          <p:cNvPr id="281" name="filmato-incollato.png" descr="filmato-incollato.png"/>
+          <p:cNvPicPr>
+            <a:picLocks noChangeAspect="1"/>
+          </p:cNvPicPr>
+          <p:nvPr/>
+        </p:nvPicPr>
+        <p:blipFill>
+          <a:blip r:embed="rId3"/>
+          <a:stretch>
+            <a:fillRect/>
+          </a:stretch>
+        </p:blipFill>
+        <p:spPr>
+          <a:xfrm>
+            <a:off x="19466799" y="5270500"/>
+            <a:ext cx="3175001" cy="3175001"/>
+          </a:xfrm>
+          <a:prstGeom prst="rect">
+            <a:avLst/>
+          </a:prstGeom>
+          <a:ln w="12700">
+            <a:miter lim="400000"/>
+          </a:ln>
+        </p:spPr>
+      </p:pic>
     </p:spTree>
   </p:cSld>
   <p:clrMapOvr>
@@ -7603,6 +8657,181 @@
       </p:grpSpPr>
       <p:sp>
         <p:nvSpPr>
+          <p:cNvPr id="285" name="Come testiamo il compilatore?"/>
+          <p:cNvSpPr txBox="1">
+            <a:spLocks noGrp="1"/>
+          </p:cNvSpPr>
+          <p:nvPr>
+            <p:ph type="title"/>
+          </p:nvPr>
+        </p:nvSpPr>
+        <p:spPr>
+          <a:prstGeom prst="rect">
+            <a:avLst/>
+          </a:prstGeom>
+        </p:spPr>
+        <p:txBody>
+          <a:bodyPr/>
+          <a:lstStyle/>
+          <a:p>
+            <a:r>
+              <a:t>Come testiamo il compilatore?</a:t>
+            </a:r>
+          </a:p>
+        </p:txBody>
+      </p:sp>
+      <p:sp>
+        <p:nvSpPr>
+          <p:cNvPr id="286" name="Aprire Terminale/Prompt dei comandi…"/>
+          <p:cNvSpPr txBox="1"/>
+          <p:nvPr/>
+        </p:nvSpPr>
+        <p:spPr>
+          <a:xfrm>
+            <a:off x="1924860" y="2830671"/>
+            <a:ext cx="20534279" cy="10058401"/>
+          </a:xfrm>
+          <a:prstGeom prst="rect">
+            <a:avLst/>
+          </a:prstGeom>
+          <a:ln w="12700">
+            <a:miter lim="400000"/>
+          </a:ln>
+          <a:extLst>
+            <a:ext uri="{C572A759-6A51-4108-AA02-DFA0A04FC94B}">
+              <ma14:wrappingTextBoxFlag xmlns="" xmlns:m="http://schemas.openxmlformats.org/officeDocument/2006/math" xmlns:a14="http://schemas.microsoft.com/office/drawing/2010/main" xmlns:ma14="http://schemas.microsoft.com/office/mac/drawingml/2011/main" val="1"/>
+            </a:ext>
+          </a:extLst>
+        </p:spPr>
+        <p:txBody>
+          <a:bodyPr lIns="50800" tIns="50800" rIns="50800" bIns="50800" anchor="ctr">
+            <a:spAutoFit/>
+          </a:bodyPr>
+          <a:lstStyle/>
+          <a:p>
+            <a:pPr marL="889000" indent="-889000">
+              <a:buSzPct val="100000"/>
+              <a:buAutoNum type="arabicPeriod"/>
+            </a:pPr>
+            <a:r>
+              <a:t>Aprire Terminale/Prompt dei comandi</a:t>
+            </a:r>
+            <a:br/>
+            <a:endParaRPr/>
+          </a:p>
+          <a:p>
+            <a:pPr marL="889000" indent="-889000">
+              <a:buSzPct val="100000"/>
+              <a:buAutoNum type="arabicPeriod"/>
+            </a:pPr>
+            <a:r>
+              <a:t>Digitare </a:t>
+            </a:r>
+            <a:r>
+              <a:rPr>
+                <a:latin typeface="FreeMono"/>
+                <a:ea typeface="FreeMono"/>
+                <a:cs typeface="FreeMono"/>
+                <a:sym typeface="FreeMono"/>
+              </a:rPr>
+              <a:t>gcc --version </a:t>
+            </a:r>
+            <a:br>
+              <a:rPr>
+                <a:latin typeface="FreeMono"/>
+                <a:ea typeface="FreeMono"/>
+                <a:cs typeface="FreeMono"/>
+                <a:sym typeface="FreeMono"/>
+              </a:rPr>
+            </a:br>
+            <a:endParaRPr>
+              <a:latin typeface="FreeMono"/>
+              <a:ea typeface="FreeMono"/>
+              <a:cs typeface="FreeMono"/>
+              <a:sym typeface="FreeMono"/>
+            </a:endParaRPr>
+          </a:p>
+          <a:p>
+            <a:pPr marL="889000" indent="-889000">
+              <a:buSzPct val="100000"/>
+              <a:buAutoNum type="arabicPeriod"/>
+            </a:pPr>
+            <a:r>
+              <a:t>Creare un file con estensione .c</a:t>
+            </a:r>
+            <a:br/>
+            <a:endParaRPr/>
+          </a:p>
+          <a:p>
+            <a:pPr marL="889000" indent="-889000">
+              <a:buSzPct val="100000"/>
+              <a:buAutoNum type="arabicPeriod"/>
+            </a:pPr>
+            <a:r>
+              <a:t>Compilare con il comando: </a:t>
+            </a:r>
+            <a:br/>
+            <a:r>
+              <a:rPr>
+                <a:latin typeface="FreeMono"/>
+                <a:ea typeface="FreeMono"/>
+                <a:cs typeface="FreeMono"/>
+                <a:sym typeface="FreeMono"/>
+              </a:rPr>
+              <a:t>gcc nome_del_file.c -o Nome_eseguibile</a:t>
+            </a:r>
+            <a:br/>
+            <a:endParaRPr/>
+          </a:p>
+          <a:p>
+            <a:pPr marL="889000" indent="-889000">
+              <a:buSzPct val="100000"/>
+              <a:buAutoNum type="arabicPeriod"/>
+            </a:pPr>
+            <a:r>
+              <a:t>Lanciare da terminale il comando:</a:t>
+            </a:r>
+            <a:br/>
+            <a:r>
+              <a:rPr>
+                <a:latin typeface="FreeMono"/>
+                <a:ea typeface="FreeMono"/>
+                <a:cs typeface="FreeMono"/>
+                <a:sym typeface="FreeMono"/>
+              </a:rPr>
+              <a:t>./Nome_eseguibile</a:t>
+            </a:r>
+          </a:p>
+        </p:txBody>
+      </p:sp>
+    </p:spTree>
+  </p:cSld>
+  <p:clrMapOvr>
+    <a:masterClrMapping/>
+  </p:clrMapOvr>
+  <p:transition spd="med"/>
+</p:sld>
+</file>
+
+<file path=ppt/slides/slide25.xml><?xml version="1.0" encoding="utf-8"?>
+<p:sld xmlns:a="http://schemas.openxmlformats.org/drawingml/2006/main" xmlns:r="http://schemas.openxmlformats.org/officeDocument/2006/relationships" xmlns:p="http://schemas.openxmlformats.org/presentationml/2006/main">
+  <p:cSld>
+    <p:spTree>
+      <p:nvGrpSpPr>
+        <p:cNvPr id="1" name=""/>
+        <p:cNvGrpSpPr/>
+        <p:nvPr/>
+      </p:nvGrpSpPr>
+      <p:grpSpPr>
+        <a:xfrm>
+          <a:off x="0" y="0"/>
+          <a:ext cx="0" cy="0"/>
+          <a:chOff x="0" y="0"/>
+          <a:chExt cx="0" cy="0"/>
+        </a:xfrm>
+      </p:grpSpPr>
+      <p:sp>
+        <p:nvSpPr>
           <p:cNvPr id="288" name="IDE/Compilatori online"/>
           <p:cNvSpPr txBox="1">
             <a:spLocks noGrp="1"/>
@@ -7692,7 +8921,7 @@
 </p:sld>
 </file>
 
-<file path=ppt/slides/slide25.xml><?xml version="1.0" encoding="utf-8"?>
+<file path=ppt/slides/slide26.xml><?xml version="1.0" encoding="utf-8"?>
 <p:sld xmlns:a="http://schemas.openxmlformats.org/drawingml/2006/main" xmlns:r="http://schemas.openxmlformats.org/officeDocument/2006/relationships" xmlns:p="http://schemas.openxmlformats.org/presentationml/2006/main">
   <p:cSld>
     <p:spTree>
@@ -7728,7 +8957,7 @@
         </p:blipFill>
         <p:spPr>
           <a:xfrm>
-            <a:off x="3866832" y="3685181"/>
+            <a:off x="3429488" y="2685056"/>
             <a:ext cx="17525021" cy="14186914"/>
           </a:xfrm>
           <a:prstGeom prst="rect">
@@ -7803,7 +9032,7 @@
 </p:sld>
 </file>
 
-<file path=ppt/slides/slide26.xml><?xml version="1.0" encoding="utf-8"?>
+<file path=ppt/slides/slide27.xml><?xml version="1.0" encoding="utf-8"?>
 <p:sld xmlns:a="http://schemas.openxmlformats.org/drawingml/2006/main" xmlns:r="http://schemas.openxmlformats.org/officeDocument/2006/relationships" xmlns:p="http://schemas.openxmlformats.org/presentationml/2006/main">
   <p:cSld>
     <p:spTree>
@@ -8570,7 +9799,7 @@
 </p:sld>
 </file>
 
-<file path=ppt/slides/slide27.xml><?xml version="1.0" encoding="utf-8"?>
+<file path=ppt/slides/slide28.xml><?xml version="1.0" encoding="utf-8"?>
 <p:sld xmlns:a="http://schemas.openxmlformats.org/drawingml/2006/main" xmlns:r="http://schemas.openxmlformats.org/officeDocument/2006/relationships" xmlns:p="http://schemas.openxmlformats.org/presentationml/2006/main">
   <p:cSld>
     <p:spTree>
@@ -8641,502 +9870,6 @@
           <a:p>
             <a:r>
               <a:t>Dato un numero intero come input, il programma deve restituire prima il suo precedente, poi il suo successivo, infine il doppio del numero inserito.</a:t>
-            </a:r>
-          </a:p>
-        </p:txBody>
-      </p:sp>
-    </p:spTree>
-  </p:cSld>
-  <p:clrMapOvr>
-    <a:masterClrMapping/>
-  </p:clrMapOvr>
-  <p:transition spd="med"/>
-</p:sld>
-</file>
-
-<file path=ppt/slides/slide28.xml><?xml version="1.0" encoding="utf-8"?>
-<p:sld xmlns:a="http://schemas.openxmlformats.org/drawingml/2006/main" xmlns:r="http://schemas.openxmlformats.org/officeDocument/2006/relationships" xmlns:p="http://schemas.openxmlformats.org/presentationml/2006/main">
-  <p:cSld>
-    <p:spTree>
-      <p:nvGrpSpPr>
-        <p:cNvPr id="1" name=""/>
-        <p:cNvGrpSpPr/>
-        <p:nvPr/>
-      </p:nvGrpSpPr>
-      <p:grpSpPr>
-        <a:xfrm>
-          <a:off x="0" y="0"/>
-          <a:ext cx="0" cy="0"/>
-          <a:chOff x="0" y="0"/>
-          <a:chExt cx="0" cy="0"/>
-        </a:xfrm>
-      </p:grpSpPr>
-      <p:sp>
-        <p:nvSpPr>
-          <p:cNvPr id="301" name="Priorità operatori in C"/>
-          <p:cNvSpPr txBox="1">
-            <a:spLocks noGrp="1"/>
-          </p:cNvSpPr>
-          <p:nvPr>
-            <p:ph type="title"/>
-          </p:nvPr>
-        </p:nvSpPr>
-        <p:spPr>
-          <a:prstGeom prst="rect">
-            <a:avLst/>
-          </a:prstGeom>
-        </p:spPr>
-        <p:txBody>
-          <a:bodyPr/>
-          <a:lstStyle/>
-          <a:p>
-            <a:r>
-              <a:t>Priorità operatori in C</a:t>
-            </a:r>
-          </a:p>
-        </p:txBody>
-      </p:sp>
-      <p:sp>
-        <p:nvSpPr>
-          <p:cNvPr id="302" name="1 () [] . -&gt; → Postfissi → associatività da sinistra a destra…"/>
-          <p:cNvSpPr txBox="1">
-            <a:spLocks noGrp="1"/>
-          </p:cNvSpPr>
-          <p:nvPr>
-            <p:ph type="body" idx="1"/>
-          </p:nvPr>
-        </p:nvSpPr>
-        <p:spPr>
-          <a:prstGeom prst="rect">
-            <a:avLst/>
-          </a:prstGeom>
-        </p:spPr>
-        <p:txBody>
-          <a:bodyPr/>
-          <a:lstStyle/>
-          <a:p>
-            <a:pPr marL="0" indent="0" defTabSz="457200">
-              <a:spcBef>
-                <a:spcPts val="1200"/>
-              </a:spcBef>
-              <a:buClrTx/>
-              <a:buSzTx/>
-              <a:buNone/>
-              <a:defRPr>
-                <a:latin typeface="Times Roman"/>
-                <a:ea typeface="Times Roman"/>
-                <a:cs typeface="Times Roman"/>
-                <a:sym typeface="Times Roman"/>
-              </a:defRPr>
-            </a:pPr>
-            <a:r>
-              <a:rPr b="1"/>
-              <a:t>1</a:t>
-            </a:r>
-            <a:r>
-              <a:t> </a:t>
-            </a:r>
-            <a:r>
-              <a:rPr>
-                <a:latin typeface="Courier"/>
-                <a:ea typeface="Courier"/>
-                <a:cs typeface="Courier"/>
-                <a:sym typeface="Courier"/>
-              </a:rPr>
-              <a:t>()</a:t>
-            </a:r>
-            <a:r>
-              <a:t> </a:t>
-            </a:r>
-            <a:r>
-              <a:rPr>
-                <a:latin typeface="Courier"/>
-                <a:ea typeface="Courier"/>
-                <a:cs typeface="Courier"/>
-                <a:sym typeface="Courier"/>
-              </a:rPr>
-              <a:t>[]</a:t>
-            </a:r>
-            <a:r>
-              <a:t> </a:t>
-            </a:r>
-            <a:r>
-              <a:rPr>
-                <a:latin typeface="Courier"/>
-                <a:ea typeface="Courier"/>
-                <a:cs typeface="Courier"/>
-                <a:sym typeface="Courier"/>
-              </a:rPr>
-              <a:t>.</a:t>
-            </a:r>
-            <a:r>
-              <a:t> </a:t>
-            </a:r>
-            <a:r>
-              <a:rPr>
-                <a:latin typeface="Courier"/>
-                <a:ea typeface="Courier"/>
-                <a:cs typeface="Courier"/>
-                <a:sym typeface="Courier"/>
-              </a:rPr>
-              <a:t>-&gt;</a:t>
-            </a:r>
-            <a:r>
-              <a:t> → Postfissi → associatività da sinistra a destra</a:t>
-            </a:r>
-          </a:p>
-          <a:p>
-            <a:pPr marL="0" indent="0" defTabSz="457200">
-              <a:spcBef>
-                <a:spcPts val="1200"/>
-              </a:spcBef>
-              <a:buClrTx/>
-              <a:buSzTx/>
-              <a:buNone/>
-              <a:defRPr>
-                <a:latin typeface="Times Roman"/>
-                <a:ea typeface="Times Roman"/>
-                <a:cs typeface="Times Roman"/>
-                <a:sym typeface="Times Roman"/>
-              </a:defRPr>
-            </a:pPr>
-            <a:r>
-              <a:rPr b="1"/>
-              <a:t>2</a:t>
-            </a:r>
-            <a:r>
-              <a:t> </a:t>
-            </a:r>
-            <a:r>
-              <a:rPr>
-                <a:latin typeface="Courier"/>
-                <a:ea typeface="Courier"/>
-                <a:cs typeface="Courier"/>
-                <a:sym typeface="Courier"/>
-              </a:rPr>
-              <a:t>++</a:t>
-            </a:r>
-            <a:r>
-              <a:t> </a:t>
-            </a:r>
-            <a:r>
-              <a:rPr>
-                <a:latin typeface="Courier"/>
-                <a:ea typeface="Courier"/>
-                <a:cs typeface="Courier"/>
-                <a:sym typeface="Courier"/>
-              </a:rPr>
-              <a:t>--</a:t>
-            </a:r>
-            <a:r>
-              <a:t> </a:t>
-            </a:r>
-            <a:r>
-              <a:rPr>
-                <a:latin typeface="Courier"/>
-                <a:ea typeface="Courier"/>
-                <a:cs typeface="Courier"/>
-                <a:sym typeface="Courier"/>
-              </a:rPr>
-              <a:t>+</a:t>
-            </a:r>
-            <a:r>
-              <a:t> </a:t>
-            </a:r>
-            <a:r>
-              <a:rPr>
-                <a:latin typeface="Courier"/>
-                <a:ea typeface="Courier"/>
-                <a:cs typeface="Courier"/>
-                <a:sym typeface="Courier"/>
-              </a:rPr>
-              <a:t>-</a:t>
-            </a:r>
-            <a:r>
-              <a:t> </a:t>
-            </a:r>
-            <a:r>
-              <a:rPr>
-                <a:latin typeface="Courier"/>
-                <a:ea typeface="Courier"/>
-                <a:cs typeface="Courier"/>
-                <a:sym typeface="Courier"/>
-              </a:rPr>
-              <a:t>!</a:t>
-            </a:r>
-            <a:r>
-              <a:t> </a:t>
-            </a:r>
-            <a:r>
-              <a:rPr>
-                <a:latin typeface="Courier"/>
-                <a:ea typeface="Courier"/>
-                <a:cs typeface="Courier"/>
-                <a:sym typeface="Courier"/>
-              </a:rPr>
-              <a:t>~</a:t>
-            </a:r>
-            <a:r>
-              <a:t> → Unari / prefissi → associatività da destra a sinistra</a:t>
-            </a:r>
-          </a:p>
-          <a:p>
-            <a:pPr marL="0" indent="0" defTabSz="457200">
-              <a:spcBef>
-                <a:spcPts val="1200"/>
-              </a:spcBef>
-              <a:buClrTx/>
-              <a:buSzTx/>
-              <a:buNone/>
-              <a:defRPr>
-                <a:latin typeface="Times Roman"/>
-                <a:ea typeface="Times Roman"/>
-                <a:cs typeface="Times Roman"/>
-                <a:sym typeface="Times Roman"/>
-              </a:defRPr>
-            </a:pPr>
-            <a:r>
-              <a:rPr b="1"/>
-              <a:t>3</a:t>
-            </a:r>
-            <a:r>
-              <a:t> </a:t>
-            </a:r>
-            <a:r>
-              <a:rPr>
-                <a:latin typeface="Courier"/>
-                <a:ea typeface="Courier"/>
-                <a:cs typeface="Courier"/>
-                <a:sym typeface="Courier"/>
-              </a:rPr>
-              <a:t>*</a:t>
-            </a:r>
-            <a:r>
-              <a:t> </a:t>
-            </a:r>
-            <a:r>
-              <a:rPr>
-                <a:latin typeface="Courier"/>
-                <a:ea typeface="Courier"/>
-                <a:cs typeface="Courier"/>
-                <a:sym typeface="Courier"/>
-              </a:rPr>
-              <a:t>/</a:t>
-            </a:r>
-            <a:r>
-              <a:t> </a:t>
-            </a:r>
-            <a:r>
-              <a:rPr>
-                <a:latin typeface="Courier"/>
-                <a:ea typeface="Courier"/>
-                <a:cs typeface="Courier"/>
-                <a:sym typeface="Courier"/>
-              </a:rPr>
-              <a:t>%</a:t>
-            </a:r>
-            <a:r>
-              <a:t> → Moltiplicazione, divisione, modulo → associatività da sinistra a destra</a:t>
-            </a:r>
-          </a:p>
-          <a:p>
-            <a:pPr marL="0" indent="0" defTabSz="457200">
-              <a:spcBef>
-                <a:spcPts val="1200"/>
-              </a:spcBef>
-              <a:buClrTx/>
-              <a:buSzTx/>
-              <a:buNone/>
-              <a:defRPr>
-                <a:latin typeface="Times Roman"/>
-                <a:ea typeface="Times Roman"/>
-                <a:cs typeface="Times Roman"/>
-                <a:sym typeface="Times Roman"/>
-              </a:defRPr>
-            </a:pPr>
-            <a:r>
-              <a:rPr b="1"/>
-              <a:t>4</a:t>
-            </a:r>
-            <a:r>
-              <a:t> </a:t>
-            </a:r>
-            <a:r>
-              <a:rPr>
-                <a:latin typeface="Courier"/>
-                <a:ea typeface="Courier"/>
-                <a:cs typeface="Courier"/>
-                <a:sym typeface="Courier"/>
-              </a:rPr>
-              <a:t>+</a:t>
-            </a:r>
-            <a:r>
-              <a:t> </a:t>
-            </a:r>
-            <a:r>
-              <a:rPr>
-                <a:latin typeface="Courier"/>
-                <a:ea typeface="Courier"/>
-                <a:cs typeface="Courier"/>
-                <a:sym typeface="Courier"/>
-              </a:rPr>
-              <a:t>-</a:t>
-            </a:r>
-            <a:r>
-              <a:t> → Addizione, sottrazione → associatività da sinistra a destra</a:t>
-            </a:r>
-          </a:p>
-          <a:p>
-            <a:pPr marL="0" indent="0" defTabSz="457200">
-              <a:spcBef>
-                <a:spcPts val="1200"/>
-              </a:spcBef>
-              <a:buClrTx/>
-              <a:buSzTx/>
-              <a:buNone/>
-              <a:defRPr>
-                <a:latin typeface="Times Roman"/>
-                <a:ea typeface="Times Roman"/>
-                <a:cs typeface="Times Roman"/>
-                <a:sym typeface="Times Roman"/>
-              </a:defRPr>
-            </a:pPr>
-            <a:r>
-              <a:rPr b="1"/>
-              <a:t>5</a:t>
-            </a:r>
-            <a:r>
-              <a:t> </a:t>
-            </a:r>
-            <a:r>
-              <a:rPr>
-                <a:latin typeface="Courier"/>
-                <a:ea typeface="Courier"/>
-                <a:cs typeface="Courier"/>
-                <a:sym typeface="Courier"/>
-              </a:rPr>
-              <a:t>&lt;</a:t>
-            </a:r>
-            <a:r>
-              <a:t> </a:t>
-            </a:r>
-            <a:r>
-              <a:rPr>
-                <a:latin typeface="Courier"/>
-                <a:ea typeface="Courier"/>
-                <a:cs typeface="Courier"/>
-                <a:sym typeface="Courier"/>
-              </a:rPr>
-              <a:t>&lt;=</a:t>
-            </a:r>
-            <a:r>
-              <a:t> </a:t>
-            </a:r>
-            <a:r>
-              <a:rPr>
-                <a:latin typeface="Courier"/>
-                <a:ea typeface="Courier"/>
-                <a:cs typeface="Courier"/>
-                <a:sym typeface="Courier"/>
-              </a:rPr>
-              <a:t>&gt;</a:t>
-            </a:r>
-            <a:r>
-              <a:t> </a:t>
-            </a:r>
-            <a:r>
-              <a:rPr>
-                <a:latin typeface="Courier"/>
-                <a:ea typeface="Courier"/>
-                <a:cs typeface="Courier"/>
-                <a:sym typeface="Courier"/>
-              </a:rPr>
-              <a:t>&gt;=</a:t>
-            </a:r>
-            <a:r>
-              <a:t> → Relazionali → associatività da sinistra a destra</a:t>
-            </a:r>
-          </a:p>
-          <a:p>
-            <a:pPr marL="0" indent="0" defTabSz="457200">
-              <a:spcBef>
-                <a:spcPts val="1200"/>
-              </a:spcBef>
-              <a:buClrTx/>
-              <a:buSzTx/>
-              <a:buNone/>
-              <a:defRPr>
-                <a:latin typeface="Times Roman"/>
-                <a:ea typeface="Times Roman"/>
-                <a:cs typeface="Times Roman"/>
-                <a:sym typeface="Times Roman"/>
-              </a:defRPr>
-            </a:pPr>
-            <a:r>
-              <a:rPr b="1"/>
-              <a:t>6</a:t>
-            </a:r>
-            <a:r>
-              <a:t> </a:t>
-            </a:r>
-            <a:r>
-              <a:rPr>
-                <a:latin typeface="Courier"/>
-                <a:ea typeface="Courier"/>
-                <a:cs typeface="Courier"/>
-                <a:sym typeface="Courier"/>
-              </a:rPr>
-              <a:t>==</a:t>
-            </a:r>
-            <a:r>
-              <a:t> </a:t>
-            </a:r>
-            <a:r>
-              <a:rPr>
-                <a:latin typeface="Courier"/>
-                <a:ea typeface="Courier"/>
-                <a:cs typeface="Courier"/>
-                <a:sym typeface="Courier"/>
-              </a:rPr>
-              <a:t>!=</a:t>
-            </a:r>
-            <a:r>
-              <a:t> → Uguaglianza → associatività da sinistra a destra</a:t>
-            </a:r>
-          </a:p>
-          <a:p>
-            <a:pPr marL="0" indent="0" defTabSz="457200">
-              <a:spcBef>
-                <a:spcPts val="1200"/>
-              </a:spcBef>
-              <a:buClrTx/>
-              <a:buSzTx/>
-              <a:buNone/>
-              <a:defRPr>
-                <a:latin typeface="Times Roman"/>
-                <a:ea typeface="Times Roman"/>
-                <a:cs typeface="Times Roman"/>
-                <a:sym typeface="Times Roman"/>
-              </a:defRPr>
-            </a:pPr>
-            <a:r>
-              <a:rPr b="1"/>
-              <a:t>7</a:t>
-            </a:r>
-            <a:r>
-              <a:t> </a:t>
-            </a:r>
-            <a:r>
-              <a:rPr>
-                <a:latin typeface="Courier"/>
-                <a:ea typeface="Courier"/>
-                <a:cs typeface="Courier"/>
-                <a:sym typeface="Courier"/>
-              </a:rPr>
-              <a:t>&amp;</a:t>
-            </a:r>
-            <a:r>
-              <a:t> → AND bit a bit → associatività da sinistra a destra</a:t>
             </a:r>
           </a:p>
         </p:txBody>
@@ -9169,7 +9902,7 @@
       </p:grpSpPr>
       <p:sp>
         <p:nvSpPr>
-          <p:cNvPr id="304" name="Priorità operatori in C"/>
+          <p:cNvPr id="301" name="Priorità operatori in C"/>
           <p:cNvSpPr txBox="1">
             <a:spLocks noGrp="1"/>
           </p:cNvSpPr>
@@ -9194,7 +9927,7 @@
       </p:sp>
       <p:sp>
         <p:nvSpPr>
-          <p:cNvPr id="305" name="8 ^ → XOR bit a bit → associatività da sinistra a destra…"/>
+          <p:cNvPr id="302" name="1 () [] . -&gt; → Postfissi → associatività da sinistra a destra…"/>
           <p:cNvSpPr txBox="1">
             <a:spLocks noGrp="1"/>
           </p:cNvSpPr>
@@ -9227,7 +9960,7 @@
             </a:pPr>
             <a:r>
               <a:rPr b="1"/>
-              <a:t>8</a:t>
+              <a:t>1</a:t>
             </a:r>
             <a:r>
               <a:t> </a:t>
@@ -9239,10 +9972,46 @@
                 <a:cs typeface="Courier"/>
                 <a:sym typeface="Courier"/>
               </a:rPr>
-              <a:t>^</a:t>
-            </a:r>
-            <a:r>
-              <a:t> → XOR bit a bit → associatività da sinistra a destra</a:t>
+              <a:t>()</a:t>
+            </a:r>
+            <a:r>
+              <a:t> </a:t>
+            </a:r>
+            <a:r>
+              <a:rPr>
+                <a:latin typeface="Courier"/>
+                <a:ea typeface="Courier"/>
+                <a:cs typeface="Courier"/>
+                <a:sym typeface="Courier"/>
+              </a:rPr>
+              <a:t>[]</a:t>
+            </a:r>
+            <a:r>
+              <a:t> </a:t>
+            </a:r>
+            <a:r>
+              <a:rPr>
+                <a:latin typeface="Courier"/>
+                <a:ea typeface="Courier"/>
+                <a:cs typeface="Courier"/>
+                <a:sym typeface="Courier"/>
+              </a:rPr>
+              <a:t>.</a:t>
+            </a:r>
+            <a:r>
+              <a:t> </a:t>
+            </a:r>
+            <a:r>
+              <a:rPr>
+                <a:latin typeface="Courier"/>
+                <a:ea typeface="Courier"/>
+                <a:cs typeface="Courier"/>
+                <a:sym typeface="Courier"/>
+              </a:rPr>
+              <a:t>-&gt;</a:t>
+            </a:r>
+            <a:r>
+              <a:t> → Postfissi → associatività da sinistra a destra</a:t>
             </a:r>
           </a:p>
           <a:p>
@@ -9262,7 +10031,7 @@
             </a:pPr>
             <a:r>
               <a:rPr b="1"/>
-              <a:t>9</a:t>
+              <a:t>2</a:t>
             </a:r>
             <a:r>
               <a:t> </a:t>
@@ -9274,10 +10043,70 @@
                 <a:cs typeface="Courier"/>
                 <a:sym typeface="Courier"/>
               </a:rPr>
-              <a:t>|</a:t>
-            </a:r>
-            <a:r>
-              <a:t> → OR bit a bit → associatività da sinistra a destra</a:t>
+              <a:t>++</a:t>
+            </a:r>
+            <a:r>
+              <a:t> </a:t>
+            </a:r>
+            <a:r>
+              <a:rPr>
+                <a:latin typeface="Courier"/>
+                <a:ea typeface="Courier"/>
+                <a:cs typeface="Courier"/>
+                <a:sym typeface="Courier"/>
+              </a:rPr>
+              <a:t>--</a:t>
+            </a:r>
+            <a:r>
+              <a:t> </a:t>
+            </a:r>
+            <a:r>
+              <a:rPr>
+                <a:latin typeface="Courier"/>
+                <a:ea typeface="Courier"/>
+                <a:cs typeface="Courier"/>
+                <a:sym typeface="Courier"/>
+              </a:rPr>
+              <a:t>+</a:t>
+            </a:r>
+            <a:r>
+              <a:t> </a:t>
+            </a:r>
+            <a:r>
+              <a:rPr>
+                <a:latin typeface="Courier"/>
+                <a:ea typeface="Courier"/>
+                <a:cs typeface="Courier"/>
+                <a:sym typeface="Courier"/>
+              </a:rPr>
+              <a:t>-</a:t>
+            </a:r>
+            <a:r>
+              <a:t> </a:t>
+            </a:r>
+            <a:r>
+              <a:rPr>
+                <a:latin typeface="Courier"/>
+                <a:ea typeface="Courier"/>
+                <a:cs typeface="Courier"/>
+                <a:sym typeface="Courier"/>
+              </a:rPr>
+              <a:t>!</a:t>
+            </a:r>
+            <a:r>
+              <a:t> </a:t>
+            </a:r>
+            <a:r>
+              <a:rPr>
+                <a:latin typeface="Courier"/>
+                <a:ea typeface="Courier"/>
+                <a:cs typeface="Courier"/>
+                <a:sym typeface="Courier"/>
+              </a:rPr>
+              <a:t>~</a:t>
+            </a:r>
+            <a:r>
+              <a:t> → Unari / prefissi → associatività da destra a sinistra</a:t>
             </a:r>
           </a:p>
           <a:p>
@@ -9297,7 +10126,7 @@
             </a:pPr>
             <a:r>
               <a:rPr b="1"/>
-              <a:t>10</a:t>
+              <a:t>3</a:t>
             </a:r>
             <a:r>
               <a:t> </a:t>
@@ -9309,10 +10138,34 @@
                 <a:cs typeface="Courier"/>
                 <a:sym typeface="Courier"/>
               </a:rPr>
-              <a:t>&amp;&amp;</a:t>
-            </a:r>
-            <a:r>
-              <a:t> → AND logico → associatività da sinistra a destra</a:t>
+              <a:t>*</a:t>
+            </a:r>
+            <a:r>
+              <a:t> </a:t>
+            </a:r>
+            <a:r>
+              <a:rPr>
+                <a:latin typeface="Courier"/>
+                <a:ea typeface="Courier"/>
+                <a:cs typeface="Courier"/>
+                <a:sym typeface="Courier"/>
+              </a:rPr>
+              <a:t>/</a:t>
+            </a:r>
+            <a:r>
+              <a:t> </a:t>
+            </a:r>
+            <a:r>
+              <a:rPr>
+                <a:latin typeface="Courier"/>
+                <a:ea typeface="Courier"/>
+                <a:cs typeface="Courier"/>
+                <a:sym typeface="Courier"/>
+              </a:rPr>
+              <a:t>%</a:t>
+            </a:r>
+            <a:r>
+              <a:t> → Moltiplicazione, divisione, modulo → associatività da sinistra a destra</a:t>
             </a:r>
           </a:p>
           <a:p>
@@ -9332,7 +10185,7 @@
             </a:pPr>
             <a:r>
               <a:rPr b="1"/>
-              <a:t>11</a:t>
+              <a:t>4</a:t>
             </a:r>
             <a:r>
               <a:t> </a:t>
@@ -9344,10 +10197,22 @@
                 <a:cs typeface="Courier"/>
                 <a:sym typeface="Courier"/>
               </a:rPr>
-              <a:t>||</a:t>
-            </a:r>
-            <a:r>
-              <a:t> → OR logico → associatività da sinistra a destra</a:t>
+              <a:t>+</a:t>
+            </a:r>
+            <a:r>
+              <a:t> </a:t>
+            </a:r>
+            <a:r>
+              <a:rPr>
+                <a:latin typeface="Courier"/>
+                <a:ea typeface="Courier"/>
+                <a:cs typeface="Courier"/>
+                <a:sym typeface="Courier"/>
+              </a:rPr>
+              <a:t>-</a:t>
+            </a:r>
+            <a:r>
+              <a:t> → Addizione, sottrazione → associatività da sinistra a destra</a:t>
             </a:r>
           </a:p>
           <a:p>
@@ -9367,7 +10232,7 @@
             </a:pPr>
             <a:r>
               <a:rPr b="1"/>
-              <a:t>12</a:t>
+              <a:t>5</a:t>
             </a:r>
             <a:r>
               <a:t> </a:t>
@@ -9379,10 +10244,46 @@
                 <a:cs typeface="Courier"/>
                 <a:sym typeface="Courier"/>
               </a:rPr>
-              <a:t>?:</a:t>
-            </a:r>
-            <a:r>
-              <a:t> → Operatore ternario → associatività da destra a sinistra</a:t>
+              <a:t>&lt;</a:t>
+            </a:r>
+            <a:r>
+              <a:t> </a:t>
+            </a:r>
+            <a:r>
+              <a:rPr>
+                <a:latin typeface="Courier"/>
+                <a:ea typeface="Courier"/>
+                <a:cs typeface="Courier"/>
+                <a:sym typeface="Courier"/>
+              </a:rPr>
+              <a:t>&lt;=</a:t>
+            </a:r>
+            <a:r>
+              <a:t> </a:t>
+            </a:r>
+            <a:r>
+              <a:rPr>
+                <a:latin typeface="Courier"/>
+                <a:ea typeface="Courier"/>
+                <a:cs typeface="Courier"/>
+                <a:sym typeface="Courier"/>
+              </a:rPr>
+              <a:t>&gt;</a:t>
+            </a:r>
+            <a:r>
+              <a:t> </a:t>
+            </a:r>
+            <a:r>
+              <a:rPr>
+                <a:latin typeface="Courier"/>
+                <a:ea typeface="Courier"/>
+                <a:cs typeface="Courier"/>
+                <a:sym typeface="Courier"/>
+              </a:rPr>
+              <a:t>&gt;=</a:t>
+            </a:r>
+            <a:r>
+              <a:t> → Relazionali → associatività da sinistra a destra</a:t>
             </a:r>
           </a:p>
           <a:p>
@@ -9402,7 +10303,7 @@
             </a:pPr>
             <a:r>
               <a:rPr b="1"/>
-              <a:t>13</a:t>
+              <a:t>6</a:t>
             </a:r>
             <a:r>
               <a:t> </a:t>
@@ -9414,7 +10315,7 @@
                 <a:cs typeface="Courier"/>
                 <a:sym typeface="Courier"/>
               </a:rPr>
-              <a:t>=</a:t>
+              <a:t>==</a:t>
             </a:r>
             <a:r>
               <a:t> </a:t>
@@ -9426,22 +10327,10 @@
                 <a:cs typeface="Courier"/>
                 <a:sym typeface="Courier"/>
               </a:rPr>
-              <a:t>+=</a:t>
-            </a:r>
-            <a:r>
-              <a:t> </a:t>
-            </a:r>
-            <a:r>
-              <a:rPr>
-                <a:latin typeface="Courier"/>
-                <a:ea typeface="Courier"/>
-                <a:cs typeface="Courier"/>
-                <a:sym typeface="Courier"/>
-              </a:rPr>
-              <a:t>-=</a:t>
-            </a:r>
-            <a:r>
-              <a:t> … → Assegnamento → associatività da destra a sinistra</a:t>
+              <a:t>!=</a:t>
+            </a:r>
+            <a:r>
+              <a:t> → Uguaglianza → associatività da sinistra a destra</a:t>
             </a:r>
           </a:p>
           <a:p>
@@ -9461,7 +10350,7 @@
             </a:pPr>
             <a:r>
               <a:rPr b="1"/>
-              <a:t>14</a:t>
+              <a:t>7</a:t>
             </a:r>
             <a:r>
               <a:t> </a:t>
@@ -9473,10 +10362,10 @@
                 <a:cs typeface="Courier"/>
                 <a:sym typeface="Courier"/>
               </a:rPr>
-              <a:t>,</a:t>
-            </a:r>
-            <a:r>
-              <a:t> → Separatore di espressioni → associatività da sinistra a destra</a:t>
+              <a:t>&amp;</a:t>
+            </a:r>
+            <a:r>
+              <a:t> → AND bit a bit → associatività da sinistra a destra</a:t>
             </a:r>
           </a:p>
         </p:txBody>
@@ -9691,7 +10580,7 @@
           </a:ln>
           <a:extLst>
             <a:ext uri="{C572A759-6A51-4108-AA02-DFA0A04FC94B}">
-              <ma14:wrappingTextBoxFlag xmlns:ma14="http://schemas.microsoft.com/office/mac/drawingml/2011/main" xmlns:a14="http://schemas.microsoft.com/office/drawing/2010/main" xmlns:m="http://schemas.openxmlformats.org/officeDocument/2006/math" xmlns="" val="1"/>
+              <ma14:wrappingTextBoxFlag xmlns="" xmlns:m="http://schemas.openxmlformats.org/officeDocument/2006/math" xmlns:a14="http://schemas.microsoft.com/office/drawing/2010/main" xmlns:ma14="http://schemas.microsoft.com/office/mac/drawingml/2011/main" val="1"/>
             </a:ext>
           </a:extLst>
         </p:spPr>
@@ -9737,7 +10626,7 @@
           </a:ln>
           <a:extLst>
             <a:ext uri="{C572A759-6A51-4108-AA02-DFA0A04FC94B}">
-              <ma14:wrappingTextBoxFlag xmlns:ma14="http://schemas.microsoft.com/office/mac/drawingml/2011/main" xmlns:a14="http://schemas.microsoft.com/office/drawing/2010/main" xmlns:m="http://schemas.openxmlformats.org/officeDocument/2006/math" xmlns="" val="1"/>
+              <ma14:wrappingTextBoxFlag xmlns="" xmlns:m="http://schemas.openxmlformats.org/officeDocument/2006/math" xmlns:a14="http://schemas.microsoft.com/office/drawing/2010/main" xmlns:ma14="http://schemas.microsoft.com/office/mac/drawingml/2011/main" val="1"/>
             </a:ext>
           </a:extLst>
         </p:spPr>
@@ -10009,6 +10898,346 @@
       </p:grpSpPr>
       <p:sp>
         <p:nvSpPr>
+          <p:cNvPr id="304" name="Priorità operatori in C"/>
+          <p:cNvSpPr txBox="1">
+            <a:spLocks noGrp="1"/>
+          </p:cNvSpPr>
+          <p:nvPr>
+            <p:ph type="title"/>
+          </p:nvPr>
+        </p:nvSpPr>
+        <p:spPr>
+          <a:prstGeom prst="rect">
+            <a:avLst/>
+          </a:prstGeom>
+        </p:spPr>
+        <p:txBody>
+          <a:bodyPr/>
+          <a:lstStyle/>
+          <a:p>
+            <a:r>
+              <a:t>Priorità operatori in C</a:t>
+            </a:r>
+          </a:p>
+        </p:txBody>
+      </p:sp>
+      <p:sp>
+        <p:nvSpPr>
+          <p:cNvPr id="305" name="8 ^ → XOR bit a bit → associatività da sinistra a destra…"/>
+          <p:cNvSpPr txBox="1">
+            <a:spLocks noGrp="1"/>
+          </p:cNvSpPr>
+          <p:nvPr>
+            <p:ph type="body" idx="1"/>
+          </p:nvPr>
+        </p:nvSpPr>
+        <p:spPr>
+          <a:prstGeom prst="rect">
+            <a:avLst/>
+          </a:prstGeom>
+        </p:spPr>
+        <p:txBody>
+          <a:bodyPr/>
+          <a:lstStyle/>
+          <a:p>
+            <a:pPr marL="0" indent="0" defTabSz="457200">
+              <a:spcBef>
+                <a:spcPts val="1200"/>
+              </a:spcBef>
+              <a:buClrTx/>
+              <a:buSzTx/>
+              <a:buNone/>
+              <a:defRPr>
+                <a:latin typeface="Times Roman"/>
+                <a:ea typeface="Times Roman"/>
+                <a:cs typeface="Times Roman"/>
+                <a:sym typeface="Times Roman"/>
+              </a:defRPr>
+            </a:pPr>
+            <a:r>
+              <a:rPr b="1"/>
+              <a:t>8</a:t>
+            </a:r>
+            <a:r>
+              <a:t> </a:t>
+            </a:r>
+            <a:r>
+              <a:rPr>
+                <a:latin typeface="Courier"/>
+                <a:ea typeface="Courier"/>
+                <a:cs typeface="Courier"/>
+                <a:sym typeface="Courier"/>
+              </a:rPr>
+              <a:t>^</a:t>
+            </a:r>
+            <a:r>
+              <a:t> → XOR bit a bit → associatività da sinistra a destra</a:t>
+            </a:r>
+          </a:p>
+          <a:p>
+            <a:pPr marL="0" indent="0" defTabSz="457200">
+              <a:spcBef>
+                <a:spcPts val="1200"/>
+              </a:spcBef>
+              <a:buClrTx/>
+              <a:buSzTx/>
+              <a:buNone/>
+              <a:defRPr>
+                <a:latin typeface="Times Roman"/>
+                <a:ea typeface="Times Roman"/>
+                <a:cs typeface="Times Roman"/>
+                <a:sym typeface="Times Roman"/>
+              </a:defRPr>
+            </a:pPr>
+            <a:r>
+              <a:rPr b="1"/>
+              <a:t>9</a:t>
+            </a:r>
+            <a:r>
+              <a:t> </a:t>
+            </a:r>
+            <a:r>
+              <a:rPr>
+                <a:latin typeface="Courier"/>
+                <a:ea typeface="Courier"/>
+                <a:cs typeface="Courier"/>
+                <a:sym typeface="Courier"/>
+              </a:rPr>
+              <a:t>|</a:t>
+            </a:r>
+            <a:r>
+              <a:t> → OR bit a bit → associatività da sinistra a destra</a:t>
+            </a:r>
+          </a:p>
+          <a:p>
+            <a:pPr marL="0" indent="0" defTabSz="457200">
+              <a:spcBef>
+                <a:spcPts val="1200"/>
+              </a:spcBef>
+              <a:buClrTx/>
+              <a:buSzTx/>
+              <a:buNone/>
+              <a:defRPr>
+                <a:latin typeface="Times Roman"/>
+                <a:ea typeface="Times Roman"/>
+                <a:cs typeface="Times Roman"/>
+                <a:sym typeface="Times Roman"/>
+              </a:defRPr>
+            </a:pPr>
+            <a:r>
+              <a:rPr b="1"/>
+              <a:t>10</a:t>
+            </a:r>
+            <a:r>
+              <a:t> </a:t>
+            </a:r>
+            <a:r>
+              <a:rPr>
+                <a:latin typeface="Courier"/>
+                <a:ea typeface="Courier"/>
+                <a:cs typeface="Courier"/>
+                <a:sym typeface="Courier"/>
+              </a:rPr>
+              <a:t>&amp;&amp;</a:t>
+            </a:r>
+            <a:r>
+              <a:t> → AND logico → associatività da sinistra a destra</a:t>
+            </a:r>
+          </a:p>
+          <a:p>
+            <a:pPr marL="0" indent="0" defTabSz="457200">
+              <a:spcBef>
+                <a:spcPts val="1200"/>
+              </a:spcBef>
+              <a:buClrTx/>
+              <a:buSzTx/>
+              <a:buNone/>
+              <a:defRPr>
+                <a:latin typeface="Times Roman"/>
+                <a:ea typeface="Times Roman"/>
+                <a:cs typeface="Times Roman"/>
+                <a:sym typeface="Times Roman"/>
+              </a:defRPr>
+            </a:pPr>
+            <a:r>
+              <a:rPr b="1"/>
+              <a:t>11</a:t>
+            </a:r>
+            <a:r>
+              <a:t> </a:t>
+            </a:r>
+            <a:r>
+              <a:rPr>
+                <a:latin typeface="Courier"/>
+                <a:ea typeface="Courier"/>
+                <a:cs typeface="Courier"/>
+                <a:sym typeface="Courier"/>
+              </a:rPr>
+              <a:t>||</a:t>
+            </a:r>
+            <a:r>
+              <a:t> → OR logico → associatività da sinistra a destra</a:t>
+            </a:r>
+          </a:p>
+          <a:p>
+            <a:pPr marL="0" indent="0" defTabSz="457200">
+              <a:spcBef>
+                <a:spcPts val="1200"/>
+              </a:spcBef>
+              <a:buClrTx/>
+              <a:buSzTx/>
+              <a:buNone/>
+              <a:defRPr>
+                <a:latin typeface="Times Roman"/>
+                <a:ea typeface="Times Roman"/>
+                <a:cs typeface="Times Roman"/>
+                <a:sym typeface="Times Roman"/>
+              </a:defRPr>
+            </a:pPr>
+            <a:r>
+              <a:rPr b="1"/>
+              <a:t>12</a:t>
+            </a:r>
+            <a:r>
+              <a:t> </a:t>
+            </a:r>
+            <a:r>
+              <a:rPr>
+                <a:latin typeface="Courier"/>
+                <a:ea typeface="Courier"/>
+                <a:cs typeface="Courier"/>
+                <a:sym typeface="Courier"/>
+              </a:rPr>
+              <a:t>?:</a:t>
+            </a:r>
+            <a:r>
+              <a:t> → Operatore ternario → associatività da destra a sinistra</a:t>
+            </a:r>
+          </a:p>
+          <a:p>
+            <a:pPr marL="0" indent="0" defTabSz="457200">
+              <a:spcBef>
+                <a:spcPts val="1200"/>
+              </a:spcBef>
+              <a:buClrTx/>
+              <a:buSzTx/>
+              <a:buNone/>
+              <a:defRPr>
+                <a:latin typeface="Times Roman"/>
+                <a:ea typeface="Times Roman"/>
+                <a:cs typeface="Times Roman"/>
+                <a:sym typeface="Times Roman"/>
+              </a:defRPr>
+            </a:pPr>
+            <a:r>
+              <a:rPr b="1"/>
+              <a:t>13</a:t>
+            </a:r>
+            <a:r>
+              <a:t> </a:t>
+            </a:r>
+            <a:r>
+              <a:rPr>
+                <a:latin typeface="Courier"/>
+                <a:ea typeface="Courier"/>
+                <a:cs typeface="Courier"/>
+                <a:sym typeface="Courier"/>
+              </a:rPr>
+              <a:t>=</a:t>
+            </a:r>
+            <a:r>
+              <a:t> </a:t>
+            </a:r>
+            <a:r>
+              <a:rPr>
+                <a:latin typeface="Courier"/>
+                <a:ea typeface="Courier"/>
+                <a:cs typeface="Courier"/>
+                <a:sym typeface="Courier"/>
+              </a:rPr>
+              <a:t>+=</a:t>
+            </a:r>
+            <a:r>
+              <a:t> </a:t>
+            </a:r>
+            <a:r>
+              <a:rPr>
+                <a:latin typeface="Courier"/>
+                <a:ea typeface="Courier"/>
+                <a:cs typeface="Courier"/>
+                <a:sym typeface="Courier"/>
+              </a:rPr>
+              <a:t>-=</a:t>
+            </a:r>
+            <a:r>
+              <a:t> … → Assegnamento → associatività da destra a sinistra</a:t>
+            </a:r>
+          </a:p>
+          <a:p>
+            <a:pPr marL="0" indent="0" defTabSz="457200">
+              <a:spcBef>
+                <a:spcPts val="1200"/>
+              </a:spcBef>
+              <a:buClrTx/>
+              <a:buSzTx/>
+              <a:buNone/>
+              <a:defRPr>
+                <a:latin typeface="Times Roman"/>
+                <a:ea typeface="Times Roman"/>
+                <a:cs typeface="Times Roman"/>
+                <a:sym typeface="Times Roman"/>
+              </a:defRPr>
+            </a:pPr>
+            <a:r>
+              <a:rPr b="1"/>
+              <a:t>14</a:t>
+            </a:r>
+            <a:r>
+              <a:t> </a:t>
+            </a:r>
+            <a:r>
+              <a:rPr>
+                <a:latin typeface="Courier"/>
+                <a:ea typeface="Courier"/>
+                <a:cs typeface="Courier"/>
+                <a:sym typeface="Courier"/>
+              </a:rPr>
+              <a:t>,</a:t>
+            </a:r>
+            <a:r>
+              <a:t> → Separatore di espressioni → associatività da sinistra a destra</a:t>
+            </a:r>
+          </a:p>
+        </p:txBody>
+      </p:sp>
+    </p:spTree>
+  </p:cSld>
+  <p:clrMapOvr>
+    <a:masterClrMapping/>
+  </p:clrMapOvr>
+  <p:transition spd="med"/>
+</p:sld>
+</file>
+
+<file path=ppt/slides/slide31.xml><?xml version="1.0" encoding="utf-8"?>
+<p:sld xmlns:a="http://schemas.openxmlformats.org/drawingml/2006/main" xmlns:r="http://schemas.openxmlformats.org/officeDocument/2006/relationships" xmlns:p="http://schemas.openxmlformats.org/presentationml/2006/main">
+  <p:cSld>
+    <p:spTree>
+      <p:nvGrpSpPr>
+        <p:cNvPr id="1" name=""/>
+        <p:cNvGrpSpPr/>
+        <p:nvPr/>
+      </p:nvGrpSpPr>
+      <p:grpSpPr>
+        <a:xfrm>
+          <a:off x="0" y="0"/>
+          <a:ext cx="0" cy="0"/>
+          <a:chOff x="0" y="0"/>
+          <a:chExt cx="0" cy="0"/>
+        </a:xfrm>
+      </p:grpSpPr>
+      <p:sp>
+        <p:nvSpPr>
           <p:cNvPr id="307" name="Terzo esercizio"/>
           <p:cNvSpPr txBox="1">
             <a:spLocks noGrp="1"/>
@@ -10036,8 +11265,8 @@
           </a:p>
         </p:txBody>
       </p:sp>
-      <mc:AlternateContent xmlns:mc="http://schemas.openxmlformats.org/markup-compatibility/2006">
-        <mc:Choice xmlns:a14="http://schemas.microsoft.com/office/drawing/2010/main" Requires="a14">
+      <mc:AlternateContent xmlns:mc="http://schemas.openxmlformats.org/markup-compatibility/2006" xmlns:a14="http://schemas.microsoft.com/office/drawing/2010/main">
+        <mc:Choice Requires="a14">
           <p:sp>
             <p:nvSpPr>
               <p:cNvPr id="308" name="Data la seguente formula:…"/>
@@ -10254,7 +11483,7 @@
             </p:txBody>
           </p:sp>
         </mc:Choice>
-        <mc:Fallback>
+        <mc:Fallback xmlns="">
           <p:sp>
             <p:nvSpPr>
               <p:cNvPr id="308" name="Data la seguente formula:…"/>
@@ -10375,7 +11604,7 @@
           </a:ln>
           <a:extLst>
             <a:ext uri="{C572A759-6A51-4108-AA02-DFA0A04FC94B}">
-              <ma14:wrappingTextBoxFlag xmlns:ma14="http://schemas.microsoft.com/office/mac/drawingml/2011/main" xmlns:a14="http://schemas.microsoft.com/office/drawing/2010/main" xmlns:m="http://schemas.openxmlformats.org/officeDocument/2006/math" xmlns="" val="1"/>
+              <ma14:wrappingTextBoxFlag xmlns="" xmlns:m="http://schemas.openxmlformats.org/officeDocument/2006/math" xmlns:a14="http://schemas.microsoft.com/office/drawing/2010/main" xmlns:ma14="http://schemas.microsoft.com/office/mac/drawingml/2011/main" val="1"/>
             </a:ext>
           </a:extLst>
         </p:spPr>
@@ -10430,7 +11659,7 @@
           </a:ln>
           <a:extLst>
             <a:ext uri="{C572A759-6A51-4108-AA02-DFA0A04FC94B}">
-              <ma14:wrappingTextBoxFlag xmlns:ma14="http://schemas.microsoft.com/office/mac/drawingml/2011/main" xmlns:a14="http://schemas.microsoft.com/office/drawing/2010/main" xmlns:m="http://schemas.openxmlformats.org/officeDocument/2006/math" xmlns="" val="1"/>
+              <ma14:wrappingTextBoxFlag xmlns="" xmlns:m="http://schemas.openxmlformats.org/officeDocument/2006/math" xmlns:a14="http://schemas.microsoft.com/office/drawing/2010/main" xmlns:ma14="http://schemas.microsoft.com/office/mac/drawingml/2011/main" val="1"/>
             </a:ext>
           </a:extLst>
         </p:spPr>
@@ -10488,7 +11717,7 @@
           </a:ln>
           <a:extLst>
             <a:ext uri="{C572A759-6A51-4108-AA02-DFA0A04FC94B}">
-              <ma14:wrappingTextBoxFlag xmlns:ma14="http://schemas.microsoft.com/office/mac/drawingml/2011/main" xmlns:a14="http://schemas.microsoft.com/office/drawing/2010/main" xmlns:m="http://schemas.openxmlformats.org/officeDocument/2006/math" xmlns="" val="1"/>
+              <ma14:wrappingTextBoxFlag xmlns="" xmlns:m="http://schemas.openxmlformats.org/officeDocument/2006/math" xmlns:a14="http://schemas.microsoft.com/office/drawing/2010/main" xmlns:ma14="http://schemas.microsoft.com/office/mac/drawingml/2011/main" val="1"/>
             </a:ext>
           </a:extLst>
         </p:spPr>
@@ -10543,7 +11772,7 @@
           </a:ln>
           <a:extLst>
             <a:ext uri="{C572A759-6A51-4108-AA02-DFA0A04FC94B}">
-              <ma14:wrappingTextBoxFlag xmlns:ma14="http://schemas.microsoft.com/office/mac/drawingml/2011/main" xmlns:a14="http://schemas.microsoft.com/office/drawing/2010/main" xmlns:m="http://schemas.openxmlformats.org/officeDocument/2006/math" xmlns="" val="1"/>
+              <ma14:wrappingTextBoxFlag xmlns="" xmlns:m="http://schemas.openxmlformats.org/officeDocument/2006/math" xmlns:a14="http://schemas.microsoft.com/office/drawing/2010/main" xmlns:ma14="http://schemas.microsoft.com/office/mac/drawingml/2011/main" val="1"/>
             </a:ext>
           </a:extLst>
         </p:spPr>
@@ -10601,7 +11830,7 @@
           </a:ln>
           <a:extLst>
             <a:ext uri="{C572A759-6A51-4108-AA02-DFA0A04FC94B}">
-              <ma14:wrappingTextBoxFlag xmlns:ma14="http://schemas.microsoft.com/office/mac/drawingml/2011/main" xmlns:a14="http://schemas.microsoft.com/office/drawing/2010/main" xmlns:m="http://schemas.openxmlformats.org/officeDocument/2006/math" xmlns="" val="1"/>
+              <ma14:wrappingTextBoxFlag xmlns="" xmlns:m="http://schemas.openxmlformats.org/officeDocument/2006/math" xmlns:a14="http://schemas.microsoft.com/office/drawing/2010/main" xmlns:ma14="http://schemas.microsoft.com/office/mac/drawingml/2011/main" val="1"/>
             </a:ext>
           </a:extLst>
         </p:spPr>
@@ -10656,7 +11885,7 @@
           </a:ln>
           <a:extLst>
             <a:ext uri="{C572A759-6A51-4108-AA02-DFA0A04FC94B}">
-              <ma14:wrappingTextBoxFlag xmlns:ma14="http://schemas.microsoft.com/office/mac/drawingml/2011/main" xmlns:a14="http://schemas.microsoft.com/office/drawing/2010/main" xmlns:m="http://schemas.openxmlformats.org/officeDocument/2006/math" xmlns="" val="1"/>
+              <ma14:wrappingTextBoxFlag xmlns="" xmlns:m="http://schemas.openxmlformats.org/officeDocument/2006/math" xmlns:a14="http://schemas.microsoft.com/office/drawing/2010/main" xmlns:ma14="http://schemas.microsoft.com/office/mac/drawingml/2011/main" val="1"/>
             </a:ext>
           </a:extLst>
         </p:spPr>
@@ -10877,7 +12106,7 @@
           </a:ln>
           <a:extLst>
             <a:ext uri="{C572A759-6A51-4108-AA02-DFA0A04FC94B}">
-              <ma14:wrappingTextBoxFlag xmlns:ma14="http://schemas.microsoft.com/office/mac/drawingml/2011/main" xmlns:a14="http://schemas.microsoft.com/office/drawing/2010/main" xmlns:m="http://schemas.openxmlformats.org/officeDocument/2006/math" xmlns="" val="1"/>
+              <ma14:wrappingTextBoxFlag xmlns="" xmlns:m="http://schemas.openxmlformats.org/officeDocument/2006/math" xmlns:a14="http://schemas.microsoft.com/office/drawing/2010/main" xmlns:ma14="http://schemas.microsoft.com/office/mac/drawingml/2011/main" val="1"/>
             </a:ext>
           </a:extLst>
         </p:spPr>
@@ -10931,7 +12160,7 @@
           </a:ln>
           <a:extLst>
             <a:ext uri="{C572A759-6A51-4108-AA02-DFA0A04FC94B}">
-              <ma14:wrappingTextBoxFlag xmlns:ma14="http://schemas.microsoft.com/office/mac/drawingml/2011/main" xmlns:a14="http://schemas.microsoft.com/office/drawing/2010/main" xmlns:m="http://schemas.openxmlformats.org/officeDocument/2006/math" xmlns="" val="1"/>
+              <ma14:wrappingTextBoxFlag xmlns="" xmlns:m="http://schemas.openxmlformats.org/officeDocument/2006/math" xmlns:a14="http://schemas.microsoft.com/office/drawing/2010/main" xmlns:ma14="http://schemas.microsoft.com/office/mac/drawingml/2011/main" val="1"/>
             </a:ext>
           </a:extLst>
         </p:spPr>
@@ -10970,7 +12199,7 @@
           </a:ln>
           <a:extLst>
             <a:ext uri="{C572A759-6A51-4108-AA02-DFA0A04FC94B}">
-              <ma14:wrappingTextBoxFlag xmlns:ma14="http://schemas.microsoft.com/office/mac/drawingml/2011/main" xmlns:a14="http://schemas.microsoft.com/office/drawing/2010/main" xmlns:m="http://schemas.openxmlformats.org/officeDocument/2006/math" xmlns="" val="1"/>
+              <ma14:wrappingTextBoxFlag xmlns="" xmlns:m="http://schemas.openxmlformats.org/officeDocument/2006/math" xmlns:a14="http://schemas.microsoft.com/office/drawing/2010/main" xmlns:ma14="http://schemas.microsoft.com/office/mac/drawingml/2011/main" val="1"/>
             </a:ext>
           </a:extLst>
         </p:spPr>
@@ -11009,7 +12238,7 @@
           </a:ln>
           <a:extLst>
             <a:ext uri="{C572A759-6A51-4108-AA02-DFA0A04FC94B}">
-              <ma14:wrappingTextBoxFlag xmlns:ma14="http://schemas.microsoft.com/office/mac/drawingml/2011/main" xmlns:a14="http://schemas.microsoft.com/office/drawing/2010/main" xmlns:m="http://schemas.openxmlformats.org/officeDocument/2006/math" xmlns="" val="1"/>
+              <ma14:wrappingTextBoxFlag xmlns="" xmlns:m="http://schemas.openxmlformats.org/officeDocument/2006/math" xmlns:a14="http://schemas.microsoft.com/office/drawing/2010/main" xmlns:ma14="http://schemas.microsoft.com/office/mac/drawingml/2011/main" val="1"/>
             </a:ext>
           </a:extLst>
         </p:spPr>
@@ -11048,7 +12277,7 @@
           </a:ln>
           <a:extLst>
             <a:ext uri="{C572A759-6A51-4108-AA02-DFA0A04FC94B}">
-              <ma14:wrappingTextBoxFlag xmlns:ma14="http://schemas.microsoft.com/office/mac/drawingml/2011/main" xmlns:a14="http://schemas.microsoft.com/office/drawing/2010/main" xmlns:m="http://schemas.openxmlformats.org/officeDocument/2006/math" xmlns="" val="1"/>
+              <ma14:wrappingTextBoxFlag xmlns="" xmlns:m="http://schemas.openxmlformats.org/officeDocument/2006/math" xmlns:a14="http://schemas.microsoft.com/office/drawing/2010/main" xmlns:ma14="http://schemas.microsoft.com/office/mac/drawingml/2011/main" val="1"/>
             </a:ext>
           </a:extLst>
         </p:spPr>
@@ -11087,7 +12316,7 @@
           </a:ln>
           <a:extLst>
             <a:ext uri="{C572A759-6A51-4108-AA02-DFA0A04FC94B}">
-              <ma14:wrappingTextBoxFlag xmlns:ma14="http://schemas.microsoft.com/office/mac/drawingml/2011/main" xmlns:a14="http://schemas.microsoft.com/office/drawing/2010/main" xmlns:m="http://schemas.openxmlformats.org/officeDocument/2006/math" xmlns="" val="1"/>
+              <ma14:wrappingTextBoxFlag xmlns="" xmlns:m="http://schemas.openxmlformats.org/officeDocument/2006/math" xmlns:a14="http://schemas.microsoft.com/office/drawing/2010/main" xmlns:ma14="http://schemas.microsoft.com/office/mac/drawingml/2011/main" val="1"/>
             </a:ext>
           </a:extLst>
         </p:spPr>
@@ -11126,7 +12355,7 @@
           </a:ln>
           <a:extLst>
             <a:ext uri="{C572A759-6A51-4108-AA02-DFA0A04FC94B}">
-              <ma14:wrappingTextBoxFlag xmlns:ma14="http://schemas.microsoft.com/office/mac/drawingml/2011/main" xmlns:a14="http://schemas.microsoft.com/office/drawing/2010/main" xmlns:m="http://schemas.openxmlformats.org/officeDocument/2006/math" xmlns="" val="1"/>
+              <ma14:wrappingTextBoxFlag xmlns="" xmlns:m="http://schemas.openxmlformats.org/officeDocument/2006/math" xmlns:a14="http://schemas.microsoft.com/office/drawing/2010/main" xmlns:ma14="http://schemas.microsoft.com/office/mac/drawingml/2011/main" val="1"/>
             </a:ext>
           </a:extLst>
         </p:spPr>
@@ -12419,41 +13648,53 @@
           </a:p>
         </p:txBody>
       </p:sp>
-      <p:sp>
-        <p:nvSpPr>
-          <p:cNvPr id="206" name="Linea del tempo…"/>
-          <p:cNvSpPr txBox="1"/>
+      <p:pic>
+        <p:nvPicPr>
+          <p:cNvPr id="1026" name="Picture 2" descr="programming language history">
+            <a:extLst>
+              <a:ext uri="{FF2B5EF4-FFF2-40B4-BE49-F238E27FC236}">
+                <a16:creationId xmlns:a16="http://schemas.microsoft.com/office/drawing/2014/main" id="{02F6D167-0DB9-4365-8DE7-F5C903558923}"/>
+              </a:ext>
+            </a:extLst>
+          </p:cNvPr>
+          <p:cNvPicPr>
+            <a:picLocks noChangeAspect="1" noChangeArrowheads="1"/>
+          </p:cNvPicPr>
           <p:nvPr/>
-        </p:nvSpPr>
-        <p:spPr>
+        </p:nvPicPr>
+        <p:blipFill>
+          <a:blip r:embed="rId2">
+            <a:extLst>
+              <a:ext uri="{28A0092B-C50C-407E-A947-70E740481C1C}">
+                <a14:useLocalDpi xmlns:a14="http://schemas.microsoft.com/office/drawing/2010/main" val="0"/>
+              </a:ext>
+            </a:extLst>
+          </a:blip>
+          <a:srcRect/>
+          <a:stretch>
+            <a:fillRect/>
+          </a:stretch>
+        </p:blipFill>
+        <p:spPr bwMode="auto">
           <a:xfrm>
-            <a:off x="11373459" y="6401029"/>
-            <a:ext cx="5190440" cy="908305"/>
+            <a:off x="2659417" y="2785315"/>
+            <a:ext cx="19065166" cy="10485841"/>
           </a:xfrm>
           <a:prstGeom prst="rect">
             <a:avLst/>
           </a:prstGeom>
-          <a:ln w="12700">
-            <a:miter lim="400000"/>
-          </a:ln>
+          <a:noFill/>
           <a:extLst>
-            <a:ext uri="{C572A759-6A51-4108-AA02-DFA0A04FC94B}">
-              <ma14:wrappingTextBoxFlag xmlns:ma14="http://schemas.microsoft.com/office/mac/drawingml/2011/main" xmlns:a14="http://schemas.microsoft.com/office/drawing/2010/main" xmlns:m="http://schemas.openxmlformats.org/officeDocument/2006/math" xmlns="" val="1"/>
+            <a:ext uri="{909E8E84-426E-40DD-AFC4-6F175D3DCCD1}">
+              <a14:hiddenFill xmlns:a14="http://schemas.microsoft.com/office/drawing/2010/main">
+                <a:solidFill>
+                  <a:srgbClr val="FFFFFF"/>
+                </a:solidFill>
+              </a14:hiddenFill>
             </a:ext>
           </a:extLst>
         </p:spPr>
-        <p:txBody>
-          <a:bodyPr wrap="none" lIns="50800" tIns="50800" rIns="50800" bIns="50800" anchor="ctr">
-            <a:spAutoFit/>
-          </a:bodyPr>
-          <a:lstStyle/>
-          <a:p>
-            <a:r>
-              <a:t>Linea del tempo…</a:t>
-            </a:r>
-          </a:p>
-        </p:txBody>
-      </p:sp>
+      </p:pic>
     </p:spTree>
   </p:cSld>
   <p:clrMapOvr>
@@ -12468,7 +13709,13 @@
   <p:cSld>
     <p:spTree>
       <p:nvGrpSpPr>
-        <p:cNvPr id="1" name=""/>
+        <p:cNvPr id="1" name="">
+          <a:extLst>
+            <a:ext uri="{FF2B5EF4-FFF2-40B4-BE49-F238E27FC236}">
+              <a16:creationId xmlns:a16="http://schemas.microsoft.com/office/drawing/2014/main" id="{A0EB12F8-7DA9-FD08-EA35-AC60DC7EC927}"/>
+            </a:ext>
+          </a:extLst>
+        </p:cNvPr>
         <p:cNvGrpSpPr/>
         <p:nvPr/>
       </p:nvGrpSpPr>
@@ -12482,7 +13729,13 @@
       </p:grpSpPr>
       <p:sp>
         <p:nvSpPr>
-          <p:cNvPr id="208" name="Obiettivi del corso"/>
+          <p:cNvPr id="205" name="Un po’ di storia…">
+            <a:extLst>
+              <a:ext uri="{FF2B5EF4-FFF2-40B4-BE49-F238E27FC236}">
+                <a16:creationId xmlns:a16="http://schemas.microsoft.com/office/drawing/2014/main" id="{064E930E-015A-53A2-3BCE-0DB624EC1FBA}"/>
+              </a:ext>
+            </a:extLst>
+          </p:cNvPr>
           <p:cNvSpPr txBox="1">
             <a:spLocks noGrp="1"/>
           </p:cNvSpPr>
@@ -12500,52 +13753,493 @@
           <a:lstStyle/>
           <a:p>
             <a:r>
-              <a:t>Obiettivi del corso</a:t>
-            </a:r>
+              <a:rPr lang="it-IT" dirty="0"/>
+              <a:t>Paradigmi di programmazione</a:t>
+            </a:r>
+            <a:endParaRPr dirty="0"/>
           </a:p>
         </p:txBody>
       </p:sp>
       <p:sp>
         <p:nvSpPr>
-          <p:cNvPr id="209" name="Strutture di controllo, funzioni e gestione della memoria (C)…"/>
+          <p:cNvPr id="4" name="Strutture di controllo, funzioni e gestione della memoria (C)…">
+            <a:extLst>
+              <a:ext uri="{FF2B5EF4-FFF2-40B4-BE49-F238E27FC236}">
+                <a16:creationId xmlns:a16="http://schemas.microsoft.com/office/drawing/2014/main" id="{4107578F-1626-EFB2-3589-E9C839D12384}"/>
+              </a:ext>
+            </a:extLst>
+          </p:cNvPr>
           <p:cNvSpPr txBox="1">
-            <a:spLocks noGrp="1"/>
+            <a:spLocks/>
           </p:cNvSpPr>
-          <p:nvPr>
-            <p:ph type="body" idx="1"/>
-          </p:nvPr>
+          <p:nvPr/>
         </p:nvSpPr>
         <p:spPr>
+          <a:xfrm>
+            <a:off x="1270000" y="4267200"/>
+            <a:ext cx="21844000" cy="8432800"/>
+          </a:xfrm>
           <a:prstGeom prst="rect">
             <a:avLst/>
           </a:prstGeom>
         </p:spPr>
         <p:txBody>
           <a:bodyPr/>
+          <a:lstStyle>
+            <a:lvl1pPr marL="558800" marR="0" indent="-558800" algn="l" defTabSz="2438400" rtl="0" latinLnBrk="0">
+              <a:lnSpc>
+                <a:spcPct val="100000"/>
+              </a:lnSpc>
+              <a:spcBef>
+                <a:spcPts val="2400"/>
+              </a:spcBef>
+              <a:spcAft>
+                <a:spcPts val="0"/>
+              </a:spcAft>
+              <a:buClr>
+                <a:srgbClr val="000000"/>
+              </a:buClr>
+              <a:buSzPct val="100000"/>
+              <a:buFontTx/>
+              <a:buChar char="•"/>
+              <a:tabLst/>
+              <a:defRPr sz="4800" b="0" i="0" u="none" strike="noStrike" cap="none" spc="0" baseline="0">
+                <a:solidFill>
+                  <a:srgbClr val="000000"/>
+                </a:solidFill>
+                <a:uFillTx/>
+                <a:latin typeface="Graphik"/>
+                <a:ea typeface="Graphik"/>
+                <a:cs typeface="Graphik"/>
+                <a:sym typeface="Graphik"/>
+              </a:defRPr>
+            </a:lvl1pPr>
+            <a:lvl2pPr marL="1117600" marR="0" indent="-558800" algn="l" defTabSz="2438400" rtl="0" latinLnBrk="0">
+              <a:lnSpc>
+                <a:spcPct val="100000"/>
+              </a:lnSpc>
+              <a:spcBef>
+                <a:spcPts val="2400"/>
+              </a:spcBef>
+              <a:spcAft>
+                <a:spcPts val="0"/>
+              </a:spcAft>
+              <a:buClr>
+                <a:srgbClr val="000000"/>
+              </a:buClr>
+              <a:buSzPct val="100000"/>
+              <a:buFontTx/>
+              <a:buChar char="•"/>
+              <a:tabLst/>
+              <a:defRPr sz="4800" b="0" i="0" u="none" strike="noStrike" cap="none" spc="0" baseline="0">
+                <a:solidFill>
+                  <a:srgbClr val="000000"/>
+                </a:solidFill>
+                <a:uFillTx/>
+                <a:latin typeface="Graphik"/>
+                <a:ea typeface="Graphik"/>
+                <a:cs typeface="Graphik"/>
+                <a:sym typeface="Graphik"/>
+              </a:defRPr>
+            </a:lvl2pPr>
+            <a:lvl3pPr marL="1676400" marR="0" indent="-558800" algn="l" defTabSz="2438400" rtl="0" latinLnBrk="0">
+              <a:lnSpc>
+                <a:spcPct val="100000"/>
+              </a:lnSpc>
+              <a:spcBef>
+                <a:spcPts val="2400"/>
+              </a:spcBef>
+              <a:spcAft>
+                <a:spcPts val="0"/>
+              </a:spcAft>
+              <a:buClr>
+                <a:srgbClr val="000000"/>
+              </a:buClr>
+              <a:buSzPct val="100000"/>
+              <a:buFontTx/>
+              <a:buChar char="•"/>
+              <a:tabLst/>
+              <a:defRPr sz="4800" b="0" i="0" u="none" strike="noStrike" cap="none" spc="0" baseline="0">
+                <a:solidFill>
+                  <a:srgbClr val="000000"/>
+                </a:solidFill>
+                <a:uFillTx/>
+                <a:latin typeface="Graphik"/>
+                <a:ea typeface="Graphik"/>
+                <a:cs typeface="Graphik"/>
+                <a:sym typeface="Graphik"/>
+              </a:defRPr>
+            </a:lvl3pPr>
+            <a:lvl4pPr marL="2235200" marR="0" indent="-558800" algn="l" defTabSz="2438400" rtl="0" latinLnBrk="0">
+              <a:lnSpc>
+                <a:spcPct val="100000"/>
+              </a:lnSpc>
+              <a:spcBef>
+                <a:spcPts val="2400"/>
+              </a:spcBef>
+              <a:spcAft>
+                <a:spcPts val="0"/>
+              </a:spcAft>
+              <a:buClr>
+                <a:srgbClr val="000000"/>
+              </a:buClr>
+              <a:buSzPct val="100000"/>
+              <a:buFontTx/>
+              <a:buChar char="•"/>
+              <a:tabLst/>
+              <a:defRPr sz="4800" b="0" i="0" u="none" strike="noStrike" cap="none" spc="0" baseline="0">
+                <a:solidFill>
+                  <a:srgbClr val="000000"/>
+                </a:solidFill>
+                <a:uFillTx/>
+                <a:latin typeface="Graphik"/>
+                <a:ea typeface="Graphik"/>
+                <a:cs typeface="Graphik"/>
+                <a:sym typeface="Graphik"/>
+              </a:defRPr>
+            </a:lvl4pPr>
+            <a:lvl5pPr marL="2794000" marR="0" indent="-558800" algn="l" defTabSz="2438400" rtl="0" latinLnBrk="0">
+              <a:lnSpc>
+                <a:spcPct val="100000"/>
+              </a:lnSpc>
+              <a:spcBef>
+                <a:spcPts val="2400"/>
+              </a:spcBef>
+              <a:spcAft>
+                <a:spcPts val="0"/>
+              </a:spcAft>
+              <a:buClr>
+                <a:srgbClr val="000000"/>
+              </a:buClr>
+              <a:buSzPct val="100000"/>
+              <a:buFontTx/>
+              <a:buChar char="•"/>
+              <a:tabLst/>
+              <a:defRPr sz="4800" b="0" i="0" u="none" strike="noStrike" cap="none" spc="0" baseline="0">
+                <a:solidFill>
+                  <a:srgbClr val="000000"/>
+                </a:solidFill>
+                <a:uFillTx/>
+                <a:latin typeface="Graphik"/>
+                <a:ea typeface="Graphik"/>
+                <a:cs typeface="Graphik"/>
+                <a:sym typeface="Graphik"/>
+              </a:defRPr>
+            </a:lvl5pPr>
+            <a:lvl6pPr marL="3352800" marR="0" indent="-558800" algn="l" defTabSz="2438400" rtl="0" latinLnBrk="0">
+              <a:lnSpc>
+                <a:spcPct val="100000"/>
+              </a:lnSpc>
+              <a:spcBef>
+                <a:spcPts val="2400"/>
+              </a:spcBef>
+              <a:spcAft>
+                <a:spcPts val="0"/>
+              </a:spcAft>
+              <a:buClr>
+                <a:srgbClr val="000000"/>
+              </a:buClr>
+              <a:buSzPct val="100000"/>
+              <a:buFontTx/>
+              <a:buChar char="•"/>
+              <a:tabLst/>
+              <a:defRPr sz="4800" b="0" i="0" u="none" strike="noStrike" cap="none" spc="0" baseline="0">
+                <a:solidFill>
+                  <a:srgbClr val="000000"/>
+                </a:solidFill>
+                <a:uFillTx/>
+                <a:latin typeface="Graphik"/>
+                <a:ea typeface="Graphik"/>
+                <a:cs typeface="Graphik"/>
+                <a:sym typeface="Graphik"/>
+              </a:defRPr>
+            </a:lvl6pPr>
+            <a:lvl7pPr marL="3911600" marR="0" indent="-558800" algn="l" defTabSz="2438400" rtl="0" latinLnBrk="0">
+              <a:lnSpc>
+                <a:spcPct val="100000"/>
+              </a:lnSpc>
+              <a:spcBef>
+                <a:spcPts val="2400"/>
+              </a:spcBef>
+              <a:spcAft>
+                <a:spcPts val="0"/>
+              </a:spcAft>
+              <a:buClr>
+                <a:srgbClr val="000000"/>
+              </a:buClr>
+              <a:buSzPct val="100000"/>
+              <a:buFontTx/>
+              <a:buChar char="•"/>
+              <a:tabLst/>
+              <a:defRPr sz="4800" b="0" i="0" u="none" strike="noStrike" cap="none" spc="0" baseline="0">
+                <a:solidFill>
+                  <a:srgbClr val="000000"/>
+                </a:solidFill>
+                <a:uFillTx/>
+                <a:latin typeface="Graphik"/>
+                <a:ea typeface="Graphik"/>
+                <a:cs typeface="Graphik"/>
+                <a:sym typeface="Graphik"/>
+              </a:defRPr>
+            </a:lvl7pPr>
+            <a:lvl8pPr marL="4470400" marR="0" indent="-558800" algn="l" defTabSz="2438400" rtl="0" latinLnBrk="0">
+              <a:lnSpc>
+                <a:spcPct val="100000"/>
+              </a:lnSpc>
+              <a:spcBef>
+                <a:spcPts val="2400"/>
+              </a:spcBef>
+              <a:spcAft>
+                <a:spcPts val="0"/>
+              </a:spcAft>
+              <a:buClr>
+                <a:srgbClr val="000000"/>
+              </a:buClr>
+              <a:buSzPct val="100000"/>
+              <a:buFontTx/>
+              <a:buChar char="•"/>
+              <a:tabLst/>
+              <a:defRPr sz="4800" b="0" i="0" u="none" strike="noStrike" cap="none" spc="0" baseline="0">
+                <a:solidFill>
+                  <a:srgbClr val="000000"/>
+                </a:solidFill>
+                <a:uFillTx/>
+                <a:latin typeface="Graphik"/>
+                <a:ea typeface="Graphik"/>
+                <a:cs typeface="Graphik"/>
+                <a:sym typeface="Graphik"/>
+              </a:defRPr>
+            </a:lvl8pPr>
+            <a:lvl9pPr marL="5029200" marR="0" indent="-558800" algn="l" defTabSz="2438400" rtl="0" latinLnBrk="0">
+              <a:lnSpc>
+                <a:spcPct val="100000"/>
+              </a:lnSpc>
+              <a:spcBef>
+                <a:spcPts val="2400"/>
+              </a:spcBef>
+              <a:spcAft>
+                <a:spcPts val="0"/>
+              </a:spcAft>
+              <a:buClr>
+                <a:srgbClr val="000000"/>
+              </a:buClr>
+              <a:buSzPct val="100000"/>
+              <a:buFontTx/>
+              <a:buChar char="•"/>
+              <a:tabLst/>
+              <a:defRPr sz="4800" b="0" i="0" u="none" strike="noStrike" cap="none" spc="0" baseline="0">
+                <a:solidFill>
+                  <a:srgbClr val="000000"/>
+                </a:solidFill>
+                <a:uFillTx/>
+                <a:latin typeface="Graphik"/>
+                <a:ea typeface="Graphik"/>
+                <a:cs typeface="Graphik"/>
+                <a:sym typeface="Graphik"/>
+              </a:defRPr>
+            </a:lvl9pPr>
+          </a:lstStyle>
+          <a:p>
+            <a:pPr hangingPunct="1"/>
+            <a:endParaRPr lang="it-IT" dirty="0"/>
+          </a:p>
+        </p:txBody>
+      </p:sp>
+      <p:sp>
+        <p:nvSpPr>
+          <p:cNvPr id="7" name="CasellaDiTesto 6">
+            <a:extLst>
+              <a:ext uri="{FF2B5EF4-FFF2-40B4-BE49-F238E27FC236}">
+                <a16:creationId xmlns:a16="http://schemas.microsoft.com/office/drawing/2014/main" id="{14A375A0-F9AD-EBE2-BB67-C6DD45FE3FFE}"/>
+              </a:ext>
+            </a:extLst>
+          </p:cNvPr>
+          <p:cNvSpPr txBox="1"/>
+          <p:nvPr/>
+        </p:nvSpPr>
+        <p:spPr>
+          <a:xfrm>
+            <a:off x="1270000" y="2804140"/>
+            <a:ext cx="21067486" cy="9482596"/>
+          </a:xfrm>
+          <a:prstGeom prst="rect">
+            <a:avLst/>
+          </a:prstGeom>
+          <a:noFill/>
+          <a:ln w="12700" cap="flat">
+            <a:noFill/>
+            <a:miter lim="400000"/>
+          </a:ln>
+          <a:effectLst/>
+          <a:sp3d/>
+        </p:spPr>
+        <p:style>
+          <a:lnRef idx="0">
+            <a:scrgbClr r="0" g="0" b="0"/>
+          </a:lnRef>
+          <a:fillRef idx="0">
+            <a:scrgbClr r="0" g="0" b="0"/>
+          </a:fillRef>
+          <a:effectRef idx="0">
+            <a:scrgbClr r="0" g="0" b="0"/>
+          </a:effectRef>
+          <a:fontRef idx="none"/>
+        </p:style>
+        <p:txBody>
+          <a:bodyPr wrap="square">
+            <a:spAutoFit/>
+          </a:bodyPr>
           <a:lstStyle/>
           <a:p>
-            <a:r>
-              <a:t>Strutture di controllo, funzioni e gestione della memoria (C)</a:t>
-            </a:r>
-          </a:p>
-          <a:p>
-            <a:r>
-              <a:t>Tipi di dato complessi, puntatori e gestione dinamica (C)</a:t>
-            </a:r>
-          </a:p>
-          <a:p>
-            <a:r>
-              <a:t>Scripting, OOP di base e utilizzo di librerie standard (Python)</a:t>
-            </a:r>
-          </a:p>
-          <a:p>
-            <a:r>
-              <a:t>Best practice, ottimizzazione</a:t>
+            <a:pPr marL="685800" indent="-685800">
+              <a:lnSpc>
+                <a:spcPct val="125000"/>
+              </a:lnSpc>
+              <a:buFont typeface="Arial" panose="020B0604020202020204" pitchFamily="34" charset="0"/>
+              <a:buChar char="•"/>
+            </a:pPr>
+            <a:r>
+              <a:rPr lang="it-IT" sz="4600" b="1" dirty="0"/>
+              <a:t>Procedurale: </a:t>
+            </a:r>
+            <a:r>
+              <a:rPr lang="it-IT" sz="4600" dirty="0"/>
+              <a:t>Il codice è suddiviso in funzioni/procedure. (</a:t>
+            </a:r>
+            <a:r>
+              <a:rPr lang="it-IT" sz="4600" i="1" dirty="0"/>
+              <a:t>divide et impera</a:t>
+            </a:r>
+            <a:r>
+              <a:rPr lang="it-IT" sz="4600" dirty="0"/>
+              <a:t>)</a:t>
+            </a:r>
+          </a:p>
+          <a:p>
+            <a:pPr marL="685800" indent="-685800">
+              <a:lnSpc>
+                <a:spcPct val="125000"/>
+              </a:lnSpc>
+              <a:buFont typeface="Arial" panose="020B0604020202020204" pitchFamily="34" charset="0"/>
+              <a:buChar char="•"/>
+            </a:pPr>
+            <a:r>
+              <a:rPr lang="it-IT" sz="4600" b="1" dirty="0"/>
+              <a:t>Strutturata: </a:t>
+            </a:r>
+            <a:r>
+              <a:rPr lang="it-IT" sz="4600" dirty="0"/>
+              <a:t>ogni algoritmo può essere scritto con sequenze, selezioni e iterazioni.</a:t>
+            </a:r>
+          </a:p>
+          <a:p>
+            <a:pPr marL="685800" indent="-685800">
+              <a:lnSpc>
+                <a:spcPct val="125000"/>
+              </a:lnSpc>
+              <a:buFont typeface="Arial" panose="020B0604020202020204" pitchFamily="34" charset="0"/>
+              <a:buChar char="•"/>
+            </a:pPr>
+            <a:r>
+              <a:rPr lang="it-IT" sz="4600" b="1" dirty="0"/>
+              <a:t>Orientata agli oggetti (OOP): </a:t>
+            </a:r>
+            <a:r>
+              <a:rPr lang="it-IT" sz="4600" dirty="0"/>
+              <a:t>Si basa su </a:t>
+            </a:r>
+            <a:r>
+              <a:rPr lang="it-IT" sz="4600" i="1" dirty="0"/>
+              <a:t>classi</a:t>
+            </a:r>
+            <a:r>
+              <a:rPr lang="it-IT" sz="4600" dirty="0"/>
+              <a:t> e </a:t>
+            </a:r>
+            <a:r>
+              <a:rPr lang="it-IT" sz="4600" i="1" dirty="0"/>
+              <a:t>oggetti</a:t>
+            </a:r>
+            <a:r>
+              <a:rPr lang="it-IT" sz="4600" dirty="0"/>
+              <a:t> (istanze delle classi).</a:t>
+            </a:r>
+          </a:p>
+          <a:p>
+            <a:pPr marL="685800" indent="-685800">
+              <a:lnSpc>
+                <a:spcPct val="125000"/>
+              </a:lnSpc>
+              <a:buFont typeface="Arial" panose="020B0604020202020204" pitchFamily="34" charset="0"/>
+              <a:buChar char="•"/>
+            </a:pPr>
+            <a:r>
+              <a:rPr lang="it-IT" sz="4600" b="1" dirty="0"/>
+              <a:t>Dichiarativa: </a:t>
+            </a:r>
+            <a:r>
+              <a:rPr lang="it-IT" sz="4600" dirty="0"/>
+              <a:t>si concentra sul “</a:t>
+            </a:r>
+            <a:r>
+              <a:rPr lang="it-IT" sz="4600" i="1" dirty="0"/>
+              <a:t>cosa</a:t>
+            </a:r>
+            <a:r>
+              <a:rPr lang="it-IT" sz="4600" dirty="0"/>
+              <a:t>” fare più che sul “</a:t>
+            </a:r>
+            <a:r>
+              <a:rPr lang="it-IT" sz="4600" i="1" dirty="0"/>
+              <a:t>come</a:t>
+            </a:r>
+            <a:r>
+              <a:rPr lang="it-IT" sz="4600" dirty="0"/>
+              <a:t>”.</a:t>
+            </a:r>
+          </a:p>
+          <a:p>
+            <a:pPr marL="685800" lvl="8" indent="-685800">
+              <a:lnSpc>
+                <a:spcPct val="125000"/>
+              </a:lnSpc>
+              <a:buFont typeface="Courier New" panose="02070309020205020404" pitchFamily="49" charset="0"/>
+              <a:buChar char="o"/>
+            </a:pPr>
+            <a:r>
+              <a:rPr lang="it-IT" sz="4600" b="1" dirty="0"/>
+              <a:t>Programmazione funzionale</a:t>
+            </a:r>
+            <a:r>
+              <a:rPr lang="it-IT" sz="4600" dirty="0"/>
+              <a:t>: funzioni matematiche pure.</a:t>
+            </a:r>
+          </a:p>
+          <a:p>
+            <a:pPr marL="685800" lvl="2" indent="-685800">
+              <a:lnSpc>
+                <a:spcPct val="125000"/>
+              </a:lnSpc>
+              <a:buFont typeface="Courier New" panose="02070309020205020404" pitchFamily="49" charset="0"/>
+              <a:buChar char="o"/>
+            </a:pPr>
+            <a:r>
+              <a:rPr lang="it-IT" sz="4600" b="1" dirty="0"/>
+              <a:t>Programmazione logica</a:t>
+            </a:r>
+            <a:r>
+              <a:rPr lang="it-IT" sz="4600" dirty="0"/>
+              <a:t>: basata sulla logica del primo ordine.</a:t>
             </a:r>
           </a:p>
         </p:txBody>
       </p:sp>
     </p:spTree>
+    <p:extLst>
+      <p:ext uri="{BB962C8B-B14F-4D97-AF65-F5344CB8AC3E}">
+        <p14:creationId xmlns:p14="http://schemas.microsoft.com/office/powerpoint/2010/main" val="3321432931"/>
+      </p:ext>
+    </p:extLst>
   </p:cSld>
   <p:clrMapOvr>
     <a:masterClrMapping/>
@@ -12573,6 +14267,206 @@
       </p:grpSpPr>
       <p:sp>
         <p:nvSpPr>
+          <p:cNvPr id="208" name="Obiettivi del corso"/>
+          <p:cNvSpPr txBox="1">
+            <a:spLocks noGrp="1"/>
+          </p:cNvSpPr>
+          <p:nvPr>
+            <p:ph type="title"/>
+          </p:nvPr>
+        </p:nvSpPr>
+        <p:spPr>
+          <a:prstGeom prst="rect">
+            <a:avLst/>
+          </a:prstGeom>
+        </p:spPr>
+        <p:txBody>
+          <a:bodyPr/>
+          <a:lstStyle/>
+          <a:p>
+            <a:r>
+              <a:t>Obiettivi del corso</a:t>
+            </a:r>
+          </a:p>
+        </p:txBody>
+      </p:sp>
+      <p:sp>
+        <p:nvSpPr>
+          <p:cNvPr id="209" name="Strutture di controllo, funzioni e gestione della memoria (C)…"/>
+          <p:cNvSpPr txBox="1">
+            <a:spLocks noGrp="1"/>
+          </p:cNvSpPr>
+          <p:nvPr>
+            <p:ph type="body" idx="1"/>
+          </p:nvPr>
+        </p:nvSpPr>
+        <p:spPr>
+          <a:prstGeom prst="rect">
+            <a:avLst/>
+          </a:prstGeom>
+        </p:spPr>
+        <p:txBody>
+          <a:bodyPr/>
+          <a:lstStyle/>
+          <a:p>
+            <a:r>
+              <a:rPr dirty="0" err="1"/>
+              <a:t>Strutture</a:t>
+            </a:r>
+            <a:r>
+              <a:rPr dirty="0"/>
+              <a:t> di </a:t>
+            </a:r>
+            <a:r>
+              <a:rPr dirty="0" err="1"/>
+              <a:t>controllo</a:t>
+            </a:r>
+            <a:r>
+              <a:rPr dirty="0"/>
+              <a:t>, </a:t>
+            </a:r>
+            <a:r>
+              <a:rPr dirty="0" err="1"/>
+              <a:t>funzioni</a:t>
+            </a:r>
+            <a:r>
+              <a:rPr dirty="0"/>
+              <a:t> e </a:t>
+            </a:r>
+            <a:r>
+              <a:rPr dirty="0" err="1"/>
+              <a:t>gestione</a:t>
+            </a:r>
+            <a:r>
+              <a:rPr dirty="0"/>
+              <a:t> </a:t>
+            </a:r>
+            <a:r>
+              <a:rPr dirty="0" err="1"/>
+              <a:t>della</a:t>
+            </a:r>
+            <a:r>
+              <a:rPr dirty="0"/>
+              <a:t> </a:t>
+            </a:r>
+            <a:r>
+              <a:rPr dirty="0" err="1"/>
+              <a:t>memoria</a:t>
+            </a:r>
+            <a:r>
+              <a:rPr dirty="0"/>
+              <a:t> (C)</a:t>
+            </a:r>
+          </a:p>
+          <a:p>
+            <a:r>
+              <a:rPr dirty="0"/>
+              <a:t>Tipi di </a:t>
+            </a:r>
+            <a:r>
+              <a:rPr dirty="0" err="1"/>
+              <a:t>dato</a:t>
+            </a:r>
+            <a:r>
+              <a:rPr dirty="0"/>
+              <a:t> </a:t>
+            </a:r>
+            <a:r>
+              <a:rPr dirty="0" err="1"/>
+              <a:t>complessi</a:t>
+            </a:r>
+            <a:r>
+              <a:rPr dirty="0"/>
+              <a:t>, </a:t>
+            </a:r>
+            <a:r>
+              <a:rPr dirty="0" err="1"/>
+              <a:t>puntatori</a:t>
+            </a:r>
+            <a:r>
+              <a:rPr dirty="0"/>
+              <a:t> e </a:t>
+            </a:r>
+            <a:r>
+              <a:rPr dirty="0" err="1"/>
+              <a:t>gestione</a:t>
+            </a:r>
+            <a:r>
+              <a:rPr dirty="0"/>
+              <a:t> </a:t>
+            </a:r>
+            <a:r>
+              <a:rPr dirty="0" err="1"/>
+              <a:t>dinamica</a:t>
+            </a:r>
+            <a:r>
+              <a:rPr dirty="0"/>
+              <a:t> (C)</a:t>
+            </a:r>
+          </a:p>
+          <a:p>
+            <a:r>
+              <a:rPr dirty="0"/>
+              <a:t>Scripting, OOP di base e </a:t>
+            </a:r>
+            <a:r>
+              <a:rPr dirty="0" err="1"/>
+              <a:t>utilizzo</a:t>
+            </a:r>
+            <a:r>
+              <a:rPr dirty="0"/>
+              <a:t> di </a:t>
+            </a:r>
+            <a:r>
+              <a:rPr dirty="0" err="1"/>
+              <a:t>librerie</a:t>
+            </a:r>
+            <a:r>
+              <a:rPr dirty="0"/>
+              <a:t> standard (Python)</a:t>
+            </a:r>
+          </a:p>
+          <a:p>
+            <a:r>
+              <a:rPr dirty="0"/>
+              <a:t>Best practice, </a:t>
+            </a:r>
+            <a:r>
+              <a:rPr dirty="0" err="1"/>
+              <a:t>ottimizzazione</a:t>
+            </a:r>
+            <a:endParaRPr dirty="0"/>
+          </a:p>
+        </p:txBody>
+      </p:sp>
+    </p:spTree>
+  </p:cSld>
+  <p:clrMapOvr>
+    <a:masterClrMapping/>
+  </p:clrMapOvr>
+  <p:transition spd="med"/>
+</p:sld>
+</file>
+
+<file path=ppt/slides/slide8.xml><?xml version="1.0" encoding="utf-8"?>
+<p:sld xmlns:a="http://schemas.openxmlformats.org/drawingml/2006/main" xmlns:r="http://schemas.openxmlformats.org/officeDocument/2006/relationships" xmlns:p="http://schemas.openxmlformats.org/presentationml/2006/main">
+  <p:cSld>
+    <p:spTree>
+      <p:nvGrpSpPr>
+        <p:cNvPr id="1" name=""/>
+        <p:cNvGrpSpPr/>
+        <p:nvPr/>
+      </p:nvGrpSpPr>
+      <p:grpSpPr>
+        <a:xfrm>
+          <a:off x="0" y="0"/>
+          <a:ext cx="0" cy="0"/>
+          <a:chOff x="0" y="0"/>
+          <a:chExt cx="0" cy="0"/>
+        </a:xfrm>
+      </p:grpSpPr>
+      <p:sp>
+        <p:nvSpPr>
           <p:cNvPr id="211" name="Struttura del corso"/>
           <p:cNvSpPr txBox="1">
             <a:spLocks noGrp="1"/>
@@ -12655,7 +14549,7 @@
 </p:sld>
 </file>
 
-<file path=ppt/slides/slide8.xml><?xml version="1.0" encoding="utf-8"?>
+<file path=ppt/slides/slide9.xml><?xml version="1.0" encoding="utf-8"?>
 <p:sld xmlns:a="http://schemas.openxmlformats.org/drawingml/2006/main" xmlns:r="http://schemas.openxmlformats.org/officeDocument/2006/relationships" xmlns:p="http://schemas.openxmlformats.org/presentationml/2006/main">
   <p:cSld>
     <p:spTree>
@@ -12768,186 +14662,6 @@
           <a:p>
             <a:r>
               <a:t> Il mattone dei sistemi operativi</a:t>
-            </a:r>
-          </a:p>
-        </p:txBody>
-      </p:sp>
-    </p:spTree>
-  </p:cSld>
-  <p:clrMapOvr>
-    <a:masterClrMapping/>
-  </p:clrMapOvr>
-  <p:transition spd="med"/>
-</p:sld>
-</file>
-
-<file path=ppt/slides/slide9.xml><?xml version="1.0" encoding="utf-8"?>
-<p:sld xmlns:a="http://schemas.openxmlformats.org/drawingml/2006/main" xmlns:r="http://schemas.openxmlformats.org/officeDocument/2006/relationships" xmlns:p="http://schemas.openxmlformats.org/presentationml/2006/main">
-  <p:cSld>
-    <p:spTree>
-      <p:nvGrpSpPr>
-        <p:cNvPr id="1" name=""/>
-        <p:cNvGrpSpPr/>
-        <p:nvPr/>
-      </p:nvGrpSpPr>
-      <p:grpSpPr>
-        <a:xfrm>
-          <a:off x="0" y="0"/>
-          <a:ext cx="0" cy="0"/>
-          <a:chOff x="0" y="0"/>
-          <a:chExt cx="0" cy="0"/>
-        </a:xfrm>
-      </p:grpSpPr>
-      <p:sp>
-        <p:nvSpPr>
-          <p:cNvPr id="218" name="Linguaggio C"/>
-          <p:cNvSpPr txBox="1">
-            <a:spLocks noGrp="1"/>
-          </p:cNvSpPr>
-          <p:nvPr>
-            <p:ph type="title"/>
-          </p:nvPr>
-        </p:nvSpPr>
-        <p:spPr>
-          <a:prstGeom prst="rect">
-            <a:avLst/>
-          </a:prstGeom>
-        </p:spPr>
-        <p:txBody>
-          <a:bodyPr/>
-          <a:lstStyle/>
-          <a:p>
-            <a:r>
-              <a:t>Linguaggio C</a:t>
-            </a:r>
-          </a:p>
-        </p:txBody>
-      </p:sp>
-      <p:sp>
-        <p:nvSpPr>
-          <p:cNvPr id="219" name="Cos’è?  Un linguaggio di programmazione compilato, general-purpose e tipizzato staticamente.…"/>
-          <p:cNvSpPr txBox="1">
-            <a:spLocks noGrp="1"/>
-          </p:cNvSpPr>
-          <p:nvPr>
-            <p:ph type="body" idx="1"/>
-          </p:nvPr>
-        </p:nvSpPr>
-        <p:spPr>
-          <a:prstGeom prst="rect">
-            <a:avLst/>
-          </a:prstGeom>
-        </p:spPr>
-        <p:txBody>
-          <a:bodyPr/>
-          <a:lstStyle/>
-          <a:p>
-            <a:pPr marL="457200" indent="-317500" defTabSz="457200">
-              <a:spcBef>
-                <a:spcPts val="1200"/>
-              </a:spcBef>
-              <a:buFont typeface="Times Roman"/>
-              <a:defRPr sz="3600"/>
-            </a:pPr>
-            <a:r>
-              <a:t>Cos’è?</a:t>
-            </a:r>
-            <a:br/>
-            <a:r>
-              <a:t> Un linguaggio di programmazione </a:t>
-            </a:r>
-            <a:r>
-              <a:rPr b="1"/>
-              <a:t>compilato</a:t>
-            </a:r>
-            <a:r>
-              <a:t>, </a:t>
-            </a:r>
-            <a:r>
-              <a:rPr b="1"/>
-              <a:t>general-purpose</a:t>
-            </a:r>
-            <a:r>
-              <a:t> e </a:t>
-            </a:r>
-            <a:r>
-              <a:rPr b="1"/>
-              <a:t>tipizzato staticamente</a:t>
-            </a:r>
-            <a:r>
-              <a:t>.</a:t>
-            </a:r>
-          </a:p>
-          <a:p>
-            <a:pPr marL="457200" indent="-317500" defTabSz="457200">
-              <a:spcBef>
-                <a:spcPts val="1200"/>
-              </a:spcBef>
-              <a:buFont typeface="Times Roman"/>
-              <a:defRPr sz="3600"/>
-            </a:pPr>
-            <a:endParaRPr/>
-          </a:p>
-          <a:p>
-            <a:pPr marL="457200" indent="-317500" defTabSz="457200">
-              <a:spcBef>
-                <a:spcPts val="1200"/>
-              </a:spcBef>
-              <a:buFont typeface="Times Roman"/>
-              <a:defRPr sz="3600"/>
-            </a:pPr>
-            <a:endParaRPr/>
-          </a:p>
-          <a:p>
-            <a:pPr marL="457200" indent="-317500" defTabSz="457200">
-              <a:spcBef>
-                <a:spcPts val="1200"/>
-              </a:spcBef>
-              <a:buFont typeface="Times Roman"/>
-              <a:defRPr sz="3600"/>
-            </a:pPr>
-            <a:r>
-              <a:rPr b="1"/>
-              <a:t>Tipizzazione statica</a:t>
-            </a:r>
-            <a:r>
-              <a:t>: Il tipo delle variabili è noto a tempo di compilazione e non può cambiare.</a:t>
-            </a:r>
-          </a:p>
-          <a:p>
-            <a:pPr marL="457200" indent="-317500" defTabSz="457200">
-              <a:spcBef>
-                <a:spcPts val="1200"/>
-              </a:spcBef>
-              <a:buFont typeface="Times Roman"/>
-              <a:defRPr sz="3600"/>
-            </a:pPr>
-            <a:endParaRPr/>
-          </a:p>
-          <a:p>
-            <a:pPr marL="457200" indent="-317500" defTabSz="457200">
-              <a:spcBef>
-                <a:spcPts val="1200"/>
-              </a:spcBef>
-              <a:buFont typeface="Times Roman"/>
-              <a:defRPr sz="3600"/>
-            </a:pPr>
-            <a:endParaRPr/>
-          </a:p>
-          <a:p>
-            <a:pPr marL="457200" indent="-317500" defTabSz="457200">
-              <a:spcBef>
-                <a:spcPts val="1200"/>
-              </a:spcBef>
-              <a:buFont typeface="Times Roman"/>
-              <a:defRPr sz="3600"/>
-            </a:pPr>
-            <a:r>
-              <a:rPr b="1"/>
-              <a:t>Portabilità</a:t>
-            </a:r>
-            <a:r>
-              <a:t>: I programmi scritti in C possono essere compilati su diversi sistemi operativi con minime modifiche.</a:t>
             </a:r>
           </a:p>
         </p:txBody>

--- a/pwp/Lezione_1.pptx
+++ b/pwp/Lezione_1.pptx
@@ -1634,193 +1634,3454 @@
           <a:lstStyle/>
           <a:p>
             <a:r>
-              <a:t>Qualsiasi programma è costituito da un insieme di istruzioni, che si tratti di sommare due numeri o di inviare richieste di dati su internet. Compilatori e interpreti partono da un codice leggibile da una persona e lo convertono in una forma adatta ad essere letta da un computer.</a:t>
-            </a:r>
-          </a:p>
-          <a:p>
-            <a:endParaRPr/>
-          </a:p>
-          <a:p>
-            <a:r>
-              <a:t>Nel linguaggio compilato, la macchina svolge direttamente l'operazione di traduzione. Nel linguaggio interpretato, la fonte del codice non viene tradotta direttamente dalla macchina. In questo caso è un programma diverso, detto interprete, che legge ed esegue il codice.</a:t>
-            </a:r>
-          </a:p>
-          <a:p>
-            <a:endParaRPr/>
-          </a:p>
-          <a:p>
-            <a:r>
-              <a:t>Ok… ma cosa vuol dire realmente?</a:t>
-            </a:r>
-          </a:p>
-          <a:p>
-            <a:endParaRPr/>
-          </a:p>
-          <a:p>
-            <a:r>
-              <a:t>Immagina di voler preparare dell'hummus seguendo una ricetta scritta in greco antico. Ci sono due modi in cui puoi farlo, non conoscendo il greco antico.</a:t>
-            </a:r>
-          </a:p>
-          <a:p>
-            <a:endParaRPr/>
-          </a:p>
-          <a:p>
-            <a:r>
-              <a:t>Il primo è che qualcuno traduca la ricetta in italiano per te. Poi sarai in grado di leggere la ricetta in versione italiana (tu e chiunque altro conosca l'italiano) e preparare l'hummus. Pensa a questa ricetta tradotta come alla versione compilata.</a:t>
-            </a:r>
-          </a:p>
-          <a:p>
-            <a:endParaRPr/>
-          </a:p>
-          <a:p>
-            <a:r>
-              <a:t>Il secondo modo è che tu abbia un amico che conosce il greco antico. Quando sei pronto a preparare l'hummus, il tuo amico può sedersi accanto a te e tradurre la ricetta durante la preparazione del piatto. In questo caso, la versione della ricetta è interpretata e il tuo amico ne è l'interprete.  </a:t>
-            </a:r>
-          </a:p>
-          <a:p>
-            <a:endParaRPr/>
-          </a:p>
-          <a:p>
-            <a:r>
-              <a:t>Linguaggi compilati</a:t>
-            </a:r>
-          </a:p>
-          <a:p>
-            <a:r>
-              <a:t>I linguaggi compilati vengono convertiti direttamente nel codice macchina che viene eseguito dal processore. Di conseguenza, tendono ad essere più veloci ed efficienti da eseguire rispetto ai linguaggi interpretati. Inoltre, permettono allo sviluppatore di avere un maggior controllo sugli aspetti legati all'hardware, come la gestione della memoria e l'uso della CPU.</a:t>
-            </a:r>
-          </a:p>
-          <a:p>
-            <a:endParaRPr/>
-          </a:p>
-          <a:p>
-            <a:r>
-              <a:t>I linguaggi compilati necessitano di una fase di "costruzione"- all'inizio devono essere compilati manualmente. Occorre "ricostruire" il programma ogni volta che lo si vuole modificare. Nel nostro esempio dell'hummus, l'intera traduzione viene fatta prima che la ricetta arrivi a te. Se l'autore originale volesse usare un tipo diverso di olio di oliva, l'intera ricetta dovrebbe essere ritradotta interamente e mandata di nuovo a te.</a:t>
-            </a:r>
-          </a:p>
-          <a:p>
-            <a:endParaRPr/>
-          </a:p>
-          <a:p>
-            <a:r>
-              <a:t>Alcuni esempi di linguaggi compilati sono C, C++, Erlang, Haskell, Rust, and Go.</a:t>
-            </a:r>
-          </a:p>
-          <a:p>
-            <a:endParaRPr/>
-          </a:p>
-          <a:p>
-            <a:r>
-              <a:t>Linguaggi interpretati</a:t>
-            </a:r>
-          </a:p>
-          <a:p>
-            <a:r>
-              <a:t>Gli interpreti funzionano attraverso un programma che esegue ogni comando riga per riga. In questo caso, se l'autore decidesse di voler utilizzare un tipo diverso di olio di oliva, potrebbe cancellarlo e aggiungerne uno nuovo. Il tuo amico traduttore poi, ti riferirebbe del cambio avvenuto.</a:t>
-            </a:r>
-          </a:p>
-          <a:p>
-            <a:endParaRPr/>
-          </a:p>
-          <a:p>
-            <a:r>
-              <a:t>I linguaggi interpretati erano notevolmente più lenti dei linguaggi compilati. Adesso, con lo sviluppo della compilazione just-in-time, il divario sta diminuendo.</a:t>
-            </a:r>
-          </a:p>
-          <a:p>
-            <a:endParaRPr/>
-          </a:p>
-          <a:p>
-            <a:r>
-              <a:t>Esempi di linguaggi interpretati sono PHP, Ruby, Python, e JavaScript.</a:t>
-            </a:r>
-          </a:p>
-          <a:p>
-            <a:endParaRPr/>
-          </a:p>
-          <a:p>
-            <a:r>
-              <a:t>Un piccolo avvertimento</a:t>
-            </a:r>
-          </a:p>
-          <a:p>
-            <a:r>
-              <a:t>La maggior parte dei linguaggi può essere attuata sia in forma compilata che interpretata - il linguaggio in sé non deve essere necessariamente compilato o interpretato. In ogni caso, per semplicità, vengono generalmente identificati così.</a:t>
-            </a:r>
-          </a:p>
-          <a:p>
-            <a:endParaRPr/>
-          </a:p>
-          <a:p>
-            <a:r>
-              <a:t>Python, per esempio, può essere eseguito sia come linguaggio di programmazione compilato che  interpretato in modo interattivo. Al contrario invece, la maggioranza dei strumenti da riga di comando, CLI, e shell possono essere classificati teoricamente come linguaggi interpretati.</a:t>
-            </a:r>
-          </a:p>
-          <a:p>
-            <a:endParaRPr/>
-          </a:p>
-          <a:p>
-            <a:r>
-              <a:t>Vantaggi e svantaggi</a:t>
-            </a:r>
-          </a:p>
-          <a:p>
-            <a:r>
-              <a:t>Vantaggi dei linguaggi compilati</a:t>
-            </a:r>
-          </a:p>
-          <a:p>
-            <a:r>
-              <a:t>I programmi che vengono compilati nel codice macchina tendono a essere più veloci del quelli interpretati. Questo accade perché il processo di traduzione del codice durante l'esecuzione può sovraccaricare il sistema, rallentando il programma.</a:t>
-            </a:r>
-          </a:p>
-          <a:p>
-            <a:endParaRPr/>
-          </a:p>
-          <a:p>
-            <a:r>
-              <a:t>Svantaggi dei linguaggi compilati</a:t>
-            </a:r>
-          </a:p>
-          <a:p>
-            <a:r>
-              <a:t>Gli svantaggi più rilevanti sono:</a:t>
-            </a:r>
-          </a:p>
-          <a:p>
-            <a:endParaRPr/>
-          </a:p>
-          <a:p>
-            <a:r>
-              <a:t>Più tempo necessario per completare la fase di compilazione prima di poter fare test</a:t>
-            </a:r>
-          </a:p>
-          <a:p>
-            <a:r>
-              <a:t>Dipendenza dalla piattaforma del codice binario generato</a:t>
-            </a:r>
-          </a:p>
-          <a:p>
-            <a:r>
-              <a:t>Vantaggi dei linguaggi interpretati</a:t>
-            </a:r>
-          </a:p>
-          <a:p>
-            <a:r>
-              <a:t>I linguaggi interpretati tendono ad essere più flessibili, offrendo spesso caratteristiche come la tipizzazione dinamica e programmi con minori dimensioni. Inoltre, dato che sono gli interpreti ad eseguire il codice sorgente, il codice stesso risulta una piattaforma indipendente.</a:t>
-            </a:r>
-          </a:p>
-          <a:p>
-            <a:endParaRPr/>
-          </a:p>
-          <a:p>
-            <a:r>
-              <a:t>Svantaggi dei linguaggi interpretati</a:t>
-            </a:r>
-          </a:p>
-          <a:p>
-            <a:r>
-              <a:t>Lo svantaggio principale è la velocità di esecuzione tipicamente ridotta rispetto a quella dei linguaggio compilati.</a:t>
+              <a:rPr dirty="0" err="1"/>
+              <a:t>Qualsiasi</a:t>
+            </a:r>
+            <a:r>
+              <a:rPr dirty="0"/>
+              <a:t> </a:t>
+            </a:r>
+            <a:r>
+              <a:rPr dirty="0" err="1"/>
+              <a:t>programma</a:t>
+            </a:r>
+            <a:r>
+              <a:rPr dirty="0"/>
+              <a:t> </a:t>
+            </a:r>
+            <a:r>
+              <a:rPr dirty="0" err="1"/>
+              <a:t>è</a:t>
+            </a:r>
+            <a:r>
+              <a:rPr dirty="0"/>
+              <a:t> </a:t>
+            </a:r>
+            <a:r>
+              <a:rPr dirty="0" err="1"/>
+              <a:t>costituito</a:t>
+            </a:r>
+            <a:r>
+              <a:rPr dirty="0"/>
+              <a:t> da un </a:t>
+            </a:r>
+            <a:r>
+              <a:rPr dirty="0" err="1"/>
+              <a:t>insieme</a:t>
+            </a:r>
+            <a:r>
+              <a:rPr dirty="0"/>
+              <a:t> di </a:t>
+            </a:r>
+            <a:r>
+              <a:rPr dirty="0" err="1"/>
+              <a:t>istruzioni</a:t>
+            </a:r>
+            <a:r>
+              <a:rPr dirty="0"/>
+              <a:t>, </a:t>
+            </a:r>
+            <a:r>
+              <a:rPr dirty="0" err="1"/>
+              <a:t>che</a:t>
+            </a:r>
+            <a:r>
+              <a:rPr dirty="0"/>
+              <a:t> </a:t>
+            </a:r>
+            <a:r>
+              <a:rPr dirty="0" err="1"/>
+              <a:t>si</a:t>
+            </a:r>
+            <a:r>
+              <a:rPr dirty="0"/>
+              <a:t> </a:t>
+            </a:r>
+            <a:r>
+              <a:rPr dirty="0" err="1"/>
+              <a:t>tratti</a:t>
+            </a:r>
+            <a:r>
+              <a:rPr dirty="0"/>
+              <a:t> di </a:t>
+            </a:r>
+            <a:r>
+              <a:rPr dirty="0" err="1"/>
+              <a:t>sommare</a:t>
+            </a:r>
+            <a:r>
+              <a:rPr dirty="0"/>
+              <a:t> due numeri o di </a:t>
+            </a:r>
+            <a:r>
+              <a:rPr dirty="0" err="1"/>
+              <a:t>inviare</a:t>
+            </a:r>
+            <a:r>
+              <a:rPr dirty="0"/>
+              <a:t> </a:t>
+            </a:r>
+            <a:r>
+              <a:rPr dirty="0" err="1"/>
+              <a:t>richieste</a:t>
+            </a:r>
+            <a:r>
+              <a:rPr dirty="0"/>
+              <a:t> di </a:t>
+            </a:r>
+            <a:r>
+              <a:rPr dirty="0" err="1"/>
+              <a:t>dati</a:t>
+            </a:r>
+            <a:r>
+              <a:rPr dirty="0"/>
+              <a:t> </a:t>
+            </a:r>
+            <a:r>
+              <a:rPr dirty="0" err="1"/>
+              <a:t>su</a:t>
+            </a:r>
+            <a:r>
+              <a:rPr dirty="0"/>
+              <a:t> internet. </a:t>
+            </a:r>
+            <a:r>
+              <a:rPr dirty="0" err="1"/>
+              <a:t>Compilatori</a:t>
+            </a:r>
+            <a:r>
+              <a:rPr dirty="0"/>
+              <a:t> e </a:t>
+            </a:r>
+            <a:r>
+              <a:rPr dirty="0" err="1"/>
+              <a:t>interpreti</a:t>
+            </a:r>
+            <a:r>
+              <a:rPr dirty="0"/>
+              <a:t> </a:t>
+            </a:r>
+            <a:r>
+              <a:rPr dirty="0" err="1"/>
+              <a:t>partono</a:t>
+            </a:r>
+            <a:r>
+              <a:rPr dirty="0"/>
+              <a:t> da un </a:t>
+            </a:r>
+            <a:r>
+              <a:rPr dirty="0" err="1"/>
+              <a:t>codice</a:t>
+            </a:r>
+            <a:r>
+              <a:rPr dirty="0"/>
+              <a:t> </a:t>
+            </a:r>
+            <a:r>
+              <a:rPr dirty="0" err="1"/>
+              <a:t>leggibile</a:t>
+            </a:r>
+            <a:r>
+              <a:rPr dirty="0"/>
+              <a:t> da </a:t>
+            </a:r>
+            <a:r>
+              <a:rPr dirty="0" err="1"/>
+              <a:t>una</a:t>
+            </a:r>
+            <a:r>
+              <a:rPr dirty="0"/>
+              <a:t> persona e lo </a:t>
+            </a:r>
+            <a:r>
+              <a:rPr dirty="0" err="1"/>
+              <a:t>convertono</a:t>
+            </a:r>
+            <a:r>
+              <a:rPr dirty="0"/>
+              <a:t> in </a:t>
+            </a:r>
+            <a:r>
+              <a:rPr dirty="0" err="1"/>
+              <a:t>una</a:t>
+            </a:r>
+            <a:r>
+              <a:rPr dirty="0"/>
+              <a:t> forma </a:t>
+            </a:r>
+            <a:r>
+              <a:rPr dirty="0" err="1"/>
+              <a:t>adatta</a:t>
+            </a:r>
+            <a:r>
+              <a:rPr dirty="0"/>
+              <a:t> ad </a:t>
+            </a:r>
+            <a:r>
+              <a:rPr dirty="0" err="1"/>
+              <a:t>essere</a:t>
+            </a:r>
+            <a:r>
+              <a:rPr dirty="0"/>
+              <a:t> </a:t>
+            </a:r>
+            <a:r>
+              <a:rPr dirty="0" err="1"/>
+              <a:t>letta</a:t>
+            </a:r>
+            <a:r>
+              <a:rPr dirty="0"/>
+              <a:t> da un computer.</a:t>
+            </a:r>
+          </a:p>
+          <a:p>
+            <a:endParaRPr dirty="0"/>
+          </a:p>
+          <a:p>
+            <a:r>
+              <a:rPr dirty="0"/>
+              <a:t>Nel </a:t>
+            </a:r>
+            <a:r>
+              <a:rPr dirty="0" err="1"/>
+              <a:t>linguaggio</a:t>
+            </a:r>
+            <a:r>
+              <a:rPr dirty="0"/>
+              <a:t> </a:t>
+            </a:r>
+            <a:r>
+              <a:rPr dirty="0" err="1"/>
+              <a:t>compilato</a:t>
+            </a:r>
+            <a:r>
+              <a:rPr dirty="0"/>
+              <a:t>, la </a:t>
+            </a:r>
+            <a:r>
+              <a:rPr dirty="0" err="1"/>
+              <a:t>macchina</a:t>
+            </a:r>
+            <a:r>
+              <a:rPr dirty="0"/>
+              <a:t> </a:t>
+            </a:r>
+            <a:r>
+              <a:rPr dirty="0" err="1"/>
+              <a:t>svolge</a:t>
+            </a:r>
+            <a:r>
+              <a:rPr dirty="0"/>
+              <a:t> </a:t>
+            </a:r>
+            <a:r>
+              <a:rPr dirty="0" err="1"/>
+              <a:t>direttamente</a:t>
+            </a:r>
+            <a:r>
+              <a:rPr dirty="0"/>
+              <a:t> </a:t>
+            </a:r>
+            <a:r>
+              <a:rPr dirty="0" err="1"/>
+              <a:t>l'operazione</a:t>
+            </a:r>
+            <a:r>
+              <a:rPr dirty="0"/>
+              <a:t> di </a:t>
+            </a:r>
+            <a:r>
+              <a:rPr dirty="0" err="1"/>
+              <a:t>traduzione</a:t>
+            </a:r>
+            <a:r>
+              <a:rPr dirty="0"/>
+              <a:t>. Nel </a:t>
+            </a:r>
+            <a:r>
+              <a:rPr dirty="0" err="1"/>
+              <a:t>linguaggio</a:t>
+            </a:r>
+            <a:r>
+              <a:rPr dirty="0"/>
+              <a:t> </a:t>
+            </a:r>
+            <a:r>
+              <a:rPr dirty="0" err="1"/>
+              <a:t>interpretato</a:t>
+            </a:r>
+            <a:r>
+              <a:rPr dirty="0"/>
+              <a:t>, la </a:t>
+            </a:r>
+            <a:r>
+              <a:rPr dirty="0" err="1"/>
+              <a:t>fonte</a:t>
+            </a:r>
+            <a:r>
+              <a:rPr dirty="0"/>
+              <a:t> del </a:t>
+            </a:r>
+            <a:r>
+              <a:rPr dirty="0" err="1"/>
+              <a:t>codice</a:t>
+            </a:r>
+            <a:r>
+              <a:rPr dirty="0"/>
+              <a:t> non </a:t>
+            </a:r>
+            <a:r>
+              <a:rPr dirty="0" err="1"/>
+              <a:t>viene</a:t>
+            </a:r>
+            <a:r>
+              <a:rPr dirty="0"/>
+              <a:t> </a:t>
+            </a:r>
+            <a:r>
+              <a:rPr dirty="0" err="1"/>
+              <a:t>tradotta</a:t>
+            </a:r>
+            <a:r>
+              <a:rPr dirty="0"/>
+              <a:t> </a:t>
+            </a:r>
+            <a:r>
+              <a:rPr dirty="0" err="1"/>
+              <a:t>direttamente</a:t>
+            </a:r>
+            <a:r>
+              <a:rPr dirty="0"/>
+              <a:t> </a:t>
+            </a:r>
+            <a:r>
+              <a:rPr dirty="0" err="1"/>
+              <a:t>dalla</a:t>
+            </a:r>
+            <a:r>
+              <a:rPr dirty="0"/>
+              <a:t> </a:t>
+            </a:r>
+            <a:r>
+              <a:rPr dirty="0" err="1"/>
+              <a:t>macchina</a:t>
+            </a:r>
+            <a:r>
+              <a:rPr dirty="0"/>
+              <a:t>. In </a:t>
+            </a:r>
+            <a:r>
+              <a:rPr dirty="0" err="1"/>
+              <a:t>questo</a:t>
+            </a:r>
+            <a:r>
+              <a:rPr dirty="0"/>
+              <a:t> </a:t>
+            </a:r>
+            <a:r>
+              <a:rPr dirty="0" err="1"/>
+              <a:t>caso</a:t>
+            </a:r>
+            <a:r>
+              <a:rPr dirty="0"/>
+              <a:t> </a:t>
+            </a:r>
+            <a:r>
+              <a:rPr dirty="0" err="1"/>
+              <a:t>è</a:t>
+            </a:r>
+            <a:r>
+              <a:rPr dirty="0"/>
+              <a:t> un </a:t>
+            </a:r>
+            <a:r>
+              <a:rPr dirty="0" err="1"/>
+              <a:t>programma</a:t>
+            </a:r>
+            <a:r>
+              <a:rPr dirty="0"/>
+              <a:t> </a:t>
+            </a:r>
+            <a:r>
+              <a:rPr dirty="0" err="1"/>
+              <a:t>diverso</a:t>
+            </a:r>
+            <a:r>
+              <a:rPr dirty="0"/>
+              <a:t>, </a:t>
+            </a:r>
+            <a:r>
+              <a:rPr dirty="0" err="1"/>
+              <a:t>detto</a:t>
+            </a:r>
+            <a:r>
+              <a:rPr dirty="0"/>
+              <a:t> </a:t>
+            </a:r>
+            <a:r>
+              <a:rPr dirty="0" err="1"/>
+              <a:t>interprete</a:t>
+            </a:r>
+            <a:r>
+              <a:rPr dirty="0"/>
+              <a:t>, </a:t>
+            </a:r>
+            <a:r>
+              <a:rPr dirty="0" err="1"/>
+              <a:t>che</a:t>
+            </a:r>
+            <a:r>
+              <a:rPr dirty="0"/>
+              <a:t> </a:t>
+            </a:r>
+            <a:r>
+              <a:rPr dirty="0" err="1"/>
+              <a:t>legge</a:t>
+            </a:r>
+            <a:r>
+              <a:rPr dirty="0"/>
+              <a:t> ed </a:t>
+            </a:r>
+            <a:r>
+              <a:rPr dirty="0" err="1"/>
+              <a:t>esegue</a:t>
+            </a:r>
+            <a:r>
+              <a:rPr dirty="0"/>
+              <a:t> il </a:t>
+            </a:r>
+            <a:r>
+              <a:rPr dirty="0" err="1"/>
+              <a:t>codice</a:t>
+            </a:r>
+            <a:r>
+              <a:rPr dirty="0"/>
+              <a:t>.</a:t>
+            </a:r>
+          </a:p>
+          <a:p>
+            <a:endParaRPr dirty="0"/>
+          </a:p>
+          <a:p>
+            <a:r>
+              <a:rPr dirty="0"/>
+              <a:t>Ok… ma </a:t>
+            </a:r>
+            <a:r>
+              <a:rPr dirty="0" err="1"/>
+              <a:t>cosa</a:t>
+            </a:r>
+            <a:r>
+              <a:rPr dirty="0"/>
+              <a:t> </a:t>
+            </a:r>
+            <a:r>
+              <a:rPr dirty="0" err="1"/>
+              <a:t>vuol</a:t>
+            </a:r>
+            <a:r>
+              <a:rPr dirty="0"/>
+              <a:t> dire </a:t>
+            </a:r>
+            <a:r>
+              <a:rPr dirty="0" err="1"/>
+              <a:t>realmente</a:t>
+            </a:r>
+            <a:r>
+              <a:rPr dirty="0"/>
+              <a:t>?</a:t>
+            </a:r>
+          </a:p>
+          <a:p>
+            <a:endParaRPr dirty="0"/>
+          </a:p>
+          <a:p>
+            <a:r>
+              <a:rPr dirty="0" err="1"/>
+              <a:t>Immagina</a:t>
+            </a:r>
+            <a:r>
+              <a:rPr dirty="0"/>
+              <a:t> di </a:t>
+            </a:r>
+            <a:r>
+              <a:rPr dirty="0" err="1"/>
+              <a:t>voler</a:t>
+            </a:r>
+            <a:r>
+              <a:rPr dirty="0"/>
+              <a:t> </a:t>
+            </a:r>
+            <a:r>
+              <a:rPr dirty="0" err="1"/>
+              <a:t>preparare</a:t>
+            </a:r>
+            <a:r>
+              <a:rPr dirty="0"/>
+              <a:t> </a:t>
+            </a:r>
+            <a:r>
+              <a:rPr dirty="0" err="1"/>
+              <a:t>dell'hummus</a:t>
+            </a:r>
+            <a:r>
+              <a:rPr dirty="0"/>
+              <a:t> </a:t>
+            </a:r>
+            <a:r>
+              <a:rPr dirty="0" err="1"/>
+              <a:t>seguendo</a:t>
+            </a:r>
+            <a:r>
+              <a:rPr dirty="0"/>
+              <a:t> </a:t>
+            </a:r>
+            <a:r>
+              <a:rPr dirty="0" err="1"/>
+              <a:t>una</a:t>
+            </a:r>
+            <a:r>
+              <a:rPr dirty="0"/>
+              <a:t> </a:t>
+            </a:r>
+            <a:r>
+              <a:rPr dirty="0" err="1"/>
+              <a:t>ricetta</a:t>
+            </a:r>
+            <a:r>
+              <a:rPr dirty="0"/>
+              <a:t> </a:t>
+            </a:r>
+            <a:r>
+              <a:rPr dirty="0" err="1"/>
+              <a:t>scritta</a:t>
+            </a:r>
+            <a:r>
+              <a:rPr dirty="0"/>
+              <a:t> in </a:t>
+            </a:r>
+            <a:r>
+              <a:rPr dirty="0" err="1"/>
+              <a:t>greco</a:t>
+            </a:r>
+            <a:r>
+              <a:rPr dirty="0"/>
+              <a:t> antico. Ci </a:t>
+            </a:r>
+            <a:r>
+              <a:rPr dirty="0" err="1"/>
+              <a:t>sono</a:t>
+            </a:r>
+            <a:r>
+              <a:rPr dirty="0"/>
+              <a:t> due </a:t>
+            </a:r>
+            <a:r>
+              <a:rPr dirty="0" err="1"/>
+              <a:t>modi</a:t>
+            </a:r>
+            <a:r>
+              <a:rPr dirty="0"/>
+              <a:t> in cui </a:t>
+            </a:r>
+            <a:r>
+              <a:rPr dirty="0" err="1"/>
+              <a:t>puoi</a:t>
+            </a:r>
+            <a:r>
+              <a:rPr dirty="0"/>
+              <a:t> </a:t>
+            </a:r>
+            <a:r>
+              <a:rPr dirty="0" err="1"/>
+              <a:t>farlo</a:t>
+            </a:r>
+            <a:r>
+              <a:rPr dirty="0"/>
+              <a:t>, non </a:t>
+            </a:r>
+            <a:r>
+              <a:rPr dirty="0" err="1"/>
+              <a:t>conoscendo</a:t>
+            </a:r>
+            <a:r>
+              <a:rPr dirty="0"/>
+              <a:t> il </a:t>
+            </a:r>
+            <a:r>
+              <a:rPr dirty="0" err="1"/>
+              <a:t>greco</a:t>
+            </a:r>
+            <a:r>
+              <a:rPr dirty="0"/>
+              <a:t> antico.</a:t>
+            </a:r>
+          </a:p>
+          <a:p>
+            <a:endParaRPr dirty="0"/>
+          </a:p>
+          <a:p>
+            <a:r>
+              <a:rPr dirty="0"/>
+              <a:t>Il primo </a:t>
+            </a:r>
+            <a:r>
+              <a:rPr dirty="0" err="1"/>
+              <a:t>è</a:t>
+            </a:r>
+            <a:r>
+              <a:rPr dirty="0"/>
+              <a:t> </a:t>
+            </a:r>
+            <a:r>
+              <a:rPr dirty="0" err="1"/>
+              <a:t>che</a:t>
+            </a:r>
+            <a:r>
+              <a:rPr dirty="0"/>
+              <a:t> </a:t>
+            </a:r>
+            <a:r>
+              <a:rPr dirty="0" err="1"/>
+              <a:t>qualcuno</a:t>
+            </a:r>
+            <a:r>
+              <a:rPr dirty="0"/>
+              <a:t> </a:t>
+            </a:r>
+            <a:r>
+              <a:rPr dirty="0" err="1"/>
+              <a:t>traduca</a:t>
+            </a:r>
+            <a:r>
+              <a:rPr dirty="0"/>
+              <a:t> la </a:t>
+            </a:r>
+            <a:r>
+              <a:rPr dirty="0" err="1"/>
+              <a:t>ricetta</a:t>
+            </a:r>
+            <a:r>
+              <a:rPr dirty="0"/>
+              <a:t> in </a:t>
+            </a:r>
+            <a:r>
+              <a:rPr dirty="0" err="1"/>
+              <a:t>italiano</a:t>
+            </a:r>
+            <a:r>
+              <a:rPr dirty="0"/>
+              <a:t> per </a:t>
+            </a:r>
+            <a:r>
+              <a:rPr dirty="0" err="1"/>
+              <a:t>te</a:t>
+            </a:r>
+            <a:r>
+              <a:rPr dirty="0"/>
+              <a:t>. Poi </a:t>
+            </a:r>
+            <a:r>
+              <a:rPr dirty="0" err="1"/>
+              <a:t>sarai</a:t>
+            </a:r>
+            <a:r>
+              <a:rPr dirty="0"/>
+              <a:t> in </a:t>
+            </a:r>
+            <a:r>
+              <a:rPr dirty="0" err="1"/>
+              <a:t>grado</a:t>
+            </a:r>
+            <a:r>
+              <a:rPr dirty="0"/>
+              <a:t> di </a:t>
+            </a:r>
+            <a:r>
+              <a:rPr dirty="0" err="1"/>
+              <a:t>leggere</a:t>
+            </a:r>
+            <a:r>
+              <a:rPr dirty="0"/>
+              <a:t> la </a:t>
+            </a:r>
+            <a:r>
+              <a:rPr dirty="0" err="1"/>
+              <a:t>ricetta</a:t>
+            </a:r>
+            <a:r>
+              <a:rPr dirty="0"/>
+              <a:t> in </a:t>
+            </a:r>
+            <a:r>
+              <a:rPr dirty="0" err="1"/>
+              <a:t>versione</a:t>
+            </a:r>
+            <a:r>
+              <a:rPr dirty="0"/>
+              <a:t> </a:t>
+            </a:r>
+            <a:r>
+              <a:rPr dirty="0" err="1"/>
+              <a:t>italiana</a:t>
+            </a:r>
+            <a:r>
+              <a:rPr dirty="0"/>
+              <a:t> (</a:t>
+            </a:r>
+            <a:r>
+              <a:rPr dirty="0" err="1"/>
+              <a:t>tu</a:t>
+            </a:r>
+            <a:r>
+              <a:rPr dirty="0"/>
+              <a:t> e </a:t>
+            </a:r>
+            <a:r>
+              <a:rPr dirty="0" err="1"/>
+              <a:t>chiunque</a:t>
+            </a:r>
+            <a:r>
+              <a:rPr dirty="0"/>
+              <a:t> </a:t>
+            </a:r>
+            <a:r>
+              <a:rPr dirty="0" err="1"/>
+              <a:t>altro</a:t>
+            </a:r>
+            <a:r>
+              <a:rPr dirty="0"/>
+              <a:t> </a:t>
+            </a:r>
+            <a:r>
+              <a:rPr dirty="0" err="1"/>
+              <a:t>conosca</a:t>
+            </a:r>
+            <a:r>
+              <a:rPr dirty="0"/>
+              <a:t> </a:t>
+            </a:r>
+            <a:r>
+              <a:rPr dirty="0" err="1"/>
+              <a:t>l'italiano</a:t>
+            </a:r>
+            <a:r>
+              <a:rPr dirty="0"/>
+              <a:t>) e </a:t>
+            </a:r>
+            <a:r>
+              <a:rPr dirty="0" err="1"/>
+              <a:t>preparare</a:t>
+            </a:r>
+            <a:r>
+              <a:rPr dirty="0"/>
+              <a:t> </a:t>
+            </a:r>
+            <a:r>
+              <a:rPr dirty="0" err="1"/>
+              <a:t>l'hummus</a:t>
+            </a:r>
+            <a:r>
+              <a:rPr dirty="0"/>
+              <a:t>. Pensa a </a:t>
+            </a:r>
+            <a:r>
+              <a:rPr dirty="0" err="1"/>
+              <a:t>questa</a:t>
+            </a:r>
+            <a:r>
+              <a:rPr dirty="0"/>
+              <a:t> </a:t>
+            </a:r>
+            <a:r>
+              <a:rPr dirty="0" err="1"/>
+              <a:t>ricetta</a:t>
+            </a:r>
+            <a:r>
+              <a:rPr dirty="0"/>
+              <a:t> </a:t>
+            </a:r>
+            <a:r>
+              <a:rPr dirty="0" err="1"/>
+              <a:t>tradotta</a:t>
+            </a:r>
+            <a:r>
+              <a:rPr dirty="0"/>
+              <a:t> come </a:t>
+            </a:r>
+            <a:r>
+              <a:rPr dirty="0" err="1"/>
+              <a:t>alla</a:t>
+            </a:r>
+            <a:r>
+              <a:rPr dirty="0"/>
+              <a:t> </a:t>
+            </a:r>
+            <a:r>
+              <a:rPr dirty="0" err="1"/>
+              <a:t>versione</a:t>
+            </a:r>
+            <a:r>
+              <a:rPr dirty="0"/>
+              <a:t> </a:t>
+            </a:r>
+            <a:r>
+              <a:rPr dirty="0" err="1"/>
+              <a:t>compilata</a:t>
+            </a:r>
+            <a:r>
+              <a:rPr dirty="0"/>
+              <a:t>.</a:t>
+            </a:r>
+          </a:p>
+          <a:p>
+            <a:endParaRPr dirty="0"/>
+          </a:p>
+          <a:p>
+            <a:r>
+              <a:rPr dirty="0"/>
+              <a:t>Il secondo modo </a:t>
+            </a:r>
+            <a:r>
+              <a:rPr dirty="0" err="1"/>
+              <a:t>è</a:t>
+            </a:r>
+            <a:r>
+              <a:rPr dirty="0"/>
+              <a:t> </a:t>
+            </a:r>
+            <a:r>
+              <a:rPr dirty="0" err="1"/>
+              <a:t>che</a:t>
+            </a:r>
+            <a:r>
+              <a:rPr dirty="0"/>
+              <a:t> </a:t>
+            </a:r>
+            <a:r>
+              <a:rPr dirty="0" err="1"/>
+              <a:t>tu</a:t>
+            </a:r>
+            <a:r>
+              <a:rPr dirty="0"/>
+              <a:t> </a:t>
+            </a:r>
+            <a:r>
+              <a:rPr dirty="0" err="1"/>
+              <a:t>abbia</a:t>
+            </a:r>
+            <a:r>
+              <a:rPr dirty="0"/>
+              <a:t> un </a:t>
+            </a:r>
+            <a:r>
+              <a:rPr dirty="0" err="1"/>
+              <a:t>amico</a:t>
+            </a:r>
+            <a:r>
+              <a:rPr dirty="0"/>
+              <a:t> </a:t>
+            </a:r>
+            <a:r>
+              <a:rPr dirty="0" err="1"/>
+              <a:t>che</a:t>
+            </a:r>
+            <a:r>
+              <a:rPr dirty="0"/>
+              <a:t> </a:t>
+            </a:r>
+            <a:r>
+              <a:rPr dirty="0" err="1"/>
+              <a:t>conosce</a:t>
+            </a:r>
+            <a:r>
+              <a:rPr dirty="0"/>
+              <a:t> il </a:t>
+            </a:r>
+            <a:r>
+              <a:rPr dirty="0" err="1"/>
+              <a:t>greco</a:t>
+            </a:r>
+            <a:r>
+              <a:rPr dirty="0"/>
+              <a:t> antico. Quando sei pronto a </a:t>
+            </a:r>
+            <a:r>
+              <a:rPr dirty="0" err="1"/>
+              <a:t>preparare</a:t>
+            </a:r>
+            <a:r>
+              <a:rPr dirty="0"/>
+              <a:t> </a:t>
+            </a:r>
+            <a:r>
+              <a:rPr dirty="0" err="1"/>
+              <a:t>l'hummus</a:t>
+            </a:r>
+            <a:r>
+              <a:rPr dirty="0"/>
+              <a:t>, il </a:t>
+            </a:r>
+            <a:r>
+              <a:rPr dirty="0" err="1"/>
+              <a:t>tuo</a:t>
+            </a:r>
+            <a:r>
+              <a:rPr dirty="0"/>
+              <a:t> </a:t>
+            </a:r>
+            <a:r>
+              <a:rPr dirty="0" err="1"/>
+              <a:t>amico</a:t>
+            </a:r>
+            <a:r>
+              <a:rPr dirty="0"/>
+              <a:t> </a:t>
+            </a:r>
+            <a:r>
+              <a:rPr dirty="0" err="1"/>
+              <a:t>può</a:t>
+            </a:r>
+            <a:r>
+              <a:rPr dirty="0"/>
+              <a:t> </a:t>
+            </a:r>
+            <a:r>
+              <a:rPr dirty="0" err="1"/>
+              <a:t>sedersi</a:t>
+            </a:r>
+            <a:r>
+              <a:rPr dirty="0"/>
+              <a:t> </a:t>
+            </a:r>
+            <a:r>
+              <a:rPr dirty="0" err="1"/>
+              <a:t>accanto</a:t>
+            </a:r>
+            <a:r>
+              <a:rPr dirty="0"/>
+              <a:t> a </a:t>
+            </a:r>
+            <a:r>
+              <a:rPr dirty="0" err="1"/>
+              <a:t>te</a:t>
+            </a:r>
+            <a:r>
+              <a:rPr dirty="0"/>
+              <a:t> e </a:t>
+            </a:r>
+            <a:r>
+              <a:rPr dirty="0" err="1"/>
+              <a:t>tradurre</a:t>
+            </a:r>
+            <a:r>
+              <a:rPr dirty="0"/>
+              <a:t> la </a:t>
+            </a:r>
+            <a:r>
+              <a:rPr dirty="0" err="1"/>
+              <a:t>ricetta</a:t>
+            </a:r>
+            <a:r>
+              <a:rPr dirty="0"/>
+              <a:t> </a:t>
+            </a:r>
+            <a:r>
+              <a:rPr dirty="0" err="1"/>
+              <a:t>durante</a:t>
+            </a:r>
+            <a:r>
+              <a:rPr dirty="0"/>
+              <a:t> la </a:t>
+            </a:r>
+            <a:r>
+              <a:rPr dirty="0" err="1"/>
+              <a:t>preparazione</a:t>
+            </a:r>
+            <a:r>
+              <a:rPr dirty="0"/>
+              <a:t> del </a:t>
+            </a:r>
+            <a:r>
+              <a:rPr dirty="0" err="1"/>
+              <a:t>piatto</a:t>
+            </a:r>
+            <a:r>
+              <a:rPr dirty="0"/>
+              <a:t>. In </a:t>
+            </a:r>
+            <a:r>
+              <a:rPr dirty="0" err="1"/>
+              <a:t>questo</a:t>
+            </a:r>
+            <a:r>
+              <a:rPr dirty="0"/>
+              <a:t> </a:t>
+            </a:r>
+            <a:r>
+              <a:rPr dirty="0" err="1"/>
+              <a:t>caso</a:t>
+            </a:r>
+            <a:r>
+              <a:rPr dirty="0"/>
+              <a:t>, la </a:t>
+            </a:r>
+            <a:r>
+              <a:rPr dirty="0" err="1"/>
+              <a:t>versione</a:t>
+            </a:r>
+            <a:r>
+              <a:rPr dirty="0"/>
+              <a:t> </a:t>
+            </a:r>
+            <a:r>
+              <a:rPr dirty="0" err="1"/>
+              <a:t>della</a:t>
+            </a:r>
+            <a:r>
+              <a:rPr dirty="0"/>
+              <a:t> </a:t>
+            </a:r>
+            <a:r>
+              <a:rPr dirty="0" err="1"/>
+              <a:t>ricetta</a:t>
+            </a:r>
+            <a:r>
+              <a:rPr dirty="0"/>
+              <a:t> </a:t>
+            </a:r>
+            <a:r>
+              <a:rPr dirty="0" err="1"/>
+              <a:t>è</a:t>
+            </a:r>
+            <a:r>
+              <a:rPr dirty="0"/>
+              <a:t> </a:t>
+            </a:r>
+            <a:r>
+              <a:rPr dirty="0" err="1"/>
+              <a:t>interpretata</a:t>
+            </a:r>
+            <a:r>
+              <a:rPr dirty="0"/>
+              <a:t> e il </a:t>
+            </a:r>
+            <a:r>
+              <a:rPr dirty="0" err="1"/>
+              <a:t>tuo</a:t>
+            </a:r>
+            <a:r>
+              <a:rPr dirty="0"/>
+              <a:t> </a:t>
+            </a:r>
+            <a:r>
+              <a:rPr dirty="0" err="1"/>
+              <a:t>amico</a:t>
+            </a:r>
+            <a:r>
+              <a:rPr dirty="0"/>
+              <a:t> ne </a:t>
+            </a:r>
+            <a:r>
+              <a:rPr dirty="0" err="1"/>
+              <a:t>è</a:t>
+            </a:r>
+            <a:r>
+              <a:rPr dirty="0"/>
+              <a:t> </a:t>
+            </a:r>
+            <a:r>
+              <a:rPr dirty="0" err="1"/>
+              <a:t>l'interprete</a:t>
+            </a:r>
+            <a:r>
+              <a:rPr dirty="0"/>
+              <a:t>.  </a:t>
+            </a:r>
+          </a:p>
+          <a:p>
+            <a:endParaRPr dirty="0"/>
+          </a:p>
+          <a:p>
+            <a:r>
+              <a:rPr dirty="0" err="1"/>
+              <a:t>Linguaggi</a:t>
+            </a:r>
+            <a:r>
+              <a:rPr dirty="0"/>
+              <a:t> </a:t>
+            </a:r>
+            <a:r>
+              <a:rPr dirty="0" err="1"/>
+              <a:t>compilati</a:t>
+            </a:r>
+            <a:endParaRPr dirty="0"/>
+          </a:p>
+          <a:p>
+            <a:r>
+              <a:rPr dirty="0"/>
+              <a:t>I </a:t>
+            </a:r>
+            <a:r>
+              <a:rPr dirty="0" err="1"/>
+              <a:t>linguaggi</a:t>
+            </a:r>
+            <a:r>
+              <a:rPr dirty="0"/>
+              <a:t> </a:t>
+            </a:r>
+            <a:r>
+              <a:rPr dirty="0" err="1"/>
+              <a:t>compilati</a:t>
+            </a:r>
+            <a:r>
+              <a:rPr dirty="0"/>
+              <a:t> </a:t>
+            </a:r>
+            <a:r>
+              <a:rPr dirty="0" err="1"/>
+              <a:t>vengono</a:t>
+            </a:r>
+            <a:r>
+              <a:rPr dirty="0"/>
+              <a:t> </a:t>
+            </a:r>
+            <a:r>
+              <a:rPr dirty="0" err="1"/>
+              <a:t>convertiti</a:t>
+            </a:r>
+            <a:r>
+              <a:rPr dirty="0"/>
+              <a:t> </a:t>
+            </a:r>
+            <a:r>
+              <a:rPr dirty="0" err="1"/>
+              <a:t>direttamente</a:t>
+            </a:r>
+            <a:r>
+              <a:rPr dirty="0"/>
+              <a:t> </a:t>
+            </a:r>
+            <a:r>
+              <a:rPr dirty="0" err="1"/>
+              <a:t>nel</a:t>
+            </a:r>
+            <a:r>
+              <a:rPr dirty="0"/>
+              <a:t> </a:t>
+            </a:r>
+            <a:r>
+              <a:rPr dirty="0" err="1"/>
+              <a:t>codice</a:t>
+            </a:r>
+            <a:r>
+              <a:rPr dirty="0"/>
+              <a:t> </a:t>
+            </a:r>
+            <a:r>
+              <a:rPr dirty="0" err="1"/>
+              <a:t>macchina</a:t>
+            </a:r>
+            <a:r>
+              <a:rPr dirty="0"/>
+              <a:t> </a:t>
+            </a:r>
+            <a:r>
+              <a:rPr dirty="0" err="1"/>
+              <a:t>che</a:t>
+            </a:r>
+            <a:r>
+              <a:rPr dirty="0"/>
+              <a:t> </a:t>
+            </a:r>
+            <a:r>
+              <a:rPr dirty="0" err="1"/>
+              <a:t>viene</a:t>
+            </a:r>
+            <a:r>
+              <a:rPr dirty="0"/>
+              <a:t> </a:t>
+            </a:r>
+            <a:r>
+              <a:rPr dirty="0" err="1"/>
+              <a:t>eseguito</a:t>
+            </a:r>
+            <a:r>
+              <a:rPr dirty="0"/>
+              <a:t> dal </a:t>
+            </a:r>
+            <a:r>
+              <a:rPr dirty="0" err="1"/>
+              <a:t>processore</a:t>
+            </a:r>
+            <a:r>
+              <a:rPr dirty="0"/>
+              <a:t>. Di </a:t>
+            </a:r>
+            <a:r>
+              <a:rPr dirty="0" err="1"/>
+              <a:t>conseguenza</a:t>
+            </a:r>
+            <a:r>
+              <a:rPr dirty="0"/>
+              <a:t>, </a:t>
+            </a:r>
+            <a:r>
+              <a:rPr dirty="0" err="1"/>
+              <a:t>tendono</a:t>
+            </a:r>
+            <a:r>
+              <a:rPr dirty="0"/>
+              <a:t> ad </a:t>
+            </a:r>
+            <a:r>
+              <a:rPr dirty="0" err="1"/>
+              <a:t>essere</a:t>
+            </a:r>
+            <a:r>
+              <a:rPr dirty="0"/>
+              <a:t> </a:t>
+            </a:r>
+            <a:r>
+              <a:rPr dirty="0" err="1"/>
+              <a:t>più</a:t>
+            </a:r>
+            <a:r>
+              <a:rPr dirty="0"/>
+              <a:t> </a:t>
+            </a:r>
+            <a:r>
+              <a:rPr dirty="0" err="1"/>
+              <a:t>veloci</a:t>
+            </a:r>
+            <a:r>
+              <a:rPr dirty="0"/>
+              <a:t> ed </a:t>
+            </a:r>
+            <a:r>
+              <a:rPr dirty="0" err="1"/>
+              <a:t>efficienti</a:t>
+            </a:r>
+            <a:r>
+              <a:rPr dirty="0"/>
+              <a:t> da </a:t>
+            </a:r>
+            <a:r>
+              <a:rPr dirty="0" err="1"/>
+              <a:t>eseguire</a:t>
+            </a:r>
+            <a:r>
+              <a:rPr dirty="0"/>
+              <a:t> rispetto ai </a:t>
+            </a:r>
+            <a:r>
+              <a:rPr dirty="0" err="1"/>
+              <a:t>linguaggi</a:t>
+            </a:r>
+            <a:r>
+              <a:rPr dirty="0"/>
+              <a:t> </a:t>
+            </a:r>
+            <a:r>
+              <a:rPr dirty="0" err="1"/>
+              <a:t>interpretati</a:t>
+            </a:r>
+            <a:r>
+              <a:rPr dirty="0"/>
+              <a:t>. </a:t>
+            </a:r>
+            <a:r>
+              <a:rPr dirty="0" err="1"/>
+              <a:t>Inoltre</a:t>
+            </a:r>
+            <a:r>
+              <a:rPr dirty="0"/>
+              <a:t>, </a:t>
+            </a:r>
+            <a:r>
+              <a:rPr dirty="0" err="1"/>
+              <a:t>permettono</a:t>
+            </a:r>
+            <a:r>
+              <a:rPr dirty="0"/>
+              <a:t> </a:t>
+            </a:r>
+            <a:r>
+              <a:rPr dirty="0" err="1"/>
+              <a:t>allo</a:t>
+            </a:r>
+            <a:r>
+              <a:rPr dirty="0"/>
+              <a:t> </a:t>
+            </a:r>
+            <a:r>
+              <a:rPr dirty="0" err="1"/>
+              <a:t>sviluppatore</a:t>
+            </a:r>
+            <a:r>
+              <a:rPr dirty="0"/>
+              <a:t> di </a:t>
+            </a:r>
+            <a:r>
+              <a:rPr dirty="0" err="1"/>
+              <a:t>avere</a:t>
+            </a:r>
+            <a:r>
+              <a:rPr dirty="0"/>
+              <a:t> un </a:t>
+            </a:r>
+            <a:r>
+              <a:rPr dirty="0" err="1"/>
+              <a:t>maggior</a:t>
+            </a:r>
+            <a:r>
+              <a:rPr dirty="0"/>
+              <a:t> </a:t>
+            </a:r>
+            <a:r>
+              <a:rPr dirty="0" err="1"/>
+              <a:t>controllo</a:t>
+            </a:r>
+            <a:r>
+              <a:rPr dirty="0"/>
+              <a:t> </a:t>
+            </a:r>
+            <a:r>
+              <a:rPr dirty="0" err="1"/>
+              <a:t>sugli</a:t>
+            </a:r>
+            <a:r>
+              <a:rPr dirty="0"/>
+              <a:t> </a:t>
+            </a:r>
+            <a:r>
+              <a:rPr dirty="0" err="1"/>
+              <a:t>aspetti</a:t>
+            </a:r>
+            <a:r>
+              <a:rPr dirty="0"/>
+              <a:t> </a:t>
+            </a:r>
+            <a:r>
+              <a:rPr dirty="0" err="1"/>
+              <a:t>legati</a:t>
+            </a:r>
+            <a:r>
+              <a:rPr dirty="0"/>
+              <a:t> </a:t>
+            </a:r>
+            <a:r>
+              <a:rPr dirty="0" err="1"/>
+              <a:t>all'hardware</a:t>
+            </a:r>
+            <a:r>
+              <a:rPr dirty="0"/>
+              <a:t>, come la </a:t>
+            </a:r>
+            <a:r>
+              <a:rPr dirty="0" err="1"/>
+              <a:t>gestione</a:t>
+            </a:r>
+            <a:r>
+              <a:rPr dirty="0"/>
+              <a:t> </a:t>
+            </a:r>
+            <a:r>
+              <a:rPr dirty="0" err="1"/>
+              <a:t>della</a:t>
+            </a:r>
+            <a:r>
+              <a:rPr dirty="0"/>
+              <a:t> </a:t>
+            </a:r>
+            <a:r>
+              <a:rPr dirty="0" err="1"/>
+              <a:t>memoria</a:t>
+            </a:r>
+            <a:r>
+              <a:rPr dirty="0"/>
+              <a:t> e </a:t>
+            </a:r>
+            <a:r>
+              <a:rPr dirty="0" err="1"/>
+              <a:t>l'uso</a:t>
+            </a:r>
+            <a:r>
+              <a:rPr dirty="0"/>
+              <a:t> </a:t>
+            </a:r>
+            <a:r>
+              <a:rPr dirty="0" err="1"/>
+              <a:t>della</a:t>
+            </a:r>
+            <a:r>
+              <a:rPr dirty="0"/>
+              <a:t> CPU.</a:t>
+            </a:r>
+          </a:p>
+          <a:p>
+            <a:endParaRPr dirty="0"/>
+          </a:p>
+          <a:p>
+            <a:r>
+              <a:rPr dirty="0"/>
+              <a:t>I </a:t>
+            </a:r>
+            <a:r>
+              <a:rPr dirty="0" err="1"/>
+              <a:t>linguaggi</a:t>
+            </a:r>
+            <a:r>
+              <a:rPr dirty="0"/>
+              <a:t> </a:t>
+            </a:r>
+            <a:r>
+              <a:rPr dirty="0" err="1"/>
+              <a:t>compilati</a:t>
+            </a:r>
+            <a:r>
+              <a:rPr dirty="0"/>
+              <a:t> </a:t>
+            </a:r>
+            <a:r>
+              <a:rPr dirty="0" err="1"/>
+              <a:t>necessitano</a:t>
+            </a:r>
+            <a:r>
+              <a:rPr dirty="0"/>
+              <a:t> di </a:t>
+            </a:r>
+            <a:r>
+              <a:rPr dirty="0" err="1"/>
+              <a:t>una</a:t>
+            </a:r>
+            <a:r>
+              <a:rPr dirty="0"/>
+              <a:t> </a:t>
+            </a:r>
+            <a:r>
+              <a:rPr dirty="0" err="1"/>
+              <a:t>fase</a:t>
+            </a:r>
+            <a:r>
+              <a:rPr dirty="0"/>
+              <a:t> di "</a:t>
+            </a:r>
+            <a:r>
+              <a:rPr dirty="0" err="1"/>
+              <a:t>costruzione</a:t>
+            </a:r>
+            <a:r>
+              <a:rPr dirty="0"/>
+              <a:t>"- </a:t>
+            </a:r>
+            <a:r>
+              <a:rPr dirty="0" err="1"/>
+              <a:t>all'inizio</a:t>
+            </a:r>
+            <a:r>
+              <a:rPr dirty="0"/>
+              <a:t> </a:t>
+            </a:r>
+            <a:r>
+              <a:rPr dirty="0" err="1"/>
+              <a:t>devono</a:t>
+            </a:r>
+            <a:r>
+              <a:rPr dirty="0"/>
+              <a:t> </a:t>
+            </a:r>
+            <a:r>
+              <a:rPr dirty="0" err="1"/>
+              <a:t>essere</a:t>
+            </a:r>
+            <a:r>
+              <a:rPr dirty="0"/>
+              <a:t> </a:t>
+            </a:r>
+            <a:r>
+              <a:rPr dirty="0" err="1"/>
+              <a:t>compilati</a:t>
+            </a:r>
+            <a:r>
+              <a:rPr dirty="0"/>
+              <a:t> </a:t>
+            </a:r>
+            <a:r>
+              <a:rPr dirty="0" err="1"/>
+              <a:t>manualmente</a:t>
+            </a:r>
+            <a:r>
+              <a:rPr dirty="0"/>
+              <a:t>. </a:t>
+            </a:r>
+            <a:r>
+              <a:rPr dirty="0" err="1"/>
+              <a:t>Occorre</a:t>
+            </a:r>
+            <a:r>
+              <a:rPr dirty="0"/>
+              <a:t> "</a:t>
+            </a:r>
+            <a:r>
+              <a:rPr dirty="0" err="1"/>
+              <a:t>ricostruire</a:t>
+            </a:r>
+            <a:r>
+              <a:rPr dirty="0"/>
+              <a:t>" il </a:t>
+            </a:r>
+            <a:r>
+              <a:rPr dirty="0" err="1"/>
+              <a:t>programma</a:t>
+            </a:r>
+            <a:r>
+              <a:rPr dirty="0"/>
+              <a:t> </a:t>
+            </a:r>
+            <a:r>
+              <a:rPr dirty="0" err="1"/>
+              <a:t>ogni</a:t>
+            </a:r>
+            <a:r>
+              <a:rPr dirty="0"/>
+              <a:t> volta </a:t>
+            </a:r>
+            <a:r>
+              <a:rPr dirty="0" err="1"/>
+              <a:t>che</a:t>
+            </a:r>
+            <a:r>
+              <a:rPr dirty="0"/>
+              <a:t> lo </a:t>
+            </a:r>
+            <a:r>
+              <a:rPr dirty="0" err="1"/>
+              <a:t>si</a:t>
+            </a:r>
+            <a:r>
+              <a:rPr dirty="0"/>
+              <a:t> </a:t>
+            </a:r>
+            <a:r>
+              <a:rPr dirty="0" err="1"/>
+              <a:t>vuole</a:t>
+            </a:r>
+            <a:r>
+              <a:rPr dirty="0"/>
+              <a:t> </a:t>
+            </a:r>
+            <a:r>
+              <a:rPr dirty="0" err="1"/>
+              <a:t>modificare</a:t>
+            </a:r>
+            <a:r>
+              <a:rPr dirty="0"/>
+              <a:t>. Nel nostro </a:t>
+            </a:r>
+            <a:r>
+              <a:rPr dirty="0" err="1"/>
+              <a:t>esempio</a:t>
+            </a:r>
+            <a:r>
+              <a:rPr dirty="0"/>
+              <a:t> </a:t>
+            </a:r>
+            <a:r>
+              <a:rPr dirty="0" err="1"/>
+              <a:t>dell'hummus</a:t>
+            </a:r>
+            <a:r>
+              <a:rPr dirty="0"/>
+              <a:t>, </a:t>
+            </a:r>
+            <a:r>
+              <a:rPr dirty="0" err="1"/>
+              <a:t>l'intera</a:t>
+            </a:r>
+            <a:r>
+              <a:rPr dirty="0"/>
+              <a:t> </a:t>
+            </a:r>
+            <a:r>
+              <a:rPr dirty="0" err="1"/>
+              <a:t>traduzione</a:t>
+            </a:r>
+            <a:r>
+              <a:rPr dirty="0"/>
+              <a:t> </a:t>
+            </a:r>
+            <a:r>
+              <a:rPr dirty="0" err="1"/>
+              <a:t>viene</a:t>
+            </a:r>
+            <a:r>
+              <a:rPr dirty="0"/>
+              <a:t> </a:t>
+            </a:r>
+            <a:r>
+              <a:rPr dirty="0" err="1"/>
+              <a:t>fatta</a:t>
+            </a:r>
+            <a:r>
+              <a:rPr dirty="0"/>
+              <a:t> prima </a:t>
+            </a:r>
+            <a:r>
+              <a:rPr dirty="0" err="1"/>
+              <a:t>che</a:t>
+            </a:r>
+            <a:r>
+              <a:rPr dirty="0"/>
+              <a:t> la </a:t>
+            </a:r>
+            <a:r>
+              <a:rPr dirty="0" err="1"/>
+              <a:t>ricetta</a:t>
+            </a:r>
+            <a:r>
+              <a:rPr dirty="0"/>
+              <a:t> </a:t>
+            </a:r>
+            <a:r>
+              <a:rPr dirty="0" err="1"/>
+              <a:t>arrivi</a:t>
+            </a:r>
+            <a:r>
+              <a:rPr dirty="0"/>
+              <a:t> a </a:t>
+            </a:r>
+            <a:r>
+              <a:rPr dirty="0" err="1"/>
+              <a:t>te</a:t>
+            </a:r>
+            <a:r>
+              <a:rPr dirty="0"/>
+              <a:t>. Se </a:t>
+            </a:r>
+            <a:r>
+              <a:rPr dirty="0" err="1"/>
+              <a:t>l'autore</a:t>
+            </a:r>
+            <a:r>
+              <a:rPr dirty="0"/>
+              <a:t> </a:t>
+            </a:r>
+            <a:r>
+              <a:rPr dirty="0" err="1"/>
+              <a:t>originale</a:t>
+            </a:r>
+            <a:r>
+              <a:rPr dirty="0"/>
+              <a:t> </a:t>
+            </a:r>
+            <a:r>
+              <a:rPr dirty="0" err="1"/>
+              <a:t>volesse</a:t>
+            </a:r>
+            <a:r>
+              <a:rPr dirty="0"/>
+              <a:t> </a:t>
+            </a:r>
+            <a:r>
+              <a:rPr dirty="0" err="1"/>
+              <a:t>usare</a:t>
+            </a:r>
+            <a:r>
+              <a:rPr dirty="0"/>
+              <a:t> un </a:t>
+            </a:r>
+            <a:r>
+              <a:rPr dirty="0" err="1"/>
+              <a:t>tipo</a:t>
+            </a:r>
+            <a:r>
+              <a:rPr dirty="0"/>
+              <a:t> </a:t>
+            </a:r>
+            <a:r>
+              <a:rPr dirty="0" err="1"/>
+              <a:t>diverso</a:t>
+            </a:r>
+            <a:r>
+              <a:rPr dirty="0"/>
+              <a:t> di olio di </a:t>
+            </a:r>
+            <a:r>
+              <a:rPr dirty="0" err="1"/>
+              <a:t>oliva</a:t>
+            </a:r>
+            <a:r>
+              <a:rPr dirty="0"/>
+              <a:t>, </a:t>
+            </a:r>
+            <a:r>
+              <a:rPr dirty="0" err="1"/>
+              <a:t>l'intera</a:t>
+            </a:r>
+            <a:r>
+              <a:rPr dirty="0"/>
+              <a:t> </a:t>
+            </a:r>
+            <a:r>
+              <a:rPr dirty="0" err="1"/>
+              <a:t>ricetta</a:t>
+            </a:r>
+            <a:r>
+              <a:rPr dirty="0"/>
+              <a:t> </a:t>
+            </a:r>
+            <a:r>
+              <a:rPr dirty="0" err="1"/>
+              <a:t>dovrebbe</a:t>
+            </a:r>
+            <a:r>
+              <a:rPr dirty="0"/>
+              <a:t> </a:t>
+            </a:r>
+            <a:r>
+              <a:rPr dirty="0" err="1"/>
+              <a:t>essere</a:t>
+            </a:r>
+            <a:r>
+              <a:rPr dirty="0"/>
+              <a:t> </a:t>
+            </a:r>
+            <a:r>
+              <a:rPr dirty="0" err="1"/>
+              <a:t>ritradotta</a:t>
+            </a:r>
+            <a:r>
+              <a:rPr dirty="0"/>
+              <a:t> </a:t>
+            </a:r>
+            <a:r>
+              <a:rPr dirty="0" err="1"/>
+              <a:t>interamente</a:t>
+            </a:r>
+            <a:r>
+              <a:rPr dirty="0"/>
+              <a:t> e </a:t>
+            </a:r>
+            <a:r>
+              <a:rPr dirty="0" err="1"/>
+              <a:t>mandata</a:t>
+            </a:r>
+            <a:r>
+              <a:rPr dirty="0"/>
+              <a:t> di nuovo a </a:t>
+            </a:r>
+            <a:r>
+              <a:rPr dirty="0" err="1"/>
+              <a:t>te</a:t>
+            </a:r>
+            <a:r>
+              <a:rPr dirty="0"/>
+              <a:t>.</a:t>
+            </a:r>
+          </a:p>
+          <a:p>
+            <a:endParaRPr dirty="0"/>
+          </a:p>
+          <a:p>
+            <a:r>
+              <a:rPr dirty="0" err="1"/>
+              <a:t>Alcuni</a:t>
+            </a:r>
+            <a:r>
+              <a:rPr dirty="0"/>
+              <a:t> </a:t>
+            </a:r>
+            <a:r>
+              <a:rPr dirty="0" err="1"/>
+              <a:t>esempi</a:t>
+            </a:r>
+            <a:r>
+              <a:rPr dirty="0"/>
+              <a:t> di </a:t>
+            </a:r>
+            <a:r>
+              <a:rPr dirty="0" err="1"/>
+              <a:t>linguaggi</a:t>
+            </a:r>
+            <a:r>
+              <a:rPr dirty="0"/>
+              <a:t> </a:t>
+            </a:r>
+            <a:r>
+              <a:rPr dirty="0" err="1"/>
+              <a:t>compilati</a:t>
+            </a:r>
+            <a:r>
+              <a:rPr dirty="0"/>
+              <a:t> </a:t>
+            </a:r>
+            <a:r>
+              <a:rPr dirty="0" err="1"/>
+              <a:t>sono</a:t>
+            </a:r>
+            <a:r>
+              <a:rPr dirty="0"/>
+              <a:t> C, C++, Erlang, Haskell, Rust, and Go.</a:t>
+            </a:r>
+          </a:p>
+          <a:p>
+            <a:endParaRPr dirty="0"/>
+          </a:p>
+          <a:p>
+            <a:r>
+              <a:rPr dirty="0" err="1"/>
+              <a:t>Linguaggi</a:t>
+            </a:r>
+            <a:r>
+              <a:rPr dirty="0"/>
+              <a:t> </a:t>
+            </a:r>
+            <a:r>
+              <a:rPr dirty="0" err="1"/>
+              <a:t>interpretati</a:t>
+            </a:r>
+            <a:endParaRPr dirty="0"/>
+          </a:p>
+          <a:p>
+            <a:r>
+              <a:rPr dirty="0"/>
+              <a:t>Gli </a:t>
+            </a:r>
+            <a:r>
+              <a:rPr dirty="0" err="1"/>
+              <a:t>interpreti</a:t>
+            </a:r>
+            <a:r>
+              <a:rPr dirty="0"/>
+              <a:t> </a:t>
+            </a:r>
+            <a:r>
+              <a:rPr dirty="0" err="1"/>
+              <a:t>funzionano</a:t>
+            </a:r>
+            <a:r>
+              <a:rPr dirty="0"/>
+              <a:t> </a:t>
+            </a:r>
+            <a:r>
+              <a:rPr dirty="0" err="1"/>
+              <a:t>attraverso</a:t>
+            </a:r>
+            <a:r>
+              <a:rPr dirty="0"/>
+              <a:t> un </a:t>
+            </a:r>
+            <a:r>
+              <a:rPr dirty="0" err="1"/>
+              <a:t>programma</a:t>
+            </a:r>
+            <a:r>
+              <a:rPr dirty="0"/>
+              <a:t> </a:t>
+            </a:r>
+            <a:r>
+              <a:rPr dirty="0" err="1"/>
+              <a:t>che</a:t>
+            </a:r>
+            <a:r>
+              <a:rPr dirty="0"/>
+              <a:t> </a:t>
+            </a:r>
+            <a:r>
+              <a:rPr dirty="0" err="1"/>
+              <a:t>esegue</a:t>
+            </a:r>
+            <a:r>
+              <a:rPr dirty="0"/>
+              <a:t> </a:t>
+            </a:r>
+            <a:r>
+              <a:rPr dirty="0" err="1"/>
+              <a:t>ogni</a:t>
+            </a:r>
+            <a:r>
+              <a:rPr dirty="0"/>
+              <a:t> </a:t>
+            </a:r>
+            <a:r>
+              <a:rPr dirty="0" err="1"/>
+              <a:t>comando</a:t>
+            </a:r>
+            <a:r>
+              <a:rPr dirty="0"/>
+              <a:t> </a:t>
+            </a:r>
+            <a:r>
+              <a:rPr dirty="0" err="1"/>
+              <a:t>riga</a:t>
+            </a:r>
+            <a:r>
+              <a:rPr dirty="0"/>
+              <a:t> per </a:t>
+            </a:r>
+            <a:r>
+              <a:rPr dirty="0" err="1"/>
+              <a:t>riga</a:t>
+            </a:r>
+            <a:r>
+              <a:rPr dirty="0"/>
+              <a:t>. In </a:t>
+            </a:r>
+            <a:r>
+              <a:rPr dirty="0" err="1"/>
+              <a:t>questo</a:t>
+            </a:r>
+            <a:r>
+              <a:rPr dirty="0"/>
+              <a:t> </a:t>
+            </a:r>
+            <a:r>
+              <a:rPr dirty="0" err="1"/>
+              <a:t>caso</a:t>
+            </a:r>
+            <a:r>
+              <a:rPr dirty="0"/>
+              <a:t>, se </a:t>
+            </a:r>
+            <a:r>
+              <a:rPr dirty="0" err="1"/>
+              <a:t>l'autore</a:t>
+            </a:r>
+            <a:r>
+              <a:rPr dirty="0"/>
+              <a:t> </a:t>
+            </a:r>
+            <a:r>
+              <a:rPr dirty="0" err="1"/>
+              <a:t>decidesse</a:t>
+            </a:r>
+            <a:r>
+              <a:rPr dirty="0"/>
+              <a:t> di </a:t>
+            </a:r>
+            <a:r>
+              <a:rPr dirty="0" err="1"/>
+              <a:t>voler</a:t>
+            </a:r>
+            <a:r>
+              <a:rPr dirty="0"/>
+              <a:t> </a:t>
+            </a:r>
+            <a:r>
+              <a:rPr dirty="0" err="1"/>
+              <a:t>utilizzare</a:t>
+            </a:r>
+            <a:r>
+              <a:rPr dirty="0"/>
+              <a:t> un </a:t>
+            </a:r>
+            <a:r>
+              <a:rPr dirty="0" err="1"/>
+              <a:t>tipo</a:t>
+            </a:r>
+            <a:r>
+              <a:rPr dirty="0"/>
+              <a:t> </a:t>
+            </a:r>
+            <a:r>
+              <a:rPr dirty="0" err="1"/>
+              <a:t>diverso</a:t>
+            </a:r>
+            <a:r>
+              <a:rPr dirty="0"/>
+              <a:t> di olio di </a:t>
+            </a:r>
+            <a:r>
+              <a:rPr dirty="0" err="1"/>
+              <a:t>oliva</a:t>
+            </a:r>
+            <a:r>
+              <a:rPr dirty="0"/>
+              <a:t>, </a:t>
+            </a:r>
+            <a:r>
+              <a:rPr dirty="0" err="1"/>
+              <a:t>potrebbe</a:t>
+            </a:r>
+            <a:r>
+              <a:rPr dirty="0"/>
+              <a:t> </a:t>
+            </a:r>
+            <a:r>
+              <a:rPr dirty="0" err="1"/>
+              <a:t>cancellarlo</a:t>
+            </a:r>
+            <a:r>
+              <a:rPr dirty="0"/>
+              <a:t> e </a:t>
+            </a:r>
+            <a:r>
+              <a:rPr dirty="0" err="1"/>
+              <a:t>aggiungerne</a:t>
+            </a:r>
+            <a:r>
+              <a:rPr dirty="0"/>
+              <a:t> uno nuovo. Il </a:t>
+            </a:r>
+            <a:r>
+              <a:rPr dirty="0" err="1"/>
+              <a:t>tuo</a:t>
+            </a:r>
+            <a:r>
+              <a:rPr dirty="0"/>
+              <a:t> </a:t>
+            </a:r>
+            <a:r>
+              <a:rPr dirty="0" err="1"/>
+              <a:t>amico</a:t>
+            </a:r>
+            <a:r>
+              <a:rPr dirty="0"/>
+              <a:t> </a:t>
+            </a:r>
+            <a:r>
+              <a:rPr dirty="0" err="1"/>
+              <a:t>traduttore</a:t>
+            </a:r>
+            <a:r>
+              <a:rPr dirty="0"/>
+              <a:t> poi, </a:t>
+            </a:r>
+            <a:r>
+              <a:rPr dirty="0" err="1"/>
+              <a:t>ti</a:t>
+            </a:r>
+            <a:r>
+              <a:rPr dirty="0"/>
+              <a:t> </a:t>
+            </a:r>
+            <a:r>
+              <a:rPr dirty="0" err="1"/>
+              <a:t>riferirebbe</a:t>
+            </a:r>
+            <a:r>
+              <a:rPr dirty="0"/>
+              <a:t> del </a:t>
+            </a:r>
+            <a:r>
+              <a:rPr dirty="0" err="1"/>
+              <a:t>cambio</a:t>
+            </a:r>
+            <a:r>
+              <a:rPr dirty="0"/>
+              <a:t> </a:t>
+            </a:r>
+            <a:r>
+              <a:rPr dirty="0" err="1"/>
+              <a:t>avvenuto</a:t>
+            </a:r>
+            <a:r>
+              <a:rPr dirty="0"/>
+              <a:t>.</a:t>
+            </a:r>
+          </a:p>
+          <a:p>
+            <a:endParaRPr dirty="0"/>
+          </a:p>
+          <a:p>
+            <a:r>
+              <a:rPr dirty="0"/>
+              <a:t>I </a:t>
+            </a:r>
+            <a:r>
+              <a:rPr dirty="0" err="1"/>
+              <a:t>linguaggi</a:t>
+            </a:r>
+            <a:r>
+              <a:rPr dirty="0"/>
+              <a:t> </a:t>
+            </a:r>
+            <a:r>
+              <a:rPr dirty="0" err="1"/>
+              <a:t>interpretati</a:t>
+            </a:r>
+            <a:r>
+              <a:rPr dirty="0"/>
+              <a:t> </a:t>
+            </a:r>
+            <a:r>
+              <a:rPr dirty="0" err="1"/>
+              <a:t>erano</a:t>
+            </a:r>
+            <a:r>
+              <a:rPr dirty="0"/>
+              <a:t> </a:t>
+            </a:r>
+            <a:r>
+              <a:rPr dirty="0" err="1"/>
+              <a:t>notevolmente</a:t>
+            </a:r>
+            <a:r>
+              <a:rPr dirty="0"/>
+              <a:t> </a:t>
+            </a:r>
+            <a:r>
+              <a:rPr dirty="0" err="1"/>
+              <a:t>più</a:t>
+            </a:r>
+            <a:r>
+              <a:rPr dirty="0"/>
+              <a:t> </a:t>
+            </a:r>
+            <a:r>
+              <a:rPr dirty="0" err="1"/>
+              <a:t>lenti</a:t>
+            </a:r>
+            <a:r>
+              <a:rPr dirty="0"/>
+              <a:t> </a:t>
+            </a:r>
+            <a:r>
+              <a:rPr dirty="0" err="1"/>
+              <a:t>dei</a:t>
+            </a:r>
+            <a:r>
+              <a:rPr dirty="0"/>
+              <a:t> </a:t>
+            </a:r>
+            <a:r>
+              <a:rPr dirty="0" err="1"/>
+              <a:t>linguaggi</a:t>
+            </a:r>
+            <a:r>
+              <a:rPr dirty="0"/>
+              <a:t> </a:t>
+            </a:r>
+            <a:r>
+              <a:rPr dirty="0" err="1"/>
+              <a:t>compilati</a:t>
+            </a:r>
+            <a:r>
+              <a:rPr dirty="0"/>
+              <a:t>. Adesso, con lo </a:t>
+            </a:r>
+            <a:r>
+              <a:rPr dirty="0" err="1"/>
+              <a:t>sviluppo</a:t>
+            </a:r>
+            <a:r>
+              <a:rPr dirty="0"/>
+              <a:t> </a:t>
+            </a:r>
+            <a:r>
+              <a:rPr dirty="0" err="1"/>
+              <a:t>della</a:t>
+            </a:r>
+            <a:r>
+              <a:rPr dirty="0"/>
+              <a:t> </a:t>
+            </a:r>
+            <a:r>
+              <a:rPr dirty="0" err="1"/>
+              <a:t>compilazione</a:t>
+            </a:r>
+            <a:r>
+              <a:rPr dirty="0"/>
+              <a:t> just-in-time, il </a:t>
+            </a:r>
+            <a:r>
+              <a:rPr dirty="0" err="1"/>
+              <a:t>divario</a:t>
+            </a:r>
+            <a:r>
+              <a:rPr dirty="0"/>
+              <a:t> </a:t>
+            </a:r>
+            <a:r>
+              <a:rPr dirty="0" err="1"/>
+              <a:t>sta</a:t>
+            </a:r>
+            <a:r>
+              <a:rPr dirty="0"/>
+              <a:t> diminuendo.</a:t>
+            </a:r>
+          </a:p>
+          <a:p>
+            <a:endParaRPr dirty="0"/>
+          </a:p>
+          <a:p>
+            <a:r>
+              <a:rPr dirty="0" err="1"/>
+              <a:t>Esempi</a:t>
+            </a:r>
+            <a:r>
+              <a:rPr dirty="0"/>
+              <a:t> di </a:t>
+            </a:r>
+            <a:r>
+              <a:rPr dirty="0" err="1"/>
+              <a:t>linguaggi</a:t>
+            </a:r>
+            <a:r>
+              <a:rPr dirty="0"/>
+              <a:t> </a:t>
+            </a:r>
+            <a:r>
+              <a:rPr dirty="0" err="1"/>
+              <a:t>interpretati</a:t>
+            </a:r>
+            <a:r>
+              <a:rPr dirty="0"/>
+              <a:t> </a:t>
+            </a:r>
+            <a:r>
+              <a:rPr dirty="0" err="1"/>
+              <a:t>sono</a:t>
+            </a:r>
+            <a:r>
+              <a:rPr dirty="0"/>
+              <a:t> PHP, Ruby, Python, e JavaScript.</a:t>
+            </a:r>
+          </a:p>
+          <a:p>
+            <a:endParaRPr dirty="0"/>
+          </a:p>
+          <a:p>
+            <a:r>
+              <a:rPr dirty="0"/>
+              <a:t>Un piccolo </a:t>
+            </a:r>
+            <a:r>
+              <a:rPr dirty="0" err="1"/>
+              <a:t>avvertimento</a:t>
+            </a:r>
+            <a:endParaRPr dirty="0"/>
+          </a:p>
+          <a:p>
+            <a:r>
+              <a:rPr dirty="0"/>
+              <a:t>La </a:t>
+            </a:r>
+            <a:r>
+              <a:rPr dirty="0" err="1"/>
+              <a:t>maggior</a:t>
+            </a:r>
+            <a:r>
+              <a:rPr dirty="0"/>
+              <a:t> </a:t>
+            </a:r>
+            <a:r>
+              <a:rPr dirty="0" err="1"/>
+              <a:t>parte</a:t>
+            </a:r>
+            <a:r>
+              <a:rPr dirty="0"/>
+              <a:t> </a:t>
+            </a:r>
+            <a:r>
+              <a:rPr dirty="0" err="1"/>
+              <a:t>dei</a:t>
+            </a:r>
+            <a:r>
+              <a:rPr dirty="0"/>
+              <a:t> </a:t>
+            </a:r>
+            <a:r>
+              <a:rPr dirty="0" err="1"/>
+              <a:t>linguaggi</a:t>
+            </a:r>
+            <a:r>
+              <a:rPr dirty="0"/>
+              <a:t> </a:t>
+            </a:r>
+            <a:r>
+              <a:rPr dirty="0" err="1"/>
+              <a:t>può</a:t>
+            </a:r>
+            <a:r>
+              <a:rPr dirty="0"/>
+              <a:t> </a:t>
+            </a:r>
+            <a:r>
+              <a:rPr dirty="0" err="1"/>
+              <a:t>essere</a:t>
+            </a:r>
+            <a:r>
+              <a:rPr dirty="0"/>
+              <a:t> </a:t>
+            </a:r>
+            <a:r>
+              <a:rPr dirty="0" err="1"/>
+              <a:t>attuata</a:t>
+            </a:r>
+            <a:r>
+              <a:rPr dirty="0"/>
+              <a:t> </a:t>
+            </a:r>
+            <a:r>
+              <a:rPr dirty="0" err="1"/>
+              <a:t>sia</a:t>
+            </a:r>
+            <a:r>
+              <a:rPr dirty="0"/>
+              <a:t> in forma </a:t>
+            </a:r>
+            <a:r>
+              <a:rPr dirty="0" err="1"/>
+              <a:t>compilata</a:t>
+            </a:r>
+            <a:r>
+              <a:rPr dirty="0"/>
+              <a:t> </a:t>
+            </a:r>
+            <a:r>
+              <a:rPr dirty="0" err="1"/>
+              <a:t>che</a:t>
+            </a:r>
+            <a:r>
+              <a:rPr dirty="0"/>
+              <a:t> </a:t>
+            </a:r>
+            <a:r>
+              <a:rPr dirty="0" err="1"/>
+              <a:t>interpretata</a:t>
+            </a:r>
+            <a:r>
+              <a:rPr dirty="0"/>
+              <a:t> - il </a:t>
+            </a:r>
+            <a:r>
+              <a:rPr dirty="0" err="1"/>
+              <a:t>linguaggio</a:t>
+            </a:r>
+            <a:r>
+              <a:rPr dirty="0"/>
+              <a:t> in </a:t>
+            </a:r>
+            <a:r>
+              <a:rPr dirty="0" err="1"/>
+              <a:t>sé</a:t>
+            </a:r>
+            <a:r>
+              <a:rPr dirty="0"/>
+              <a:t> non </a:t>
+            </a:r>
+            <a:r>
+              <a:rPr dirty="0" err="1"/>
+              <a:t>deve</a:t>
+            </a:r>
+            <a:r>
+              <a:rPr dirty="0"/>
+              <a:t> </a:t>
+            </a:r>
+            <a:r>
+              <a:rPr dirty="0" err="1"/>
+              <a:t>essere</a:t>
+            </a:r>
+            <a:r>
+              <a:rPr dirty="0"/>
+              <a:t> </a:t>
+            </a:r>
+            <a:r>
+              <a:rPr dirty="0" err="1"/>
+              <a:t>necessariamente</a:t>
+            </a:r>
+            <a:r>
+              <a:rPr dirty="0"/>
+              <a:t> </a:t>
+            </a:r>
+            <a:r>
+              <a:rPr dirty="0" err="1"/>
+              <a:t>compilato</a:t>
+            </a:r>
+            <a:r>
+              <a:rPr dirty="0"/>
+              <a:t> o </a:t>
+            </a:r>
+            <a:r>
+              <a:rPr dirty="0" err="1"/>
+              <a:t>interpretato</a:t>
+            </a:r>
+            <a:r>
+              <a:rPr dirty="0"/>
+              <a:t>. In </a:t>
+            </a:r>
+            <a:r>
+              <a:rPr dirty="0" err="1"/>
+              <a:t>ogni</a:t>
+            </a:r>
+            <a:r>
+              <a:rPr dirty="0"/>
+              <a:t> </a:t>
+            </a:r>
+            <a:r>
+              <a:rPr dirty="0" err="1"/>
+              <a:t>caso</a:t>
+            </a:r>
+            <a:r>
+              <a:rPr dirty="0"/>
+              <a:t>, per </a:t>
+            </a:r>
+            <a:r>
+              <a:rPr dirty="0" err="1"/>
+              <a:t>semplicità</a:t>
+            </a:r>
+            <a:r>
+              <a:rPr dirty="0"/>
+              <a:t>, </a:t>
+            </a:r>
+            <a:r>
+              <a:rPr dirty="0" err="1"/>
+              <a:t>vengono</a:t>
+            </a:r>
+            <a:r>
+              <a:rPr dirty="0"/>
+              <a:t> </a:t>
+            </a:r>
+            <a:r>
+              <a:rPr dirty="0" err="1"/>
+              <a:t>generalmente</a:t>
+            </a:r>
+            <a:r>
+              <a:rPr dirty="0"/>
+              <a:t> </a:t>
+            </a:r>
+            <a:r>
+              <a:rPr dirty="0" err="1"/>
+              <a:t>identificati</a:t>
+            </a:r>
+            <a:r>
+              <a:rPr dirty="0"/>
+              <a:t> </a:t>
+            </a:r>
+            <a:r>
+              <a:rPr dirty="0" err="1"/>
+              <a:t>così</a:t>
+            </a:r>
+            <a:r>
+              <a:rPr dirty="0"/>
+              <a:t>.</a:t>
+            </a:r>
+          </a:p>
+          <a:p>
+            <a:endParaRPr dirty="0"/>
+          </a:p>
+          <a:p>
+            <a:r>
+              <a:rPr dirty="0"/>
+              <a:t>Python, per </a:t>
+            </a:r>
+            <a:r>
+              <a:rPr dirty="0" err="1"/>
+              <a:t>esempio</a:t>
+            </a:r>
+            <a:r>
+              <a:rPr dirty="0"/>
+              <a:t>, </a:t>
+            </a:r>
+            <a:r>
+              <a:rPr dirty="0" err="1"/>
+              <a:t>può</a:t>
+            </a:r>
+            <a:r>
+              <a:rPr dirty="0"/>
+              <a:t> </a:t>
+            </a:r>
+            <a:r>
+              <a:rPr dirty="0" err="1"/>
+              <a:t>essere</a:t>
+            </a:r>
+            <a:r>
+              <a:rPr dirty="0"/>
+              <a:t> </a:t>
+            </a:r>
+            <a:r>
+              <a:rPr dirty="0" err="1"/>
+              <a:t>eseguito</a:t>
+            </a:r>
+            <a:r>
+              <a:rPr dirty="0"/>
+              <a:t> </a:t>
+            </a:r>
+            <a:r>
+              <a:rPr dirty="0" err="1"/>
+              <a:t>sia</a:t>
+            </a:r>
+            <a:r>
+              <a:rPr dirty="0"/>
+              <a:t> come </a:t>
+            </a:r>
+            <a:r>
+              <a:rPr dirty="0" err="1"/>
+              <a:t>linguaggio</a:t>
+            </a:r>
+            <a:r>
+              <a:rPr dirty="0"/>
+              <a:t> di </a:t>
+            </a:r>
+            <a:r>
+              <a:rPr dirty="0" err="1"/>
+              <a:t>programmazione</a:t>
+            </a:r>
+            <a:r>
+              <a:rPr dirty="0"/>
+              <a:t> </a:t>
+            </a:r>
+            <a:r>
+              <a:rPr dirty="0" err="1"/>
+              <a:t>compilato</a:t>
+            </a:r>
+            <a:r>
+              <a:rPr dirty="0"/>
+              <a:t> </a:t>
+            </a:r>
+            <a:r>
+              <a:rPr dirty="0" err="1"/>
+              <a:t>che</a:t>
+            </a:r>
+            <a:r>
+              <a:rPr dirty="0"/>
+              <a:t>  </a:t>
+            </a:r>
+            <a:r>
+              <a:rPr dirty="0" err="1"/>
+              <a:t>interpretato</a:t>
+            </a:r>
+            <a:r>
+              <a:rPr dirty="0"/>
+              <a:t> in modo </a:t>
+            </a:r>
+            <a:r>
+              <a:rPr dirty="0" err="1"/>
+              <a:t>interattivo</a:t>
+            </a:r>
+            <a:r>
+              <a:rPr dirty="0"/>
+              <a:t>. Al </a:t>
+            </a:r>
+            <a:r>
+              <a:rPr dirty="0" err="1"/>
+              <a:t>contrario</a:t>
+            </a:r>
+            <a:r>
+              <a:rPr dirty="0"/>
+              <a:t> </a:t>
+            </a:r>
+            <a:r>
+              <a:rPr dirty="0" err="1"/>
+              <a:t>invece</a:t>
+            </a:r>
+            <a:r>
+              <a:rPr dirty="0"/>
+              <a:t>, la </a:t>
+            </a:r>
+            <a:r>
+              <a:rPr dirty="0" err="1"/>
+              <a:t>maggioranza</a:t>
+            </a:r>
+            <a:r>
+              <a:rPr dirty="0"/>
+              <a:t> </a:t>
+            </a:r>
+            <a:r>
+              <a:rPr dirty="0" err="1"/>
+              <a:t>dei</a:t>
+            </a:r>
+            <a:r>
+              <a:rPr dirty="0"/>
+              <a:t> </a:t>
+            </a:r>
+            <a:r>
+              <a:rPr dirty="0" err="1"/>
+              <a:t>strumenti</a:t>
+            </a:r>
+            <a:r>
+              <a:rPr dirty="0"/>
+              <a:t> da </a:t>
+            </a:r>
+            <a:r>
+              <a:rPr dirty="0" err="1"/>
+              <a:t>riga</a:t>
+            </a:r>
+            <a:r>
+              <a:rPr dirty="0"/>
+              <a:t> di </a:t>
+            </a:r>
+            <a:r>
+              <a:rPr dirty="0" err="1"/>
+              <a:t>comando</a:t>
+            </a:r>
+            <a:r>
+              <a:rPr dirty="0"/>
+              <a:t>, CLI, e shell </a:t>
+            </a:r>
+            <a:r>
+              <a:rPr dirty="0" err="1"/>
+              <a:t>possono</a:t>
+            </a:r>
+            <a:r>
+              <a:rPr dirty="0"/>
+              <a:t> </a:t>
+            </a:r>
+            <a:r>
+              <a:rPr dirty="0" err="1"/>
+              <a:t>essere</a:t>
+            </a:r>
+            <a:r>
+              <a:rPr dirty="0"/>
+              <a:t> </a:t>
+            </a:r>
+            <a:r>
+              <a:rPr dirty="0" err="1"/>
+              <a:t>classificati</a:t>
+            </a:r>
+            <a:r>
+              <a:rPr dirty="0"/>
+              <a:t> </a:t>
+            </a:r>
+            <a:r>
+              <a:rPr dirty="0" err="1"/>
+              <a:t>teoricamente</a:t>
+            </a:r>
+            <a:r>
+              <a:rPr dirty="0"/>
+              <a:t> come </a:t>
+            </a:r>
+            <a:r>
+              <a:rPr dirty="0" err="1"/>
+              <a:t>linguaggi</a:t>
+            </a:r>
+            <a:r>
+              <a:rPr dirty="0"/>
+              <a:t> </a:t>
+            </a:r>
+            <a:r>
+              <a:rPr dirty="0" err="1"/>
+              <a:t>interpretati</a:t>
+            </a:r>
+            <a:r>
+              <a:rPr dirty="0"/>
+              <a:t>.</a:t>
+            </a:r>
+          </a:p>
+          <a:p>
+            <a:endParaRPr dirty="0"/>
+          </a:p>
+          <a:p>
+            <a:r>
+              <a:rPr dirty="0" err="1"/>
+              <a:t>Vantaggi</a:t>
+            </a:r>
+            <a:r>
+              <a:rPr dirty="0"/>
+              <a:t> e </a:t>
+            </a:r>
+            <a:r>
+              <a:rPr dirty="0" err="1"/>
+              <a:t>svantaggi</a:t>
+            </a:r>
+            <a:endParaRPr dirty="0"/>
+          </a:p>
+          <a:p>
+            <a:r>
+              <a:rPr dirty="0" err="1"/>
+              <a:t>Vantaggi</a:t>
+            </a:r>
+            <a:r>
+              <a:rPr dirty="0"/>
+              <a:t> </a:t>
+            </a:r>
+            <a:r>
+              <a:rPr dirty="0" err="1"/>
+              <a:t>dei</a:t>
+            </a:r>
+            <a:r>
+              <a:rPr dirty="0"/>
+              <a:t> </a:t>
+            </a:r>
+            <a:r>
+              <a:rPr dirty="0" err="1"/>
+              <a:t>linguaggi</a:t>
+            </a:r>
+            <a:r>
+              <a:rPr dirty="0"/>
+              <a:t> </a:t>
+            </a:r>
+            <a:r>
+              <a:rPr dirty="0" err="1"/>
+              <a:t>compilati</a:t>
+            </a:r>
+            <a:endParaRPr dirty="0"/>
+          </a:p>
+          <a:p>
+            <a:r>
+              <a:rPr dirty="0"/>
+              <a:t>I </a:t>
+            </a:r>
+            <a:r>
+              <a:rPr dirty="0" err="1"/>
+              <a:t>programmi</a:t>
+            </a:r>
+            <a:r>
+              <a:rPr dirty="0"/>
+              <a:t> </a:t>
+            </a:r>
+            <a:r>
+              <a:rPr dirty="0" err="1"/>
+              <a:t>che</a:t>
+            </a:r>
+            <a:r>
+              <a:rPr dirty="0"/>
+              <a:t> </a:t>
+            </a:r>
+            <a:r>
+              <a:rPr dirty="0" err="1"/>
+              <a:t>vengono</a:t>
+            </a:r>
+            <a:r>
+              <a:rPr dirty="0"/>
+              <a:t> </a:t>
+            </a:r>
+            <a:r>
+              <a:rPr dirty="0" err="1"/>
+              <a:t>compilati</a:t>
+            </a:r>
+            <a:r>
+              <a:rPr dirty="0"/>
+              <a:t> </a:t>
+            </a:r>
+            <a:r>
+              <a:rPr dirty="0" err="1"/>
+              <a:t>nel</a:t>
+            </a:r>
+            <a:r>
+              <a:rPr dirty="0"/>
+              <a:t> </a:t>
+            </a:r>
+            <a:r>
+              <a:rPr dirty="0" err="1"/>
+              <a:t>codice</a:t>
+            </a:r>
+            <a:r>
+              <a:rPr dirty="0"/>
+              <a:t> </a:t>
+            </a:r>
+            <a:r>
+              <a:rPr dirty="0" err="1"/>
+              <a:t>macchina</a:t>
+            </a:r>
+            <a:r>
+              <a:rPr dirty="0"/>
+              <a:t> </a:t>
+            </a:r>
+            <a:r>
+              <a:rPr dirty="0" err="1"/>
+              <a:t>tendono</a:t>
+            </a:r>
+            <a:r>
+              <a:rPr dirty="0"/>
+              <a:t> a </a:t>
+            </a:r>
+            <a:r>
+              <a:rPr dirty="0" err="1"/>
+              <a:t>essere</a:t>
+            </a:r>
+            <a:r>
+              <a:rPr dirty="0"/>
+              <a:t> </a:t>
+            </a:r>
+            <a:r>
+              <a:rPr dirty="0" err="1"/>
+              <a:t>più</a:t>
+            </a:r>
+            <a:r>
+              <a:rPr dirty="0"/>
+              <a:t> </a:t>
+            </a:r>
+            <a:r>
+              <a:rPr dirty="0" err="1"/>
+              <a:t>veloci</a:t>
+            </a:r>
+            <a:r>
+              <a:rPr dirty="0"/>
+              <a:t> del </a:t>
+            </a:r>
+            <a:r>
+              <a:rPr dirty="0" err="1"/>
+              <a:t>quelli</a:t>
+            </a:r>
+            <a:r>
+              <a:rPr dirty="0"/>
+              <a:t> </a:t>
+            </a:r>
+            <a:r>
+              <a:rPr dirty="0" err="1"/>
+              <a:t>interpretati</a:t>
+            </a:r>
+            <a:r>
+              <a:rPr dirty="0"/>
+              <a:t>. </a:t>
+            </a:r>
+            <a:r>
+              <a:rPr dirty="0" err="1"/>
+              <a:t>Questo</a:t>
+            </a:r>
+            <a:r>
+              <a:rPr dirty="0"/>
+              <a:t> </a:t>
+            </a:r>
+            <a:r>
+              <a:rPr dirty="0" err="1"/>
+              <a:t>accade</a:t>
+            </a:r>
+            <a:r>
+              <a:rPr dirty="0"/>
+              <a:t> </a:t>
+            </a:r>
+            <a:r>
+              <a:rPr dirty="0" err="1"/>
+              <a:t>perché</a:t>
+            </a:r>
+            <a:r>
+              <a:rPr dirty="0"/>
+              <a:t> il </a:t>
+            </a:r>
+            <a:r>
+              <a:rPr dirty="0" err="1"/>
+              <a:t>processo</a:t>
+            </a:r>
+            <a:r>
+              <a:rPr dirty="0"/>
+              <a:t> di </a:t>
+            </a:r>
+            <a:r>
+              <a:rPr dirty="0" err="1"/>
+              <a:t>traduzione</a:t>
+            </a:r>
+            <a:r>
+              <a:rPr dirty="0"/>
+              <a:t> del </a:t>
+            </a:r>
+            <a:r>
+              <a:rPr dirty="0" err="1"/>
+              <a:t>codice</a:t>
+            </a:r>
+            <a:r>
+              <a:rPr dirty="0"/>
+              <a:t> </a:t>
+            </a:r>
+            <a:r>
+              <a:rPr dirty="0" err="1"/>
+              <a:t>durante</a:t>
+            </a:r>
+            <a:r>
+              <a:rPr dirty="0"/>
+              <a:t> </a:t>
+            </a:r>
+            <a:r>
+              <a:rPr dirty="0" err="1"/>
+              <a:t>l'esecuzione</a:t>
+            </a:r>
+            <a:r>
+              <a:rPr dirty="0"/>
+              <a:t> </a:t>
+            </a:r>
+            <a:r>
+              <a:rPr dirty="0" err="1"/>
+              <a:t>può</a:t>
+            </a:r>
+            <a:r>
+              <a:rPr dirty="0"/>
+              <a:t> </a:t>
+            </a:r>
+            <a:r>
+              <a:rPr dirty="0" err="1"/>
+              <a:t>sovraccaricare</a:t>
+            </a:r>
+            <a:r>
+              <a:rPr dirty="0"/>
+              <a:t> il </a:t>
+            </a:r>
+            <a:r>
+              <a:rPr dirty="0" err="1"/>
+              <a:t>sistema</a:t>
+            </a:r>
+            <a:r>
+              <a:rPr dirty="0"/>
+              <a:t>, rallentando il </a:t>
+            </a:r>
+            <a:r>
+              <a:rPr dirty="0" err="1"/>
+              <a:t>programma</a:t>
+            </a:r>
+            <a:r>
+              <a:rPr dirty="0"/>
+              <a:t>.</a:t>
+            </a:r>
+          </a:p>
+          <a:p>
+            <a:endParaRPr dirty="0"/>
+          </a:p>
+          <a:p>
+            <a:r>
+              <a:rPr dirty="0" err="1"/>
+              <a:t>Svantaggi</a:t>
+            </a:r>
+            <a:r>
+              <a:rPr dirty="0"/>
+              <a:t> </a:t>
+            </a:r>
+            <a:r>
+              <a:rPr dirty="0" err="1"/>
+              <a:t>dei</a:t>
+            </a:r>
+            <a:r>
+              <a:rPr dirty="0"/>
+              <a:t> </a:t>
+            </a:r>
+            <a:r>
+              <a:rPr dirty="0" err="1"/>
+              <a:t>linguaggi</a:t>
+            </a:r>
+            <a:r>
+              <a:rPr dirty="0"/>
+              <a:t> </a:t>
+            </a:r>
+            <a:r>
+              <a:rPr dirty="0" err="1"/>
+              <a:t>compilati</a:t>
+            </a:r>
+            <a:endParaRPr dirty="0"/>
+          </a:p>
+          <a:p>
+            <a:r>
+              <a:rPr dirty="0"/>
+              <a:t>Gli </a:t>
+            </a:r>
+            <a:r>
+              <a:rPr dirty="0" err="1"/>
+              <a:t>svantaggi</a:t>
+            </a:r>
+            <a:r>
+              <a:rPr dirty="0"/>
+              <a:t> </a:t>
+            </a:r>
+            <a:r>
+              <a:rPr dirty="0" err="1"/>
+              <a:t>più</a:t>
+            </a:r>
+            <a:r>
+              <a:rPr dirty="0"/>
+              <a:t> </a:t>
+            </a:r>
+            <a:r>
+              <a:rPr dirty="0" err="1"/>
+              <a:t>rilevanti</a:t>
+            </a:r>
+            <a:r>
+              <a:rPr dirty="0"/>
+              <a:t> </a:t>
+            </a:r>
+            <a:r>
+              <a:rPr dirty="0" err="1"/>
+              <a:t>sono</a:t>
+            </a:r>
+            <a:r>
+              <a:rPr dirty="0"/>
+              <a:t>:</a:t>
+            </a:r>
+          </a:p>
+          <a:p>
+            <a:endParaRPr dirty="0"/>
+          </a:p>
+          <a:p>
+            <a:r>
+              <a:rPr dirty="0" err="1"/>
+              <a:t>Più</a:t>
+            </a:r>
+            <a:r>
+              <a:rPr dirty="0"/>
+              <a:t> tempo </a:t>
+            </a:r>
+            <a:r>
+              <a:rPr dirty="0" err="1"/>
+              <a:t>necessario</a:t>
+            </a:r>
+            <a:r>
+              <a:rPr dirty="0"/>
+              <a:t> per </a:t>
+            </a:r>
+            <a:r>
+              <a:rPr dirty="0" err="1"/>
+              <a:t>completare</a:t>
+            </a:r>
+            <a:r>
+              <a:rPr dirty="0"/>
+              <a:t> la </a:t>
+            </a:r>
+            <a:r>
+              <a:rPr dirty="0" err="1"/>
+              <a:t>fase</a:t>
+            </a:r>
+            <a:r>
+              <a:rPr dirty="0"/>
+              <a:t> di </a:t>
+            </a:r>
+            <a:r>
+              <a:rPr dirty="0" err="1"/>
+              <a:t>compilazione</a:t>
+            </a:r>
+            <a:r>
+              <a:rPr dirty="0"/>
+              <a:t> prima di </a:t>
+            </a:r>
+            <a:r>
+              <a:rPr dirty="0" err="1"/>
+              <a:t>poter</a:t>
+            </a:r>
+            <a:r>
+              <a:rPr dirty="0"/>
+              <a:t> fare test</a:t>
+            </a:r>
+          </a:p>
+          <a:p>
+            <a:r>
+              <a:rPr dirty="0" err="1"/>
+              <a:t>Dipendenza</a:t>
+            </a:r>
+            <a:r>
+              <a:rPr dirty="0"/>
+              <a:t> </a:t>
+            </a:r>
+            <a:r>
+              <a:rPr dirty="0" err="1"/>
+              <a:t>dalla</a:t>
+            </a:r>
+            <a:r>
+              <a:rPr dirty="0"/>
+              <a:t> </a:t>
+            </a:r>
+            <a:r>
+              <a:rPr dirty="0" err="1"/>
+              <a:t>piattaforma</a:t>
+            </a:r>
+            <a:r>
+              <a:rPr dirty="0"/>
+              <a:t> del </a:t>
+            </a:r>
+            <a:r>
+              <a:rPr dirty="0" err="1"/>
+              <a:t>codice</a:t>
+            </a:r>
+            <a:r>
+              <a:rPr dirty="0"/>
+              <a:t> </a:t>
+            </a:r>
+            <a:r>
+              <a:rPr dirty="0" err="1"/>
+              <a:t>binario</a:t>
+            </a:r>
+            <a:r>
+              <a:rPr dirty="0"/>
+              <a:t> </a:t>
+            </a:r>
+            <a:r>
+              <a:rPr dirty="0" err="1"/>
+              <a:t>generato</a:t>
+            </a:r>
+            <a:endParaRPr dirty="0"/>
+          </a:p>
+          <a:p>
+            <a:r>
+              <a:rPr dirty="0" err="1"/>
+              <a:t>Vantaggi</a:t>
+            </a:r>
+            <a:r>
+              <a:rPr dirty="0"/>
+              <a:t> </a:t>
+            </a:r>
+            <a:r>
+              <a:rPr dirty="0" err="1"/>
+              <a:t>dei</a:t>
+            </a:r>
+            <a:r>
+              <a:rPr dirty="0"/>
+              <a:t> </a:t>
+            </a:r>
+            <a:r>
+              <a:rPr dirty="0" err="1"/>
+              <a:t>linguaggi</a:t>
+            </a:r>
+            <a:r>
+              <a:rPr dirty="0"/>
+              <a:t> </a:t>
+            </a:r>
+            <a:r>
+              <a:rPr dirty="0" err="1"/>
+              <a:t>interpretati</a:t>
+            </a:r>
+            <a:endParaRPr dirty="0"/>
+          </a:p>
+          <a:p>
+            <a:r>
+              <a:rPr dirty="0"/>
+              <a:t>I </a:t>
+            </a:r>
+            <a:r>
+              <a:rPr dirty="0" err="1"/>
+              <a:t>linguaggi</a:t>
+            </a:r>
+            <a:r>
+              <a:rPr dirty="0"/>
+              <a:t> </a:t>
+            </a:r>
+            <a:r>
+              <a:rPr dirty="0" err="1"/>
+              <a:t>interpretati</a:t>
+            </a:r>
+            <a:r>
+              <a:rPr dirty="0"/>
+              <a:t> </a:t>
+            </a:r>
+            <a:r>
+              <a:rPr dirty="0" err="1"/>
+              <a:t>tendono</a:t>
+            </a:r>
+            <a:r>
+              <a:rPr dirty="0"/>
+              <a:t> ad </a:t>
+            </a:r>
+            <a:r>
+              <a:rPr dirty="0" err="1"/>
+              <a:t>essere</a:t>
+            </a:r>
+            <a:r>
+              <a:rPr dirty="0"/>
+              <a:t> </a:t>
+            </a:r>
+            <a:r>
+              <a:rPr dirty="0" err="1"/>
+              <a:t>più</a:t>
+            </a:r>
+            <a:r>
+              <a:rPr dirty="0"/>
+              <a:t> </a:t>
+            </a:r>
+            <a:r>
+              <a:rPr dirty="0" err="1"/>
+              <a:t>flessibili</a:t>
+            </a:r>
+            <a:r>
+              <a:rPr dirty="0"/>
+              <a:t>, </a:t>
+            </a:r>
+            <a:r>
+              <a:rPr dirty="0" err="1"/>
+              <a:t>offrendo</a:t>
+            </a:r>
+            <a:r>
+              <a:rPr dirty="0"/>
+              <a:t> </a:t>
+            </a:r>
+            <a:r>
+              <a:rPr dirty="0" err="1"/>
+              <a:t>spesso</a:t>
+            </a:r>
+            <a:r>
+              <a:rPr dirty="0"/>
+              <a:t> </a:t>
+            </a:r>
+            <a:r>
+              <a:rPr dirty="0" err="1"/>
+              <a:t>caratteristiche</a:t>
+            </a:r>
+            <a:r>
+              <a:rPr dirty="0"/>
+              <a:t> come la </a:t>
+            </a:r>
+            <a:r>
+              <a:rPr dirty="0" err="1"/>
+              <a:t>tipizzazione</a:t>
+            </a:r>
+            <a:r>
+              <a:rPr dirty="0"/>
+              <a:t> </a:t>
+            </a:r>
+            <a:r>
+              <a:rPr dirty="0" err="1"/>
+              <a:t>dinamica</a:t>
+            </a:r>
+            <a:r>
+              <a:rPr dirty="0"/>
+              <a:t> e </a:t>
+            </a:r>
+            <a:r>
+              <a:rPr dirty="0" err="1"/>
+              <a:t>programmi</a:t>
+            </a:r>
+            <a:r>
+              <a:rPr dirty="0"/>
+              <a:t> con </a:t>
+            </a:r>
+            <a:r>
+              <a:rPr dirty="0" err="1"/>
+              <a:t>minori</a:t>
+            </a:r>
+            <a:r>
+              <a:rPr dirty="0"/>
+              <a:t> </a:t>
+            </a:r>
+            <a:r>
+              <a:rPr dirty="0" err="1"/>
+              <a:t>dimensioni</a:t>
+            </a:r>
+            <a:r>
+              <a:rPr dirty="0"/>
+              <a:t>. </a:t>
+            </a:r>
+            <a:r>
+              <a:rPr dirty="0" err="1"/>
+              <a:t>Inoltre</a:t>
+            </a:r>
+            <a:r>
+              <a:rPr dirty="0"/>
+              <a:t>, </a:t>
+            </a:r>
+            <a:r>
+              <a:rPr dirty="0" err="1"/>
+              <a:t>dato</a:t>
+            </a:r>
+            <a:r>
+              <a:rPr dirty="0"/>
+              <a:t> </a:t>
+            </a:r>
+            <a:r>
+              <a:rPr dirty="0" err="1"/>
+              <a:t>che</a:t>
+            </a:r>
+            <a:r>
+              <a:rPr dirty="0"/>
+              <a:t> </a:t>
+            </a:r>
+            <a:r>
+              <a:rPr dirty="0" err="1"/>
+              <a:t>sono</a:t>
+            </a:r>
+            <a:r>
+              <a:rPr dirty="0"/>
+              <a:t> </a:t>
+            </a:r>
+            <a:r>
+              <a:rPr dirty="0" err="1"/>
+              <a:t>gli</a:t>
+            </a:r>
+            <a:r>
+              <a:rPr dirty="0"/>
+              <a:t> </a:t>
+            </a:r>
+            <a:r>
+              <a:rPr dirty="0" err="1"/>
+              <a:t>interpreti</a:t>
+            </a:r>
+            <a:r>
+              <a:rPr dirty="0"/>
+              <a:t> ad </a:t>
+            </a:r>
+            <a:r>
+              <a:rPr dirty="0" err="1"/>
+              <a:t>eseguire</a:t>
+            </a:r>
+            <a:r>
+              <a:rPr dirty="0"/>
+              <a:t> il </a:t>
+            </a:r>
+            <a:r>
+              <a:rPr dirty="0" err="1"/>
+              <a:t>codice</a:t>
+            </a:r>
+            <a:r>
+              <a:rPr dirty="0"/>
+              <a:t> </a:t>
+            </a:r>
+            <a:r>
+              <a:rPr dirty="0" err="1"/>
+              <a:t>sorgente</a:t>
+            </a:r>
+            <a:r>
+              <a:rPr dirty="0"/>
+              <a:t>, il </a:t>
+            </a:r>
+            <a:r>
+              <a:rPr dirty="0" err="1"/>
+              <a:t>codice</a:t>
+            </a:r>
+            <a:r>
+              <a:rPr dirty="0"/>
+              <a:t> </a:t>
+            </a:r>
+            <a:r>
+              <a:rPr dirty="0" err="1"/>
+              <a:t>stesso</a:t>
+            </a:r>
+            <a:r>
+              <a:rPr dirty="0"/>
+              <a:t> </a:t>
+            </a:r>
+            <a:r>
+              <a:rPr dirty="0" err="1"/>
+              <a:t>risulta</a:t>
+            </a:r>
+            <a:r>
+              <a:rPr dirty="0"/>
+              <a:t> </a:t>
+            </a:r>
+            <a:r>
+              <a:rPr dirty="0" err="1"/>
+              <a:t>una</a:t>
+            </a:r>
+            <a:r>
+              <a:rPr dirty="0"/>
+              <a:t> </a:t>
+            </a:r>
+            <a:r>
+              <a:rPr dirty="0" err="1"/>
+              <a:t>piattaforma</a:t>
+            </a:r>
+            <a:r>
+              <a:rPr dirty="0"/>
+              <a:t> </a:t>
+            </a:r>
+            <a:r>
+              <a:rPr dirty="0" err="1"/>
+              <a:t>indipendente</a:t>
+            </a:r>
+            <a:r>
+              <a:rPr dirty="0"/>
+              <a:t>.</a:t>
+            </a:r>
+          </a:p>
+          <a:p>
+            <a:endParaRPr dirty="0"/>
+          </a:p>
+          <a:p>
+            <a:r>
+              <a:rPr dirty="0" err="1"/>
+              <a:t>Svantaggi</a:t>
+            </a:r>
+            <a:r>
+              <a:rPr dirty="0"/>
+              <a:t> </a:t>
+            </a:r>
+            <a:r>
+              <a:rPr dirty="0" err="1"/>
+              <a:t>dei</a:t>
+            </a:r>
+            <a:r>
+              <a:rPr dirty="0"/>
+              <a:t> </a:t>
+            </a:r>
+            <a:r>
+              <a:rPr dirty="0" err="1"/>
+              <a:t>linguaggi</a:t>
+            </a:r>
+            <a:r>
+              <a:rPr dirty="0"/>
+              <a:t> </a:t>
+            </a:r>
+            <a:r>
+              <a:rPr dirty="0" err="1"/>
+              <a:t>interpretati</a:t>
+            </a:r>
+            <a:endParaRPr dirty="0"/>
+          </a:p>
+          <a:p>
+            <a:r>
+              <a:rPr dirty="0"/>
+              <a:t>Lo </a:t>
+            </a:r>
+            <a:r>
+              <a:rPr dirty="0" err="1"/>
+              <a:t>svantaggio</a:t>
+            </a:r>
+            <a:r>
+              <a:rPr dirty="0"/>
+              <a:t> </a:t>
+            </a:r>
+            <a:r>
+              <a:rPr dirty="0" err="1"/>
+              <a:t>principale</a:t>
+            </a:r>
+            <a:r>
+              <a:rPr dirty="0"/>
+              <a:t> </a:t>
+            </a:r>
+            <a:r>
+              <a:rPr dirty="0" err="1"/>
+              <a:t>è</a:t>
+            </a:r>
+            <a:r>
+              <a:rPr dirty="0"/>
+              <a:t> la </a:t>
+            </a:r>
+            <a:r>
+              <a:rPr dirty="0" err="1"/>
+              <a:t>velocità</a:t>
+            </a:r>
+            <a:r>
+              <a:rPr dirty="0"/>
+              <a:t> di </a:t>
+            </a:r>
+            <a:r>
+              <a:rPr dirty="0" err="1"/>
+              <a:t>esecuzione</a:t>
+            </a:r>
+            <a:r>
+              <a:rPr dirty="0"/>
+              <a:t> </a:t>
+            </a:r>
+            <a:r>
+              <a:rPr dirty="0" err="1"/>
+              <a:t>tipicamente</a:t>
+            </a:r>
+            <a:r>
+              <a:rPr dirty="0"/>
+              <a:t> </a:t>
+            </a:r>
+            <a:r>
+              <a:rPr dirty="0" err="1"/>
+              <a:t>ridotta</a:t>
+            </a:r>
+            <a:r>
+              <a:rPr dirty="0"/>
+              <a:t> rispetto a </a:t>
+            </a:r>
+            <a:r>
+              <a:rPr dirty="0" err="1"/>
+              <a:t>quella</a:t>
+            </a:r>
+            <a:r>
+              <a:rPr dirty="0"/>
+              <a:t> </a:t>
+            </a:r>
+            <a:r>
+              <a:rPr dirty="0" err="1"/>
+              <a:t>dei</a:t>
+            </a:r>
+            <a:r>
+              <a:rPr dirty="0"/>
+              <a:t> </a:t>
+            </a:r>
+            <a:r>
+              <a:rPr dirty="0" err="1"/>
+              <a:t>linguaggio</a:t>
+            </a:r>
+            <a:r>
+              <a:rPr dirty="0"/>
+              <a:t> </a:t>
+            </a:r>
+            <a:r>
+              <a:rPr dirty="0" err="1"/>
+              <a:t>compilati</a:t>
+            </a:r>
+            <a:r>
+              <a:rPr dirty="0"/>
+              <a:t>.</a:t>
             </a:r>
           </a:p>
         </p:txBody>
@@ -1893,12 +5154,13 @@
           <a:lstStyle/>
           <a:p>
             <a:r>
+              <a:rPr dirty="0"/>
               <a:t>Link video: </a:t>
             </a:r>
           </a:p>
           <a:p>
             <a:r>
-              <a:rPr u="sng">
+              <a:rPr u="sng" dirty="0">
                 <a:hlinkClick r:id="rId3"/>
               </a:rPr>
               <a:t>https://www.youtube.com/watch?v=lJGQHtdKIIo</a:t>
@@ -8714,10 +11976,37 @@
               <a:buAutoNum type="arabicPeriod"/>
             </a:pPr>
             <a:r>
-              <a:t>Aprire Terminale/Prompt dei comandi</a:t>
-            </a:r>
-            <a:br/>
-            <a:endParaRPr/>
+              <a:rPr dirty="0" err="1"/>
+              <a:t>Aprire</a:t>
+            </a:r>
+            <a:r>
+              <a:rPr dirty="0"/>
+              <a:t> </a:t>
+            </a:r>
+            <a:r>
+              <a:rPr dirty="0" err="1"/>
+              <a:t>Terminale</a:t>
+            </a:r>
+            <a:r>
+              <a:rPr dirty="0"/>
+              <a:t>/Prompt </a:t>
+            </a:r>
+            <a:r>
+              <a:rPr dirty="0" err="1"/>
+              <a:t>dei</a:t>
+            </a:r>
+            <a:r>
+              <a:rPr dirty="0"/>
+              <a:t> </a:t>
+            </a:r>
+            <a:r>
+              <a:rPr dirty="0" err="1"/>
+              <a:t>comandi</a:t>
+            </a:r>
+            <a:br>
+              <a:rPr dirty="0"/>
+            </a:br>
+            <a:endParaRPr dirty="0"/>
           </a:p>
           <a:p>
             <a:pPr marL="889000" indent="-889000">
@@ -8725,26 +12014,40 @@
               <a:buAutoNum type="arabicPeriod"/>
             </a:pPr>
             <a:r>
-              <a:t>Digitare </a:t>
-            </a:r>
-            <a:r>
-              <a:rPr>
+              <a:rPr dirty="0" err="1"/>
+              <a:t>Digitare</a:t>
+            </a:r>
+            <a:r>
+              <a:rPr dirty="0"/>
+              <a:t> </a:t>
+            </a:r>
+            <a:r>
+              <a:rPr dirty="0" err="1">
                 <a:latin typeface="FreeMono"/>
                 <a:ea typeface="FreeMono"/>
                 <a:cs typeface="FreeMono"/>
                 <a:sym typeface="FreeMono"/>
               </a:rPr>
-              <a:t>gcc --version </a:t>
+              <a:t>gcc</a:t>
+            </a:r>
+            <a:r>
+              <a:rPr dirty="0">
+                <a:latin typeface="FreeMono"/>
+                <a:ea typeface="FreeMono"/>
+                <a:cs typeface="FreeMono"/>
+                <a:sym typeface="FreeMono"/>
+              </a:rPr>
+              <a:t> --version </a:t>
             </a:r>
             <a:br>
-              <a:rPr>
+              <a:rPr dirty="0">
                 <a:latin typeface="FreeMono"/>
                 <a:ea typeface="FreeMono"/>
                 <a:cs typeface="FreeMono"/>
                 <a:sym typeface="FreeMono"/>
               </a:rPr>
             </a:br>
-            <a:endParaRPr>
+            <a:endParaRPr dirty="0">
               <a:latin typeface="FreeMono"/>
               <a:ea typeface="FreeMono"/>
               <a:cs typeface="FreeMono"/>
@@ -8757,10 +12060,25 @@
               <a:buAutoNum type="arabicPeriod"/>
             </a:pPr>
             <a:r>
-              <a:t>Creare un file con estensione .c</a:t>
-            </a:r>
-            <a:br/>
-            <a:endParaRPr/>
+              <a:rPr dirty="0" err="1"/>
+              <a:t>Creare</a:t>
+            </a:r>
+            <a:r>
+              <a:rPr dirty="0"/>
+              <a:t> un file con </a:t>
+            </a:r>
+            <a:r>
+              <a:rPr dirty="0" err="1"/>
+              <a:t>estensione</a:t>
+            </a:r>
+            <a:r>
+              <a:rPr dirty="0"/>
+              <a:t> .c</a:t>
+            </a:r>
+            <a:br>
+              <a:rPr dirty="0"/>
+            </a:br>
+            <a:endParaRPr dirty="0"/>
           </a:p>
           <a:p>
             <a:pPr marL="889000" indent="-889000">
@@ -8768,39 +12086,130 @@
               <a:buAutoNum type="arabicPeriod"/>
             </a:pPr>
             <a:r>
-              <a:t>Compilare con il comando: </a:t>
-            </a:r>
-            <a:br/>
-            <a:r>
-              <a:rPr>
+              <a:rPr dirty="0" err="1"/>
+              <a:t>Compilare</a:t>
+            </a:r>
+            <a:r>
+              <a:rPr dirty="0"/>
+              <a:t> con il </a:t>
+            </a:r>
+            <a:r>
+              <a:rPr dirty="0" err="1"/>
+              <a:t>comando</a:t>
+            </a:r>
+            <a:r>
+              <a:rPr dirty="0"/>
+              <a:t>: </a:t>
+            </a:r>
+            <a:br>
+              <a:rPr dirty="0"/>
+            </a:br>
+            <a:r>
+              <a:rPr dirty="0" err="1">
                 <a:latin typeface="FreeMono"/>
                 <a:ea typeface="FreeMono"/>
                 <a:cs typeface="FreeMono"/>
                 <a:sym typeface="FreeMono"/>
               </a:rPr>
-              <a:t>gcc nome_del_file.c -o Nome_eseguibile</a:t>
-            </a:r>
-            <a:br/>
-            <a:endParaRPr/>
-          </a:p>
-          <a:p>
-            <a:pPr marL="889000" indent="-889000">
-              <a:buSzPct val="100000"/>
-              <a:buAutoNum type="arabicPeriod"/>
-            </a:pPr>
-            <a:r>
-              <a:t>Lanciare da terminale il comando:</a:t>
-            </a:r>
-            <a:br/>
-            <a:r>
-              <a:rPr>
+              <a:t>gcc</a:t>
+            </a:r>
+            <a:r>
+              <a:rPr dirty="0">
                 <a:latin typeface="FreeMono"/>
                 <a:ea typeface="FreeMono"/>
                 <a:cs typeface="FreeMono"/>
                 <a:sym typeface="FreeMono"/>
               </a:rPr>
-              <a:t>./Nome_eseguibile</a:t>
-            </a:r>
+              <a:t> </a:t>
+            </a:r>
+            <a:r>
+              <a:rPr dirty="0" err="1">
+                <a:latin typeface="FreeMono"/>
+                <a:ea typeface="FreeMono"/>
+                <a:cs typeface="FreeMono"/>
+                <a:sym typeface="FreeMono"/>
+              </a:rPr>
+              <a:t>nome_del_file.c</a:t>
+            </a:r>
+            <a:r>
+              <a:rPr dirty="0">
+                <a:latin typeface="FreeMono"/>
+                <a:ea typeface="FreeMono"/>
+                <a:cs typeface="FreeMono"/>
+                <a:sym typeface="FreeMono"/>
+              </a:rPr>
+              <a:t> -o </a:t>
+            </a:r>
+            <a:r>
+              <a:rPr dirty="0" err="1">
+                <a:latin typeface="FreeMono"/>
+                <a:ea typeface="FreeMono"/>
+                <a:cs typeface="FreeMono"/>
+                <a:sym typeface="FreeMono"/>
+              </a:rPr>
+              <a:t>Nome_eseguibile</a:t>
+            </a:r>
+            <a:br>
+              <a:rPr dirty="0"/>
+            </a:br>
+            <a:endParaRPr dirty="0"/>
+          </a:p>
+          <a:p>
+            <a:pPr marL="889000" indent="-889000">
+              <a:buSzPct val="100000"/>
+              <a:buAutoNum type="arabicPeriod"/>
+            </a:pPr>
+            <a:r>
+              <a:rPr dirty="0" err="1"/>
+              <a:t>Lanciare</a:t>
+            </a:r>
+            <a:r>
+              <a:rPr dirty="0"/>
+              <a:t> da </a:t>
+            </a:r>
+            <a:r>
+              <a:rPr dirty="0" err="1"/>
+              <a:t>terminale</a:t>
+            </a:r>
+            <a:r>
+              <a:rPr dirty="0"/>
+              <a:t> il </a:t>
+            </a:r>
+            <a:r>
+              <a:rPr dirty="0" err="1"/>
+              <a:t>comando</a:t>
+            </a:r>
+            <a:r>
+              <a:rPr dirty="0"/>
+              <a:t>:</a:t>
+            </a:r>
+            <a:br>
+              <a:rPr dirty="0"/>
+            </a:br>
+            <a:r>
+              <a:rPr dirty="0">
+                <a:latin typeface="FreeMono"/>
+                <a:ea typeface="FreeMono"/>
+                <a:cs typeface="FreeMono"/>
+                <a:sym typeface="FreeMono"/>
+              </a:rPr>
+              <a:t>./</a:t>
+            </a:r>
+            <a:r>
+              <a:rPr dirty="0" err="1">
+                <a:latin typeface="FreeMono"/>
+                <a:ea typeface="FreeMono"/>
+                <a:cs typeface="FreeMono"/>
+                <a:sym typeface="FreeMono"/>
+              </a:rPr>
+              <a:t>Nome_eseguibile</a:t>
+            </a:r>
+            <a:endParaRPr dirty="0">
+              <a:latin typeface="FreeMono"/>
+              <a:ea typeface="FreeMono"/>
+              <a:cs typeface="FreeMono"/>
+              <a:sym typeface="FreeMono"/>
+            </a:endParaRPr>
           </a:p>
         </p:txBody>
       </p:sp>
@@ -8884,30 +12293,41 @@
           <a:lstStyle/>
           <a:p>
             <a:r>
-              <a:rPr u="sng">
+              <a:rPr u="sng" dirty="0">
                 <a:hlinkClick r:id="rId2"/>
               </a:rPr>
               <a:t>https://www.onlinegdb.com/online_c_compiler</a:t>
             </a:r>
-            <a:br/>
-            <a:endParaRPr/>
-          </a:p>
-          <a:p>
-            <a:r>
-              <a:rPr u="sng">
+            <a:br>
+              <a:rPr dirty="0"/>
+            </a:br>
+            <a:endParaRPr dirty="0"/>
+          </a:p>
+          <a:p>
+            <a:r>
+              <a:rPr u="sng" dirty="0">
                 <a:hlinkClick r:id="rId3"/>
               </a:rPr>
               <a:t>https://www.mycompiler.io/it/new/c</a:t>
             </a:r>
           </a:p>
           <a:p>
-            <a:endParaRPr u="sng">
+            <a:endParaRPr u="sng" dirty="0">
               <a:hlinkClick r:id="rId3"/>
             </a:endParaRPr>
           </a:p>
           <a:p>
             <a:r>
-              <a:t>https://www.programiz.com/c-programming/online-compiler/</a:t>
+              <a:rPr dirty="0"/>
+              <a:t>https://</a:t>
+            </a:r>
+            <a:r>
+              <a:rPr dirty="0" err="1"/>
+              <a:t>www.programiz.com</a:t>
+            </a:r>
+            <a:r>
+              <a:rPr dirty="0"/>
+              <a:t>/c-programming/online-compiler/</a:t>
             </a:r>
           </a:p>
         </p:txBody>
@@ -9869,7 +13289,104 @@
           <a:lstStyle/>
           <a:p>
             <a:r>
-              <a:t>Dato un numero intero come input, il programma deve restituire prima il suo precedente, poi il suo successivo, infine il doppio del numero inserito.</a:t>
+              <a:rPr dirty="0"/>
+              <a:t>Dato un </a:t>
+            </a:r>
+            <a:r>
+              <a:rPr dirty="0" err="1"/>
+              <a:t>numero</a:t>
+            </a:r>
+            <a:r>
+              <a:rPr dirty="0"/>
+              <a:t> </a:t>
+            </a:r>
+            <a:r>
+              <a:rPr dirty="0" err="1"/>
+              <a:t>intero</a:t>
+            </a:r>
+            <a:r>
+              <a:rPr dirty="0"/>
+              <a:t> come input, il </a:t>
+            </a:r>
+            <a:r>
+              <a:rPr dirty="0" err="1"/>
+              <a:t>programma</a:t>
+            </a:r>
+            <a:r>
+              <a:rPr dirty="0"/>
+              <a:t> </a:t>
+            </a:r>
+            <a:r>
+              <a:rPr dirty="0" err="1"/>
+              <a:t>deve</a:t>
+            </a:r>
+            <a:r>
+              <a:rPr dirty="0"/>
+              <a:t> </a:t>
+            </a:r>
+            <a:r>
+              <a:rPr dirty="0" err="1"/>
+              <a:t>restituire</a:t>
+            </a:r>
+            <a:r>
+              <a:rPr dirty="0"/>
+              <a:t> prima il </a:t>
+            </a:r>
+            <a:r>
+              <a:rPr dirty="0" err="1"/>
+              <a:t>suo</a:t>
+            </a:r>
+            <a:r>
+              <a:rPr dirty="0"/>
+              <a:t> </a:t>
+            </a:r>
+            <a:r>
+              <a:rPr dirty="0" err="1"/>
+              <a:t>precedente</a:t>
+            </a:r>
+            <a:r>
+              <a:rPr dirty="0"/>
+              <a:t>, poi il </a:t>
+            </a:r>
+            <a:r>
+              <a:rPr dirty="0" err="1"/>
+              <a:t>suo</a:t>
+            </a:r>
+            <a:r>
+              <a:rPr dirty="0"/>
+              <a:t> </a:t>
+            </a:r>
+            <a:r>
+              <a:rPr dirty="0" err="1"/>
+              <a:t>successivo</a:t>
+            </a:r>
+            <a:r>
+              <a:rPr dirty="0"/>
+              <a:t>, </a:t>
+            </a:r>
+            <a:r>
+              <a:rPr dirty="0" err="1"/>
+              <a:t>infine</a:t>
+            </a:r>
+            <a:r>
+              <a:rPr dirty="0"/>
+              <a:t> il doppio del </a:t>
+            </a:r>
+            <a:r>
+              <a:rPr dirty="0" err="1"/>
+              <a:t>numero</a:t>
+            </a:r>
+            <a:r>
+              <a:rPr dirty="0"/>
+              <a:t> </a:t>
+            </a:r>
+            <a:r>
+              <a:rPr dirty="0" err="1"/>
+              <a:t>inserito</a:t>
+            </a:r>
+            <a:r>
+              <a:rPr dirty="0"/>
+              <a:t>.</a:t>
             </a:r>
           </a:p>
         </p:txBody>
@@ -9959,14 +13476,15 @@
               </a:defRPr>
             </a:pPr>
             <a:r>
-              <a:rPr b="1"/>
+              <a:rPr b="1" dirty="0"/>
               <a:t>1</a:t>
             </a:r>
             <a:r>
-              <a:t> </a:t>
-            </a:r>
-            <a:r>
-              <a:rPr>
+              <a:rPr dirty="0"/>
+              <a:t> </a:t>
+            </a:r>
+            <a:r>
+              <a:rPr dirty="0">
                 <a:latin typeface="Courier"/>
                 <a:ea typeface="Courier"/>
                 <a:cs typeface="Courier"/>
@@ -9975,10 +13493,11 @@
               <a:t>()</a:t>
             </a:r>
             <a:r>
-              <a:t> </a:t>
-            </a:r>
-            <a:r>
-              <a:rPr>
+              <a:rPr dirty="0"/>
+              <a:t> </a:t>
+            </a:r>
+            <a:r>
+              <a:rPr dirty="0">
                 <a:latin typeface="Courier"/>
                 <a:ea typeface="Courier"/>
                 <a:cs typeface="Courier"/>
@@ -9987,10 +13506,11 @@
               <a:t>[]</a:t>
             </a:r>
             <a:r>
-              <a:t> </a:t>
-            </a:r>
-            <a:r>
-              <a:rPr>
+              <a:rPr dirty="0"/>
+              <a:t> </a:t>
+            </a:r>
+            <a:r>
+              <a:rPr dirty="0">
                 <a:latin typeface="Courier"/>
                 <a:ea typeface="Courier"/>
                 <a:cs typeface="Courier"/>
@@ -9999,10 +13519,11 @@
               <a:t>.</a:t>
             </a:r>
             <a:r>
-              <a:t> </a:t>
-            </a:r>
-            <a:r>
-              <a:rPr>
+              <a:rPr dirty="0"/>
+              <a:t> </a:t>
+            </a:r>
+            <a:r>
+              <a:rPr dirty="0">
                 <a:latin typeface="Courier"/>
                 <a:ea typeface="Courier"/>
                 <a:cs typeface="Courier"/>
@@ -10011,8 +13532,30 @@
               <a:t>-&gt;</a:t>
             </a:r>
             <a:r>
-              <a:t> → Postfissi → associatività da sinistra a destra</a:t>
-            </a:r>
+              <a:rPr dirty="0"/>
+              <a:t> → </a:t>
+            </a:r>
+            <a:r>
+              <a:rPr dirty="0" err="1"/>
+              <a:t>Postfissi</a:t>
+            </a:r>
+            <a:r>
+              <a:rPr dirty="0"/>
+              <a:t> → </a:t>
+            </a:r>
+            <a:r>
+              <a:rPr dirty="0" err="1"/>
+              <a:t>associatività</a:t>
+            </a:r>
+            <a:r>
+              <a:rPr dirty="0"/>
+              <a:t> da sinistra a </a:t>
+            </a:r>
+            <a:r>
+              <a:rPr dirty="0" err="1"/>
+              <a:t>destra</a:t>
+            </a:r>
+            <a:endParaRPr dirty="0"/>
           </a:p>
           <a:p>
             <a:pPr marL="0" indent="0" defTabSz="457200">
@@ -10030,14 +13573,15 @@
               </a:defRPr>
             </a:pPr>
             <a:r>
-              <a:rPr b="1"/>
+              <a:rPr b="1" dirty="0"/>
               <a:t>2</a:t>
             </a:r>
             <a:r>
-              <a:t> </a:t>
-            </a:r>
-            <a:r>
-              <a:rPr>
+              <a:rPr dirty="0"/>
+              <a:t> </a:t>
+            </a:r>
+            <a:r>
+              <a:rPr dirty="0">
                 <a:latin typeface="Courier"/>
                 <a:ea typeface="Courier"/>
                 <a:cs typeface="Courier"/>
@@ -10046,10 +13590,11 @@
               <a:t>++</a:t>
             </a:r>
             <a:r>
-              <a:t> </a:t>
-            </a:r>
-            <a:r>
-              <a:rPr>
+              <a:rPr dirty="0"/>
+              <a:t> </a:t>
+            </a:r>
+            <a:r>
+              <a:rPr dirty="0">
                 <a:latin typeface="Courier"/>
                 <a:ea typeface="Courier"/>
                 <a:cs typeface="Courier"/>
@@ -10058,10 +13603,11 @@
               <a:t>--</a:t>
             </a:r>
             <a:r>
-              <a:t> </a:t>
-            </a:r>
-            <a:r>
-              <a:rPr>
+              <a:rPr dirty="0"/>
+              <a:t> </a:t>
+            </a:r>
+            <a:r>
+              <a:rPr dirty="0">
                 <a:latin typeface="Courier"/>
                 <a:ea typeface="Courier"/>
                 <a:cs typeface="Courier"/>
@@ -10070,10 +13616,11 @@
               <a:t>+</a:t>
             </a:r>
             <a:r>
-              <a:t> </a:t>
-            </a:r>
-            <a:r>
-              <a:rPr>
+              <a:rPr dirty="0"/>
+              <a:t> </a:t>
+            </a:r>
+            <a:r>
+              <a:rPr dirty="0">
                 <a:latin typeface="Courier"/>
                 <a:ea typeface="Courier"/>
                 <a:cs typeface="Courier"/>
@@ -10082,10 +13629,11 @@
               <a:t>-</a:t>
             </a:r>
             <a:r>
-              <a:t> </a:t>
-            </a:r>
-            <a:r>
-              <a:rPr>
+              <a:rPr dirty="0"/>
+              <a:t> </a:t>
+            </a:r>
+            <a:r>
+              <a:rPr dirty="0">
                 <a:latin typeface="Courier"/>
                 <a:ea typeface="Courier"/>
                 <a:cs typeface="Courier"/>
@@ -10094,10 +13642,11 @@
               <a:t>!</a:t>
             </a:r>
             <a:r>
-              <a:t> </a:t>
-            </a:r>
-            <a:r>
-              <a:rPr>
+              <a:rPr dirty="0"/>
+              <a:t> </a:t>
+            </a:r>
+            <a:r>
+              <a:rPr dirty="0">
                 <a:latin typeface="Courier"/>
                 <a:ea typeface="Courier"/>
                 <a:cs typeface="Courier"/>
@@ -10106,7 +13655,40 @@
               <a:t>~</a:t>
             </a:r>
             <a:r>
-              <a:t> → Unari / prefissi → associatività da destra a sinistra</a:t>
+              <a:rPr dirty="0"/>
+              <a:t> → </a:t>
+            </a:r>
+            <a:r>
+              <a:rPr dirty="0" err="1"/>
+              <a:t>Unari</a:t>
+            </a:r>
+            <a:r>
+              <a:rPr dirty="0"/>
+              <a:t> / </a:t>
+            </a:r>
+            <a:r>
+              <a:rPr dirty="0" err="1"/>
+              <a:t>prefissi</a:t>
+            </a:r>
+            <a:r>
+              <a:rPr dirty="0"/>
+              <a:t> → </a:t>
+            </a:r>
+            <a:r>
+              <a:rPr dirty="0" err="1"/>
+              <a:t>associatività</a:t>
+            </a:r>
+            <a:r>
+              <a:rPr dirty="0"/>
+              <a:t> da </a:t>
+            </a:r>
+            <a:r>
+              <a:rPr dirty="0" err="1"/>
+              <a:t>destra</a:t>
+            </a:r>
+            <a:r>
+              <a:rPr dirty="0"/>
+              <a:t> a sinistra</a:t>
             </a:r>
           </a:p>
           <a:p>
@@ -10125,14 +13707,15 @@
               </a:defRPr>
             </a:pPr>
             <a:r>
-              <a:rPr b="1"/>
+              <a:rPr b="1" dirty="0"/>
               <a:t>3</a:t>
             </a:r>
             <a:r>
-              <a:t> </a:t>
-            </a:r>
-            <a:r>
-              <a:rPr>
+              <a:rPr dirty="0"/>
+              <a:t> </a:t>
+            </a:r>
+            <a:r>
+              <a:rPr dirty="0">
                 <a:latin typeface="Courier"/>
                 <a:ea typeface="Courier"/>
                 <a:cs typeface="Courier"/>
@@ -10141,10 +13724,11 @@
               <a:t>*</a:t>
             </a:r>
             <a:r>
-              <a:t> </a:t>
-            </a:r>
-            <a:r>
-              <a:rPr>
+              <a:rPr dirty="0"/>
+              <a:t> </a:t>
+            </a:r>
+            <a:r>
+              <a:rPr dirty="0">
                 <a:latin typeface="Courier"/>
                 <a:ea typeface="Courier"/>
                 <a:cs typeface="Courier"/>
@@ -10153,10 +13737,11 @@
               <a:t>/</a:t>
             </a:r>
             <a:r>
-              <a:t> </a:t>
-            </a:r>
-            <a:r>
-              <a:rPr>
+              <a:rPr dirty="0"/>
+              <a:t> </a:t>
+            </a:r>
+            <a:r>
+              <a:rPr dirty="0">
                 <a:latin typeface="Courier"/>
                 <a:ea typeface="Courier"/>
                 <a:cs typeface="Courier"/>
@@ -10165,8 +13750,38 @@
               <a:t>%</a:t>
             </a:r>
             <a:r>
-              <a:t> → Moltiplicazione, divisione, modulo → associatività da sinistra a destra</a:t>
-            </a:r>
+              <a:rPr dirty="0"/>
+              <a:t> → </a:t>
+            </a:r>
+            <a:r>
+              <a:rPr dirty="0" err="1"/>
+              <a:t>Moltiplicazione</a:t>
+            </a:r>
+            <a:r>
+              <a:rPr dirty="0"/>
+              <a:t>, </a:t>
+            </a:r>
+            <a:r>
+              <a:rPr dirty="0" err="1"/>
+              <a:t>divisione</a:t>
+            </a:r>
+            <a:r>
+              <a:rPr dirty="0"/>
+              <a:t>, modulo → </a:t>
+            </a:r>
+            <a:r>
+              <a:rPr dirty="0" err="1"/>
+              <a:t>associatività</a:t>
+            </a:r>
+            <a:r>
+              <a:rPr dirty="0"/>
+              <a:t> da sinistra a </a:t>
+            </a:r>
+            <a:r>
+              <a:rPr dirty="0" err="1"/>
+              <a:t>destra</a:t>
+            </a:r>
+            <a:endParaRPr dirty="0"/>
           </a:p>
           <a:p>
             <a:pPr marL="0" indent="0" defTabSz="457200">
@@ -10184,14 +13799,15 @@
               </a:defRPr>
             </a:pPr>
             <a:r>
-              <a:rPr b="1"/>
+              <a:rPr b="1" dirty="0"/>
               <a:t>4</a:t>
             </a:r>
             <a:r>
-              <a:t> </a:t>
-            </a:r>
-            <a:r>
-              <a:rPr>
+              <a:rPr dirty="0"/>
+              <a:t> </a:t>
+            </a:r>
+            <a:r>
+              <a:rPr dirty="0">
                 <a:latin typeface="Courier"/>
                 <a:ea typeface="Courier"/>
                 <a:cs typeface="Courier"/>
@@ -10200,10 +13816,11 @@
               <a:t>+</a:t>
             </a:r>
             <a:r>
-              <a:t> </a:t>
-            </a:r>
-            <a:r>
-              <a:rPr>
+              <a:rPr dirty="0"/>
+              <a:t> </a:t>
+            </a:r>
+            <a:r>
+              <a:rPr dirty="0">
                 <a:latin typeface="Courier"/>
                 <a:ea typeface="Courier"/>
                 <a:cs typeface="Courier"/>
@@ -10212,8 +13829,38 @@
               <a:t>-</a:t>
             </a:r>
             <a:r>
-              <a:t> → Addizione, sottrazione → associatività da sinistra a destra</a:t>
-            </a:r>
+              <a:rPr dirty="0"/>
+              <a:t> → </a:t>
+            </a:r>
+            <a:r>
+              <a:rPr dirty="0" err="1"/>
+              <a:t>Addizione</a:t>
+            </a:r>
+            <a:r>
+              <a:rPr dirty="0"/>
+              <a:t>, </a:t>
+            </a:r>
+            <a:r>
+              <a:rPr dirty="0" err="1"/>
+              <a:t>sottrazione</a:t>
+            </a:r>
+            <a:r>
+              <a:rPr dirty="0"/>
+              <a:t> → </a:t>
+            </a:r>
+            <a:r>
+              <a:rPr dirty="0" err="1"/>
+              <a:t>associatività</a:t>
+            </a:r>
+            <a:r>
+              <a:rPr dirty="0"/>
+              <a:t> da sinistra a </a:t>
+            </a:r>
+            <a:r>
+              <a:rPr dirty="0" err="1"/>
+              <a:t>destra</a:t>
+            </a:r>
+            <a:endParaRPr dirty="0"/>
           </a:p>
           <a:p>
             <a:pPr marL="0" indent="0" defTabSz="457200">
@@ -10231,14 +13878,15 @@
               </a:defRPr>
             </a:pPr>
             <a:r>
-              <a:rPr b="1"/>
+              <a:rPr b="1" dirty="0"/>
               <a:t>5</a:t>
             </a:r>
             <a:r>
-              <a:t> </a:t>
-            </a:r>
-            <a:r>
-              <a:rPr>
+              <a:rPr dirty="0"/>
+              <a:t> </a:t>
+            </a:r>
+            <a:r>
+              <a:rPr dirty="0">
                 <a:latin typeface="Courier"/>
                 <a:ea typeface="Courier"/>
                 <a:cs typeface="Courier"/>
@@ -10247,10 +13895,11 @@
               <a:t>&lt;</a:t>
             </a:r>
             <a:r>
-              <a:t> </a:t>
-            </a:r>
-            <a:r>
-              <a:rPr>
+              <a:rPr dirty="0"/>
+              <a:t> </a:t>
+            </a:r>
+            <a:r>
+              <a:rPr dirty="0">
                 <a:latin typeface="Courier"/>
                 <a:ea typeface="Courier"/>
                 <a:cs typeface="Courier"/>
@@ -10259,10 +13908,11 @@
               <a:t>&lt;=</a:t>
             </a:r>
             <a:r>
-              <a:t> </a:t>
-            </a:r>
-            <a:r>
-              <a:rPr>
+              <a:rPr dirty="0"/>
+              <a:t> </a:t>
+            </a:r>
+            <a:r>
+              <a:rPr dirty="0">
                 <a:latin typeface="Courier"/>
                 <a:ea typeface="Courier"/>
                 <a:cs typeface="Courier"/>
@@ -10271,10 +13921,11 @@
               <a:t>&gt;</a:t>
             </a:r>
             <a:r>
-              <a:t> </a:t>
-            </a:r>
-            <a:r>
-              <a:rPr>
+              <a:rPr dirty="0"/>
+              <a:t> </a:t>
+            </a:r>
+            <a:r>
+              <a:rPr dirty="0">
                 <a:latin typeface="Courier"/>
                 <a:ea typeface="Courier"/>
                 <a:cs typeface="Courier"/>
@@ -10283,8 +13934,30 @@
               <a:t>&gt;=</a:t>
             </a:r>
             <a:r>
-              <a:t> → Relazionali → associatività da sinistra a destra</a:t>
-            </a:r>
+              <a:rPr dirty="0"/>
+              <a:t> → </a:t>
+            </a:r>
+            <a:r>
+              <a:rPr dirty="0" err="1"/>
+              <a:t>Relazionali</a:t>
+            </a:r>
+            <a:r>
+              <a:rPr dirty="0"/>
+              <a:t> → </a:t>
+            </a:r>
+            <a:r>
+              <a:rPr dirty="0" err="1"/>
+              <a:t>associatività</a:t>
+            </a:r>
+            <a:r>
+              <a:rPr dirty="0"/>
+              <a:t> da sinistra a </a:t>
+            </a:r>
+            <a:r>
+              <a:rPr dirty="0" err="1"/>
+              <a:t>destra</a:t>
+            </a:r>
+            <a:endParaRPr dirty="0"/>
           </a:p>
           <a:p>
             <a:pPr marL="0" indent="0" defTabSz="457200">
@@ -10302,14 +13975,15 @@
               </a:defRPr>
             </a:pPr>
             <a:r>
-              <a:rPr b="1"/>
+              <a:rPr b="1" dirty="0"/>
               <a:t>6</a:t>
             </a:r>
             <a:r>
-              <a:t> </a:t>
-            </a:r>
-            <a:r>
-              <a:rPr>
+              <a:rPr dirty="0"/>
+              <a:t> </a:t>
+            </a:r>
+            <a:r>
+              <a:rPr dirty="0">
                 <a:latin typeface="Courier"/>
                 <a:ea typeface="Courier"/>
                 <a:cs typeface="Courier"/>
@@ -10318,10 +13992,11 @@
               <a:t>==</a:t>
             </a:r>
             <a:r>
-              <a:t> </a:t>
-            </a:r>
-            <a:r>
-              <a:rPr>
+              <a:rPr dirty="0"/>
+              <a:t> </a:t>
+            </a:r>
+            <a:r>
+              <a:rPr dirty="0">
                 <a:latin typeface="Courier"/>
                 <a:ea typeface="Courier"/>
                 <a:cs typeface="Courier"/>
@@ -10330,8 +14005,30 @@
               <a:t>!=</a:t>
             </a:r>
             <a:r>
-              <a:t> → Uguaglianza → associatività da sinistra a destra</a:t>
-            </a:r>
+              <a:rPr dirty="0"/>
+              <a:t> → </a:t>
+            </a:r>
+            <a:r>
+              <a:rPr dirty="0" err="1"/>
+              <a:t>Uguaglianza</a:t>
+            </a:r>
+            <a:r>
+              <a:rPr dirty="0"/>
+              <a:t> → </a:t>
+            </a:r>
+            <a:r>
+              <a:rPr dirty="0" err="1"/>
+              <a:t>associatività</a:t>
+            </a:r>
+            <a:r>
+              <a:rPr dirty="0"/>
+              <a:t> da sinistra a </a:t>
+            </a:r>
+            <a:r>
+              <a:rPr dirty="0" err="1"/>
+              <a:t>destra</a:t>
+            </a:r>
+            <a:endParaRPr dirty="0"/>
           </a:p>
           <a:p>
             <a:pPr marL="0" indent="0" defTabSz="457200">
@@ -10349,14 +14046,15 @@
               </a:defRPr>
             </a:pPr>
             <a:r>
-              <a:rPr b="1"/>
+              <a:rPr b="1" dirty="0"/>
               <a:t>7</a:t>
             </a:r>
             <a:r>
-              <a:t> </a:t>
-            </a:r>
-            <a:r>
-              <a:rPr>
+              <a:rPr dirty="0"/>
+              <a:t> </a:t>
+            </a:r>
+            <a:r>
+              <a:rPr dirty="0">
                 <a:latin typeface="Courier"/>
                 <a:ea typeface="Courier"/>
                 <a:cs typeface="Courier"/>
@@ -10365,8 +14063,39 @@
               <a:t>&amp;</a:t>
             </a:r>
             <a:r>
-              <a:t> → AND bit a bit → associatività da sinistra a destra</a:t>
-            </a:r>
+              <a:rPr dirty="0"/>
+              <a:t> → AND bit a bit → </a:t>
+            </a:r>
+            <a:r>
+              <a:rPr dirty="0" err="1"/>
+              <a:t>associatività</a:t>
+            </a:r>
+            <a:r>
+              <a:rPr dirty="0"/>
+              <a:t> da sinistra a </a:t>
+            </a:r>
+            <a:r>
+              <a:rPr dirty="0" err="1"/>
+              <a:t>destra</a:t>
+            </a:r>
+            <a:endParaRPr lang="it-IT" dirty="0"/>
+          </a:p>
+          <a:p>
+            <a:pPr marL="0" indent="0" defTabSz="457200">
+              <a:spcBef>
+                <a:spcPts val="1200"/>
+              </a:spcBef>
+              <a:buClrTx/>
+              <a:buSzTx/>
+              <a:buNone/>
+              <a:defRPr>
+                <a:latin typeface="Times Roman"/>
+                <a:ea typeface="Times Roman"/>
+                <a:cs typeface="Times Roman"/>
+                <a:sym typeface="Times Roman"/>
+              </a:defRPr>
+            </a:pPr>
+            <a:endParaRPr lang="it-IT" dirty="0"/>
           </a:p>
         </p:txBody>
       </p:sp>
@@ -10955,14 +14684,15 @@
               </a:defRPr>
             </a:pPr>
             <a:r>
-              <a:rPr b="1"/>
+              <a:rPr b="1" dirty="0"/>
               <a:t>8</a:t>
             </a:r>
             <a:r>
-              <a:t> </a:t>
-            </a:r>
-            <a:r>
-              <a:rPr>
+              <a:rPr dirty="0"/>
+              <a:t> </a:t>
+            </a:r>
+            <a:r>
+              <a:rPr dirty="0">
                 <a:latin typeface="Courier"/>
                 <a:ea typeface="Courier"/>
                 <a:cs typeface="Courier"/>
@@ -10971,8 +14701,22 @@
               <a:t>^</a:t>
             </a:r>
             <a:r>
-              <a:t> → XOR bit a bit → associatività da sinistra a destra</a:t>
-            </a:r>
+              <a:rPr dirty="0"/>
+              <a:t> → XOR bit a bit → </a:t>
+            </a:r>
+            <a:r>
+              <a:rPr dirty="0" err="1"/>
+              <a:t>associatività</a:t>
+            </a:r>
+            <a:r>
+              <a:rPr dirty="0"/>
+              <a:t> da sinistra a </a:t>
+            </a:r>
+            <a:r>
+              <a:rPr dirty="0" err="1"/>
+              <a:t>destra</a:t>
+            </a:r>
+            <a:endParaRPr dirty="0"/>
           </a:p>
           <a:p>
             <a:pPr marL="0" indent="0" defTabSz="457200">
@@ -10990,14 +14734,15 @@
               </a:defRPr>
             </a:pPr>
             <a:r>
-              <a:rPr b="1"/>
+              <a:rPr b="1" dirty="0"/>
               <a:t>9</a:t>
             </a:r>
             <a:r>
-              <a:t> </a:t>
-            </a:r>
-            <a:r>
-              <a:rPr>
+              <a:rPr dirty="0"/>
+              <a:t> </a:t>
+            </a:r>
+            <a:r>
+              <a:rPr dirty="0">
                 <a:latin typeface="Courier"/>
                 <a:ea typeface="Courier"/>
                 <a:cs typeface="Courier"/>
@@ -11006,8 +14751,22 @@
               <a:t>|</a:t>
             </a:r>
             <a:r>
-              <a:t> → OR bit a bit → associatività da sinistra a destra</a:t>
-            </a:r>
+              <a:rPr dirty="0"/>
+              <a:t> → OR bit a bit → </a:t>
+            </a:r>
+            <a:r>
+              <a:rPr dirty="0" err="1"/>
+              <a:t>associatività</a:t>
+            </a:r>
+            <a:r>
+              <a:rPr dirty="0"/>
+              <a:t> da sinistra a </a:t>
+            </a:r>
+            <a:r>
+              <a:rPr dirty="0" err="1"/>
+              <a:t>destra</a:t>
+            </a:r>
+            <a:endParaRPr dirty="0"/>
           </a:p>
           <a:p>
             <a:pPr marL="0" indent="0" defTabSz="457200">
@@ -11025,14 +14784,15 @@
               </a:defRPr>
             </a:pPr>
             <a:r>
-              <a:rPr b="1"/>
+              <a:rPr b="1" dirty="0"/>
               <a:t>10</a:t>
             </a:r>
             <a:r>
-              <a:t> </a:t>
-            </a:r>
-            <a:r>
-              <a:rPr>
+              <a:rPr dirty="0"/>
+              <a:t> </a:t>
+            </a:r>
+            <a:r>
+              <a:rPr dirty="0">
                 <a:latin typeface="Courier"/>
                 <a:ea typeface="Courier"/>
                 <a:cs typeface="Courier"/>
@@ -11041,8 +14801,30 @@
               <a:t>&amp;&amp;</a:t>
             </a:r>
             <a:r>
-              <a:t> → AND logico → associatività da sinistra a destra</a:t>
-            </a:r>
+              <a:rPr dirty="0"/>
+              <a:t> → AND </a:t>
+            </a:r>
+            <a:r>
+              <a:rPr dirty="0" err="1"/>
+              <a:t>logico</a:t>
+            </a:r>
+            <a:r>
+              <a:rPr dirty="0"/>
+              <a:t> → </a:t>
+            </a:r>
+            <a:r>
+              <a:rPr dirty="0" err="1"/>
+              <a:t>associatività</a:t>
+            </a:r>
+            <a:r>
+              <a:rPr dirty="0"/>
+              <a:t> da sinistra a </a:t>
+            </a:r>
+            <a:r>
+              <a:rPr dirty="0" err="1"/>
+              <a:t>destra</a:t>
+            </a:r>
+            <a:endParaRPr dirty="0"/>
           </a:p>
           <a:p>
             <a:pPr marL="0" indent="0" defTabSz="457200">
@@ -11060,14 +14842,15 @@
               </a:defRPr>
             </a:pPr>
             <a:r>
-              <a:rPr b="1"/>
+              <a:rPr b="1" dirty="0"/>
               <a:t>11</a:t>
             </a:r>
             <a:r>
-              <a:t> </a:t>
-            </a:r>
-            <a:r>
-              <a:rPr>
+              <a:rPr dirty="0"/>
+              <a:t> </a:t>
+            </a:r>
+            <a:r>
+              <a:rPr dirty="0">
                 <a:latin typeface="Courier"/>
                 <a:ea typeface="Courier"/>
                 <a:cs typeface="Courier"/>
@@ -11076,8 +14859,30 @@
               <a:t>||</a:t>
             </a:r>
             <a:r>
-              <a:t> → OR logico → associatività da sinistra a destra</a:t>
-            </a:r>
+              <a:rPr dirty="0"/>
+              <a:t> → OR </a:t>
+            </a:r>
+            <a:r>
+              <a:rPr dirty="0" err="1"/>
+              <a:t>logico</a:t>
+            </a:r>
+            <a:r>
+              <a:rPr dirty="0"/>
+              <a:t> → </a:t>
+            </a:r>
+            <a:r>
+              <a:rPr dirty="0" err="1"/>
+              <a:t>associatività</a:t>
+            </a:r>
+            <a:r>
+              <a:rPr dirty="0"/>
+              <a:t> da sinistra a </a:t>
+            </a:r>
+            <a:r>
+              <a:rPr dirty="0" err="1"/>
+              <a:t>destra</a:t>
+            </a:r>
+            <a:endParaRPr dirty="0"/>
           </a:p>
           <a:p>
             <a:pPr marL="0" indent="0" defTabSz="457200">
@@ -11095,14 +14900,15 @@
               </a:defRPr>
             </a:pPr>
             <a:r>
-              <a:rPr b="1"/>
+              <a:rPr b="1" dirty="0"/>
               <a:t>12</a:t>
             </a:r>
             <a:r>
-              <a:t> </a:t>
-            </a:r>
-            <a:r>
-              <a:rPr>
+              <a:rPr dirty="0"/>
+              <a:t> </a:t>
+            </a:r>
+            <a:r>
+              <a:rPr dirty="0">
                 <a:latin typeface="Courier"/>
                 <a:ea typeface="Courier"/>
                 <a:cs typeface="Courier"/>
@@ -11111,7 +14917,40 @@
               <a:t>?:</a:t>
             </a:r>
             <a:r>
-              <a:t> → Operatore ternario → associatività da destra a sinistra</a:t>
+              <a:rPr dirty="0"/>
+              <a:t> → </a:t>
+            </a:r>
+            <a:r>
+              <a:rPr dirty="0" err="1"/>
+              <a:t>Operatore</a:t>
+            </a:r>
+            <a:r>
+              <a:rPr dirty="0"/>
+              <a:t> </a:t>
+            </a:r>
+            <a:r>
+              <a:rPr dirty="0" err="1"/>
+              <a:t>ternario</a:t>
+            </a:r>
+            <a:r>
+              <a:rPr dirty="0"/>
+              <a:t> → </a:t>
+            </a:r>
+            <a:r>
+              <a:rPr dirty="0" err="1"/>
+              <a:t>associatività</a:t>
+            </a:r>
+            <a:r>
+              <a:rPr dirty="0"/>
+              <a:t> da </a:t>
+            </a:r>
+            <a:r>
+              <a:rPr dirty="0" err="1"/>
+              <a:t>destra</a:t>
+            </a:r>
+            <a:r>
+              <a:rPr dirty="0"/>
+              <a:t> a sinistra</a:t>
             </a:r>
           </a:p>
           <a:p>
@@ -11130,14 +14969,15 @@
               </a:defRPr>
             </a:pPr>
             <a:r>
-              <a:rPr b="1"/>
+              <a:rPr b="1" dirty="0"/>
               <a:t>13</a:t>
             </a:r>
             <a:r>
-              <a:t> </a:t>
-            </a:r>
-            <a:r>
-              <a:rPr>
+              <a:rPr dirty="0"/>
+              <a:t> </a:t>
+            </a:r>
+            <a:r>
+              <a:rPr dirty="0">
                 <a:latin typeface="Courier"/>
                 <a:ea typeface="Courier"/>
                 <a:cs typeface="Courier"/>
@@ -11146,10 +14986,11 @@
               <a:t>=</a:t>
             </a:r>
             <a:r>
-              <a:t> </a:t>
-            </a:r>
-            <a:r>
-              <a:rPr>
+              <a:rPr dirty="0"/>
+              <a:t> </a:t>
+            </a:r>
+            <a:r>
+              <a:rPr dirty="0">
                 <a:latin typeface="Courier"/>
                 <a:ea typeface="Courier"/>
                 <a:cs typeface="Courier"/>
@@ -11158,10 +14999,11 @@
               <a:t>+=</a:t>
             </a:r>
             <a:r>
-              <a:t> </a:t>
-            </a:r>
-            <a:r>
-              <a:rPr>
+              <a:rPr dirty="0"/>
+              <a:t> </a:t>
+            </a:r>
+            <a:r>
+              <a:rPr dirty="0">
                 <a:latin typeface="Courier"/>
                 <a:ea typeface="Courier"/>
                 <a:cs typeface="Courier"/>
@@ -11170,7 +15012,32 @@
               <a:t>-=</a:t>
             </a:r>
             <a:r>
-              <a:t> … → Assegnamento → associatività da destra a sinistra</a:t>
+              <a:rPr dirty="0"/>
+              <a:t> … → </a:t>
+            </a:r>
+            <a:r>
+              <a:rPr dirty="0" err="1"/>
+              <a:t>Assegnamento</a:t>
+            </a:r>
+            <a:r>
+              <a:rPr dirty="0"/>
+              <a:t> → </a:t>
+            </a:r>
+            <a:r>
+              <a:rPr dirty="0" err="1"/>
+              <a:t>associatività</a:t>
+            </a:r>
+            <a:r>
+              <a:rPr dirty="0"/>
+              <a:t> da </a:t>
+            </a:r>
+            <a:r>
+              <a:rPr dirty="0" err="1"/>
+              <a:t>destra</a:t>
+            </a:r>
+            <a:r>
+              <a:rPr dirty="0"/>
+              <a:t> a sinistra</a:t>
             </a:r>
           </a:p>
           <a:p>
@@ -11189,14 +15056,15 @@
               </a:defRPr>
             </a:pPr>
             <a:r>
-              <a:rPr b="1"/>
+              <a:rPr b="1" dirty="0"/>
               <a:t>14</a:t>
             </a:r>
             <a:r>
-              <a:t> </a:t>
-            </a:r>
-            <a:r>
-              <a:rPr>
+              <a:rPr dirty="0"/>
+              <a:t> </a:t>
+            </a:r>
+            <a:r>
+              <a:rPr dirty="0">
                 <a:latin typeface="Courier"/>
                 <a:ea typeface="Courier"/>
                 <a:cs typeface="Courier"/>
@@ -11205,8 +15073,38 @@
               <a:t>,</a:t>
             </a:r>
             <a:r>
-              <a:t> → Separatore di espressioni → associatività da sinistra a destra</a:t>
-            </a:r>
+              <a:rPr dirty="0"/>
+              <a:t> → </a:t>
+            </a:r>
+            <a:r>
+              <a:rPr dirty="0" err="1"/>
+              <a:t>Separatore</a:t>
+            </a:r>
+            <a:r>
+              <a:rPr dirty="0"/>
+              <a:t> di </a:t>
+            </a:r>
+            <a:r>
+              <a:rPr dirty="0" err="1"/>
+              <a:t>espressioni</a:t>
+            </a:r>
+            <a:r>
+              <a:rPr dirty="0"/>
+              <a:t> → </a:t>
+            </a:r>
+            <a:r>
+              <a:rPr dirty="0" err="1"/>
+              <a:t>associatività</a:t>
+            </a:r>
+            <a:r>
+              <a:rPr dirty="0"/>
+              <a:t> da sinistra a </a:t>
+            </a:r>
+            <a:r>
+              <a:rPr dirty="0" err="1"/>
+              <a:t>destra</a:t>
+            </a:r>
+            <a:endParaRPr dirty="0"/>
           </a:p>
         </p:txBody>
       </p:sp>
@@ -11299,14 +15197,23 @@
                   </a:defRPr>
                 </a:pPr>
                 <a:r>
-                  <a:t>Data la seguente formula:</a:t>
+                  <a:rPr dirty="0"/>
+                  <a:t>Data la </a:t>
+                </a:r>
+                <a:r>
+                  <a:rPr dirty="0" err="1"/>
+                  <a:t>seguente</a:t>
+                </a:r>
+                <a:r>
+                  <a:rPr dirty="0"/>
+                  <a:t> formula:</a:t>
                 </a:r>
               </a:p>
               <a:p>
                 <a:pPr algn="l" defTabSz="685165">
                   <a:defRPr sz="4482"/>
                 </a:pPr>
-                <a:endParaRPr/>
+                <a:endParaRPr dirty="0"/>
               </a:p>
               <a:p>
                 <a:pPr defTabSz="685165">
@@ -11400,7 +15307,7 @@
                     </m:oMath>
                   </m:oMathPara>
                 </a14:m>
-                <a:endParaRPr/>
+                <a:endParaRPr dirty="0"/>
               </a:p>
               <a:p>
                 <a:pPr algn="l" defTabSz="685165">
@@ -11412,6 +15319,7 @@
                   </a:defRPr>
                 </a:pPr>
                 <a:r>
+                  <a:rPr dirty="0"/>
                   <a:t>Dove:</a:t>
                 </a:r>
               </a:p>
@@ -11425,7 +15333,16 @@
                   </a:defRPr>
                 </a:pPr>
                 <a:r>
-                  <a:t>- C: gradi Celsius;</a:t>
+                  <a:rPr dirty="0"/>
+                  <a:t>- C: </a:t>
+                </a:r>
+                <a:r>
+                  <a:rPr dirty="0" err="1"/>
+                  <a:t>gradi</a:t>
+                </a:r>
+                <a:r>
+                  <a:rPr dirty="0"/>
+                  <a:t> Celsius;</a:t>
                 </a:r>
               </a:p>
               <a:p>
@@ -11438,10 +15355,21 @@
                   </a:defRPr>
                 </a:pPr>
                 <a:r>
-                  <a:t>- F: gradi Fahreneit</a:t>
+                  <a:rPr dirty="0"/>
+                  <a:t>- F: </a:t>
                 </a:r>
-                <a:br/>
-                <a:endParaRPr/>
+                <a:r>
+                  <a:rPr dirty="0" err="1"/>
+                  <a:t>gradi</a:t>
+                </a:r>
+                <a:r>
+                  <a:rPr dirty="0"/>
+                  <a:t> Fahreneit</a:t>
+                </a:r>
+                <a:br>
+                  <a:rPr dirty="0"/>
+                </a:br>
+                <a:endParaRPr dirty="0"/>
               </a:p>
               <a:p>
                 <a:pPr algn="l" defTabSz="685165">
@@ -11453,7 +15381,80 @@
                   </a:defRPr>
                 </a:pPr>
                 <a:r>
-                  <a:t>Si scrivi un programma che, preso in input la temperatura in gradi Fahreneit, faccia la conversione in gradi Celsius</a:t>
+                  <a:rPr dirty="0"/>
+                  <a:t>Si </a:t>
+                </a:r>
+                <a:r>
+                  <a:rPr dirty="0" err="1"/>
+                  <a:t>scrivi</a:t>
+                </a:r>
+                <a:r>
+                  <a:rPr dirty="0"/>
+                  <a:t> un </a:t>
+                </a:r>
+                <a:r>
+                  <a:rPr dirty="0" err="1"/>
+                  <a:t>programma</a:t>
+                </a:r>
+                <a:r>
+                  <a:rPr dirty="0"/>
+                  <a:t> </a:t>
+                </a:r>
+                <a:r>
+                  <a:rPr dirty="0" err="1"/>
+                  <a:t>che</a:t>
+                </a:r>
+                <a:r>
+                  <a:rPr dirty="0"/>
+                  <a:t>, </a:t>
+                </a:r>
+                <a:r>
+                  <a:rPr dirty="0" err="1"/>
+                  <a:t>preso</a:t>
+                </a:r>
+                <a:r>
+                  <a:rPr dirty="0"/>
+                  <a:t> in input la </a:t>
+                </a:r>
+                <a:r>
+                  <a:rPr dirty="0" err="1"/>
+                  <a:t>temperatura</a:t>
+                </a:r>
+                <a:r>
+                  <a:rPr dirty="0"/>
+                  <a:t> in </a:t>
+                </a:r>
+                <a:r>
+                  <a:rPr dirty="0" err="1"/>
+                  <a:t>gradi</a:t>
+                </a:r>
+                <a:r>
+                  <a:rPr dirty="0"/>
+                  <a:t> Fahreneit, </a:t>
+                </a:r>
+                <a:r>
+                  <a:rPr dirty="0" err="1"/>
+                  <a:t>faccia</a:t>
+                </a:r>
+                <a:r>
+                  <a:rPr dirty="0"/>
+                  <a:t> la </a:t>
+                </a:r>
+                <a:r>
+                  <a:rPr dirty="0" err="1"/>
+                  <a:t>conversione</a:t>
+                </a:r>
+                <a:r>
+                  <a:rPr dirty="0"/>
+                  <a:t> in </a:t>
+                </a:r>
+                <a:r>
+                  <a:rPr dirty="0" err="1"/>
+                  <a:t>gradi</a:t>
+                </a:r>
+                <a:r>
+                  <a:rPr dirty="0"/>
+                  <a:t> Celsius</a:t>
                 </a:r>
               </a:p>
               <a:p>
@@ -11465,7 +15466,7 @@
                     <a:sym typeface="Graphik"/>
                   </a:defRPr>
                 </a:pPr>
-                <a:endParaRPr/>
+                <a:endParaRPr dirty="0"/>
               </a:p>
               <a:p>
                 <a:pPr algn="l" defTabSz="685165">
@@ -11477,7 +15478,28 @@
                   </a:defRPr>
                 </a:pPr>
                 <a:r>
-                  <a:t>Esempio: 77 gradi Fahreneit —&gt; 25 gradi Celsius</a:t>
+                  <a:rPr dirty="0" err="1"/>
+                  <a:t>Esempio</a:t>
+                </a:r>
+                <a:r>
+                  <a:rPr dirty="0"/>
+                  <a:t>: 77 </a:t>
+                </a:r>
+                <a:r>
+                  <a:rPr dirty="0" err="1"/>
+                  <a:t>gradi</a:t>
+                </a:r>
+                <a:r>
+                  <a:rPr dirty="0"/>
+                  <a:t> Fahreneit —&gt; 25 </a:t>
+                </a:r>
+                <a:r>
+                  <a:rPr dirty="0" err="1"/>
+                  <a:t>gradi</a:t>
+                </a:r>
+                <a:r>
+                  <a:rPr dirty="0"/>
+                  <a:t> Celsius</a:t>
                 </a:r>
               </a:p>
             </p:txBody>
